--- a/Teorico/Trabajos teoricos conceptuales/ISW_TPC__PECHCACUCHA_V001.pptx
+++ b/Teorico/Trabajos teoricos conceptuales/ISW_TPC__PECHCACUCHA_V001.pptx
@@ -292,7 +292,7 @@
       </p15:sldGuideLst>
     </p:ext>
     <p:ext uri="http://customooxmlschemas.google.com/">
-      <go:slidesCustomData xmlns="" xmlns:mc="http://schemas.openxmlformats.org/markup-compatibility/2006" xmlns:mv="urn:schemas-microsoft-com:mac:vml" xmlns:c="http://schemas.openxmlformats.org/drawingml/2006/chart" xmlns:dgm="http://schemas.openxmlformats.org/drawingml/2006/diagram" xmlns:o="urn:schemas-microsoft-com:office:office" xmlns:v="urn:schemas-microsoft-com:vml" xmlns:pvml="urn:schemas-microsoft-com:office:powerpoint" xmlns:com="http://schemas.openxmlformats.org/drawingml/2006/compatibility" xmlns:p14="http://schemas.microsoft.com/office/powerpoint/2010/main" xmlns:p15="http://schemas.microsoft.com/office/powerpoint/2012/main" xmlns:ahyp="http://schemas.microsoft.com/office/drawing/2018/hyperlinkcolor" xmlns:go="http://customooxmlschemas.google.com/" r:id="rId31" roundtripDataSignature="AMtx7miJXTxKdycJU1HVQbDjOoye0ovIJQ=="/>
+      <go:slidesCustomData xmlns:go="http://customooxmlschemas.google.com/" xmlns:ahyp="http://schemas.microsoft.com/office/drawing/2018/hyperlinkcolor" xmlns:p15="http://schemas.microsoft.com/office/powerpoint/2012/main" xmlns:p14="http://schemas.microsoft.com/office/powerpoint/2010/main" xmlns:com="http://schemas.openxmlformats.org/drawingml/2006/compatibility" xmlns:pvml="urn:schemas-microsoft-com:office:powerpoint" xmlns:v="urn:schemas-microsoft-com:vml" xmlns:o="urn:schemas-microsoft-com:office:office" xmlns:dgm="http://schemas.openxmlformats.org/drawingml/2006/diagram" xmlns:c="http://schemas.openxmlformats.org/drawingml/2006/chart" xmlns:mv="urn:schemas-microsoft-com:mac:vml" xmlns:mc="http://schemas.openxmlformats.org/markup-compatibility/2006" xmlns="" r:id="rId31" roundtripDataSignature="AMtx7miJXTxKdycJU1HVQbDjOoye0ovIJQ=="/>
     </p:ext>
   </p:extLst>
 </p:presentation>
@@ -790,7 +790,7 @@
               </a:spcAft>
               <a:buNone/>
             </a:pPr>
-            <a:endParaRPr/>
+            <a:endParaRPr dirty="0"/>
           </a:p>
         </p:txBody>
       </p:sp>
@@ -4786,6 +4786,14 @@
   <p:clrMapOvr>
     <a:masterClrMapping/>
   </p:clrMapOvr>
+  <mc:AlternateContent xmlns:mc="http://schemas.openxmlformats.org/markup-compatibility/2006">
+    <mc:Choice xmlns:p14="http://schemas.microsoft.com/office/powerpoint/2010/main" Requires="p14">
+      <p:transition spd="slow" p14:dur="20000" advClick="0" advTm="20000"/>
+    </mc:Choice>
+    <mc:Fallback>
+      <p:transition spd="slow" advClick="0" advTm="20000"/>
+    </mc:Fallback>
+  </mc:AlternateContent>
 </p:sldLayout>
 </file>
 
@@ -5490,6 +5498,14 @@
   <p:clrMapOvr>
     <a:masterClrMapping/>
   </p:clrMapOvr>
+  <mc:AlternateContent xmlns:mc="http://schemas.openxmlformats.org/markup-compatibility/2006">
+    <mc:Choice xmlns:p14="http://schemas.microsoft.com/office/powerpoint/2010/main" Requires="p14">
+      <p:transition spd="slow" p14:dur="20000" advClick="0" advTm="20000"/>
+    </mc:Choice>
+    <mc:Fallback>
+      <p:transition spd="slow" advClick="0" advTm="20000"/>
+    </mc:Fallback>
+  </mc:AlternateContent>
 </p:sldLayout>
 </file>
 
@@ -6161,6 +6177,14 @@
   <p:clrMapOvr>
     <a:masterClrMapping/>
   </p:clrMapOvr>
+  <mc:AlternateContent xmlns:mc="http://schemas.openxmlformats.org/markup-compatibility/2006">
+    <mc:Choice xmlns:p14="http://schemas.microsoft.com/office/powerpoint/2010/main" Requires="p14">
+      <p:transition spd="slow" p14:dur="20000" advClick="0" advTm="20000"/>
+    </mc:Choice>
+    <mc:Fallback>
+      <p:transition spd="slow" advClick="0" advTm="20000"/>
+    </mc:Fallback>
+  </mc:AlternateContent>
 </p:sldLayout>
 </file>
 
@@ -7073,6 +7097,14 @@
   <p:clrMapOvr>
     <a:masterClrMapping/>
   </p:clrMapOvr>
+  <mc:AlternateContent xmlns:mc="http://schemas.openxmlformats.org/markup-compatibility/2006">
+    <mc:Choice xmlns:p14="http://schemas.microsoft.com/office/powerpoint/2010/main" Requires="p14">
+      <p:transition spd="slow" p14:dur="20000" advClick="0" advTm="20000"/>
+    </mc:Choice>
+    <mc:Fallback>
+      <p:transition spd="slow" advClick="0" advTm="20000"/>
+    </mc:Fallback>
+  </mc:AlternateContent>
 </p:sldLayout>
 </file>
 
@@ -7780,6 +7812,14 @@
   <p:clrMapOvr>
     <a:masterClrMapping/>
   </p:clrMapOvr>
+  <mc:AlternateContent xmlns:mc="http://schemas.openxmlformats.org/markup-compatibility/2006">
+    <mc:Choice xmlns:p14="http://schemas.microsoft.com/office/powerpoint/2010/main" Requires="p14">
+      <p:transition spd="slow" p14:dur="20000" advClick="0" advTm="20000"/>
+    </mc:Choice>
+    <mc:Fallback>
+      <p:transition spd="slow" advClick="0" advTm="20000"/>
+    </mc:Fallback>
+  </mc:AlternateContent>
 </p:sldLayout>
 </file>
 
@@ -9184,6 +9224,14 @@
   <p:clrMapOvr>
     <a:masterClrMapping/>
   </p:clrMapOvr>
+  <mc:AlternateContent xmlns:mc="http://schemas.openxmlformats.org/markup-compatibility/2006">
+    <mc:Choice xmlns:p14="http://schemas.microsoft.com/office/powerpoint/2010/main" Requires="p14">
+      <p:transition spd="slow" p14:dur="20000" advClick="0" advTm="20000"/>
+    </mc:Choice>
+    <mc:Fallback>
+      <p:transition spd="slow" advClick="0" advTm="20000"/>
+    </mc:Fallback>
+  </mc:AlternateContent>
 </p:sldLayout>
 </file>
 
@@ -10687,6 +10735,14 @@
   <p:clrMapOvr>
     <a:masterClrMapping/>
   </p:clrMapOvr>
+  <mc:AlternateContent xmlns:mc="http://schemas.openxmlformats.org/markup-compatibility/2006">
+    <mc:Choice xmlns:p14="http://schemas.microsoft.com/office/powerpoint/2010/main" Requires="p14">
+      <p:transition spd="slow" p14:dur="20000" advClick="0" advTm="20000"/>
+    </mc:Choice>
+    <mc:Fallback>
+      <p:transition spd="slow" advClick="0" advTm="20000"/>
+    </mc:Fallback>
+  </mc:AlternateContent>
 </p:sldLayout>
 </file>
 
@@ -11357,6 +11413,14 @@
   <p:clrMapOvr>
     <a:masterClrMapping/>
   </p:clrMapOvr>
+  <mc:AlternateContent xmlns:mc="http://schemas.openxmlformats.org/markup-compatibility/2006">
+    <mc:Choice xmlns:p14="http://schemas.microsoft.com/office/powerpoint/2010/main" Requires="p14">
+      <p:transition spd="slow" p14:dur="20000" advClick="0" advTm="20000"/>
+    </mc:Choice>
+    <mc:Fallback>
+      <p:transition spd="slow" advClick="0" advTm="20000"/>
+    </mc:Fallback>
+  </mc:AlternateContent>
 </p:sldLayout>
 </file>
 
@@ -12027,6 +12091,14 @@
   <p:clrMapOvr>
     <a:masterClrMapping/>
   </p:clrMapOvr>
+  <mc:AlternateContent xmlns:mc="http://schemas.openxmlformats.org/markup-compatibility/2006">
+    <mc:Choice xmlns:p14="http://schemas.microsoft.com/office/powerpoint/2010/main" Requires="p14">
+      <p:transition spd="slow" p14:dur="20000" advClick="0" advTm="20000"/>
+    </mc:Choice>
+    <mc:Fallback>
+      <p:transition spd="slow" advClick="0" advTm="20000"/>
+    </mc:Fallback>
+  </mc:AlternateContent>
 </p:sldLayout>
 </file>
 
@@ -12697,6 +12769,14 @@
   <p:clrMapOvr>
     <a:masterClrMapping/>
   </p:clrMapOvr>
+  <mc:AlternateContent xmlns:mc="http://schemas.openxmlformats.org/markup-compatibility/2006">
+    <mc:Choice xmlns:p14="http://schemas.microsoft.com/office/powerpoint/2010/main" Requires="p14">
+      <p:transition spd="slow" p14:dur="20000" advClick="0" advTm="20000"/>
+    </mc:Choice>
+    <mc:Fallback>
+      <p:transition spd="slow" advClick="0" advTm="20000"/>
+    </mc:Fallback>
+  </mc:AlternateContent>
 </p:sldLayout>
 </file>
 
@@ -13404,6 +13484,14 @@
   <p:clrMapOvr>
     <a:masterClrMapping/>
   </p:clrMapOvr>
+  <mc:AlternateContent xmlns:mc="http://schemas.openxmlformats.org/markup-compatibility/2006">
+    <mc:Choice xmlns:p14="http://schemas.microsoft.com/office/powerpoint/2010/main" Requires="p14">
+      <p:transition spd="slow" p14:dur="20000" advClick="0" advTm="20000"/>
+    </mc:Choice>
+    <mc:Fallback>
+      <p:transition spd="slow" advClick="0" advTm="20000"/>
+    </mc:Fallback>
+  </mc:AlternateContent>
 </p:sldLayout>
 </file>
 
@@ -14207,6 +14295,14 @@
   <p:clrMapOvr>
     <a:masterClrMapping/>
   </p:clrMapOvr>
+  <mc:AlternateContent xmlns:mc="http://schemas.openxmlformats.org/markup-compatibility/2006">
+    <mc:Choice xmlns:p14="http://schemas.microsoft.com/office/powerpoint/2010/main" Requires="p14">
+      <p:transition spd="slow" p14:dur="20000" advClick="0" advTm="20000"/>
+    </mc:Choice>
+    <mc:Fallback>
+      <p:transition spd="slow" advClick="0" advTm="20000"/>
+    </mc:Fallback>
+  </mc:AlternateContent>
 </p:sldLayout>
 </file>
 
@@ -15285,6 +15381,14 @@
   <p:clrMapOvr>
     <a:masterClrMapping/>
   </p:clrMapOvr>
+  <mc:AlternateContent xmlns:mc="http://schemas.openxmlformats.org/markup-compatibility/2006">
+    <mc:Choice xmlns:p14="http://schemas.microsoft.com/office/powerpoint/2010/main" Requires="p14">
+      <p:transition spd="slow" p14:dur="20000" advClick="0" advTm="20000"/>
+    </mc:Choice>
+    <mc:Fallback>
+      <p:transition spd="slow" advClick="0" advTm="20000"/>
+    </mc:Fallback>
+  </mc:AlternateContent>
 </p:sldLayout>
 </file>
 
@@ -15822,6 +15926,14 @@
   <p:clrMapOvr>
     <a:masterClrMapping/>
   </p:clrMapOvr>
+  <mc:AlternateContent xmlns:mc="http://schemas.openxmlformats.org/markup-compatibility/2006">
+    <mc:Choice xmlns:p14="http://schemas.microsoft.com/office/powerpoint/2010/main" Requires="p14">
+      <p:transition spd="slow" p14:dur="20000" advClick="0" advTm="20000"/>
+    </mc:Choice>
+    <mc:Fallback>
+      <p:transition spd="slow" advClick="0" advTm="20000"/>
+    </mc:Fallback>
+  </mc:AlternateContent>
 </p:sldLayout>
 </file>
 
@@ -16223,6 +16335,14 @@
   <p:clrMapOvr>
     <a:masterClrMapping/>
   </p:clrMapOvr>
+  <mc:AlternateContent xmlns:mc="http://schemas.openxmlformats.org/markup-compatibility/2006">
+    <mc:Choice xmlns:p14="http://schemas.microsoft.com/office/powerpoint/2010/main" Requires="p14">
+      <p:transition spd="slow" p14:dur="20000" advClick="0" advTm="20000"/>
+    </mc:Choice>
+    <mc:Fallback>
+      <p:transition spd="slow" advClick="0" advTm="20000"/>
+    </mc:Fallback>
+  </mc:AlternateContent>
 </p:sldLayout>
 </file>
 
@@ -17027,6 +17147,14 @@
   <p:clrMapOvr>
     <a:masterClrMapping/>
   </p:clrMapOvr>
+  <mc:AlternateContent xmlns:mc="http://schemas.openxmlformats.org/markup-compatibility/2006">
+    <mc:Choice xmlns:p14="http://schemas.microsoft.com/office/powerpoint/2010/main" Requires="p14">
+      <p:transition spd="slow" p14:dur="20000" advClick="0" advTm="20000"/>
+    </mc:Choice>
+    <mc:Fallback>
+      <p:transition spd="slow" advClick="0" advTm="20000"/>
+    </mc:Fallback>
+  </mc:AlternateContent>
 </p:sldLayout>
 </file>
 
@@ -17731,6 +17859,14 @@
   <p:clrMapOvr>
     <a:masterClrMapping/>
   </p:clrMapOvr>
+  <mc:AlternateContent xmlns:mc="http://schemas.openxmlformats.org/markup-compatibility/2006">
+    <mc:Choice xmlns:p14="http://schemas.microsoft.com/office/powerpoint/2010/main" Requires="p14">
+      <p:transition spd="slow" p14:dur="20000" advClick="0" advTm="20000"/>
+    </mc:Choice>
+    <mc:Fallback>
+      <p:transition spd="slow" advClick="0" advTm="20000"/>
+    </mc:Fallback>
+  </mc:AlternateContent>
 </p:sldLayout>
 </file>
 
@@ -19016,6 +19152,14 @@
     <p:sldLayoutId id="2147483664" r:id="rId16"/>
     <p:sldLayoutId id="2147483665" r:id="rId17"/>
   </p:sldLayoutIdLst>
+  <mc:AlternateContent xmlns:mc="http://schemas.openxmlformats.org/markup-compatibility/2006">
+    <mc:Choice xmlns:p14="http://schemas.microsoft.com/office/powerpoint/2010/main" Requires="p14">
+      <p:transition spd="slow" p14:dur="20000" advClick="0" advTm="20000"/>
+    </mc:Choice>
+    <mc:Fallback>
+      <p:transition spd="slow" advClick="0" advTm="20000"/>
+    </mc:Fallback>
+  </mc:AlternateContent>
   <p:hf sldNum="0" hdr="0" ftr="0" dt="0"/>
   <p:txStyles>
     <p:titleStyle>
@@ -20639,18 +20783,27 @@
             <a:avLst/>
           </a:prstGeom>
           <a:solidFill>
-            <a:schemeClr val="accent1"/>
+            <a:srgbClr val="FF0000"/>
           </a:solidFill>
-          <a:ln w="19050" cap="rnd" cmpd="sng">
-            <a:solidFill>
-              <a:srgbClr val="7D9A25"/>
-            </a:solidFill>
-            <a:prstDash val="solid"/>
-            <a:round/>
+          <a:ln>
             <a:headEnd type="none" w="sm" len="sm"/>
             <a:tailEnd type="none" w="sm" len="sm"/>
           </a:ln>
         </p:spPr>
+        <p:style>
+          <a:lnRef idx="2">
+            <a:schemeClr val="accent1"/>
+          </a:lnRef>
+          <a:fillRef idx="1">
+            <a:schemeClr val="lt1"/>
+          </a:fillRef>
+          <a:effectRef idx="0">
+            <a:schemeClr val="accent1"/>
+          </a:effectRef>
+          <a:fontRef idx="minor">
+            <a:schemeClr val="dk1"/>
+          </a:fontRef>
+        </p:style>
         <p:txBody>
           <a:bodyPr spcFirstLastPara="1" wrap="square" lIns="91425" tIns="45700" rIns="91425" bIns="45700" anchor="ctr" anchorCtr="0">
             <a:noAutofit/>
@@ -20666,10 +20819,13 @@
               </a:spcAft>
               <a:buNone/>
             </a:pPr>
-            <a:endParaRPr sz="1800" b="0" i="0" u="none" strike="noStrike" cap="none">
+            <a:endParaRPr sz="1800" b="0" i="0" u="none" strike="noStrike" cap="none" dirty="0">
               <a:solidFill>
-                <a:schemeClr val="lt1"/>
+                <a:srgbClr val="FF0000"/>
               </a:solidFill>
+              <a:highlight>
+                <a:srgbClr val="FF0000"/>
+              </a:highlight>
               <a:latin typeface="Century Gothic"/>
               <a:ea typeface="Century Gothic"/>
               <a:cs typeface="Century Gothic"/>
@@ -20683,6 +20839,14 @@
   <p:clrMapOvr>
     <a:masterClrMapping/>
   </p:clrMapOvr>
+  <mc:AlternateContent xmlns:mc="http://schemas.openxmlformats.org/markup-compatibility/2006">
+    <mc:Choice xmlns:p14="http://schemas.microsoft.com/office/powerpoint/2010/main" Requires="p14">
+      <p:transition spd="slow" p14:dur="20000" advClick="0" advTm="20000"/>
+    </mc:Choice>
+    <mc:Fallback>
+      <p:transition spd="slow" advClick="0" advTm="20000"/>
+    </mc:Fallback>
+  </mc:AlternateContent>
   <p:timing>
     <p:tnLst>
       <p:par>
@@ -20707,14 +20871,14 @@
                             </p:stCondLst>
                             <p:childTnLst>
                               <p:par>
-                                <p:cTn id="5" presetID="2" presetClass="exit" presetSubtype="8" fill="hold" nodeType="withEffect">
+                                <p:cTn id="5" presetID="2" presetClass="exit" presetSubtype="8" fill="hold" nodeType="afterEffect">
                                   <p:stCondLst>
                                     <p:cond delay="0"/>
                                   </p:stCondLst>
                                   <p:childTnLst>
                                     <p:anim calcmode="lin" valueType="num">
                                       <p:cBhvr additive="base">
-                                        <p:cTn id="6" dur="5000"/>
+                                        <p:cTn id="6" dur="19996"/>
                                         <p:tgtEl>
                                           <p:spTgt spid="159"/>
                                         </p:tgtEl>
@@ -20739,7 +20903,7 @@
                                       <p:cBhvr>
                                         <p:cTn id="7" dur="1" fill="hold">
                                           <p:stCondLst>
-                                            <p:cond delay="5000"/>
+                                            <p:cond delay="19999"/>
                                           </p:stCondLst>
                                         </p:cTn>
                                         <p:tgtEl>
@@ -21034,6 +21198,14 @@
   <p:clrMapOvr>
     <a:masterClrMapping/>
   </p:clrMapOvr>
+  <mc:AlternateContent xmlns:mc="http://schemas.openxmlformats.org/markup-compatibility/2006">
+    <mc:Choice xmlns:p14="http://schemas.microsoft.com/office/powerpoint/2010/main" Requires="p14">
+      <p:transition spd="slow" p14:dur="20000" advClick="0" advTm="20000"/>
+    </mc:Choice>
+    <mc:Fallback>
+      <p:transition spd="slow" advClick="0" advTm="20000"/>
+    </mc:Fallback>
+  </mc:AlternateContent>
   <p:timing>
     <p:tnLst>
       <p:par>
@@ -21065,7 +21237,7 @@
                                   <p:childTnLst>
                                     <p:anim calcmode="lin" valueType="num">
                                       <p:cBhvr additive="base">
-                                        <p:cTn id="6" dur="5000"/>
+                                        <p:cTn id="6" dur="19996"/>
                                         <p:tgtEl>
                                           <p:spTgt spid="217"/>
                                         </p:tgtEl>
@@ -21090,7 +21262,7 @@
                                       <p:cBhvr>
                                         <p:cTn id="7" dur="1" fill="hold">
                                           <p:stCondLst>
-                                            <p:cond delay="5000"/>
+                                            <p:cond delay="19999"/>
                                           </p:stCondLst>
                                         </p:cTn>
                                         <p:tgtEl>
@@ -21281,7 +21453,7 @@
             <a:avLst/>
           </a:prstGeom>
           <a:solidFill>
-            <a:schemeClr val="accent1"/>
+            <a:schemeClr val="tx1"/>
           </a:solidFill>
           <a:ln w="19050" cap="rnd" cmpd="sng">
             <a:solidFill>
@@ -21385,6 +21557,14 @@
   <p:clrMapOvr>
     <a:masterClrMapping/>
   </p:clrMapOvr>
+  <mc:AlternateContent xmlns:mc="http://schemas.openxmlformats.org/markup-compatibility/2006">
+    <mc:Choice xmlns:p14="http://schemas.microsoft.com/office/powerpoint/2010/main" Requires="p14">
+      <p:transition spd="slow" p14:dur="20000" advClick="0" advTm="20000"/>
+    </mc:Choice>
+    <mc:Fallback>
+      <p:transition spd="slow" advClick="0" advTm="20000"/>
+    </mc:Fallback>
+  </mc:AlternateContent>
   <p:timing>
     <p:tnLst>
       <p:par>
@@ -21416,7 +21596,7 @@
                                   <p:childTnLst>
                                     <p:anim calcmode="lin" valueType="num">
                                       <p:cBhvr additive="base">
-                                        <p:cTn id="6" dur="5000"/>
+                                        <p:cTn id="6" dur="19996"/>
                                         <p:tgtEl>
                                           <p:spTgt spid="266"/>
                                         </p:tgtEl>
@@ -21441,7 +21621,7 @@
                                       <p:cBhvr>
                                         <p:cTn id="7" dur="1" fill="hold">
                                           <p:stCondLst>
-                                            <p:cond delay="5000"/>
+                                            <p:cond delay="19999"/>
                                           </p:stCondLst>
                                         </p:cTn>
                                         <p:tgtEl>
@@ -21632,7 +21812,7 @@
             <a:avLst/>
           </a:prstGeom>
           <a:solidFill>
-            <a:schemeClr val="accent1"/>
+            <a:schemeClr val="tx1"/>
           </a:solidFill>
           <a:ln w="19050" cap="rnd" cmpd="sng">
             <a:solidFill>
@@ -21676,6 +21856,14 @@
   <p:clrMapOvr>
     <a:masterClrMapping/>
   </p:clrMapOvr>
+  <mc:AlternateContent xmlns:mc="http://schemas.openxmlformats.org/markup-compatibility/2006">
+    <mc:Choice xmlns:p14="http://schemas.microsoft.com/office/powerpoint/2010/main" Requires="p14">
+      <p:transition spd="slow" p14:dur="20000" advClick="0" advTm="20000"/>
+    </mc:Choice>
+    <mc:Fallback>
+      <p:transition spd="slow" advClick="0" advTm="20000"/>
+    </mc:Fallback>
+  </mc:AlternateContent>
   <p:timing>
     <p:tnLst>
       <p:par>
@@ -21707,7 +21895,7 @@
                                   <p:childTnLst>
                                     <p:anim calcmode="lin" valueType="num">
                                       <p:cBhvr additive="base">
-                                        <p:cTn id="6" dur="5000"/>
+                                        <p:cTn id="6" dur="19996"/>
                                         <p:tgtEl>
                                           <p:spTgt spid="273"/>
                                         </p:tgtEl>
@@ -21732,7 +21920,7 @@
                                       <p:cBhvr>
                                         <p:cTn id="7" dur="1" fill="hold">
                                           <p:stCondLst>
-                                            <p:cond delay="5000"/>
+                                            <p:cond delay="19999"/>
                                           </p:stCondLst>
                                         </p:cTn>
                                         <p:tgtEl>
@@ -21982,7 +22170,7 @@
             <a:avLst/>
           </a:prstGeom>
           <a:solidFill>
-            <a:schemeClr val="accent1"/>
+            <a:schemeClr val="tx1"/>
           </a:solidFill>
           <a:ln w="19050" cap="rnd" cmpd="sng">
             <a:solidFill>
@@ -22110,6 +22298,14 @@
   <p:clrMapOvr>
     <a:masterClrMapping/>
   </p:clrMapOvr>
+  <mc:AlternateContent xmlns:mc="http://schemas.openxmlformats.org/markup-compatibility/2006">
+    <mc:Choice xmlns:p14="http://schemas.microsoft.com/office/powerpoint/2010/main" Requires="p14">
+      <p:transition spd="slow" p14:dur="20000" advClick="0" advTm="20000"/>
+    </mc:Choice>
+    <mc:Fallback>
+      <p:transition spd="slow" advClick="0" advTm="20000"/>
+    </mc:Fallback>
+  </mc:AlternateContent>
   <p:timing>
     <p:tnLst>
       <p:par>
@@ -22141,7 +22337,7 @@
                                   <p:childTnLst>
                                     <p:anim calcmode="lin" valueType="num">
                                       <p:cBhvr additive="base">
-                                        <p:cTn id="6" dur="5000"/>
+                                        <p:cTn id="6" dur="19996"/>
                                         <p:tgtEl>
                                           <p:spTgt spid="280"/>
                                         </p:tgtEl>
@@ -22166,7 +22362,7 @@
                                       <p:cBhvr>
                                         <p:cTn id="7" dur="1" fill="hold">
                                           <p:stCondLst>
-                                            <p:cond delay="5000"/>
+                                            <p:cond delay="19999"/>
                                           </p:stCondLst>
                                         </p:cTn>
                                         <p:tgtEl>
@@ -22357,7 +22553,7 @@
             <a:avLst/>
           </a:prstGeom>
           <a:solidFill>
-            <a:schemeClr val="accent1"/>
+            <a:schemeClr val="tx1"/>
           </a:solidFill>
           <a:ln w="19050" cap="rnd" cmpd="sng">
             <a:solidFill>
@@ -22401,6 +22597,14 @@
   <p:clrMapOvr>
     <a:masterClrMapping/>
   </p:clrMapOvr>
+  <mc:AlternateContent xmlns:mc="http://schemas.openxmlformats.org/markup-compatibility/2006">
+    <mc:Choice xmlns:p14="http://schemas.microsoft.com/office/powerpoint/2010/main" Requires="p14">
+      <p:transition spd="slow" p14:dur="20000" advClick="0" advTm="20000"/>
+    </mc:Choice>
+    <mc:Fallback>
+      <p:transition spd="slow" advClick="0" advTm="20000"/>
+    </mc:Fallback>
+  </mc:AlternateContent>
   <p:timing>
     <p:tnLst>
       <p:par>
@@ -22432,7 +22636,7 @@
                                   <p:childTnLst>
                                     <p:anim calcmode="lin" valueType="num">
                                       <p:cBhvr additive="base">
-                                        <p:cTn id="6" dur="5000"/>
+                                        <p:cTn id="6" dur="19996"/>
                                         <p:tgtEl>
                                           <p:spTgt spid="287"/>
                                         </p:tgtEl>
@@ -22457,7 +22661,7 @@
                                       <p:cBhvr>
                                         <p:cTn id="7" dur="1" fill="hold">
                                           <p:stCondLst>
-                                            <p:cond delay="5000"/>
+                                            <p:cond delay="19999"/>
                                           </p:stCondLst>
                                         </p:cTn>
                                         <p:tgtEl>
@@ -22648,7 +22852,7 @@
             <a:avLst/>
           </a:prstGeom>
           <a:solidFill>
-            <a:schemeClr val="accent1"/>
+            <a:schemeClr val="tx1"/>
           </a:solidFill>
           <a:ln w="19050" cap="rnd" cmpd="sng">
             <a:solidFill>
@@ -22751,6 +22955,14 @@
   <p:clrMapOvr>
     <a:masterClrMapping/>
   </p:clrMapOvr>
+  <mc:AlternateContent xmlns:mc="http://schemas.openxmlformats.org/markup-compatibility/2006">
+    <mc:Choice xmlns:p14="http://schemas.microsoft.com/office/powerpoint/2010/main" Requires="p14">
+      <p:transition spd="slow" p14:dur="20000" advClick="0" advTm="20000"/>
+    </mc:Choice>
+    <mc:Fallback>
+      <p:transition spd="slow" advClick="0" advTm="20000"/>
+    </mc:Fallback>
+  </mc:AlternateContent>
   <p:timing>
     <p:tnLst>
       <p:par>
@@ -22782,7 +22994,7 @@
                                   <p:childTnLst>
                                     <p:anim calcmode="lin" valueType="num">
                                       <p:cBhvr additive="base">
-                                        <p:cTn id="6" dur="5000"/>
+                                        <p:cTn id="6" dur="19996"/>
                                         <p:tgtEl>
                                           <p:spTgt spid="294"/>
                                         </p:tgtEl>
@@ -22807,7 +23019,7 @@
                                       <p:cBhvr>
                                         <p:cTn id="7" dur="1" fill="hold">
                                           <p:stCondLst>
-                                            <p:cond delay="5000"/>
+                                            <p:cond delay="19999"/>
                                           </p:stCondLst>
                                         </p:cTn>
                                         <p:tgtEl>
@@ -22996,7 +23208,7 @@
             <a:avLst/>
           </a:prstGeom>
           <a:solidFill>
-            <a:schemeClr val="accent1"/>
+            <a:srgbClr val="00B0F0"/>
           </a:solidFill>
           <a:ln w="19050" cap="rnd" cmpd="sng">
             <a:solidFill>
@@ -23040,6 +23252,14 @@
   <p:clrMapOvr>
     <a:masterClrMapping/>
   </p:clrMapOvr>
+  <mc:AlternateContent xmlns:mc="http://schemas.openxmlformats.org/markup-compatibility/2006">
+    <mc:Choice xmlns:p14="http://schemas.microsoft.com/office/powerpoint/2010/main" Requires="p14">
+      <p:transition spd="slow" p14:dur="20000" advClick="0" advTm="20000"/>
+    </mc:Choice>
+    <mc:Fallback>
+      <p:transition spd="slow" advClick="0" advTm="20000"/>
+    </mc:Fallback>
+  </mc:AlternateContent>
   <p:timing>
     <p:tnLst>
       <p:par>
@@ -23071,7 +23291,7 @@
                                   <p:childTnLst>
                                     <p:anim calcmode="lin" valueType="num">
                                       <p:cBhvr additive="base">
-                                        <p:cTn id="6" dur="5000"/>
+                                        <p:cTn id="6" dur="19996"/>
                                         <p:tgtEl>
                                           <p:spTgt spid="195"/>
                                         </p:tgtEl>
@@ -23096,7 +23316,7 @@
                                       <p:cBhvr>
                                         <p:cTn id="7" dur="1" fill="hold">
                                           <p:stCondLst>
-                                            <p:cond delay="5000"/>
+                                            <p:cond delay="19999"/>
                                           </p:stCondLst>
                                         </p:cTn>
                                         <p:tgtEl>
@@ -23282,7 +23502,7 @@
             <a:avLst/>
           </a:prstGeom>
           <a:solidFill>
-            <a:schemeClr val="accent1"/>
+            <a:srgbClr val="00B0F0"/>
           </a:solidFill>
           <a:ln w="19050" cap="rnd" cmpd="sng">
             <a:solidFill>
@@ -23326,6 +23546,14 @@
   <p:clrMapOvr>
     <a:masterClrMapping/>
   </p:clrMapOvr>
+  <mc:AlternateContent xmlns:mc="http://schemas.openxmlformats.org/markup-compatibility/2006">
+    <mc:Choice xmlns:p14="http://schemas.microsoft.com/office/powerpoint/2010/main" Requires="p14">
+      <p:transition spd="slow" p14:dur="20000" advClick="0" advTm="20000"/>
+    </mc:Choice>
+    <mc:Fallback>
+      <p:transition spd="slow" advClick="0" advTm="20000"/>
+    </mc:Fallback>
+  </mc:AlternateContent>
   <p:timing>
     <p:tnLst>
       <p:par>
@@ -23357,7 +23585,7 @@
                                   <p:childTnLst>
                                     <p:anim calcmode="lin" valueType="num">
                                       <p:cBhvr additive="base">
-                                        <p:cTn id="6" dur="5000"/>
+                                        <p:cTn id="6" dur="19996"/>
                                         <p:tgtEl>
                                           <p:spTgt spid="231"/>
                                         </p:tgtEl>
@@ -23382,7 +23610,7 @@
                                       <p:cBhvr>
                                         <p:cTn id="7" dur="1" fill="hold">
                                           <p:stCondLst>
-                                            <p:cond delay="5000"/>
+                                            <p:cond delay="19999"/>
                                           </p:stCondLst>
                                         </p:cTn>
                                         <p:tgtEl>
@@ -23567,7 +23795,7 @@
             <a:avLst/>
           </a:prstGeom>
           <a:solidFill>
-            <a:schemeClr val="accent1"/>
+            <a:srgbClr val="00B0F0"/>
           </a:solidFill>
           <a:ln w="19050" cap="rnd" cmpd="sng">
             <a:solidFill>
@@ -23611,6 +23839,14 @@
   <p:clrMapOvr>
     <a:masterClrMapping/>
   </p:clrMapOvr>
+  <mc:AlternateContent xmlns:mc="http://schemas.openxmlformats.org/markup-compatibility/2006">
+    <mc:Choice xmlns:p14="http://schemas.microsoft.com/office/powerpoint/2010/main" Requires="p14">
+      <p:transition spd="slow" p14:dur="20000" advClick="0" advTm="20000"/>
+    </mc:Choice>
+    <mc:Fallback>
+      <p:transition spd="slow" advClick="0" advTm="20000"/>
+    </mc:Fallback>
+  </mc:AlternateContent>
   <p:timing>
     <p:tnLst>
       <p:par>
@@ -23642,7 +23878,7 @@
                                   <p:childTnLst>
                                     <p:anim calcmode="lin" valueType="num">
                                       <p:cBhvr additive="base">
-                                        <p:cTn id="6" dur="5000"/>
+                                        <p:cTn id="6" dur="19996"/>
                                         <p:tgtEl>
                                           <p:spTgt spid="224"/>
                                         </p:tgtEl>
@@ -23667,7 +23903,7 @@
                                       <p:cBhvr>
                                         <p:cTn id="7" dur="1" fill="hold">
                                           <p:stCondLst>
-                                            <p:cond delay="5000"/>
+                                            <p:cond delay="19999"/>
                                           </p:stCondLst>
                                         </p:cTn>
                                         <p:tgtEl>
@@ -23837,7 +24073,7 @@
             <a:avLst/>
           </a:prstGeom>
           <a:solidFill>
-            <a:schemeClr val="accent1"/>
+            <a:srgbClr val="00B0F0"/>
           </a:solidFill>
           <a:ln w="19050" cap="rnd" cmpd="sng">
             <a:solidFill>
@@ -23881,6 +24117,14 @@
   <p:clrMapOvr>
     <a:masterClrMapping/>
   </p:clrMapOvr>
+  <mc:AlternateContent xmlns:mc="http://schemas.openxmlformats.org/markup-compatibility/2006">
+    <mc:Choice xmlns:p14="http://schemas.microsoft.com/office/powerpoint/2010/main" Requires="p14">
+      <p:transition spd="slow" p14:dur="20000" advClick="0" advTm="20000"/>
+    </mc:Choice>
+    <mc:Fallback>
+      <p:transition spd="slow" advClick="0" advTm="20000"/>
+    </mc:Fallback>
+  </mc:AlternateContent>
   <p:timing>
     <p:tnLst>
       <p:par>
@@ -23912,7 +24156,7 @@
                                   <p:childTnLst>
                                     <p:anim calcmode="lin" valueType="num">
                                       <p:cBhvr additive="base">
-                                        <p:cTn id="6" dur="5000"/>
+                                        <p:cTn id="6" dur="19996"/>
                                         <p:tgtEl>
                                           <p:spTgt spid="259"/>
                                         </p:tgtEl>
@@ -23937,7 +24181,7 @@
                                       <p:cBhvr>
                                         <p:cTn id="7" dur="1" fill="hold">
                                           <p:stCondLst>
-                                            <p:cond delay="5000"/>
+                                            <p:cond delay="19999"/>
                                           </p:stCondLst>
                                         </p:cTn>
                                         <p:tgtEl>
@@ -24105,7 +24349,7 @@
             <a:avLst/>
           </a:prstGeom>
           <a:solidFill>
-            <a:schemeClr val="accent1"/>
+            <a:srgbClr val="FF0000"/>
           </a:solidFill>
           <a:ln w="19050" cap="rnd" cmpd="sng">
             <a:solidFill>
@@ -24386,6 +24630,14 @@
   <p:clrMapOvr>
     <a:masterClrMapping/>
   </p:clrMapOvr>
+  <mc:AlternateContent xmlns:mc="http://schemas.openxmlformats.org/markup-compatibility/2006">
+    <mc:Choice xmlns:p14="http://schemas.microsoft.com/office/powerpoint/2010/main" Requires="p14">
+      <p:transition spd="slow" p14:dur="20000" advClick="0" advTm="20000"/>
+    </mc:Choice>
+    <mc:Fallback>
+      <p:transition spd="slow" advClick="0" advTm="20000"/>
+    </mc:Fallback>
+  </mc:AlternateContent>
   <p:timing>
     <p:tnLst>
       <p:par>
@@ -24417,7 +24669,7 @@
                                   <p:childTnLst>
                                     <p:anim calcmode="lin" valueType="num">
                                       <p:cBhvr additive="base">
-                                        <p:cTn id="6" dur="5000"/>
+                                        <p:cTn id="6" dur="19996"/>
                                         <p:tgtEl>
                                           <p:spTgt spid="166"/>
                                         </p:tgtEl>
@@ -24442,7 +24694,7 @@
                                       <p:cBhvr>
                                         <p:cTn id="7" dur="1" fill="hold">
                                           <p:stCondLst>
-                                            <p:cond delay="5000"/>
+                                            <p:cond delay="19999"/>
                                           </p:stCondLst>
                                         </p:cTn>
                                         <p:tgtEl>
@@ -24824,7 +25076,7 @@
             <a:avLst/>
           </a:prstGeom>
           <a:solidFill>
-            <a:schemeClr val="accent1"/>
+            <a:srgbClr val="00B0F0"/>
           </a:solidFill>
           <a:ln w="19050" cap="rnd" cmpd="sng">
             <a:solidFill>
@@ -24868,6 +25120,14 @@
   <p:clrMapOvr>
     <a:masterClrMapping/>
   </p:clrMapOvr>
+  <mc:AlternateContent xmlns:mc="http://schemas.openxmlformats.org/markup-compatibility/2006">
+    <mc:Choice xmlns:p14="http://schemas.microsoft.com/office/powerpoint/2010/main" Requires="p14">
+      <p:transition spd="slow" p14:dur="20000" advClick="0" advTm="20000"/>
+    </mc:Choice>
+    <mc:Fallback>
+      <p:transition spd="slow" advClick="0" advTm="20000"/>
+    </mc:Fallback>
+  </mc:AlternateContent>
   <p:timing>
     <p:tnLst>
       <p:par>
@@ -24899,7 +25159,7 @@
                                   <p:childTnLst>
                                     <p:anim calcmode="lin" valueType="num">
                                       <p:cBhvr additive="base">
-                                        <p:cTn id="6" dur="5000"/>
+                                        <p:cTn id="6" dur="19996"/>
                                         <p:tgtEl>
                                           <p:spTgt spid="301"/>
                                         </p:tgtEl>
@@ -24924,7 +25184,7 @@
                                       <p:cBhvr>
                                         <p:cTn id="7" dur="1" fill="hold">
                                           <p:stCondLst>
-                                            <p:cond delay="5000"/>
+                                            <p:cond delay="19999"/>
                                           </p:stCondLst>
                                         </p:cTn>
                                         <p:tgtEl>
@@ -25109,7 +25369,7 @@
             <a:avLst/>
           </a:prstGeom>
           <a:solidFill>
-            <a:schemeClr val="accent1"/>
+            <a:srgbClr val="FF0000"/>
           </a:solidFill>
           <a:ln w="19050" cap="rnd" cmpd="sng">
             <a:solidFill>
@@ -25138,7 +25398,7 @@
             </a:pPr>
             <a:endParaRPr sz="1800" b="0" i="0" u="none" strike="noStrike" cap="none">
               <a:solidFill>
-                <a:schemeClr val="lt1"/>
+                <a:srgbClr val="FF0000"/>
               </a:solidFill>
               <a:latin typeface="Century Gothic"/>
               <a:ea typeface="Century Gothic"/>
@@ -25183,6 +25443,14 @@
   <p:clrMapOvr>
     <a:masterClrMapping/>
   </p:clrMapOvr>
+  <mc:AlternateContent xmlns:mc="http://schemas.openxmlformats.org/markup-compatibility/2006">
+    <mc:Choice xmlns:p14="http://schemas.microsoft.com/office/powerpoint/2010/main" Requires="p14">
+      <p:transition spd="slow" p14:dur="20000" advClick="0" advTm="20000"/>
+    </mc:Choice>
+    <mc:Fallback>
+      <p:transition spd="slow" advClick="0" advTm="20000"/>
+    </mc:Fallback>
+  </mc:AlternateContent>
   <p:timing>
     <p:tnLst>
       <p:par>
@@ -25214,7 +25482,7 @@
                                   <p:childTnLst>
                                     <p:anim calcmode="lin" valueType="num">
                                       <p:cBhvr additive="base">
-                                        <p:cTn id="6" dur="5000"/>
+                                        <p:cTn id="6" dur="19996"/>
                                         <p:tgtEl>
                                           <p:spTgt spid="173"/>
                                         </p:tgtEl>
@@ -25239,7 +25507,7 @@
                                       <p:cBhvr>
                                         <p:cTn id="7" dur="1" fill="hold">
                                           <p:stCondLst>
-                                            <p:cond delay="5000"/>
+                                            <p:cond delay="19999"/>
                                           </p:stCondLst>
                                         </p:cTn>
                                         <p:tgtEl>
@@ -25431,7 +25699,7 @@
             <a:avLst/>
           </a:prstGeom>
           <a:solidFill>
-            <a:schemeClr val="accent1"/>
+            <a:srgbClr val="FF0000"/>
           </a:solidFill>
           <a:ln w="19050" cap="rnd" cmpd="sng">
             <a:solidFill>
@@ -25475,6 +25743,14 @@
   <p:clrMapOvr>
     <a:masterClrMapping/>
   </p:clrMapOvr>
+  <mc:AlternateContent xmlns:mc="http://schemas.openxmlformats.org/markup-compatibility/2006">
+    <mc:Choice xmlns:p14="http://schemas.microsoft.com/office/powerpoint/2010/main" Requires="p14">
+      <p:transition spd="slow" p14:dur="20000" advClick="0" advTm="20000"/>
+    </mc:Choice>
+    <mc:Fallback>
+      <p:transition spd="slow" advClick="0" advTm="20000"/>
+    </mc:Fallback>
+  </mc:AlternateContent>
   <p:timing>
     <p:tnLst>
       <p:par>
@@ -25506,7 +25782,7 @@
                                   <p:childTnLst>
                                     <p:anim calcmode="lin" valueType="num">
                                       <p:cBhvr additive="base">
-                                        <p:cTn id="6" dur="5000"/>
+                                        <p:cTn id="6" dur="19996"/>
                                         <p:tgtEl>
                                           <p:spTgt spid="180"/>
                                         </p:tgtEl>
@@ -25531,7 +25807,7 @@
                                       <p:cBhvr>
                                         <p:cTn id="7" dur="1" fill="hold">
                                           <p:stCondLst>
-                                            <p:cond delay="5000"/>
+                                            <p:cond delay="19999"/>
                                           </p:stCondLst>
                                         </p:cTn>
                                         <p:tgtEl>
@@ -25789,14 +26065,14 @@
         </p:nvSpPr>
         <p:spPr>
           <a:xfrm>
-            <a:off x="0" y="6709906"/>
+            <a:off x="0" y="6751471"/>
             <a:ext cx="12192000" cy="148094"/>
           </a:xfrm>
           <a:prstGeom prst="rect">
             <a:avLst/>
           </a:prstGeom>
           <a:solidFill>
-            <a:schemeClr val="accent1"/>
+            <a:srgbClr val="FF0000"/>
           </a:solidFill>
           <a:ln w="19050" cap="rnd" cmpd="sng">
             <a:solidFill>
@@ -25869,6 +26145,14 @@
   <p:clrMapOvr>
     <a:masterClrMapping/>
   </p:clrMapOvr>
+  <mc:AlternateContent xmlns:mc="http://schemas.openxmlformats.org/markup-compatibility/2006">
+    <mc:Choice xmlns:p14="http://schemas.microsoft.com/office/powerpoint/2010/main" Requires="p14">
+      <p:transition spd="slow" p14:dur="20000" advClick="0" advTm="20000"/>
+    </mc:Choice>
+    <mc:Fallback>
+      <p:transition spd="slow" advClick="0" advTm="20000"/>
+    </mc:Fallback>
+  </mc:AlternateContent>
   <p:timing>
     <p:tnLst>
       <p:par>
@@ -25900,7 +26184,7 @@
                                   <p:childTnLst>
                                     <p:anim calcmode="lin" valueType="num">
                                       <p:cBhvr additive="base">
-                                        <p:cTn id="6" dur="5000"/>
+                                        <p:cTn id="6" dur="19996"/>
                                         <p:tgtEl>
                                           <p:spTgt spid="187"/>
                                         </p:tgtEl>
@@ -25925,7 +26209,7 @@
                                       <p:cBhvr>
                                         <p:cTn id="7" dur="1" fill="hold">
                                           <p:stCondLst>
-                                            <p:cond delay="5000"/>
+                                            <p:cond delay="19999"/>
                                           </p:stCondLst>
                                         </p:cTn>
                                         <p:tgtEl>
@@ -26091,11 +26375,180 @@
           </a:p>
         </p:txBody>
       </p:sp>
+      <p:sp>
+        <p:nvSpPr>
+          <p:cNvPr id="4" name="Google Shape;238;p11">
+            <a:extLst>
+              <a:ext uri="{FF2B5EF4-FFF2-40B4-BE49-F238E27FC236}">
+                <a16:creationId xmlns:a16="http://schemas.microsoft.com/office/drawing/2014/main" id="{D8276D2E-015D-4256-9D1A-0A26BB0870E4}"/>
+              </a:ext>
+            </a:extLst>
+          </p:cNvPr>
+          <p:cNvSpPr/>
+          <p:nvPr/>
+        </p:nvSpPr>
+        <p:spPr>
+          <a:xfrm>
+            <a:off x="0" y="6723761"/>
+            <a:ext cx="12192000" cy="148094"/>
+          </a:xfrm>
+          <a:prstGeom prst="rect">
+            <a:avLst/>
+          </a:prstGeom>
+          <a:solidFill>
+            <a:schemeClr val="accent1"/>
+          </a:solidFill>
+          <a:ln w="19050" cap="rnd" cmpd="sng">
+            <a:solidFill>
+              <a:srgbClr val="7D9A25"/>
+            </a:solidFill>
+            <a:prstDash val="solid"/>
+            <a:round/>
+            <a:headEnd type="none" w="sm" len="sm"/>
+            <a:tailEnd type="none" w="sm" len="sm"/>
+          </a:ln>
+        </p:spPr>
+        <p:txBody>
+          <a:bodyPr spcFirstLastPara="1" wrap="square" lIns="91425" tIns="45700" rIns="91425" bIns="45700" anchor="ctr" anchorCtr="0">
+            <a:noAutofit/>
+          </a:bodyPr>
+          <a:lstStyle/>
+          <a:p>
+            <a:pPr marL="0" marR="0" lvl="0" indent="0" algn="ctr" rtl="0">
+              <a:spcBef>
+                <a:spcPts val="0"/>
+              </a:spcBef>
+              <a:spcAft>
+                <a:spcPts val="0"/>
+              </a:spcAft>
+              <a:buNone/>
+            </a:pPr>
+            <a:endParaRPr sz="1800" b="0" i="0" u="none" strike="noStrike" cap="none">
+              <a:solidFill>
+                <a:schemeClr val="lt1"/>
+              </a:solidFill>
+              <a:latin typeface="Century Gothic"/>
+              <a:ea typeface="Century Gothic"/>
+              <a:cs typeface="Century Gothic"/>
+              <a:sym typeface="Century Gothic"/>
+            </a:endParaRPr>
+          </a:p>
+        </p:txBody>
+      </p:sp>
     </p:spTree>
   </p:cSld>
   <p:clrMapOvr>
     <a:masterClrMapping/>
   </p:clrMapOvr>
+  <mc:AlternateContent xmlns:mc="http://schemas.openxmlformats.org/markup-compatibility/2006">
+    <mc:Choice xmlns:p14="http://schemas.microsoft.com/office/powerpoint/2010/main" Requires="p14">
+      <p:transition spd="slow" p14:dur="20000" advClick="0" advTm="20000"/>
+    </mc:Choice>
+    <mc:Fallback>
+      <p:transition spd="slow" advClick="0" advTm="20000"/>
+    </mc:Fallback>
+  </mc:AlternateContent>
+  <p:timing>
+    <p:tnLst>
+      <p:par>
+        <p:cTn id="1" dur="indefinite" restart="never" nodeType="tmRoot">
+          <p:childTnLst>
+            <p:seq concurrent="1" nextAc="seek">
+              <p:cTn id="2" dur="indefinite" nodeType="mainSeq">
+                <p:childTnLst>
+                  <p:par>
+                    <p:cTn id="3" fill="hold">
+                      <p:stCondLst>
+                        <p:cond delay="indefinite"/>
+                        <p:cond evt="onBegin" delay="0">
+                          <p:tn val="2"/>
+                        </p:cond>
+                      </p:stCondLst>
+                      <p:childTnLst>
+                        <p:par>
+                          <p:cTn id="4" fill="hold">
+                            <p:stCondLst>
+                              <p:cond delay="0"/>
+                            </p:stCondLst>
+                            <p:childTnLst>
+                              <p:par>
+                                <p:cTn id="5" presetID="2" presetClass="exit" presetSubtype="8" fill="hold" nodeType="withEffect">
+                                  <p:stCondLst>
+                                    <p:cond delay="0"/>
+                                  </p:stCondLst>
+                                  <p:childTnLst>
+                                    <p:anim calcmode="lin" valueType="num">
+                                      <p:cBhvr additive="base">
+                                        <p:cTn id="6" dur="19996"/>
+                                        <p:tgtEl>
+                                          <p:spTgt spid="4"/>
+                                        </p:tgtEl>
+                                        <p:attrNameLst>
+                                          <p:attrName>ppt_x</p:attrName>
+                                        </p:attrNameLst>
+                                      </p:cBhvr>
+                                      <p:tavLst>
+                                        <p:tav tm="0">
+                                          <p:val>
+                                            <p:strVal val="#ppt_x"/>
+                                          </p:val>
+                                        </p:tav>
+                                        <p:tav tm="100000">
+                                          <p:val>
+                                            <p:strVal val="#ppt_x-1"/>
+                                          </p:val>
+                                        </p:tav>
+                                      </p:tavLst>
+                                    </p:anim>
+                                    <p:set>
+                                      <p:cBhvr>
+                                        <p:cTn id="7" dur="1" fill="hold">
+                                          <p:stCondLst>
+                                            <p:cond delay="19999"/>
+                                          </p:stCondLst>
+                                        </p:cTn>
+                                        <p:tgtEl>
+                                          <p:spTgt spid="4"/>
+                                        </p:tgtEl>
+                                        <p:attrNameLst>
+                                          <p:attrName>style.visibility</p:attrName>
+                                        </p:attrNameLst>
+                                      </p:cBhvr>
+                                      <p:to>
+                                        <p:strVal val="hidden"/>
+                                      </p:to>
+                                    </p:set>
+                                  </p:childTnLst>
+                                </p:cTn>
+                              </p:par>
+                            </p:childTnLst>
+                          </p:cTn>
+                        </p:par>
+                      </p:childTnLst>
+                    </p:cTn>
+                  </p:par>
+                </p:childTnLst>
+              </p:cTn>
+              <p:prevCondLst>
+                <p:cond evt="onPrev" delay="0">
+                  <p:tgtEl>
+                    <p:sldTgt/>
+                  </p:tgtEl>
+                </p:cond>
+              </p:prevCondLst>
+              <p:nextCondLst>
+                <p:cond evt="onNext" delay="0">
+                  <p:tgtEl>
+                    <p:sldTgt/>
+                  </p:tgtEl>
+                </p:cond>
+              </p:nextCondLst>
+            </p:seq>
+          </p:childTnLst>
+        </p:cTn>
+      </p:par>
+    </p:tnLst>
+  </p:timing>
 </p:sld>
 </file>
 
@@ -26282,6 +26735,14 @@
   <p:clrMapOvr>
     <a:masterClrMapping/>
   </p:clrMapOvr>
+  <mc:AlternateContent xmlns:mc="http://schemas.openxmlformats.org/markup-compatibility/2006">
+    <mc:Choice xmlns:p14="http://schemas.microsoft.com/office/powerpoint/2010/main" Requires="p14">
+      <p:transition spd="slow" p14:dur="20000" advClick="0" advTm="20000"/>
+    </mc:Choice>
+    <mc:Fallback>
+      <p:transition spd="slow" advClick="0" advTm="20000"/>
+    </mc:Fallback>
+  </mc:AlternateContent>
   <p:timing>
     <p:tnLst>
       <p:par>
@@ -26313,7 +26774,7 @@
                                   <p:childTnLst>
                                     <p:anim calcmode="lin" valueType="num">
                                       <p:cBhvr additive="base">
-                                        <p:cTn id="6" dur="5000"/>
+                                        <p:cTn id="6" dur="19996"/>
                                         <p:tgtEl>
                                           <p:spTgt spid="238"/>
                                         </p:tgtEl>
@@ -26338,7 +26799,7 @@
                                       <p:cBhvr>
                                         <p:cTn id="7" dur="1" fill="hold">
                                           <p:stCondLst>
-                                            <p:cond delay="5000"/>
+                                            <p:cond delay="19999"/>
                                           </p:stCondLst>
                                         </p:cTn>
                                         <p:tgtEl>
@@ -26599,6 +27060,14 @@
   <p:clrMapOvr>
     <a:masterClrMapping/>
   </p:clrMapOvr>
+  <mc:AlternateContent xmlns:mc="http://schemas.openxmlformats.org/markup-compatibility/2006">
+    <mc:Choice xmlns:p14="http://schemas.microsoft.com/office/powerpoint/2010/main" Requires="p14">
+      <p:transition spd="slow" p14:dur="20000" advClick="0" advTm="20000"/>
+    </mc:Choice>
+    <mc:Fallback>
+      <p:transition spd="slow" advClick="0" advTm="20000"/>
+    </mc:Fallback>
+  </mc:AlternateContent>
   <p:timing>
     <p:tnLst>
       <p:par>
@@ -26630,7 +27099,7 @@
                                   <p:childTnLst>
                                     <p:anim calcmode="lin" valueType="num">
                                       <p:cBhvr additive="base">
-                                        <p:cTn id="6" dur="5000"/>
+                                        <p:cTn id="6" dur="19996"/>
                                         <p:tgtEl>
                                           <p:spTgt spid="245"/>
                                         </p:tgtEl>
@@ -26655,7 +27124,7 @@
                                       <p:cBhvr>
                                         <p:cTn id="7" dur="1" fill="hold">
                                           <p:stCondLst>
-                                            <p:cond delay="5000"/>
+                                            <p:cond delay="19999"/>
                                           </p:stCondLst>
                                         </p:cTn>
                                         <p:tgtEl>
@@ -26886,6 +27355,14 @@
   <p:clrMapOvr>
     <a:masterClrMapping/>
   </p:clrMapOvr>
+  <mc:AlternateContent xmlns:mc="http://schemas.openxmlformats.org/markup-compatibility/2006">
+    <mc:Choice xmlns:p14="http://schemas.microsoft.com/office/powerpoint/2010/main" Requires="p14">
+      <p:transition spd="slow" p14:dur="20000" advClick="0" advTm="20000"/>
+    </mc:Choice>
+    <mc:Fallback>
+      <p:transition spd="slow" advClick="0" advTm="20000"/>
+    </mc:Fallback>
+  </mc:AlternateContent>
   <p:timing>
     <p:tnLst>
       <p:par>
@@ -26917,7 +27394,7 @@
                                   <p:childTnLst>
                                     <p:anim calcmode="lin" valueType="num">
                                       <p:cBhvr additive="base">
-                                        <p:cTn id="6" dur="5000"/>
+                                        <p:cTn id="6" dur="19996"/>
                                         <p:tgtEl>
                                           <p:spTgt spid="252"/>
                                         </p:tgtEl>
@@ -26942,7 +27419,7 @@
                                       <p:cBhvr>
                                         <p:cTn id="7" dur="1" fill="hold">
                                           <p:stCondLst>
-                                            <p:cond delay="5000"/>
+                                            <p:cond delay="19999"/>
                                           </p:stCondLst>
                                         </p:cTn>
                                         <p:tgtEl>

--- a/Teorico/Trabajos teoricos conceptuales/ISW_TPC__PECHCACUCHA_V001.pptx
+++ b/Teorico/Trabajos teoricos conceptuales/ISW_TPC__PECHCACUCHA_V001.pptx
@@ -292,7 +292,7 @@
       </p15:sldGuideLst>
     </p:ext>
     <p:ext uri="http://customooxmlschemas.google.com/">
-      <go:slidesCustomData xmlns:go="http://customooxmlschemas.google.com/" xmlns:ahyp="http://schemas.microsoft.com/office/drawing/2018/hyperlinkcolor" xmlns:p15="http://schemas.microsoft.com/office/powerpoint/2012/main" xmlns:p14="http://schemas.microsoft.com/office/powerpoint/2010/main" xmlns:com="http://schemas.openxmlformats.org/drawingml/2006/compatibility" xmlns:pvml="urn:schemas-microsoft-com:office:powerpoint" xmlns:v="urn:schemas-microsoft-com:vml" xmlns:o="urn:schemas-microsoft-com:office:office" xmlns:dgm="http://schemas.openxmlformats.org/drawingml/2006/diagram" xmlns:c="http://schemas.openxmlformats.org/drawingml/2006/chart" xmlns:mv="urn:schemas-microsoft-com:mac:vml" xmlns:mc="http://schemas.openxmlformats.org/markup-compatibility/2006" xmlns="" r:id="rId31" roundtripDataSignature="AMtx7miJXTxKdycJU1HVQbDjOoye0ovIJQ=="/>
+      <go:slidesCustomData xmlns="" xmlns:mc="http://schemas.openxmlformats.org/markup-compatibility/2006" xmlns:mv="urn:schemas-microsoft-com:mac:vml" xmlns:c="http://schemas.openxmlformats.org/drawingml/2006/chart" xmlns:dgm="http://schemas.openxmlformats.org/drawingml/2006/diagram" xmlns:o="urn:schemas-microsoft-com:office:office" xmlns:v="urn:schemas-microsoft-com:vml" xmlns:pvml="urn:schemas-microsoft-com:office:powerpoint" xmlns:com="http://schemas.openxmlformats.org/drawingml/2006/compatibility" xmlns:p14="http://schemas.microsoft.com/office/powerpoint/2010/main" xmlns:p15="http://schemas.microsoft.com/office/powerpoint/2012/main" xmlns:ahyp="http://schemas.microsoft.com/office/drawing/2018/hyperlinkcolor" xmlns:go="http://customooxmlschemas.google.com/" r:id="rId31" roundtripDataSignature="AMtx7miJXTxKdycJU1HVQbDjOoye0ovIJQ=="/>
     </p:ext>
   </p:extLst>
 </p:presentation>
@@ -1059,51 +1059,8 @@
             </a:pPr>
             <a:r>
               <a:rPr lang="es-AR" dirty="0"/>
-              <a:t>El Refinamiento Entre Equipos del trabajo del Product Backlog reduce o elimina las dependencias entre equipos dentro de un Nexus. El Product Backlog debe descomponerse para que las dependencias sean transparentes, se identifiquen entre equipos y se eliminen o se minimicen. Los elementos del Product Backlog pasan a través de diferentes niveles de descomposición, desde solicitudes muy grandes e imprecisas al trabajo accionable que un solo Scrum </a:t>
+              <a:t>El Refinamiento Entre Equipos del Product Backlog se realiza  de manera continua para identificar, reducir o eliminar las dependencias entre equipos donde trabajan en conjunto e individual por Team para descomponer al Product Backlog capa por capa como una cebolla para que las dependencias sean transparentes para los miembros de los Scrum Teams y sepan que elemento entregara cada uno. </a:t>
             </a:r>
-            <a:r>
-              <a:rPr lang="es-AR" dirty="0" err="1"/>
-              <a:t>Team</a:t>
-            </a:r>
-            <a:r>
-              <a:rPr lang="es-AR" dirty="0"/>
-              <a:t> podría entregar dentro de un Sprint.   El Refinamiento Entre Equipos del Product Backlog a escala sirve a un propósito dual:  Ayuda a los Scrum Teams a prever qué equipo entregará qué elementos del Product Backlog.  Identifica dependencias entre estos equipos. El Refinamiento Entre Equipos es continuo. La frecuencia, duración y participación del Refinamiento Entre Equipos varía para optimizar estos dos propósitos.   Cuando sea necesario, cada Scrum </a:t>
-            </a:r>
-            <a:r>
-              <a:rPr lang="es-AR" dirty="0" err="1"/>
-              <a:t>Team</a:t>
-            </a:r>
-            <a:r>
-              <a:rPr lang="es-AR" dirty="0"/>
-              <a:t> continuará su propio refinamiento para que los elementos del Product Backlog estén listos para la selección en un evento Nexus Sprint </a:t>
-            </a:r>
-            <a:r>
-              <a:rPr lang="es-AR" dirty="0" err="1"/>
-              <a:t>Planning</a:t>
-            </a:r>
-            <a:r>
-              <a:rPr lang="es-AR" dirty="0"/>
-              <a:t>. Un Product Backlog adecuadamente refinado minimizará la aparición de nuevas dependencias durante la Nexus Sprint </a:t>
-            </a:r>
-            <a:r>
-              <a:rPr lang="es-AR" dirty="0" err="1"/>
-              <a:t>Planning</a:t>
-            </a:r>
-            <a:r>
-              <a:rPr lang="es-AR" dirty="0"/>
-              <a:t>.</a:t>
-            </a:r>
-          </a:p>
-          <a:p>
-            <a:pPr marL="0" lvl="0" indent="0" algn="l" rtl="0">
-              <a:spcBef>
-                <a:spcPts val="0"/>
-              </a:spcBef>
-              <a:spcAft>
-                <a:spcPts val="0"/>
-              </a:spcAft>
-              <a:buNone/>
-            </a:pPr>
             <a:endParaRPr dirty="0"/>
           </a:p>
         </p:txBody>
@@ -1220,68 +1177,66 @@
             </a:pPr>
             <a:r>
               <a:rPr lang="es-AR" dirty="0"/>
-              <a:t>El propósito de la Nexus Sprint </a:t>
+              <a:t>La Nexus Sprint Planning es la ceremonia que se realiza para coordinar las actividades de todos los Scrum Teams para un solo Sprint en donde asisten Los representantes apropiados de cada Scrum Team y el Product Owner para planificar el Sprint que como resultado vamos a tener </a:t>
+            </a:r>
+          </a:p>
+          <a:p>
+            <a:pPr marL="0" marR="0" lvl="0" indent="0" algn="l" defTabSz="914400" rtl="0" eaLnBrk="1" fontAlgn="auto" latinLnBrk="0" hangingPunct="1">
+              <a:lnSpc>
+                <a:spcPct val="100000"/>
+              </a:lnSpc>
+              <a:spcBef>
+                <a:spcPts val="0"/>
+              </a:spcBef>
+              <a:spcAft>
+                <a:spcPts val="0"/>
+              </a:spcAft>
+              <a:buClr>
+                <a:srgbClr val="000000"/>
+              </a:buClr>
+              <a:buSzPts val="1100"/>
+              <a:buFont typeface="Arial"/>
+              <a:buNone/>
+              <a:tabLst/>
+              <a:defRPr/>
+            </a:pPr>
+            <a:r>
+              <a:rPr lang="es-AR" dirty="0"/>
+              <a:t>1 objetivo sprint </a:t>
             </a:r>
             <a:r>
               <a:rPr lang="es-AR" dirty="0" err="1"/>
-              <a:t>Planning</a:t>
+              <a:t>nexus</a:t>
             </a:r>
             <a:r>
               <a:rPr lang="es-AR" dirty="0"/>
-              <a:t> es coordinar las actividades de todos los Scrum Teams dentro de un Nexus para un solo Sprint. Los representantes apropiados de cada Scrum </a:t>
-            </a:r>
-            <a:r>
-              <a:rPr lang="es-AR" dirty="0" err="1"/>
-              <a:t>Team</a:t>
-            </a:r>
-            <a:r>
-              <a:rPr lang="es-AR" dirty="0"/>
-              <a:t> y el Product </a:t>
-            </a:r>
-            <a:r>
-              <a:rPr lang="es-AR" dirty="0" err="1"/>
-              <a:t>Owner</a:t>
-            </a:r>
-            <a:r>
-              <a:rPr lang="es-AR" dirty="0"/>
-              <a:t> se reúnen para planificar el Sprint. El resultado de la Nexus Sprint </a:t>
-            </a:r>
-            <a:r>
-              <a:rPr lang="es-AR" dirty="0" err="1"/>
-              <a:t>Planning</a:t>
-            </a:r>
-            <a:r>
-              <a:rPr lang="es-AR" dirty="0"/>
-              <a:t> es: ● un Objetivo de Sprint del Nexus que se alinea con el Objetivo del Producto y describe el propósito que será alcanzado por el Nexus durante el Sprint   ● Un Objetivo de Sprint para cada Scrum </a:t>
-            </a:r>
-            <a:r>
-              <a:rPr lang="es-AR" dirty="0" err="1"/>
-              <a:t>Team</a:t>
-            </a:r>
-            <a:r>
-              <a:rPr lang="es-AR" dirty="0"/>
-              <a:t> que se Alinea con el Objetivo de Sprint del Nexus ● Un solo Nexus Sprint Backlog que representa el trabajo del Nexus hacia el Objetivo de Sprint del Nexus y que brinda transparencia a las dependencias entre equipos ● Un Sprint Backlog para cada Scrum </a:t>
-            </a:r>
-            <a:r>
-              <a:rPr lang="es-AR" dirty="0" err="1"/>
-              <a:t>Team</a:t>
-            </a:r>
-            <a:r>
-              <a:rPr lang="es-AR" dirty="0"/>
-              <a:t>, que proporciona transparencia al trabajo que hacen para apoyar el Objetivo de Sprint del Nexus</a:t>
+              <a:t> </a:t>
             </a:r>
           </a:p>
           <a:p>
-            <a:pPr marL="0" lvl="0" indent="0" algn="l" rtl="0">
-              <a:spcBef>
-                <a:spcPts val="0"/>
-              </a:spcBef>
-              <a:spcAft>
-                <a:spcPts val="0"/>
-              </a:spcAft>
-              <a:buNone/>
+            <a:pPr marL="0" marR="0" lvl="0" indent="0" algn="l" defTabSz="914400" rtl="0" eaLnBrk="1" fontAlgn="auto" latinLnBrk="0" hangingPunct="1">
+              <a:lnSpc>
+                <a:spcPct val="100000"/>
+              </a:lnSpc>
+              <a:spcBef>
+                <a:spcPts val="0"/>
+              </a:spcBef>
+              <a:spcAft>
+                <a:spcPts val="0"/>
+              </a:spcAft>
+              <a:buClr>
+                <a:srgbClr val="000000"/>
+              </a:buClr>
+              <a:buSzPts val="1100"/>
+              <a:buFont typeface="Arial"/>
+              <a:buNone/>
+              <a:tabLst/>
+              <a:defRPr/>
             </a:pPr>
-            <a:endParaRPr dirty="0"/>
+            <a:r>
+              <a:rPr lang="es-AR" dirty="0"/>
+              <a:t>1 Un solo Nexus Sprint Backlog </a:t>
+            </a:r>
           </a:p>
         </p:txBody>
       </p:sp>
@@ -1397,83 +1352,8 @@
             </a:pPr>
             <a:r>
               <a:rPr lang="es-AR" dirty="0"/>
-              <a:t>El propósito de la Nexus </a:t>
+              <a:t>La Nexus Daily Scrum es un evento que no remplaza la daily scrum sino mas bien que se realizan en complemento donde la Nexus daily scrum asisten Representantes c/ Scrum Teams para inspeccionar el estado actual del incremento integrado e identifican problemas de integración mientras que en las daily scrum nos enfocamos en planear soluciones para los problemas de integración.</a:t>
             </a:r>
-            <a:r>
-              <a:rPr lang="es-AR" dirty="0" err="1"/>
-              <a:t>Daily</a:t>
-            </a:r>
-            <a:r>
-              <a:rPr lang="es-AR" dirty="0"/>
-              <a:t> Scrum es identificar cualquier problema de integración e inspeccionar el progreso hacia el Objetivo de Sprint del Nexus. Representantes apropiados de los Scrum Teams asisten a la Nexus </a:t>
-            </a:r>
-            <a:r>
-              <a:rPr lang="es-AR" dirty="0" err="1"/>
-              <a:t>Daily</a:t>
-            </a:r>
-            <a:r>
-              <a:rPr lang="es-AR" dirty="0"/>
-              <a:t> Scrum, inspeccionan el estado actual del Integrated </a:t>
-            </a:r>
-            <a:r>
-              <a:rPr lang="es-AR" dirty="0" err="1"/>
-              <a:t>Increment</a:t>
-            </a:r>
-            <a:r>
-              <a:rPr lang="es-AR" dirty="0"/>
-              <a:t> e identifican problemas de integración y las dependencias o impactos entre equipos recién descubiertos. La </a:t>
-            </a:r>
-            <a:r>
-              <a:rPr lang="es-AR" dirty="0" err="1"/>
-              <a:t>Daily</a:t>
-            </a:r>
-            <a:r>
-              <a:rPr lang="es-AR" dirty="0"/>
-              <a:t> Scrum de cada Scrum </a:t>
-            </a:r>
-            <a:r>
-              <a:rPr lang="es-AR" dirty="0" err="1"/>
-              <a:t>Team</a:t>
-            </a:r>
-            <a:r>
-              <a:rPr lang="es-AR" dirty="0"/>
-              <a:t> complementa la Nexus </a:t>
-            </a:r>
-            <a:r>
-              <a:rPr lang="es-AR" dirty="0" err="1"/>
-              <a:t>Daily</a:t>
-            </a:r>
-            <a:r>
-              <a:rPr lang="es-AR" dirty="0"/>
-              <a:t> Scrum creando planes para el día, centrados principalmente en abordar los problemas de integración planteados durante la Nexus </a:t>
-            </a:r>
-            <a:r>
-              <a:rPr lang="es-AR" dirty="0" err="1"/>
-              <a:t>Daily</a:t>
-            </a:r>
-            <a:r>
-              <a:rPr lang="es-AR" dirty="0"/>
-              <a:t> Scrum. La Nexus </a:t>
-            </a:r>
-            <a:r>
-              <a:rPr lang="es-AR" dirty="0" err="1"/>
-              <a:t>Daily</a:t>
-            </a:r>
-            <a:r>
-              <a:rPr lang="es-AR" dirty="0"/>
-              <a:t> Scrum no es el único momento en que los Scrum Teams en el Nexus ajustan sus planes. La comunicación entre equipos puede ocurrir durante el día para tener discusiones más detalladas acerca de adaptar o replanificar el resto del trabajo del Sprint.</a:t>
-            </a:r>
-          </a:p>
-          <a:p>
-            <a:pPr marL="0" lvl="0" indent="0" algn="l" rtl="0">
-              <a:spcBef>
-                <a:spcPts val="0"/>
-              </a:spcBef>
-              <a:spcAft>
-                <a:spcPts val="0"/>
-              </a:spcAft>
-              <a:buNone/>
-            </a:pPr>
             <a:endParaRPr dirty="0"/>
           </a:p>
         </p:txBody>
@@ -1590,67 +1470,8 @@
             </a:pPr>
             <a:r>
               <a:rPr lang="es-AR" dirty="0"/>
-              <a:t>La Nexus Sprint </a:t>
+              <a:t>El evento Nexus Sprint review remplaza a la sprint review de cada equipo donde se va a presentar los resultados de lo trabajado a los  interesados clave y se va a discutir el progreso hacia el objetivo del producto para determinar adaptaciones futuras dependiendo de la retroalimentación obtenida por parte de los interesados aunque es posible que no se pueda mostrar todo el resultado.</a:t>
             </a:r>
-            <a:r>
-              <a:rPr lang="es-AR" dirty="0" err="1"/>
-              <a:t>Review</a:t>
-            </a:r>
-            <a:r>
-              <a:rPr lang="es-AR" dirty="0"/>
-              <a:t> se lleva a cabo al final del Sprint para brindar retroalimentación al Integrated </a:t>
-            </a:r>
-            <a:r>
-              <a:rPr lang="es-AR" dirty="0" err="1"/>
-              <a:t>Increment</a:t>
-            </a:r>
-            <a:r>
-              <a:rPr lang="es-AR" dirty="0"/>
-              <a:t> terminado que el Nexus ha construido durante el Sprint y determinar adaptaciones futuras. Dado que todo el Integrated </a:t>
-            </a:r>
-            <a:r>
-              <a:rPr lang="es-AR" dirty="0" err="1"/>
-              <a:t>Increment</a:t>
-            </a:r>
-            <a:r>
-              <a:rPr lang="es-AR" dirty="0"/>
-              <a:t> es el enfoque para obtener retroalimentación de los interesados, una Nexus Sprint </a:t>
-            </a:r>
-            <a:r>
-              <a:rPr lang="es-AR" dirty="0" err="1"/>
-              <a:t>Review</a:t>
-            </a:r>
-            <a:r>
-              <a:rPr lang="es-AR" dirty="0"/>
-              <a:t> reemplaza a las Sprint </a:t>
-            </a:r>
-            <a:r>
-              <a:rPr lang="es-AR" dirty="0" err="1"/>
-              <a:t>Review</a:t>
-            </a:r>
-            <a:r>
-              <a:rPr lang="es-AR" dirty="0"/>
-              <a:t> individuales de cada Scrum </a:t>
-            </a:r>
-            <a:r>
-              <a:rPr lang="es-AR" dirty="0" err="1"/>
-              <a:t>Team</a:t>
-            </a:r>
-            <a:r>
-              <a:rPr lang="es-AR" dirty="0"/>
-              <a:t>. Durante el evento, el Nexus presenta los resultados de su trabajo a los interesados clave y se discute el progreso hacia el Objetivo del Producto, aunque es posible que no sea posible mostrar todo el trabajo completado en detalle. Basándose en esta información, los asistentes colaboran en lo que el Nexus debe hacer para tener en cuenta la retroalimentación. El Product Backlog puede ajustarse para reflejar estas discusiones. </a:t>
-            </a:r>
-          </a:p>
-          <a:p>
-            <a:pPr marL="0" lvl="0" indent="0" algn="l" rtl="0">
-              <a:spcBef>
-                <a:spcPts val="0"/>
-              </a:spcBef>
-              <a:spcAft>
-                <a:spcPts val="0"/>
-              </a:spcAft>
-              <a:buNone/>
-            </a:pPr>
             <a:endParaRPr dirty="0"/>
           </a:p>
         </p:txBody>
@@ -1755,41 +1576,8 @@
             </a:pPr>
             <a:r>
               <a:rPr lang="es-AR" dirty="0"/>
-              <a:t>El propósito de la Nexus Sprint Retrospective es planificar formas de mejorar la calidad y la eficacia en todo el Nexus. El Nexus inspecciona cómo fue el último Sprint con respecto a individuos, equipos, interacciones, procesos, herramientas y su Definición de </a:t>
+              <a:t>La  Nexus Sprint Retrospective es la ceremonia que concluye el sprint de manera tal que su propósito es inspeccionar como fue el sprint en relación a individuos, equipos, interacciones y DoD con el fin de planificar formas de mejorar la calidad y la eficacia en Nexus que son complementadas por las retrospectivas de los equipos.</a:t>
             </a:r>
-            <a:r>
-              <a:rPr lang="es-AR" dirty="0" err="1"/>
-              <a:t>Terminado.Además</a:t>
-            </a:r>
-            <a:r>
-              <a:rPr lang="es-AR" dirty="0"/>
-              <a:t> de las mejoras de cada equipo, las Retrospectivas de los Scrum Teams complementan la Nexus Sprint Retrospective mediante el uso de inteligencia de abajo hacia arriba para centrarse en los problemas que afectan al Nexus en su conjunto.  </a:t>
-            </a:r>
-          </a:p>
-          <a:p>
-            <a:pPr marL="342900" lvl="0" indent="-241300">
-              <a:spcBef>
-                <a:spcPts val="0"/>
-              </a:spcBef>
-              <a:buSzPts val="1600"/>
-              <a:buNone/>
-            </a:pPr>
-            <a:r>
-              <a:rPr lang="es-AR" dirty="0"/>
-              <a:t>La Nexus Sprint Retrospective concluye el Sprint.</a:t>
-            </a:r>
-          </a:p>
-          <a:p>
-            <a:pPr marL="0" lvl="0" indent="0" algn="l" rtl="0">
-              <a:spcBef>
-                <a:spcPts val="0"/>
-              </a:spcBef>
-              <a:spcAft>
-                <a:spcPts val="0"/>
-              </a:spcAft>
-              <a:buNone/>
-            </a:pPr>
-            <a:endParaRPr dirty="0"/>
           </a:p>
         </p:txBody>
       </p:sp>
@@ -2113,15 +1901,7 @@
             </a:pPr>
             <a:r>
               <a:rPr lang="es-AR" dirty="0"/>
-              <a:t>Hay un solo Product Backlog que contiene una lista de lo que el Nexus y todos sus Scrum Teams necesitan para mejorar el producto. A escala, el Product Backlog debe entenderse en un nivel donde las dependencias se pueden detectar y minimizar. El Product </a:t>
-            </a:r>
-            <a:r>
-              <a:rPr lang="es-AR" dirty="0" err="1"/>
-              <a:t>Owner</a:t>
-            </a:r>
-            <a:r>
-              <a:rPr lang="es-AR" dirty="0"/>
-              <a:t> es responsable del Product Backlog, incluido su contenido, disponibilidad y ordenamiento. Compromiso: Objetivo del Producto El compromiso para el Product Backlog es el Objetivo del Producto. El Objetivo del Producto describe el estado futuro del producto y sirve como un objetivo a largo plazo para el Nexus.</a:t>
+              <a:t>Hay un solo Product Backlog que contiene una lista de lo que el Nexus y todos sus Scrum Teams necesitan para mejorar el producto. A escala, el Product Backlog debe entenderse en un nivel donde las dependencias se pueden detectar y minimizar. El Product Owner es responsable del Product Backlog, incluido su contenido, disponibilidad y ordenamiento. Compromiso: Objetivo del Producto El compromiso para el Product Backlog es el Objetivo del Producto. El Objetivo del Producto describe el estado futuro del producto y sirve como un objetivo a largo plazo para el Nexus.</a:t>
             </a:r>
           </a:p>
           <a:p>
@@ -2599,23 +2379,7 @@
                   <a:schemeClr val="tx1"/>
                 </a:solidFill>
               </a:rPr>
-              <a:t>un solo </a:t>
-            </a:r>
-            <a:r>
-              <a:rPr lang="es-AR" dirty="0" err="1">
-                <a:solidFill>
-                  <a:schemeClr val="tx1"/>
-                </a:solidFill>
-              </a:rPr>
-              <a:t>product</a:t>
-            </a:r>
-            <a:r>
-              <a:rPr lang="es-AR" dirty="0">
-                <a:solidFill>
-                  <a:schemeClr val="tx1"/>
-                </a:solidFill>
-              </a:rPr>
-              <a:t> backlog</a:t>
+              <a:t>un solo product backlog</a:t>
             </a:r>
           </a:p>
           <a:p>
@@ -3020,19 +2784,7 @@
               <a:rPr lang="es-AR" dirty="0">
                 <a:latin typeface="Calibri" panose="020F0502020204030204" pitchFamily="34" charset="0"/>
               </a:rPr>
-              <a:t> </a:t>
-            </a:r>
-            <a:r>
-              <a:rPr lang="es-AR" dirty="0" err="1">
-                <a:latin typeface="Calibri" panose="020F0502020204030204" pitchFamily="34" charset="0"/>
-              </a:rPr>
-              <a:t>Team</a:t>
-            </a:r>
-            <a:r>
-              <a:rPr lang="es-AR" dirty="0">
-                <a:latin typeface="Calibri" panose="020F0502020204030204" pitchFamily="34" charset="0"/>
-              </a:rPr>
-              <a:t> se asegura de que el Nexus entregue un Integrated </a:t>
+              <a:t> Team se asegura de que el Nexus entregue un Integrated </a:t>
             </a:r>
             <a:r>
               <a:rPr lang="es-AR" dirty="0" err="1">
@@ -3056,31 +2808,7 @@
               <a:rPr lang="es-AR" dirty="0">
                 <a:latin typeface="Calibri" panose="020F0502020204030204" pitchFamily="34" charset="0"/>
               </a:rPr>
-              <a:t> </a:t>
-            </a:r>
-            <a:r>
-              <a:rPr lang="es-AR" dirty="0" err="1">
-                <a:latin typeface="Calibri" panose="020F0502020204030204" pitchFamily="34" charset="0"/>
-              </a:rPr>
-              <a:t>Team</a:t>
-            </a:r>
-            <a:r>
-              <a:rPr lang="es-AR" dirty="0">
-                <a:latin typeface="Calibri" panose="020F0502020204030204" pitchFamily="34" charset="0"/>
-              </a:rPr>
-              <a:t> está formado por el Product </a:t>
-            </a:r>
-            <a:r>
-              <a:rPr lang="es-AR" dirty="0" err="1">
-                <a:latin typeface="Calibri" panose="020F0502020204030204" pitchFamily="34" charset="0"/>
-              </a:rPr>
-              <a:t>Owner</a:t>
-            </a:r>
-            <a:r>
-              <a:rPr lang="es-AR" dirty="0">
-                <a:latin typeface="Calibri" panose="020F0502020204030204" pitchFamily="34" charset="0"/>
-              </a:rPr>
-              <a:t>, un Scrum Master y Miembros del Nexus </a:t>
+              <a:t> Team está formado por el Product Owner, un Scrum Master y Miembros del Nexus </a:t>
             </a:r>
             <a:r>
               <a:rPr lang="es-AR" dirty="0" err="1">
@@ -3092,19 +2820,7 @@
               <a:rPr lang="es-AR" dirty="0">
                 <a:latin typeface="Calibri" panose="020F0502020204030204" pitchFamily="34" charset="0"/>
               </a:rPr>
-              <a:t> </a:t>
-            </a:r>
-            <a:r>
-              <a:rPr lang="es-AR" dirty="0" err="1">
-                <a:latin typeface="Calibri" panose="020F0502020204030204" pitchFamily="34" charset="0"/>
-              </a:rPr>
-              <a:t>Team</a:t>
-            </a:r>
-            <a:r>
-              <a:rPr lang="es-AR" dirty="0">
-                <a:latin typeface="Calibri" panose="020F0502020204030204" pitchFamily="34" charset="0"/>
-              </a:rPr>
-              <a:t>. ● Eventos: los eventos se agregan, colocan alrededor o reemplazan a los eventos Scrum regulares para aumentarlos. Según las modificaciones, sirven tanto para el esfuerzo general de todos los equipos Scrum en el Nexus como para cada equipo individual. Un Objetivo de Sprint Nexus es el objetivo del Sprint. ● Artefactos: todos los Scrum Teams usan el mismo y único Product Backlog. A medida que los elementos del Product Backlog se refinan y se preparan, ciertos indicadores de qué equipo probablemente hará el trabajo dentro de un Sprint se vuelven transparentes. Un Nexus Sprint Backlog existe para para ayudar con la transparencia durante el Sprint. El Integrated </a:t>
+              <a:t> Team. ● Eventos: los eventos se agregan, colocan alrededor o reemplazan a los eventos Scrum regulares para aumentarlos. Según las modificaciones, sirven tanto para el esfuerzo general de todos los equipos Scrum en el Nexus como para cada equipo individual. Un Objetivo de Sprint Nexus es el objetivo del Sprint. ● Artefactos: todos los Scrum Teams usan el mismo y único Product Backlog. A medida que los elementos del Product Backlog se refinan y se preparan, ciertos indicadores de qué equipo probablemente hará el trabajo dentro de un Sprint se vuelven transparentes. Un Nexus Sprint Backlog existe para para ayudar con la transparencia durante el Sprint. El Integrated </a:t>
             </a:r>
             <a:r>
               <a:rPr lang="es-AR" dirty="0" err="1">
@@ -3272,19 +2988,7 @@
               <a:rPr lang="es-AR" dirty="0">
                 <a:latin typeface="Calibri" panose="020F0502020204030204" pitchFamily="34" charset="0"/>
               </a:rPr>
-              <a:t>Un Nexus está formado por Scrum Teams que trabajan juntos hacia un Objetivo de Producto. El marco de trabajo de Scrum define tres conjuntos específicos de responsabilidades dentro de un Scrum </a:t>
-            </a:r>
-            <a:r>
-              <a:rPr lang="es-AR" dirty="0" err="1">
-                <a:latin typeface="Calibri" panose="020F0502020204030204" pitchFamily="34" charset="0"/>
-              </a:rPr>
-              <a:t>Team</a:t>
-            </a:r>
-            <a:r>
-              <a:rPr lang="es-AR" dirty="0">
-                <a:latin typeface="Calibri" panose="020F0502020204030204" pitchFamily="34" charset="0"/>
-              </a:rPr>
-              <a:t>: los </a:t>
+              <a:t>Un Nexus está formado por Scrum Teams que trabajan juntos hacia un Objetivo de Producto. El marco de trabajo de Scrum define tres conjuntos específicos de responsabilidades dentro de un Scrum Team: los </a:t>
             </a:r>
             <a:r>
               <a:rPr lang="es-AR" dirty="0" err="1">
@@ -3296,19 +3000,7 @@
               <a:rPr lang="es-AR" dirty="0">
                 <a:latin typeface="Calibri" panose="020F0502020204030204" pitchFamily="34" charset="0"/>
               </a:rPr>
-              <a:t>, el Product </a:t>
-            </a:r>
-            <a:r>
-              <a:rPr lang="es-AR" dirty="0" err="1">
-                <a:latin typeface="Calibri" panose="020F0502020204030204" pitchFamily="34" charset="0"/>
-              </a:rPr>
-              <a:t>Owner</a:t>
-            </a:r>
-            <a:r>
-              <a:rPr lang="es-AR" dirty="0">
-                <a:latin typeface="Calibri" panose="020F0502020204030204" pitchFamily="34" charset="0"/>
-              </a:rPr>
-              <a:t> y el Scrum Master. Estas responsabilidades se prescriben en la Guía de Scrum. En Nexus, se introduce una responsabilidad adicional, el Nexus </a:t>
+              <a:t>, el Product Owner y el Scrum Master. Estas responsabilidades se prescriben en la Guía de Scrum. En Nexus, se introduce una responsabilidad adicional, el Nexus </a:t>
             </a:r>
             <a:r>
               <a:rPr lang="es-AR" dirty="0" err="1">
@@ -3320,19 +3012,7 @@
               <a:rPr lang="es-AR" dirty="0">
                 <a:latin typeface="Calibri" panose="020F0502020204030204" pitchFamily="34" charset="0"/>
               </a:rPr>
-              <a:t> </a:t>
-            </a:r>
-            <a:r>
-              <a:rPr lang="es-AR" dirty="0" err="1">
-                <a:latin typeface="Calibri" panose="020F0502020204030204" pitchFamily="34" charset="0"/>
-              </a:rPr>
-              <a:t>Team</a:t>
-            </a:r>
-            <a:r>
-              <a:rPr lang="es-AR" dirty="0">
-                <a:latin typeface="Calibri" panose="020F0502020204030204" pitchFamily="34" charset="0"/>
-              </a:rPr>
-              <a:t>.</a:t>
+              <a:t> Team.</a:t>
             </a:r>
           </a:p>
           <a:p>
@@ -3355,19 +3035,7 @@
               <a:rPr lang="es-AR" dirty="0">
                 <a:latin typeface="Calibri" panose="020F0502020204030204" pitchFamily="34" charset="0"/>
               </a:rPr>
-              <a:t> </a:t>
-            </a:r>
-            <a:r>
-              <a:rPr lang="es-AR" dirty="0" err="1">
-                <a:latin typeface="Calibri" panose="020F0502020204030204" pitchFamily="34" charset="0"/>
-              </a:rPr>
-              <a:t>Team</a:t>
-            </a:r>
-            <a:r>
-              <a:rPr lang="es-AR" dirty="0">
-                <a:latin typeface="Calibri" panose="020F0502020204030204" pitchFamily="34" charset="0"/>
-              </a:rPr>
-              <a:t> es responsable de asegurar que se produzca un Integrated </a:t>
+              <a:t> Team es responsable de asegurar que se produzca un Integrated </a:t>
             </a:r>
             <a:r>
               <a:rPr lang="es-AR" dirty="0" err="1">
@@ -3391,19 +3059,7 @@
               <a:rPr lang="es-AR" dirty="0">
                 <a:latin typeface="Calibri" panose="020F0502020204030204" pitchFamily="34" charset="0"/>
               </a:rPr>
-              <a:t> </a:t>
-            </a:r>
-            <a:r>
-              <a:rPr lang="es-AR" dirty="0" err="1">
-                <a:latin typeface="Calibri" panose="020F0502020204030204" pitchFamily="34" charset="0"/>
-              </a:rPr>
-              <a:t>Team</a:t>
-            </a:r>
-            <a:r>
-              <a:rPr lang="es-AR" dirty="0">
-                <a:latin typeface="Calibri" panose="020F0502020204030204" pitchFamily="34" charset="0"/>
-              </a:rPr>
-              <a:t> proporciona un punto focal de la integración para el Nexus. La integración incluye abordar las restricciones técnicas y no técnicas del equipo multifuncional que pueden impedir la capacidad de un Nexus para entregar constantemente un Integrated </a:t>
+              <a:t> Team proporciona un punto focal de la integración para el Nexus. La integración incluye abordar las restricciones técnicas y no técnicas del equipo multifuncional que pueden impedir la capacidad de un Nexus para entregar constantemente un Integrated </a:t>
             </a:r>
             <a:r>
               <a:rPr lang="es-AR" dirty="0" err="1">
@@ -3415,19 +3071,7 @@
               <a:rPr lang="es-AR" dirty="0">
                 <a:latin typeface="Calibri" panose="020F0502020204030204" pitchFamily="34" charset="0"/>
               </a:rPr>
-              <a:t>. Debe utilizar la inteligencia de abajo hacia arriba desde dentro del Nexus para lograr la resolución. El Product </a:t>
-            </a:r>
-            <a:r>
-              <a:rPr lang="es-AR" dirty="0" err="1">
-                <a:latin typeface="Calibri" panose="020F0502020204030204" pitchFamily="34" charset="0"/>
-              </a:rPr>
-              <a:t>Owner</a:t>
-            </a:r>
-            <a:r>
-              <a:rPr lang="es-AR" dirty="0">
-                <a:latin typeface="Calibri" panose="020F0502020204030204" pitchFamily="34" charset="0"/>
-              </a:rPr>
-              <a:t>, un Scrum Master y miembros apropiados de los Scrum Teams pertenecen al Nexus </a:t>
+              <a:t>. Debe utilizar la inteligencia de abajo hacia arriba desde dentro del Nexus para lograr la resolución. El Product Owner, un Scrum Master y miembros apropiados de los Scrum Teams pertenecen al Nexus </a:t>
             </a:r>
             <a:r>
               <a:rPr lang="es-AR" dirty="0" err="1">
@@ -3439,19 +3083,7 @@
               <a:rPr lang="es-AR" dirty="0">
                 <a:latin typeface="Calibri" panose="020F0502020204030204" pitchFamily="34" charset="0"/>
               </a:rPr>
-              <a:t> </a:t>
-            </a:r>
-            <a:r>
-              <a:rPr lang="es-AR" dirty="0" err="1">
-                <a:latin typeface="Calibri" panose="020F0502020204030204" pitchFamily="34" charset="0"/>
-              </a:rPr>
-              <a:t>Team</a:t>
-            </a:r>
-            <a:r>
-              <a:rPr lang="es-AR" dirty="0">
-                <a:latin typeface="Calibri" panose="020F0502020204030204" pitchFamily="34" charset="0"/>
-              </a:rPr>
-              <a:t>. Los miembros apropiados son las personas con las habilidades y conocimientos necesarios para ayudar a resolver los problemas que enfrenta el Nexus en cualquier momento. La composición del Nexus </a:t>
+              <a:t> Team. Los miembros apropiados son las personas con las habilidades y conocimientos necesarios para ayudar a resolver los problemas que enfrenta el Nexus en cualquier momento. La composición del Nexus </a:t>
             </a:r>
             <a:r>
               <a:rPr lang="es-AR" dirty="0" err="1">
@@ -3463,19 +3095,7 @@
               <a:rPr lang="es-AR" dirty="0">
                 <a:latin typeface="Calibri" panose="020F0502020204030204" pitchFamily="34" charset="0"/>
               </a:rPr>
-              <a:t> </a:t>
-            </a:r>
-            <a:r>
-              <a:rPr lang="es-AR" dirty="0" err="1">
-                <a:latin typeface="Calibri" panose="020F0502020204030204" pitchFamily="34" charset="0"/>
-              </a:rPr>
-              <a:t>Team</a:t>
-            </a:r>
-            <a:r>
-              <a:rPr lang="es-AR" dirty="0">
-                <a:latin typeface="Calibri" panose="020F0502020204030204" pitchFamily="34" charset="0"/>
-              </a:rPr>
-              <a:t> puede cambiar con el tiempo para reflejar las necesidades actuales de un Nexus. Las actividades comunes que el Nexus </a:t>
+              <a:t> Team puede cambiar con el tiempo para reflejar las necesidades actuales de un Nexus. Las actividades comunes que el Nexus </a:t>
             </a:r>
             <a:r>
               <a:rPr lang="es-AR" dirty="0" err="1">
@@ -3487,19 +3107,7 @@
               <a:rPr lang="es-AR" dirty="0">
                 <a:latin typeface="Calibri" panose="020F0502020204030204" pitchFamily="34" charset="0"/>
               </a:rPr>
-              <a:t> </a:t>
-            </a:r>
-            <a:r>
-              <a:rPr lang="es-AR" dirty="0" err="1">
-                <a:latin typeface="Calibri" panose="020F0502020204030204" pitchFamily="34" charset="0"/>
-              </a:rPr>
-              <a:t>Team</a:t>
-            </a:r>
-            <a:r>
-              <a:rPr lang="es-AR" dirty="0">
-                <a:latin typeface="Calibri" panose="020F0502020204030204" pitchFamily="34" charset="0"/>
-              </a:rPr>
-              <a:t> podría realizar incluyen acompañamiento, consultoría y advertencia manifiesta de dependencias y problemas entre equipos.</a:t>
+              <a:t> Team podría realizar incluyen acompañamiento, consultoría y advertencia manifiesta de dependencias y problemas entre equipos.</a:t>
             </a:r>
           </a:p>
           <a:p>
@@ -3522,19 +3130,7 @@
               <a:rPr lang="es-AR" dirty="0">
                 <a:latin typeface="Calibri" panose="020F0502020204030204" pitchFamily="34" charset="0"/>
               </a:rPr>
-              <a:t> </a:t>
-            </a:r>
-            <a:r>
-              <a:rPr lang="es-AR" dirty="0" err="1">
-                <a:latin typeface="Calibri" panose="020F0502020204030204" pitchFamily="34" charset="0"/>
-              </a:rPr>
-              <a:t>Team</a:t>
-            </a:r>
-            <a:r>
-              <a:rPr lang="es-AR" dirty="0">
-                <a:latin typeface="Calibri" panose="020F0502020204030204" pitchFamily="34" charset="0"/>
-              </a:rPr>
-              <a:t> es responsable de acompañar y guiar a los Scrum Teams para que estos adquieran, implementen y aprendan prácticas y herramientas que mejoren su capacidad de producir un </a:t>
+              <a:t> Team es responsable de acompañar y guiar a los Scrum Teams para que estos adquieran, implementen y aprendan prácticas y herramientas que mejoren su capacidad de producir un </a:t>
             </a:r>
             <a:r>
               <a:rPr lang="es-AR" dirty="0" err="1">
@@ -3558,31 +3154,7 @@
               <a:rPr lang="es-AR" dirty="0">
                 <a:latin typeface="Calibri" panose="020F0502020204030204" pitchFamily="34" charset="0"/>
               </a:rPr>
-              <a:t> </a:t>
-            </a:r>
-            <a:r>
-              <a:rPr lang="es-AR" dirty="0" err="1">
-                <a:latin typeface="Calibri" panose="020F0502020204030204" pitchFamily="34" charset="0"/>
-              </a:rPr>
-              <a:t>Team</a:t>
-            </a:r>
-            <a:r>
-              <a:rPr lang="es-AR" dirty="0">
-                <a:latin typeface="Calibri" panose="020F0502020204030204" pitchFamily="34" charset="0"/>
-              </a:rPr>
-              <a:t> tiene precedencia sobre la membresía a un Scrum </a:t>
-            </a:r>
-            <a:r>
-              <a:rPr lang="es-AR" dirty="0" err="1">
-                <a:latin typeface="Calibri" panose="020F0502020204030204" pitchFamily="34" charset="0"/>
-              </a:rPr>
-              <a:t>Team</a:t>
-            </a:r>
-            <a:r>
-              <a:rPr lang="es-AR" dirty="0">
-                <a:latin typeface="Calibri" panose="020F0502020204030204" pitchFamily="34" charset="0"/>
-              </a:rPr>
-              <a:t> individual. Siempre y cuando se satisfaga su responsabilidad como Nexus </a:t>
+              <a:t> Team tiene precedencia sobre la membresía a un Scrum Team individual. Siempre y cuando se satisfaga su responsabilidad como Nexus </a:t>
             </a:r>
             <a:r>
               <a:rPr lang="es-AR" dirty="0" err="1">
@@ -3594,19 +3166,7 @@
               <a:rPr lang="es-AR" dirty="0">
                 <a:latin typeface="Calibri" panose="020F0502020204030204" pitchFamily="34" charset="0"/>
               </a:rPr>
-              <a:t> </a:t>
-            </a:r>
-            <a:r>
-              <a:rPr lang="es-AR" dirty="0" err="1">
-                <a:latin typeface="Calibri" panose="020F0502020204030204" pitchFamily="34" charset="0"/>
-              </a:rPr>
-              <a:t>Team</a:t>
-            </a:r>
-            <a:r>
-              <a:rPr lang="es-AR" dirty="0">
-                <a:latin typeface="Calibri" panose="020F0502020204030204" pitchFamily="34" charset="0"/>
-              </a:rPr>
-              <a:t>, pueden trabajar como miembros de equipo en sus respectivos Scrum Teams. Esta preferencia ayuda a garantizar que el trabajo para resolver los problemas que afectan a varios equipos tenga prioridad.</a:t>
+              <a:t> Team, pueden trabajar como miembros de equipo en sus respectivos Scrum Teams. Esta preferencia ayuda a garantizar que el trabajo para resolver los problemas que afectan a varios equipos tenga prioridad.</a:t>
             </a:r>
           </a:p>
           <a:p>
@@ -3694,31 +3254,7 @@
             </a:pPr>
             <a:r>
               <a:rPr lang="es-AR" dirty="0"/>
-              <a:t>un Nexus funciona con un solo Product Backlog y, como se describe en Scrum, un Product Backlog tiene un único Product </a:t>
-            </a:r>
-            <a:r>
-              <a:rPr lang="es-AR" dirty="0" err="1"/>
-              <a:t>Owner</a:t>
-            </a:r>
-            <a:r>
-              <a:rPr lang="es-AR" dirty="0"/>
-              <a:t> que tiene la última palabra sobre su contenido. El Product </a:t>
-            </a:r>
-            <a:r>
-              <a:rPr lang="es-AR" dirty="0" err="1"/>
-              <a:t>Owner</a:t>
-            </a:r>
-            <a:r>
-              <a:rPr lang="es-AR" dirty="0"/>
-              <a:t> es responsable de maximizar el valor del producto y el trabajo realizado e integrado por los Scrum Teams en un Nexus. El Product </a:t>
-            </a:r>
-            <a:r>
-              <a:rPr lang="es-AR" dirty="0" err="1"/>
-              <a:t>Owner</a:t>
-            </a:r>
-            <a:r>
-              <a:rPr lang="es-AR" dirty="0"/>
-              <a:t> también es responsable de la gestión eficaz del Product Backlog. La forma de hacer esto puede variar ampliamente entre organizaciones, Nexus, Scrum Teams e individuos.</a:t>
+              <a:t>un Nexus funciona con un solo Product Backlog y, como se describe en Scrum, un Product Backlog tiene un único Product Owner que tiene la última palabra sobre su contenido. El Product Owner es responsable de maximizar el valor del producto y el trabajo realizado e integrado por los Scrum Teams en un Nexus. El Product Owner también es responsable de la gestión eficaz del Product Backlog. La forma de hacer esto puede variar ampliamente entre organizaciones, Nexus, Scrum Teams e individuos.</a:t>
             </a:r>
           </a:p>
           <a:p>
@@ -3855,15 +3391,7 @@
             </a:r>
             <a:r>
               <a:rPr lang="es-AR" dirty="0"/>
-              <a:t> </a:t>
-            </a:r>
-            <a:r>
-              <a:rPr lang="es-AR" dirty="0" err="1"/>
-              <a:t>Team</a:t>
-            </a:r>
-            <a:r>
-              <a:rPr lang="es-AR" dirty="0"/>
-              <a:t> es responsable de asegurar que el marco de trabajo Nexus se entienda y se promulgue como se describe en la Guía de Nexus. Este Scrum Master también puede ser un Scrum Master en uno o más de los Scrum Teams en el Nexus. </a:t>
+              <a:t> Team es responsable de asegurar que el marco de trabajo Nexus se entienda y se promulgue como se describe en la Guía de Nexus. Este Scrum Master también puede ser un Scrum Master en uno o más de los Scrum Teams en el Nexus. </a:t>
             </a:r>
           </a:p>
           <a:p>
@@ -4000,15 +3528,7 @@
             </a:r>
             <a:r>
               <a:rPr lang="es-AR" dirty="0"/>
-              <a:t> </a:t>
-            </a:r>
-            <a:r>
-              <a:rPr lang="es-AR" dirty="0" err="1"/>
-              <a:t>Team</a:t>
-            </a:r>
-            <a:r>
-              <a:rPr lang="es-AR" dirty="0"/>
-              <a:t> a menudo está formado por miembros de los Scrum Teams que ayudan a los Scrum Teams a adoptar herramientas y prácticas que contribuyen a mejorar la capacidad de los Scrum Teams para entregar un Integrated </a:t>
+              <a:t> Team a menudo está formado por miembros de los Scrum Teams que ayudan a los Scrum Teams a adoptar herramientas y prácticas que contribuyen a mejorar la capacidad de los Scrum Teams para entregar un Integrated </a:t>
             </a:r>
             <a:r>
               <a:rPr lang="es-AR" dirty="0" err="1"/>
@@ -4786,11 +4306,11 @@
   <p:clrMapOvr>
     <a:masterClrMapping/>
   </p:clrMapOvr>
-  <mc:AlternateContent xmlns:mc="http://schemas.openxmlformats.org/markup-compatibility/2006">
-    <mc:Choice xmlns:p14="http://schemas.microsoft.com/office/powerpoint/2010/main" Requires="p14">
+  <mc:AlternateContent xmlns:mc="http://schemas.openxmlformats.org/markup-compatibility/2006" xmlns:p14="http://schemas.microsoft.com/office/powerpoint/2010/main">
+    <mc:Choice Requires="p14">
       <p:transition spd="slow" p14:dur="20000" advClick="0" advTm="20000"/>
     </mc:Choice>
-    <mc:Fallback>
+    <mc:Fallback xmlns="">
       <p:transition spd="slow" advClick="0" advTm="20000"/>
     </mc:Fallback>
   </mc:AlternateContent>
@@ -5498,11 +5018,11 @@
   <p:clrMapOvr>
     <a:masterClrMapping/>
   </p:clrMapOvr>
-  <mc:AlternateContent xmlns:mc="http://schemas.openxmlformats.org/markup-compatibility/2006">
-    <mc:Choice xmlns:p14="http://schemas.microsoft.com/office/powerpoint/2010/main" Requires="p14">
+  <mc:AlternateContent xmlns:mc="http://schemas.openxmlformats.org/markup-compatibility/2006" xmlns:p14="http://schemas.microsoft.com/office/powerpoint/2010/main">
+    <mc:Choice Requires="p14">
       <p:transition spd="slow" p14:dur="20000" advClick="0" advTm="20000"/>
     </mc:Choice>
-    <mc:Fallback>
+    <mc:Fallback xmlns="">
       <p:transition spd="slow" advClick="0" advTm="20000"/>
     </mc:Fallback>
   </mc:AlternateContent>
@@ -6177,11 +5697,11 @@
   <p:clrMapOvr>
     <a:masterClrMapping/>
   </p:clrMapOvr>
-  <mc:AlternateContent xmlns:mc="http://schemas.openxmlformats.org/markup-compatibility/2006">
-    <mc:Choice xmlns:p14="http://schemas.microsoft.com/office/powerpoint/2010/main" Requires="p14">
+  <mc:AlternateContent xmlns:mc="http://schemas.openxmlformats.org/markup-compatibility/2006" xmlns:p14="http://schemas.microsoft.com/office/powerpoint/2010/main">
+    <mc:Choice Requires="p14">
       <p:transition spd="slow" p14:dur="20000" advClick="0" advTm="20000"/>
     </mc:Choice>
-    <mc:Fallback>
+    <mc:Fallback xmlns="">
       <p:transition spd="slow" advClick="0" advTm="20000"/>
     </mc:Fallback>
   </mc:AlternateContent>
@@ -7097,11 +6617,11 @@
   <p:clrMapOvr>
     <a:masterClrMapping/>
   </p:clrMapOvr>
-  <mc:AlternateContent xmlns:mc="http://schemas.openxmlformats.org/markup-compatibility/2006">
-    <mc:Choice xmlns:p14="http://schemas.microsoft.com/office/powerpoint/2010/main" Requires="p14">
+  <mc:AlternateContent xmlns:mc="http://schemas.openxmlformats.org/markup-compatibility/2006" xmlns:p14="http://schemas.microsoft.com/office/powerpoint/2010/main">
+    <mc:Choice Requires="p14">
       <p:transition spd="slow" p14:dur="20000" advClick="0" advTm="20000"/>
     </mc:Choice>
-    <mc:Fallback>
+    <mc:Fallback xmlns="">
       <p:transition spd="slow" advClick="0" advTm="20000"/>
     </mc:Fallback>
   </mc:AlternateContent>
@@ -7812,11 +7332,11 @@
   <p:clrMapOvr>
     <a:masterClrMapping/>
   </p:clrMapOvr>
-  <mc:AlternateContent xmlns:mc="http://schemas.openxmlformats.org/markup-compatibility/2006">
-    <mc:Choice xmlns:p14="http://schemas.microsoft.com/office/powerpoint/2010/main" Requires="p14">
+  <mc:AlternateContent xmlns:mc="http://schemas.openxmlformats.org/markup-compatibility/2006" xmlns:p14="http://schemas.microsoft.com/office/powerpoint/2010/main">
+    <mc:Choice Requires="p14">
       <p:transition spd="slow" p14:dur="20000" advClick="0" advTm="20000"/>
     </mc:Choice>
-    <mc:Fallback>
+    <mc:Fallback xmlns="">
       <p:transition spd="slow" advClick="0" advTm="20000"/>
     </mc:Fallback>
   </mc:AlternateContent>
@@ -9224,11 +8744,11 @@
   <p:clrMapOvr>
     <a:masterClrMapping/>
   </p:clrMapOvr>
-  <mc:AlternateContent xmlns:mc="http://schemas.openxmlformats.org/markup-compatibility/2006">
-    <mc:Choice xmlns:p14="http://schemas.microsoft.com/office/powerpoint/2010/main" Requires="p14">
+  <mc:AlternateContent xmlns:mc="http://schemas.openxmlformats.org/markup-compatibility/2006" xmlns:p14="http://schemas.microsoft.com/office/powerpoint/2010/main">
+    <mc:Choice Requires="p14">
       <p:transition spd="slow" p14:dur="20000" advClick="0" advTm="20000"/>
     </mc:Choice>
-    <mc:Fallback>
+    <mc:Fallback xmlns="">
       <p:transition spd="slow" advClick="0" advTm="20000"/>
     </mc:Fallback>
   </mc:AlternateContent>
@@ -10735,11 +10255,11 @@
   <p:clrMapOvr>
     <a:masterClrMapping/>
   </p:clrMapOvr>
-  <mc:AlternateContent xmlns:mc="http://schemas.openxmlformats.org/markup-compatibility/2006">
-    <mc:Choice xmlns:p14="http://schemas.microsoft.com/office/powerpoint/2010/main" Requires="p14">
+  <mc:AlternateContent xmlns:mc="http://schemas.openxmlformats.org/markup-compatibility/2006" xmlns:p14="http://schemas.microsoft.com/office/powerpoint/2010/main">
+    <mc:Choice Requires="p14">
       <p:transition spd="slow" p14:dur="20000" advClick="0" advTm="20000"/>
     </mc:Choice>
-    <mc:Fallback>
+    <mc:Fallback xmlns="">
       <p:transition spd="slow" advClick="0" advTm="20000"/>
     </mc:Fallback>
   </mc:AlternateContent>
@@ -11413,11 +10933,11 @@
   <p:clrMapOvr>
     <a:masterClrMapping/>
   </p:clrMapOvr>
-  <mc:AlternateContent xmlns:mc="http://schemas.openxmlformats.org/markup-compatibility/2006">
-    <mc:Choice xmlns:p14="http://schemas.microsoft.com/office/powerpoint/2010/main" Requires="p14">
+  <mc:AlternateContent xmlns:mc="http://schemas.openxmlformats.org/markup-compatibility/2006" xmlns:p14="http://schemas.microsoft.com/office/powerpoint/2010/main">
+    <mc:Choice Requires="p14">
       <p:transition spd="slow" p14:dur="20000" advClick="0" advTm="20000"/>
     </mc:Choice>
-    <mc:Fallback>
+    <mc:Fallback xmlns="">
       <p:transition spd="slow" advClick="0" advTm="20000"/>
     </mc:Fallback>
   </mc:AlternateContent>
@@ -12091,11 +11611,11 @@
   <p:clrMapOvr>
     <a:masterClrMapping/>
   </p:clrMapOvr>
-  <mc:AlternateContent xmlns:mc="http://schemas.openxmlformats.org/markup-compatibility/2006">
-    <mc:Choice xmlns:p14="http://schemas.microsoft.com/office/powerpoint/2010/main" Requires="p14">
+  <mc:AlternateContent xmlns:mc="http://schemas.openxmlformats.org/markup-compatibility/2006" xmlns:p14="http://schemas.microsoft.com/office/powerpoint/2010/main">
+    <mc:Choice Requires="p14">
       <p:transition spd="slow" p14:dur="20000" advClick="0" advTm="20000"/>
     </mc:Choice>
-    <mc:Fallback>
+    <mc:Fallback xmlns="">
       <p:transition spd="slow" advClick="0" advTm="20000"/>
     </mc:Fallback>
   </mc:AlternateContent>
@@ -12769,11 +12289,11 @@
   <p:clrMapOvr>
     <a:masterClrMapping/>
   </p:clrMapOvr>
-  <mc:AlternateContent xmlns:mc="http://schemas.openxmlformats.org/markup-compatibility/2006">
-    <mc:Choice xmlns:p14="http://schemas.microsoft.com/office/powerpoint/2010/main" Requires="p14">
+  <mc:AlternateContent xmlns:mc="http://schemas.openxmlformats.org/markup-compatibility/2006" xmlns:p14="http://schemas.microsoft.com/office/powerpoint/2010/main">
+    <mc:Choice Requires="p14">
       <p:transition spd="slow" p14:dur="20000" advClick="0" advTm="20000"/>
     </mc:Choice>
-    <mc:Fallback>
+    <mc:Fallback xmlns="">
       <p:transition spd="slow" advClick="0" advTm="20000"/>
     </mc:Fallback>
   </mc:AlternateContent>
@@ -13484,11 +13004,11 @@
   <p:clrMapOvr>
     <a:masterClrMapping/>
   </p:clrMapOvr>
-  <mc:AlternateContent xmlns:mc="http://schemas.openxmlformats.org/markup-compatibility/2006">
-    <mc:Choice xmlns:p14="http://schemas.microsoft.com/office/powerpoint/2010/main" Requires="p14">
+  <mc:AlternateContent xmlns:mc="http://schemas.openxmlformats.org/markup-compatibility/2006" xmlns:p14="http://schemas.microsoft.com/office/powerpoint/2010/main">
+    <mc:Choice Requires="p14">
       <p:transition spd="slow" p14:dur="20000" advClick="0" advTm="20000"/>
     </mc:Choice>
-    <mc:Fallback>
+    <mc:Fallback xmlns="">
       <p:transition spd="slow" advClick="0" advTm="20000"/>
     </mc:Fallback>
   </mc:AlternateContent>
@@ -14295,11 +13815,11 @@
   <p:clrMapOvr>
     <a:masterClrMapping/>
   </p:clrMapOvr>
-  <mc:AlternateContent xmlns:mc="http://schemas.openxmlformats.org/markup-compatibility/2006">
-    <mc:Choice xmlns:p14="http://schemas.microsoft.com/office/powerpoint/2010/main" Requires="p14">
+  <mc:AlternateContent xmlns:mc="http://schemas.openxmlformats.org/markup-compatibility/2006" xmlns:p14="http://schemas.microsoft.com/office/powerpoint/2010/main">
+    <mc:Choice Requires="p14">
       <p:transition spd="slow" p14:dur="20000" advClick="0" advTm="20000"/>
     </mc:Choice>
-    <mc:Fallback>
+    <mc:Fallback xmlns="">
       <p:transition spd="slow" advClick="0" advTm="20000"/>
     </mc:Fallback>
   </mc:AlternateContent>
@@ -15381,11 +14901,11 @@
   <p:clrMapOvr>
     <a:masterClrMapping/>
   </p:clrMapOvr>
-  <mc:AlternateContent xmlns:mc="http://schemas.openxmlformats.org/markup-compatibility/2006">
-    <mc:Choice xmlns:p14="http://schemas.microsoft.com/office/powerpoint/2010/main" Requires="p14">
+  <mc:AlternateContent xmlns:mc="http://schemas.openxmlformats.org/markup-compatibility/2006" xmlns:p14="http://schemas.microsoft.com/office/powerpoint/2010/main">
+    <mc:Choice Requires="p14">
       <p:transition spd="slow" p14:dur="20000" advClick="0" advTm="20000"/>
     </mc:Choice>
-    <mc:Fallback>
+    <mc:Fallback xmlns="">
       <p:transition spd="slow" advClick="0" advTm="20000"/>
     </mc:Fallback>
   </mc:AlternateContent>
@@ -15926,11 +15446,11 @@
   <p:clrMapOvr>
     <a:masterClrMapping/>
   </p:clrMapOvr>
-  <mc:AlternateContent xmlns:mc="http://schemas.openxmlformats.org/markup-compatibility/2006">
-    <mc:Choice xmlns:p14="http://schemas.microsoft.com/office/powerpoint/2010/main" Requires="p14">
+  <mc:AlternateContent xmlns:mc="http://schemas.openxmlformats.org/markup-compatibility/2006" xmlns:p14="http://schemas.microsoft.com/office/powerpoint/2010/main">
+    <mc:Choice Requires="p14">
       <p:transition spd="slow" p14:dur="20000" advClick="0" advTm="20000"/>
     </mc:Choice>
-    <mc:Fallback>
+    <mc:Fallback xmlns="">
       <p:transition spd="slow" advClick="0" advTm="20000"/>
     </mc:Fallback>
   </mc:AlternateContent>
@@ -16335,11 +15855,11 @@
   <p:clrMapOvr>
     <a:masterClrMapping/>
   </p:clrMapOvr>
-  <mc:AlternateContent xmlns:mc="http://schemas.openxmlformats.org/markup-compatibility/2006">
-    <mc:Choice xmlns:p14="http://schemas.microsoft.com/office/powerpoint/2010/main" Requires="p14">
+  <mc:AlternateContent xmlns:mc="http://schemas.openxmlformats.org/markup-compatibility/2006" xmlns:p14="http://schemas.microsoft.com/office/powerpoint/2010/main">
+    <mc:Choice Requires="p14">
       <p:transition spd="slow" p14:dur="20000" advClick="0" advTm="20000"/>
     </mc:Choice>
-    <mc:Fallback>
+    <mc:Fallback xmlns="">
       <p:transition spd="slow" advClick="0" advTm="20000"/>
     </mc:Fallback>
   </mc:AlternateContent>
@@ -17147,11 +16667,11 @@
   <p:clrMapOvr>
     <a:masterClrMapping/>
   </p:clrMapOvr>
-  <mc:AlternateContent xmlns:mc="http://schemas.openxmlformats.org/markup-compatibility/2006">
-    <mc:Choice xmlns:p14="http://schemas.microsoft.com/office/powerpoint/2010/main" Requires="p14">
+  <mc:AlternateContent xmlns:mc="http://schemas.openxmlformats.org/markup-compatibility/2006" xmlns:p14="http://schemas.microsoft.com/office/powerpoint/2010/main">
+    <mc:Choice Requires="p14">
       <p:transition spd="slow" p14:dur="20000" advClick="0" advTm="20000"/>
     </mc:Choice>
-    <mc:Fallback>
+    <mc:Fallback xmlns="">
       <p:transition spd="slow" advClick="0" advTm="20000"/>
     </mc:Fallback>
   </mc:AlternateContent>
@@ -17859,11 +17379,11 @@
   <p:clrMapOvr>
     <a:masterClrMapping/>
   </p:clrMapOvr>
-  <mc:AlternateContent xmlns:mc="http://schemas.openxmlformats.org/markup-compatibility/2006">
-    <mc:Choice xmlns:p14="http://schemas.microsoft.com/office/powerpoint/2010/main" Requires="p14">
+  <mc:AlternateContent xmlns:mc="http://schemas.openxmlformats.org/markup-compatibility/2006" xmlns:p14="http://schemas.microsoft.com/office/powerpoint/2010/main">
+    <mc:Choice Requires="p14">
       <p:transition spd="slow" p14:dur="20000" advClick="0" advTm="20000"/>
     </mc:Choice>
-    <mc:Fallback>
+    <mc:Fallback xmlns="">
       <p:transition spd="slow" advClick="0" advTm="20000"/>
     </mc:Fallback>
   </mc:AlternateContent>
@@ -19152,11 +18672,11 @@
     <p:sldLayoutId id="2147483664" r:id="rId16"/>
     <p:sldLayoutId id="2147483665" r:id="rId17"/>
   </p:sldLayoutIdLst>
-  <mc:AlternateContent xmlns:mc="http://schemas.openxmlformats.org/markup-compatibility/2006">
-    <mc:Choice xmlns:p14="http://schemas.microsoft.com/office/powerpoint/2010/main" Requires="p14">
+  <mc:AlternateContent xmlns:mc="http://schemas.openxmlformats.org/markup-compatibility/2006" xmlns:p14="http://schemas.microsoft.com/office/powerpoint/2010/main">
+    <mc:Choice Requires="p14">
       <p:transition spd="slow" p14:dur="20000" advClick="0" advTm="20000"/>
     </mc:Choice>
-    <mc:Fallback>
+    <mc:Fallback xmlns="">
       <p:transition spd="slow" advClick="0" advTm="20000"/>
     </mc:Fallback>
   </mc:AlternateContent>
@@ -20839,11 +20359,11 @@
   <p:clrMapOvr>
     <a:masterClrMapping/>
   </p:clrMapOvr>
-  <mc:AlternateContent xmlns:mc="http://schemas.openxmlformats.org/markup-compatibility/2006">
-    <mc:Choice xmlns:p14="http://schemas.microsoft.com/office/powerpoint/2010/main" Requires="p14">
+  <mc:AlternateContent xmlns:mc="http://schemas.openxmlformats.org/markup-compatibility/2006" xmlns:p14="http://schemas.microsoft.com/office/powerpoint/2010/main">
+    <mc:Choice Requires="p14">
       <p:transition spd="slow" p14:dur="20000" advClick="0" advTm="20000"/>
     </mc:Choice>
-    <mc:Fallback>
+    <mc:Fallback xmlns="">
       <p:transition spd="slow" advClick="0" advTm="20000"/>
     </mc:Fallback>
   </mc:AlternateContent>
@@ -21198,11 +20718,11 @@
   <p:clrMapOvr>
     <a:masterClrMapping/>
   </p:clrMapOvr>
-  <mc:AlternateContent xmlns:mc="http://schemas.openxmlformats.org/markup-compatibility/2006">
-    <mc:Choice xmlns:p14="http://schemas.microsoft.com/office/powerpoint/2010/main" Requires="p14">
+  <mc:AlternateContent xmlns:mc="http://schemas.openxmlformats.org/markup-compatibility/2006" xmlns:p14="http://schemas.microsoft.com/office/powerpoint/2010/main">
+    <mc:Choice Requires="p14">
       <p:transition spd="slow" p14:dur="20000" advClick="0" advTm="20000"/>
     </mc:Choice>
-    <mc:Fallback>
+    <mc:Fallback xmlns="">
       <p:transition spd="slow" advClick="0" advTm="20000"/>
     </mc:Fallback>
   </mc:AlternateContent>
@@ -21557,11 +21077,11 @@
   <p:clrMapOvr>
     <a:masterClrMapping/>
   </p:clrMapOvr>
-  <mc:AlternateContent xmlns:mc="http://schemas.openxmlformats.org/markup-compatibility/2006">
-    <mc:Choice xmlns:p14="http://schemas.microsoft.com/office/powerpoint/2010/main" Requires="p14">
+  <mc:AlternateContent xmlns:mc="http://schemas.openxmlformats.org/markup-compatibility/2006" xmlns:p14="http://schemas.microsoft.com/office/powerpoint/2010/main">
+    <mc:Choice Requires="p14">
       <p:transition spd="slow" p14:dur="20000" advClick="0" advTm="20000"/>
     </mc:Choice>
-    <mc:Fallback>
+    <mc:Fallback xmlns="">
       <p:transition spd="slow" advClick="0" advTm="20000"/>
     </mc:Fallback>
   </mc:AlternateContent>
@@ -21856,11 +21376,11 @@
   <p:clrMapOvr>
     <a:masterClrMapping/>
   </p:clrMapOvr>
-  <mc:AlternateContent xmlns:mc="http://schemas.openxmlformats.org/markup-compatibility/2006">
-    <mc:Choice xmlns:p14="http://schemas.microsoft.com/office/powerpoint/2010/main" Requires="p14">
+  <mc:AlternateContent xmlns:mc="http://schemas.openxmlformats.org/markup-compatibility/2006" xmlns:p14="http://schemas.microsoft.com/office/powerpoint/2010/main">
+    <mc:Choice Requires="p14">
       <p:transition spd="slow" p14:dur="20000" advClick="0" advTm="20000"/>
     </mc:Choice>
-    <mc:Fallback>
+    <mc:Fallback xmlns="">
       <p:transition spd="slow" advClick="0" advTm="20000"/>
     </mc:Fallback>
   </mc:AlternateContent>
@@ -22298,11 +21818,11 @@
   <p:clrMapOvr>
     <a:masterClrMapping/>
   </p:clrMapOvr>
-  <mc:AlternateContent xmlns:mc="http://schemas.openxmlformats.org/markup-compatibility/2006">
-    <mc:Choice xmlns:p14="http://schemas.microsoft.com/office/powerpoint/2010/main" Requires="p14">
+  <mc:AlternateContent xmlns:mc="http://schemas.openxmlformats.org/markup-compatibility/2006" xmlns:p14="http://schemas.microsoft.com/office/powerpoint/2010/main">
+    <mc:Choice Requires="p14">
       <p:transition spd="slow" p14:dur="20000" advClick="0" advTm="20000"/>
     </mc:Choice>
-    <mc:Fallback>
+    <mc:Fallback xmlns="">
       <p:transition spd="slow" advClick="0" advTm="20000"/>
     </mc:Fallback>
   </mc:AlternateContent>
@@ -22592,16 +22112,46 @@
           </a:p>
         </p:txBody>
       </p:sp>
+      <p:pic>
+        <p:nvPicPr>
+          <p:cNvPr id="3" name="Imagen 2">
+            <a:extLst>
+              <a:ext uri="{FF2B5EF4-FFF2-40B4-BE49-F238E27FC236}">
+                <a16:creationId xmlns:a16="http://schemas.microsoft.com/office/drawing/2014/main" id="{CD2E9B92-C09C-45C5-A2ED-E1EB398A1C73}"/>
+              </a:ext>
+            </a:extLst>
+          </p:cNvPr>
+          <p:cNvPicPr>
+            <a:picLocks noChangeAspect="1"/>
+          </p:cNvPicPr>
+          <p:nvPr/>
+        </p:nvPicPr>
+        <p:blipFill>
+          <a:blip r:embed="rId3"/>
+          <a:stretch>
+            <a:fillRect/>
+          </a:stretch>
+        </p:blipFill>
+        <p:spPr>
+          <a:xfrm>
+            <a:off x="1103312" y="2052918"/>
+            <a:ext cx="4992688" cy="4195481"/>
+          </a:xfrm>
+          <a:prstGeom prst="rect">
+            <a:avLst/>
+          </a:prstGeom>
+        </p:spPr>
+      </p:pic>
     </p:spTree>
   </p:cSld>
   <p:clrMapOvr>
     <a:masterClrMapping/>
   </p:clrMapOvr>
-  <mc:AlternateContent xmlns:mc="http://schemas.openxmlformats.org/markup-compatibility/2006">
-    <mc:Choice xmlns:p14="http://schemas.microsoft.com/office/powerpoint/2010/main" Requires="p14">
+  <mc:AlternateContent xmlns:mc="http://schemas.openxmlformats.org/markup-compatibility/2006" xmlns:p14="http://schemas.microsoft.com/office/powerpoint/2010/main">
+    <mc:Choice Requires="p14">
       <p:transition spd="slow" p14:dur="20000" advClick="0" advTm="20000"/>
     </mc:Choice>
-    <mc:Fallback>
+    <mc:Fallback xmlns="">
       <p:transition spd="slow" advClick="0" advTm="20000"/>
     </mc:Fallback>
   </mc:AlternateContent>
@@ -22955,11 +22505,11 @@
   <p:clrMapOvr>
     <a:masterClrMapping/>
   </p:clrMapOvr>
-  <mc:AlternateContent xmlns:mc="http://schemas.openxmlformats.org/markup-compatibility/2006">
-    <mc:Choice xmlns:p14="http://schemas.microsoft.com/office/powerpoint/2010/main" Requires="p14">
+  <mc:AlternateContent xmlns:mc="http://schemas.openxmlformats.org/markup-compatibility/2006" xmlns:p14="http://schemas.microsoft.com/office/powerpoint/2010/main">
+    <mc:Choice Requires="p14">
       <p:transition spd="slow" p14:dur="20000" advClick="0" advTm="20000"/>
     </mc:Choice>
-    <mc:Fallback>
+    <mc:Fallback xmlns="">
       <p:transition spd="slow" advClick="0" advTm="20000"/>
     </mc:Fallback>
   </mc:AlternateContent>
@@ -23252,11 +22802,11 @@
   <p:clrMapOvr>
     <a:masterClrMapping/>
   </p:clrMapOvr>
-  <mc:AlternateContent xmlns:mc="http://schemas.openxmlformats.org/markup-compatibility/2006">
-    <mc:Choice xmlns:p14="http://schemas.microsoft.com/office/powerpoint/2010/main" Requires="p14">
+  <mc:AlternateContent xmlns:mc="http://schemas.openxmlformats.org/markup-compatibility/2006" xmlns:p14="http://schemas.microsoft.com/office/powerpoint/2010/main">
+    <mc:Choice Requires="p14">
       <p:transition spd="slow" p14:dur="20000" advClick="0" advTm="20000"/>
     </mc:Choice>
-    <mc:Fallback>
+    <mc:Fallback xmlns="">
       <p:transition spd="slow" advClick="0" advTm="20000"/>
     </mc:Fallback>
   </mc:AlternateContent>
@@ -23546,11 +23096,11 @@
   <p:clrMapOvr>
     <a:masterClrMapping/>
   </p:clrMapOvr>
-  <mc:AlternateContent xmlns:mc="http://schemas.openxmlformats.org/markup-compatibility/2006">
-    <mc:Choice xmlns:p14="http://schemas.microsoft.com/office/powerpoint/2010/main" Requires="p14">
+  <mc:AlternateContent xmlns:mc="http://schemas.openxmlformats.org/markup-compatibility/2006" xmlns:p14="http://schemas.microsoft.com/office/powerpoint/2010/main">
+    <mc:Choice Requires="p14">
       <p:transition spd="slow" p14:dur="20000" advClick="0" advTm="20000"/>
     </mc:Choice>
-    <mc:Fallback>
+    <mc:Fallback xmlns="">
       <p:transition spd="slow" advClick="0" advTm="20000"/>
     </mc:Fallback>
   </mc:AlternateContent>
@@ -23839,11 +23389,11 @@
   <p:clrMapOvr>
     <a:masterClrMapping/>
   </p:clrMapOvr>
-  <mc:AlternateContent xmlns:mc="http://schemas.openxmlformats.org/markup-compatibility/2006">
-    <mc:Choice xmlns:p14="http://schemas.microsoft.com/office/powerpoint/2010/main" Requires="p14">
+  <mc:AlternateContent xmlns:mc="http://schemas.openxmlformats.org/markup-compatibility/2006" xmlns:p14="http://schemas.microsoft.com/office/powerpoint/2010/main">
+    <mc:Choice Requires="p14">
       <p:transition spd="slow" p14:dur="20000" advClick="0" advTm="20000"/>
     </mc:Choice>
-    <mc:Fallback>
+    <mc:Fallback xmlns="">
       <p:transition spd="slow" advClick="0" advTm="20000"/>
     </mc:Fallback>
   </mc:AlternateContent>
@@ -24117,11 +23667,11 @@
   <p:clrMapOvr>
     <a:masterClrMapping/>
   </p:clrMapOvr>
-  <mc:AlternateContent xmlns:mc="http://schemas.openxmlformats.org/markup-compatibility/2006">
-    <mc:Choice xmlns:p14="http://schemas.microsoft.com/office/powerpoint/2010/main" Requires="p14">
+  <mc:AlternateContent xmlns:mc="http://schemas.openxmlformats.org/markup-compatibility/2006" xmlns:p14="http://schemas.microsoft.com/office/powerpoint/2010/main">
+    <mc:Choice Requires="p14">
       <p:transition spd="slow" p14:dur="20000" advClick="0" advTm="20000"/>
     </mc:Choice>
-    <mc:Fallback>
+    <mc:Fallback xmlns="">
       <p:transition spd="slow" advClick="0" advTm="20000"/>
     </mc:Fallback>
   </mc:AlternateContent>
@@ -24630,11 +24180,11 @@
   <p:clrMapOvr>
     <a:masterClrMapping/>
   </p:clrMapOvr>
-  <mc:AlternateContent xmlns:mc="http://schemas.openxmlformats.org/markup-compatibility/2006">
-    <mc:Choice xmlns:p14="http://schemas.microsoft.com/office/powerpoint/2010/main" Requires="p14">
+  <mc:AlternateContent xmlns:mc="http://schemas.openxmlformats.org/markup-compatibility/2006" xmlns:p14="http://schemas.microsoft.com/office/powerpoint/2010/main">
+    <mc:Choice Requires="p14">
       <p:transition spd="slow" p14:dur="20000" advClick="0" advTm="20000"/>
     </mc:Choice>
-    <mc:Fallback>
+    <mc:Fallback xmlns="">
       <p:transition spd="slow" advClick="0" advTm="20000"/>
     </mc:Fallback>
   </mc:AlternateContent>
@@ -25120,11 +24670,11 @@
   <p:clrMapOvr>
     <a:masterClrMapping/>
   </p:clrMapOvr>
-  <mc:AlternateContent xmlns:mc="http://schemas.openxmlformats.org/markup-compatibility/2006">
-    <mc:Choice xmlns:p14="http://schemas.microsoft.com/office/powerpoint/2010/main" Requires="p14">
+  <mc:AlternateContent xmlns:mc="http://schemas.openxmlformats.org/markup-compatibility/2006" xmlns:p14="http://schemas.microsoft.com/office/powerpoint/2010/main">
+    <mc:Choice Requires="p14">
       <p:transition spd="slow" p14:dur="20000" advClick="0" advTm="20000"/>
     </mc:Choice>
-    <mc:Fallback>
+    <mc:Fallback xmlns="">
       <p:transition spd="slow" advClick="0" advTm="20000"/>
     </mc:Fallback>
   </mc:AlternateContent>
@@ -25443,11 +24993,11 @@
   <p:clrMapOvr>
     <a:masterClrMapping/>
   </p:clrMapOvr>
-  <mc:AlternateContent xmlns:mc="http://schemas.openxmlformats.org/markup-compatibility/2006">
-    <mc:Choice xmlns:p14="http://schemas.microsoft.com/office/powerpoint/2010/main" Requires="p14">
+  <mc:AlternateContent xmlns:mc="http://schemas.openxmlformats.org/markup-compatibility/2006" xmlns:p14="http://schemas.microsoft.com/office/powerpoint/2010/main">
+    <mc:Choice Requires="p14">
       <p:transition spd="slow" p14:dur="20000" advClick="0" advTm="20000"/>
     </mc:Choice>
-    <mc:Fallback>
+    <mc:Fallback xmlns="">
       <p:transition spd="slow" advClick="0" advTm="20000"/>
     </mc:Fallback>
   </mc:AlternateContent>
@@ -25743,11 +25293,11 @@
   <p:clrMapOvr>
     <a:masterClrMapping/>
   </p:clrMapOvr>
-  <mc:AlternateContent xmlns:mc="http://schemas.openxmlformats.org/markup-compatibility/2006">
-    <mc:Choice xmlns:p14="http://schemas.microsoft.com/office/powerpoint/2010/main" Requires="p14">
+  <mc:AlternateContent xmlns:mc="http://schemas.openxmlformats.org/markup-compatibility/2006" xmlns:p14="http://schemas.microsoft.com/office/powerpoint/2010/main">
+    <mc:Choice Requires="p14">
       <p:transition spd="slow" p14:dur="20000" advClick="0" advTm="20000"/>
     </mc:Choice>
-    <mc:Fallback>
+    <mc:Fallback xmlns="">
       <p:transition spd="slow" advClick="0" advTm="20000"/>
     </mc:Fallback>
   </mc:AlternateContent>
@@ -26145,11 +25695,11 @@
   <p:clrMapOvr>
     <a:masterClrMapping/>
   </p:clrMapOvr>
-  <mc:AlternateContent xmlns:mc="http://schemas.openxmlformats.org/markup-compatibility/2006">
-    <mc:Choice xmlns:p14="http://schemas.microsoft.com/office/powerpoint/2010/main" Requires="p14">
+  <mc:AlternateContent xmlns:mc="http://schemas.openxmlformats.org/markup-compatibility/2006" xmlns:p14="http://schemas.microsoft.com/office/powerpoint/2010/main">
+    <mc:Choice Requires="p14">
       <p:transition spd="slow" p14:dur="20000" advClick="0" advTm="20000"/>
     </mc:Choice>
-    <mc:Fallback>
+    <mc:Fallback xmlns="">
       <p:transition spd="slow" advClick="0" advTm="20000"/>
     </mc:Fallback>
   </mc:AlternateContent>
@@ -26440,11 +25990,11 @@
   <p:clrMapOvr>
     <a:masterClrMapping/>
   </p:clrMapOvr>
-  <mc:AlternateContent xmlns:mc="http://schemas.openxmlformats.org/markup-compatibility/2006">
-    <mc:Choice xmlns:p14="http://schemas.microsoft.com/office/powerpoint/2010/main" Requires="p14">
+  <mc:AlternateContent xmlns:mc="http://schemas.openxmlformats.org/markup-compatibility/2006" xmlns:p14="http://schemas.microsoft.com/office/powerpoint/2010/main">
+    <mc:Choice Requires="p14">
       <p:transition spd="slow" p14:dur="20000" advClick="0" advTm="20000"/>
     </mc:Choice>
-    <mc:Fallback>
+    <mc:Fallback xmlns="">
       <p:transition spd="slow" advClick="0" advTm="20000"/>
     </mc:Fallback>
   </mc:AlternateContent>
@@ -26735,11 +26285,11 @@
   <p:clrMapOvr>
     <a:masterClrMapping/>
   </p:clrMapOvr>
-  <mc:AlternateContent xmlns:mc="http://schemas.openxmlformats.org/markup-compatibility/2006">
-    <mc:Choice xmlns:p14="http://schemas.microsoft.com/office/powerpoint/2010/main" Requires="p14">
+  <mc:AlternateContent xmlns:mc="http://schemas.openxmlformats.org/markup-compatibility/2006" xmlns:p14="http://schemas.microsoft.com/office/powerpoint/2010/main">
+    <mc:Choice Requires="p14">
       <p:transition spd="slow" p14:dur="20000" advClick="0" advTm="20000"/>
     </mc:Choice>
-    <mc:Fallback>
+    <mc:Fallback xmlns="">
       <p:transition spd="slow" advClick="0" advTm="20000"/>
     </mc:Fallback>
   </mc:AlternateContent>
@@ -27060,11 +26610,11 @@
   <p:clrMapOvr>
     <a:masterClrMapping/>
   </p:clrMapOvr>
-  <mc:AlternateContent xmlns:mc="http://schemas.openxmlformats.org/markup-compatibility/2006">
-    <mc:Choice xmlns:p14="http://schemas.microsoft.com/office/powerpoint/2010/main" Requires="p14">
+  <mc:AlternateContent xmlns:mc="http://schemas.openxmlformats.org/markup-compatibility/2006" xmlns:p14="http://schemas.microsoft.com/office/powerpoint/2010/main">
+    <mc:Choice Requires="p14">
       <p:transition spd="slow" p14:dur="20000" advClick="0" advTm="20000"/>
     </mc:Choice>
-    <mc:Fallback>
+    <mc:Fallback xmlns="">
       <p:transition spd="slow" advClick="0" advTm="20000"/>
     </mc:Fallback>
   </mc:AlternateContent>
@@ -27355,11 +26905,11 @@
   <p:clrMapOvr>
     <a:masterClrMapping/>
   </p:clrMapOvr>
-  <mc:AlternateContent xmlns:mc="http://schemas.openxmlformats.org/markup-compatibility/2006">
-    <mc:Choice xmlns:p14="http://schemas.microsoft.com/office/powerpoint/2010/main" Requires="p14">
+  <mc:AlternateContent xmlns:mc="http://schemas.openxmlformats.org/markup-compatibility/2006" xmlns:p14="http://schemas.microsoft.com/office/powerpoint/2010/main">
+    <mc:Choice Requires="p14">
       <p:transition spd="slow" p14:dur="20000" advClick="0" advTm="20000"/>
     </mc:Choice>
-    <mc:Fallback>
+    <mc:Fallback xmlns="">
       <p:transition spd="slow" advClick="0" advTm="20000"/>
     </mc:Fallback>
   </mc:AlternateContent>

--- a/Teorico/Trabajos teoricos conceptuales/ISW_TPC__PECHCACUCHA_V001.pptx
+++ b/Teorico/Trabajos teoricos conceptuales/ISW_TPC__PECHCACUCHA_V001.pptx
@@ -33,14 +33,14 @@
   <p:notesSz cx="6858000" cy="9144000"/>
   <p:embeddedFontLst>
     <p:embeddedFont>
-      <p:font typeface="Century Gothic" pitchFamily="34" charset="0"/>
+      <p:font typeface="Calibri" panose="020F0502020204030204" pitchFamily="34" charset="0"/>
       <p:regular r:id="rId23"/>
       <p:bold r:id="rId24"/>
       <p:italic r:id="rId25"/>
       <p:boldItalic r:id="rId26"/>
     </p:embeddedFont>
     <p:embeddedFont>
-      <p:font typeface="Calibri" pitchFamily="34" charset="0"/>
+      <p:font typeface="Century Gothic" panose="020B0502020202020204" pitchFamily="34" charset="0"/>
       <p:regular r:id="rId27"/>
       <p:bold r:id="rId28"/>
       <p:italic r:id="rId29"/>
@@ -278,7 +278,7 @@
   </p:defaultTextStyle>
   <p:extLst>
     <p:ext uri="{EFAFB233-063F-42B5-8137-9DF3F51BA10A}">
-      <p15:sldGuideLst xmlns:ahyp="http://schemas.microsoft.com/office/drawing/2018/hyperlinkcolor" xmlns:p15="http://schemas.microsoft.com/office/powerpoint/2012/main" xmlns:p14="http://schemas.microsoft.com/office/powerpoint/2010/main" xmlns:com="http://schemas.openxmlformats.org/drawingml/2006/compatibility" xmlns:pvml="urn:schemas-microsoft-com:office:powerpoint" xmlns:v="urn:schemas-microsoft-com:vml" xmlns:o="urn:schemas-microsoft-com:office:office" xmlns:dgm="http://schemas.openxmlformats.org/drawingml/2006/diagram" xmlns:c="http://schemas.openxmlformats.org/drawingml/2006/chart" xmlns:mv="urn:schemas-microsoft-com:mac:vml" xmlns:mc="http://schemas.openxmlformats.org/markup-compatibility/2006" xmlns="">
+      <p15:sldGuideLst xmlns:p15="http://schemas.microsoft.com/office/powerpoint/2012/main">
         <p15:guide id="1" orient="horz" pos="2160">
           <p15:clr>
             <a:srgbClr val="A4A3A4"/>
@@ -292,7 +292,7 @@
       </p15:sldGuideLst>
     </p:ext>
     <p:ext uri="http://customooxmlschemas.google.com/">
-      <go:slidesCustomData xmlns:go="http://customooxmlschemas.google.com/" xmlns:ahyp="http://schemas.microsoft.com/office/drawing/2018/hyperlinkcolor" xmlns:p15="http://schemas.microsoft.com/office/powerpoint/2012/main" xmlns:p14="http://schemas.microsoft.com/office/powerpoint/2010/main" xmlns:com="http://schemas.openxmlformats.org/drawingml/2006/compatibility" xmlns:pvml="urn:schemas-microsoft-com:office:powerpoint" xmlns:v="urn:schemas-microsoft-com:vml" xmlns:o="urn:schemas-microsoft-com:office:office" xmlns:dgm="http://schemas.openxmlformats.org/drawingml/2006/diagram" xmlns:c="http://schemas.openxmlformats.org/drawingml/2006/chart" xmlns:mv="urn:schemas-microsoft-com:mac:vml" xmlns:mc="http://schemas.openxmlformats.org/markup-compatibility/2006" xmlns="" r:id="rId31" roundtripDataSignature="AMtx7mh9JBYRgyMGCfYcdSR1IAvmmp94IA=="/>
+      <go:slidesCustomData xmlns="" xmlns:mc="http://schemas.openxmlformats.org/markup-compatibility/2006" xmlns:mv="urn:schemas-microsoft-com:mac:vml" xmlns:c="http://schemas.openxmlformats.org/drawingml/2006/chart" xmlns:dgm="http://schemas.openxmlformats.org/drawingml/2006/diagram" xmlns:o="urn:schemas-microsoft-com:office:office" xmlns:v="urn:schemas-microsoft-com:vml" xmlns:pvml="urn:schemas-microsoft-com:office:powerpoint" xmlns:com="http://schemas.openxmlformats.org/drawingml/2006/compatibility" xmlns:p14="http://schemas.microsoft.com/office/powerpoint/2010/main" xmlns:p15="http://schemas.microsoft.com/office/powerpoint/2012/main" xmlns:ahyp="http://schemas.microsoft.com/office/drawing/2018/hyperlinkcolor" xmlns:go="http://customooxmlschemas.google.com/" r:id="rId31" roundtripDataSignature="AMtx7mh9JBYRgyMGCfYcdSR1IAvmmp94IA=="/>
     </p:ext>
   </p:extLst>
 </p:presentation>
@@ -1059,10 +1059,298 @@
               <a:buNone/>
             </a:pPr>
             <a:r>
-              <a:rPr lang="en-US"/>
-              <a:t>Nexus agrega o extiende los eventos definidos por Scrum. La duración de los eventos Nexus se guía por la duración de los eventos correspondientes en la Guía de Scrum. Tienen definido un bloque de tiempo adicional a sus correspondientes eventos de Scrum.   A escala, puede que no sea práctico que todos los miembros del Nexus participen para compartir información o llegar a un acuerdo. Excepto donde se indique, los eventos de Nexus son atendidos por los miembros del Nexus que sean necesarios para lograr el resultado previsto del evento de la manera más efectiva.</a:t>
-            </a:r>
-            <a:endParaRPr/>
+              <a:rPr lang="en-US" dirty="0"/>
+              <a:t>Nexus </a:t>
+            </a:r>
+            <a:r>
+              <a:rPr lang="en-US" dirty="0" err="1"/>
+              <a:t>agrega</a:t>
+            </a:r>
+            <a:r>
+              <a:rPr lang="en-US" dirty="0"/>
+              <a:t> o </a:t>
+            </a:r>
+            <a:r>
+              <a:rPr lang="en-US" dirty="0" err="1"/>
+              <a:t>extiende</a:t>
+            </a:r>
+            <a:r>
+              <a:rPr lang="en-US" dirty="0"/>
+              <a:t> los </a:t>
+            </a:r>
+            <a:r>
+              <a:rPr lang="en-US" dirty="0" err="1"/>
+              <a:t>eventos</a:t>
+            </a:r>
+            <a:r>
+              <a:rPr lang="en-US" dirty="0"/>
+              <a:t> </a:t>
+            </a:r>
+            <a:r>
+              <a:rPr lang="en-US" dirty="0" err="1"/>
+              <a:t>definidos</a:t>
+            </a:r>
+            <a:r>
+              <a:rPr lang="en-US" dirty="0"/>
+              <a:t> por Scrum. La </a:t>
+            </a:r>
+            <a:r>
+              <a:rPr lang="en-US" dirty="0" err="1"/>
+              <a:t>duración</a:t>
+            </a:r>
+            <a:r>
+              <a:rPr lang="en-US" dirty="0"/>
+              <a:t> de los </a:t>
+            </a:r>
+            <a:r>
+              <a:rPr lang="en-US" dirty="0" err="1"/>
+              <a:t>eventos</a:t>
+            </a:r>
+            <a:r>
+              <a:rPr lang="en-US" dirty="0"/>
+              <a:t> Nexus se </a:t>
+            </a:r>
+            <a:r>
+              <a:rPr lang="en-US" dirty="0" err="1"/>
+              <a:t>guía</a:t>
+            </a:r>
+            <a:r>
+              <a:rPr lang="en-US" dirty="0"/>
+              <a:t> por la </a:t>
+            </a:r>
+            <a:r>
+              <a:rPr lang="en-US" dirty="0" err="1"/>
+              <a:t>duración</a:t>
+            </a:r>
+            <a:r>
+              <a:rPr lang="en-US" dirty="0"/>
+              <a:t> de los </a:t>
+            </a:r>
+            <a:r>
+              <a:rPr lang="en-US" dirty="0" err="1"/>
+              <a:t>eventos</a:t>
+            </a:r>
+            <a:r>
+              <a:rPr lang="en-US" dirty="0"/>
+              <a:t> </a:t>
+            </a:r>
+            <a:r>
+              <a:rPr lang="en-US" dirty="0" err="1"/>
+              <a:t>correspondientes</a:t>
+            </a:r>
+            <a:r>
+              <a:rPr lang="en-US" dirty="0"/>
+              <a:t> en la </a:t>
+            </a:r>
+            <a:r>
+              <a:rPr lang="en-US" dirty="0" err="1"/>
+              <a:t>Guía</a:t>
+            </a:r>
+            <a:r>
+              <a:rPr lang="en-US" dirty="0"/>
+              <a:t> de Scrum. Tienen </a:t>
+            </a:r>
+            <a:r>
+              <a:rPr lang="en-US" dirty="0" err="1"/>
+              <a:t>definido</a:t>
+            </a:r>
+            <a:r>
+              <a:rPr lang="en-US" dirty="0"/>
+              <a:t> un bloque de tiempo </a:t>
+            </a:r>
+            <a:r>
+              <a:rPr lang="en-US" dirty="0" err="1"/>
+              <a:t>adicional</a:t>
+            </a:r>
+            <a:r>
+              <a:rPr lang="en-US" dirty="0"/>
+              <a:t> a sus </a:t>
+            </a:r>
+            <a:r>
+              <a:rPr lang="en-US" dirty="0" err="1"/>
+              <a:t>correspondientes</a:t>
+            </a:r>
+            <a:r>
+              <a:rPr lang="en-US" dirty="0"/>
+              <a:t> </a:t>
+            </a:r>
+            <a:r>
+              <a:rPr lang="en-US" dirty="0" err="1"/>
+              <a:t>eventos</a:t>
+            </a:r>
+            <a:r>
+              <a:rPr lang="en-US" dirty="0"/>
+              <a:t> de Scrum.   A escala, </a:t>
+            </a:r>
+            <a:r>
+              <a:rPr lang="en-US" dirty="0" err="1"/>
+              <a:t>puede</a:t>
+            </a:r>
+            <a:r>
+              <a:rPr lang="en-US" dirty="0"/>
+              <a:t> que no sea </a:t>
+            </a:r>
+            <a:r>
+              <a:rPr lang="en-US" dirty="0" err="1"/>
+              <a:t>práctico</a:t>
+            </a:r>
+            <a:r>
+              <a:rPr lang="en-US" dirty="0"/>
+              <a:t> que todos los </a:t>
+            </a:r>
+            <a:r>
+              <a:rPr lang="en-US" dirty="0" err="1"/>
+              <a:t>miembros</a:t>
+            </a:r>
+            <a:r>
+              <a:rPr lang="en-US" dirty="0"/>
+              <a:t> del Nexus </a:t>
+            </a:r>
+            <a:r>
+              <a:rPr lang="en-US" dirty="0" err="1"/>
+              <a:t>participen</a:t>
+            </a:r>
+            <a:r>
+              <a:rPr lang="en-US" dirty="0"/>
+              <a:t> para </a:t>
+            </a:r>
+            <a:r>
+              <a:rPr lang="en-US" dirty="0" err="1"/>
+              <a:t>compartir</a:t>
+            </a:r>
+            <a:r>
+              <a:rPr lang="en-US" dirty="0"/>
+              <a:t> información o </a:t>
+            </a:r>
+            <a:r>
+              <a:rPr lang="en-US" dirty="0" err="1"/>
+              <a:t>llegar</a:t>
+            </a:r>
+            <a:r>
+              <a:rPr lang="en-US" dirty="0"/>
+              <a:t> a un </a:t>
+            </a:r>
+            <a:r>
+              <a:rPr lang="en-US" dirty="0" err="1"/>
+              <a:t>acuerdo</a:t>
+            </a:r>
+            <a:r>
+              <a:rPr lang="en-US" dirty="0"/>
+              <a:t>. </a:t>
+            </a:r>
+            <a:r>
+              <a:rPr lang="en-US" dirty="0" err="1"/>
+              <a:t>Excepto</a:t>
+            </a:r>
+            <a:r>
+              <a:rPr lang="en-US" dirty="0"/>
+              <a:t> </a:t>
+            </a:r>
+            <a:r>
+              <a:rPr lang="en-US" dirty="0" err="1"/>
+              <a:t>donde</a:t>
+            </a:r>
+            <a:r>
+              <a:rPr lang="en-US" dirty="0"/>
+              <a:t> se </a:t>
+            </a:r>
+            <a:r>
+              <a:rPr lang="en-US" dirty="0" err="1"/>
+              <a:t>indique</a:t>
+            </a:r>
+            <a:r>
+              <a:rPr lang="en-US" dirty="0"/>
+              <a:t>, los </a:t>
+            </a:r>
+            <a:r>
+              <a:rPr lang="en-US" dirty="0" err="1"/>
+              <a:t>eventos</a:t>
+            </a:r>
+            <a:r>
+              <a:rPr lang="en-US" dirty="0"/>
+              <a:t> de Nexus son </a:t>
+            </a:r>
+            <a:r>
+              <a:rPr lang="en-US" dirty="0" err="1"/>
+              <a:t>atendidos</a:t>
+            </a:r>
+            <a:r>
+              <a:rPr lang="en-US" dirty="0"/>
+              <a:t> por los </a:t>
+            </a:r>
+            <a:r>
+              <a:rPr lang="en-US" dirty="0" err="1"/>
+              <a:t>miembros</a:t>
+            </a:r>
+            <a:r>
+              <a:rPr lang="en-US" dirty="0"/>
+              <a:t> del Nexus que </a:t>
+            </a:r>
+            <a:r>
+              <a:rPr lang="en-US" dirty="0" err="1"/>
+              <a:t>sean</a:t>
+            </a:r>
+            <a:r>
+              <a:rPr lang="en-US" dirty="0"/>
+              <a:t> </a:t>
+            </a:r>
+            <a:r>
+              <a:rPr lang="en-US" dirty="0" err="1"/>
+              <a:t>necesarios</a:t>
+            </a:r>
+            <a:r>
+              <a:rPr lang="en-US" dirty="0"/>
+              <a:t> para </a:t>
+            </a:r>
+            <a:r>
+              <a:rPr lang="en-US" dirty="0" err="1"/>
+              <a:t>lograr</a:t>
+            </a:r>
+            <a:r>
+              <a:rPr lang="en-US" dirty="0"/>
+              <a:t> el </a:t>
+            </a:r>
+            <a:r>
+              <a:rPr lang="en-US" dirty="0" err="1"/>
+              <a:t>resultado</a:t>
+            </a:r>
+            <a:r>
+              <a:rPr lang="en-US" dirty="0"/>
+              <a:t> </a:t>
+            </a:r>
+            <a:r>
+              <a:rPr lang="en-US" dirty="0" err="1"/>
+              <a:t>previsto</a:t>
+            </a:r>
+            <a:r>
+              <a:rPr lang="en-US" dirty="0"/>
+              <a:t> del </a:t>
+            </a:r>
+            <a:r>
+              <a:rPr lang="en-US" dirty="0" err="1"/>
+              <a:t>evento</a:t>
+            </a:r>
+            <a:r>
+              <a:rPr lang="en-US" dirty="0"/>
+              <a:t> de la </a:t>
+            </a:r>
+            <a:r>
+              <a:rPr lang="en-US" dirty="0" err="1"/>
+              <a:t>manera</a:t>
+            </a:r>
+            <a:r>
+              <a:rPr lang="en-US" dirty="0"/>
+              <a:t> más </a:t>
+            </a:r>
+            <a:r>
+              <a:rPr lang="en-US" dirty="0" err="1"/>
+              <a:t>efectiva</a:t>
+            </a:r>
+            <a:r>
+              <a:rPr lang="en-US" dirty="0"/>
+              <a:t>.</a:t>
+            </a:r>
+            <a:endParaRPr dirty="0"/>
           </a:p>
           <a:p>
             <a:pPr marL="342900" lvl="0" indent="-241300" algn="l" rtl="0">
@@ -1079,10 +1367,10 @@
               <a:buNone/>
             </a:pPr>
             <a:r>
-              <a:rPr lang="en-US"/>
+              <a:rPr lang="en-US" dirty="0"/>
               <a:t>Sprint :</a:t>
             </a:r>
-            <a:endParaRPr/>
+            <a:endParaRPr dirty="0"/>
           </a:p>
           <a:p>
             <a:pPr marL="342900" lvl="0" indent="-241300" algn="l" rtl="0">
@@ -1098,7 +1386,7 @@
               <a:buSzPts val="1600"/>
               <a:buNone/>
             </a:pPr>
-            <a:endParaRPr/>
+            <a:endParaRPr dirty="0"/>
           </a:p>
           <a:p>
             <a:pPr marL="342900" lvl="0" indent="-241300" algn="l" rtl="0">
@@ -1115,10 +1403,70 @@
               <a:buNone/>
             </a:pPr>
             <a:r>
-              <a:rPr lang="en-US"/>
-              <a:t> Es una iteración de tiempo fijo, donde se ejecutan las ceremonias al finalizar se crea el producto</a:t>
-            </a:r>
-            <a:endParaRPr/>
+              <a:rPr lang="en-US" dirty="0"/>
+              <a:t> Es una </a:t>
+            </a:r>
+            <a:r>
+              <a:rPr lang="en-US" dirty="0" err="1"/>
+              <a:t>iteración</a:t>
+            </a:r>
+            <a:r>
+              <a:rPr lang="en-US" dirty="0"/>
+              <a:t> de tiempo </a:t>
+            </a:r>
+            <a:r>
+              <a:rPr lang="en-US" dirty="0" err="1"/>
+              <a:t>fijo</a:t>
+            </a:r>
+            <a:r>
+              <a:rPr lang="en-US" dirty="0"/>
+              <a:t>, </a:t>
+            </a:r>
+            <a:r>
+              <a:rPr lang="en-US" dirty="0" err="1"/>
+              <a:t>donde</a:t>
+            </a:r>
+            <a:r>
+              <a:rPr lang="en-US" dirty="0"/>
+              <a:t> se </a:t>
+            </a:r>
+            <a:r>
+              <a:rPr lang="en-US" dirty="0" err="1"/>
+              <a:t>ejecutan</a:t>
+            </a:r>
+            <a:r>
+              <a:rPr lang="en-US" dirty="0"/>
+              <a:t> las </a:t>
+            </a:r>
+            <a:r>
+              <a:rPr lang="en-US" dirty="0" err="1"/>
+              <a:t>ceremonias</a:t>
+            </a:r>
+            <a:r>
+              <a:rPr lang="en-US" dirty="0"/>
+              <a:t> al </a:t>
+            </a:r>
+            <a:r>
+              <a:rPr lang="en-US" dirty="0" err="1"/>
+              <a:t>finalizar</a:t>
+            </a:r>
+            <a:r>
+              <a:rPr lang="en-US" dirty="0"/>
+              <a:t> se </a:t>
+            </a:r>
+            <a:r>
+              <a:rPr lang="en-US" dirty="0" err="1"/>
+              <a:t>crea</a:t>
+            </a:r>
+            <a:r>
+              <a:rPr lang="en-US" dirty="0"/>
+              <a:t> el </a:t>
+            </a:r>
+            <a:r>
+              <a:rPr lang="en-US" dirty="0" err="1"/>
+              <a:t>producto</a:t>
+            </a:r>
+            <a:endParaRPr dirty="0"/>
           </a:p>
           <a:p>
             <a:pPr marL="0" lvl="0" indent="0" algn="l" rtl="0">
@@ -1134,7 +1482,7 @@
               <a:buSzPts val="1100"/>
               <a:buNone/>
             </a:pPr>
-            <a:endParaRPr/>
+            <a:endParaRPr dirty="0"/>
           </a:p>
         </p:txBody>
       </p:sp>
@@ -1261,10 +1609,202 @@
               <a:buNone/>
             </a:pPr>
             <a:r>
-              <a:rPr lang="en-US"/>
-              <a:t>El Refinamiento Entre Equipos del Product Backlog se realiza  de manera continua para identificar, reducir o eliminar las dependencias entre equipos donde trabajan en conjunto e individual por Team para descomponer al Product Backlog capa por capa como una cebolla para que las dependencias sean transparentes para los miembros de los Scrum Teams y sepan que elemento entregara cada uno. </a:t>
-            </a:r>
-            <a:endParaRPr/>
+              <a:rPr lang="en-US" dirty="0"/>
+              <a:t>El </a:t>
+            </a:r>
+            <a:r>
+              <a:rPr lang="en-US" dirty="0" err="1"/>
+              <a:t>Refinamiento</a:t>
+            </a:r>
+            <a:r>
+              <a:rPr lang="en-US" dirty="0"/>
+              <a:t> Entre </a:t>
+            </a:r>
+            <a:r>
+              <a:rPr lang="en-US" dirty="0" err="1"/>
+              <a:t>Equipos</a:t>
+            </a:r>
+            <a:r>
+              <a:rPr lang="en-US" dirty="0"/>
+              <a:t> del Product Backlog se </a:t>
+            </a:r>
+            <a:r>
+              <a:rPr lang="en-US" dirty="0" err="1"/>
+              <a:t>realiza</a:t>
+            </a:r>
+            <a:r>
+              <a:rPr lang="en-US" dirty="0"/>
+              <a:t>  de </a:t>
+            </a:r>
+            <a:r>
+              <a:rPr lang="en-US" dirty="0" err="1"/>
+              <a:t>manera</a:t>
+            </a:r>
+            <a:r>
+              <a:rPr lang="en-US" dirty="0"/>
+              <a:t> continua para </a:t>
+            </a:r>
+            <a:r>
+              <a:rPr lang="en-US" dirty="0" err="1"/>
+              <a:t>identificar</a:t>
+            </a:r>
+            <a:r>
+              <a:rPr lang="en-US" dirty="0"/>
+              <a:t>, </a:t>
+            </a:r>
+            <a:r>
+              <a:rPr lang="en-US" dirty="0" err="1"/>
+              <a:t>reducir</a:t>
+            </a:r>
+            <a:r>
+              <a:rPr lang="en-US" dirty="0"/>
+              <a:t> o </a:t>
+            </a:r>
+            <a:r>
+              <a:rPr lang="en-US" dirty="0" err="1"/>
+              <a:t>eliminar</a:t>
+            </a:r>
+            <a:r>
+              <a:rPr lang="en-US" dirty="0"/>
+              <a:t> las </a:t>
+            </a:r>
+            <a:r>
+              <a:rPr lang="en-US" dirty="0" err="1"/>
+              <a:t>dependencias</a:t>
+            </a:r>
+            <a:r>
+              <a:rPr lang="en-US" dirty="0"/>
+              <a:t> entre </a:t>
+            </a:r>
+            <a:r>
+              <a:rPr lang="en-US" dirty="0" err="1"/>
+              <a:t>equipos</a:t>
+            </a:r>
+            <a:r>
+              <a:rPr lang="en-US" dirty="0"/>
+              <a:t> </a:t>
+            </a:r>
+            <a:r>
+              <a:rPr lang="en-US" dirty="0" err="1"/>
+              <a:t>donde</a:t>
+            </a:r>
+            <a:r>
+              <a:rPr lang="en-US" dirty="0"/>
+              <a:t> </a:t>
+            </a:r>
+            <a:r>
+              <a:rPr lang="en-US" dirty="0" err="1"/>
+              <a:t>trabajan</a:t>
+            </a:r>
+            <a:r>
+              <a:rPr lang="en-US" dirty="0"/>
+              <a:t> en conjunto e individual por Team para </a:t>
+            </a:r>
+            <a:r>
+              <a:rPr lang="en-US" dirty="0" err="1"/>
+              <a:t>descomponer</a:t>
+            </a:r>
+            <a:r>
+              <a:rPr lang="en-US" dirty="0"/>
+              <a:t> al Product Backlog </a:t>
+            </a:r>
+            <a:r>
+              <a:rPr lang="en-US" dirty="0" err="1"/>
+              <a:t>capa</a:t>
+            </a:r>
+            <a:r>
+              <a:rPr lang="en-US" dirty="0"/>
+              <a:t> por </a:t>
+            </a:r>
+            <a:r>
+              <a:rPr lang="en-US" dirty="0" err="1"/>
+              <a:t>capa</a:t>
+            </a:r>
+            <a:r>
+              <a:rPr lang="en-US" dirty="0"/>
+              <a:t> </a:t>
+            </a:r>
+            <a:r>
+              <a:rPr lang="en-US" dirty="0" err="1"/>
+              <a:t>como</a:t>
+            </a:r>
+            <a:r>
+              <a:rPr lang="en-US" dirty="0"/>
+              <a:t> una </a:t>
+            </a:r>
+            <a:r>
+              <a:rPr lang="en-US" dirty="0" err="1"/>
+              <a:t>cebolla</a:t>
+            </a:r>
+            <a:r>
+              <a:rPr lang="en-US" dirty="0"/>
+              <a:t> para que las </a:t>
+            </a:r>
+            <a:r>
+              <a:rPr lang="en-US" dirty="0" err="1"/>
+              <a:t>dependencias</a:t>
+            </a:r>
+            <a:r>
+              <a:rPr lang="en-US" dirty="0"/>
+              <a:t> </a:t>
+            </a:r>
+            <a:r>
+              <a:rPr lang="en-US" dirty="0" err="1"/>
+              <a:t>sean</a:t>
+            </a:r>
+            <a:r>
+              <a:rPr lang="en-US" dirty="0"/>
+              <a:t> </a:t>
+            </a:r>
+            <a:r>
+              <a:rPr lang="en-US" dirty="0" err="1"/>
+              <a:t>transparentes</a:t>
+            </a:r>
+            <a:r>
+              <a:rPr lang="en-US" dirty="0"/>
+              <a:t> para los </a:t>
+            </a:r>
+            <a:r>
+              <a:rPr lang="en-US" dirty="0" err="1"/>
+              <a:t>miembros</a:t>
+            </a:r>
+            <a:r>
+              <a:rPr lang="en-US" dirty="0"/>
+              <a:t> de los Scrum Teams y </a:t>
+            </a:r>
+            <a:r>
+              <a:rPr lang="en-US" dirty="0" err="1"/>
+              <a:t>sepan</a:t>
+            </a:r>
+            <a:r>
+              <a:rPr lang="en-US" dirty="0"/>
+              <a:t> que </a:t>
+            </a:r>
+            <a:r>
+              <a:rPr lang="en-US" dirty="0" err="1"/>
+              <a:t>elemento</a:t>
+            </a:r>
+            <a:r>
+              <a:rPr lang="en-US" dirty="0"/>
+              <a:t> </a:t>
+            </a:r>
+            <a:r>
+              <a:rPr lang="en-US" dirty="0" err="1"/>
+              <a:t>entregara</a:t>
+            </a:r>
+            <a:r>
+              <a:rPr lang="en-US" dirty="0"/>
+              <a:t> cada </a:t>
+            </a:r>
+            <a:r>
+              <a:rPr lang="en-US" dirty="0" err="1"/>
+              <a:t>uno</a:t>
+            </a:r>
+            <a:r>
+              <a:rPr lang="en-US" dirty="0"/>
+              <a:t>. </a:t>
+            </a:r>
+            <a:endParaRPr dirty="0"/>
           </a:p>
         </p:txBody>
       </p:sp>
@@ -1391,10 +1931,106 @@
               <a:buNone/>
             </a:pPr>
             <a:r>
-              <a:rPr lang="en-US"/>
-              <a:t>La Nexus Sprint Planning es la ceremonia que se realiza para coordinar las actividades de todos los Scrum Teams para un solo Sprint en donde asisten Los representantes apropiados de cada Scrum Team y el Product Owner para planificar el Sprint que como resultado vamos a tener </a:t>
-            </a:r>
-            <a:endParaRPr/>
+              <a:rPr lang="en-US" dirty="0"/>
+              <a:t>La Nexus Sprint Planning es la </a:t>
+            </a:r>
+            <a:r>
+              <a:rPr lang="en-US" dirty="0" err="1"/>
+              <a:t>ceremonia</a:t>
+            </a:r>
+            <a:r>
+              <a:rPr lang="en-US" dirty="0"/>
+              <a:t> que se </a:t>
+            </a:r>
+            <a:r>
+              <a:rPr lang="en-US" dirty="0" err="1"/>
+              <a:t>realiza</a:t>
+            </a:r>
+            <a:r>
+              <a:rPr lang="en-US" dirty="0"/>
+              <a:t> para </a:t>
+            </a:r>
+            <a:r>
+              <a:rPr lang="en-US" dirty="0" err="1"/>
+              <a:t>coordinar</a:t>
+            </a:r>
+            <a:r>
+              <a:rPr lang="en-US" dirty="0"/>
+              <a:t> las </a:t>
+            </a:r>
+            <a:r>
+              <a:rPr lang="en-US" dirty="0" err="1"/>
+              <a:t>actividades</a:t>
+            </a:r>
+            <a:r>
+              <a:rPr lang="en-US" dirty="0"/>
+              <a:t> de todos los Scrum Teams para un solo Sprint en </a:t>
+            </a:r>
+            <a:r>
+              <a:rPr lang="en-US" dirty="0" err="1"/>
+              <a:t>donde</a:t>
+            </a:r>
+            <a:r>
+              <a:rPr lang="en-US" dirty="0"/>
+              <a:t> </a:t>
+            </a:r>
+            <a:r>
+              <a:rPr lang="en-US" dirty="0" err="1"/>
+              <a:t>asisten</a:t>
+            </a:r>
+            <a:r>
+              <a:rPr lang="en-US" dirty="0"/>
+              <a:t> Los </a:t>
+            </a:r>
+            <a:r>
+              <a:rPr lang="en-US" dirty="0" err="1"/>
+              <a:t>representantes</a:t>
+            </a:r>
+            <a:r>
+              <a:rPr lang="en-US" dirty="0"/>
+              <a:t> de cada Scrum Team y el Product Owner para </a:t>
+            </a:r>
+            <a:r>
+              <a:rPr lang="en-US" dirty="0" err="1"/>
+              <a:t>planificar</a:t>
+            </a:r>
+            <a:r>
+              <a:rPr lang="en-US" dirty="0"/>
+              <a:t> el Sprint que </a:t>
+            </a:r>
+            <a:r>
+              <a:rPr lang="en-US" dirty="0" err="1"/>
+              <a:t>como</a:t>
+            </a:r>
+            <a:r>
+              <a:rPr lang="en-US" dirty="0"/>
+              <a:t> </a:t>
+            </a:r>
+            <a:r>
+              <a:rPr lang="en-US" dirty="0" err="1"/>
+              <a:t>resultado</a:t>
+            </a:r>
+            <a:r>
+              <a:rPr lang="en-US" dirty="0"/>
+              <a:t> </a:t>
+            </a:r>
+            <a:r>
+              <a:rPr lang="en-US" dirty="0" err="1"/>
+              <a:t>vamos</a:t>
+            </a:r>
+            <a:r>
+              <a:rPr lang="en-US" dirty="0"/>
+              <a:t> a </a:t>
+            </a:r>
+            <a:r>
+              <a:rPr lang="en-US" dirty="0" err="1"/>
+              <a:t>tener</a:t>
+            </a:r>
+            <a:r>
+              <a:rPr lang="en-US" dirty="0"/>
+              <a:t> </a:t>
+            </a:r>
+            <a:endParaRPr dirty="0"/>
           </a:p>
           <a:p>
             <a:pPr marL="0" marR="0" lvl="0" indent="0" algn="l" rtl="0">
@@ -1415,10 +2051,18 @@
               <a:buNone/>
             </a:pPr>
             <a:r>
-              <a:rPr lang="en-US"/>
-              <a:t>1 objetivo sprint nexus </a:t>
-            </a:r>
-            <a:endParaRPr/>
+              <a:rPr lang="en-US" dirty="0"/>
+              <a:t>1 </a:t>
+            </a:r>
+            <a:r>
+              <a:rPr lang="en-US" dirty="0" err="1"/>
+              <a:t>objetivo</a:t>
+            </a:r>
+            <a:r>
+              <a:rPr lang="en-US" dirty="0"/>
+              <a:t> sprint nexus </a:t>
+            </a:r>
+            <a:endParaRPr dirty="0"/>
           </a:p>
           <a:p>
             <a:pPr marL="0" marR="0" lvl="0" indent="0" algn="l" rtl="0">
@@ -1439,10 +2083,10 @@
               <a:buNone/>
             </a:pPr>
             <a:r>
-              <a:rPr lang="en-US"/>
+              <a:rPr lang="en-US" dirty="0"/>
               <a:t>1 Un solo Nexus Sprint Backlog </a:t>
             </a:r>
-            <a:endParaRPr/>
+            <a:endParaRPr dirty="0"/>
           </a:p>
         </p:txBody>
       </p:sp>
@@ -1569,10 +2213,154 @@
               <a:buNone/>
             </a:pPr>
             <a:r>
-              <a:rPr lang="en-US"/>
-              <a:t>La Nexus Daily Scrum es un evento que no remplaza la daily scrum sino mas bien que se realizan en complemento donde la Nexus daily scrum asisten Representantes c/ Scrum Teams para inspeccionar el estado actual del incremento integrado e identifican problemas de integración mientras que en las daily scrum nos enfocamos en planear soluciones para los problemas de integración.</a:t>
-            </a:r>
-            <a:endParaRPr/>
+              <a:rPr lang="en-US" dirty="0"/>
+              <a:t>La Nexus Daily Scrum es un </a:t>
+            </a:r>
+            <a:r>
+              <a:rPr lang="en-US" dirty="0" err="1"/>
+              <a:t>evento</a:t>
+            </a:r>
+            <a:r>
+              <a:rPr lang="en-US" dirty="0"/>
+              <a:t> que no </a:t>
+            </a:r>
+            <a:r>
+              <a:rPr lang="en-US" dirty="0" err="1"/>
+              <a:t>remplaza</a:t>
+            </a:r>
+            <a:r>
+              <a:rPr lang="en-US" dirty="0"/>
+              <a:t> la daily scrum </a:t>
+            </a:r>
+            <a:r>
+              <a:rPr lang="en-US" dirty="0" err="1"/>
+              <a:t>sino</a:t>
+            </a:r>
+            <a:r>
+              <a:rPr lang="en-US" dirty="0"/>
+              <a:t> mas bien que se </a:t>
+            </a:r>
+            <a:r>
+              <a:rPr lang="en-US" dirty="0" err="1"/>
+              <a:t>realizan</a:t>
+            </a:r>
+            <a:r>
+              <a:rPr lang="en-US" dirty="0"/>
+              <a:t> en </a:t>
+            </a:r>
+            <a:r>
+              <a:rPr lang="en-US" dirty="0" err="1"/>
+              <a:t>complemento</a:t>
+            </a:r>
+            <a:r>
+              <a:rPr lang="en-US" dirty="0"/>
+              <a:t> </a:t>
+            </a:r>
+            <a:r>
+              <a:rPr lang="en-US" dirty="0" err="1"/>
+              <a:t>donde</a:t>
+            </a:r>
+            <a:r>
+              <a:rPr lang="en-US" dirty="0"/>
+              <a:t> la Nexus daily scrum </a:t>
+            </a:r>
+            <a:r>
+              <a:rPr lang="en-US" dirty="0" err="1"/>
+              <a:t>asisten</a:t>
+            </a:r>
+            <a:r>
+              <a:rPr lang="en-US" dirty="0"/>
+              <a:t> </a:t>
+            </a:r>
+            <a:r>
+              <a:rPr lang="en-US" dirty="0" err="1"/>
+              <a:t>Representantes</a:t>
+            </a:r>
+            <a:r>
+              <a:rPr lang="en-US" dirty="0"/>
+              <a:t> c/ Scrum Teams para </a:t>
+            </a:r>
+            <a:r>
+              <a:rPr lang="en-US" dirty="0" err="1"/>
+              <a:t>inspeccionar</a:t>
+            </a:r>
+            <a:r>
+              <a:rPr lang="en-US" dirty="0"/>
+              <a:t> el </a:t>
+            </a:r>
+            <a:r>
+              <a:rPr lang="en-US" dirty="0" err="1"/>
+              <a:t>estado</a:t>
+            </a:r>
+            <a:r>
+              <a:rPr lang="en-US" dirty="0"/>
+              <a:t> actual del </a:t>
+            </a:r>
+            <a:r>
+              <a:rPr lang="en-US" dirty="0" err="1"/>
+              <a:t>incremento</a:t>
+            </a:r>
+            <a:r>
+              <a:rPr lang="en-US" dirty="0"/>
+              <a:t> </a:t>
+            </a:r>
+            <a:r>
+              <a:rPr lang="en-US" dirty="0" err="1"/>
+              <a:t>integrado</a:t>
+            </a:r>
+            <a:r>
+              <a:rPr lang="en-US" dirty="0"/>
+              <a:t> e identifican </a:t>
+            </a:r>
+            <a:r>
+              <a:rPr lang="en-US" dirty="0" err="1"/>
+              <a:t>problemas</a:t>
+            </a:r>
+            <a:r>
+              <a:rPr lang="en-US" dirty="0"/>
+              <a:t> de integración </a:t>
+            </a:r>
+            <a:r>
+              <a:rPr lang="en-US" dirty="0" err="1"/>
+              <a:t>mientras</a:t>
+            </a:r>
+            <a:r>
+              <a:rPr lang="en-US" dirty="0"/>
+              <a:t> que en las daily scrum </a:t>
+            </a:r>
+            <a:r>
+              <a:rPr lang="en-US" dirty="0" err="1"/>
+              <a:t>nos</a:t>
+            </a:r>
+            <a:r>
+              <a:rPr lang="en-US" dirty="0"/>
+              <a:t> </a:t>
+            </a:r>
+            <a:r>
+              <a:rPr lang="en-US" dirty="0" err="1"/>
+              <a:t>enfocamos</a:t>
+            </a:r>
+            <a:r>
+              <a:rPr lang="en-US" dirty="0"/>
+              <a:t> en </a:t>
+            </a:r>
+            <a:r>
+              <a:rPr lang="en-US" dirty="0" err="1"/>
+              <a:t>planear</a:t>
+            </a:r>
+            <a:r>
+              <a:rPr lang="en-US" dirty="0"/>
+              <a:t> soluciones para los </a:t>
+            </a:r>
+            <a:r>
+              <a:rPr lang="en-US" dirty="0" err="1"/>
+              <a:t>problemas</a:t>
+            </a:r>
+            <a:r>
+              <a:rPr lang="en-US" dirty="0"/>
+              <a:t> de integración.</a:t>
+            </a:r>
+            <a:endParaRPr dirty="0"/>
           </a:p>
         </p:txBody>
       </p:sp>
@@ -1699,10 +2487,226 @@
               <a:buNone/>
             </a:pPr>
             <a:r>
-              <a:rPr lang="en-US"/>
-              <a:t>El evento Nexus Sprint review remplaza a la sprint review de cada equipo donde se va a presentar los resultados de lo trabajado a los  interesados clave y se va a discutir el progreso hacia el objetivo del producto para determinar adaptaciones futuras dependiendo de la retroalimentación obtenida por parte de los interesados aunque es posible que no se pueda mostrar todo el resultado.</a:t>
-            </a:r>
-            <a:endParaRPr/>
+              <a:rPr lang="en-US" dirty="0"/>
+              <a:t>El </a:t>
+            </a:r>
+            <a:r>
+              <a:rPr lang="en-US" dirty="0" err="1"/>
+              <a:t>evento</a:t>
+            </a:r>
+            <a:r>
+              <a:rPr lang="en-US" dirty="0"/>
+              <a:t> Nexus Sprint review </a:t>
+            </a:r>
+            <a:r>
+              <a:rPr lang="en-US" dirty="0" err="1"/>
+              <a:t>remplaza</a:t>
+            </a:r>
+            <a:r>
+              <a:rPr lang="en-US" dirty="0"/>
+              <a:t> a la sprint review de cada </a:t>
+            </a:r>
+            <a:r>
+              <a:rPr lang="en-US" dirty="0" err="1"/>
+              <a:t>equipo</a:t>
+            </a:r>
+            <a:r>
+              <a:rPr lang="en-US" dirty="0"/>
+              <a:t> </a:t>
+            </a:r>
+            <a:r>
+              <a:rPr lang="en-US" dirty="0" err="1"/>
+              <a:t>donde</a:t>
+            </a:r>
+            <a:r>
+              <a:rPr lang="en-US" dirty="0"/>
+              <a:t> se </a:t>
+            </a:r>
+            <a:r>
+              <a:rPr lang="en-US" dirty="0" err="1"/>
+              <a:t>va</a:t>
+            </a:r>
+            <a:r>
+              <a:rPr lang="en-US" dirty="0"/>
+              <a:t> a </a:t>
+            </a:r>
+            <a:r>
+              <a:rPr lang="en-US" dirty="0" err="1"/>
+              <a:t>presentar</a:t>
+            </a:r>
+            <a:r>
+              <a:rPr lang="en-US" dirty="0"/>
+              <a:t> los </a:t>
+            </a:r>
+            <a:r>
+              <a:rPr lang="en-US" dirty="0" err="1"/>
+              <a:t>resultados</a:t>
+            </a:r>
+            <a:r>
+              <a:rPr lang="en-US" dirty="0"/>
+              <a:t> de lo </a:t>
+            </a:r>
+            <a:r>
+              <a:rPr lang="en-US" dirty="0" err="1"/>
+              <a:t>trabajado</a:t>
+            </a:r>
+            <a:r>
+              <a:rPr lang="en-US" dirty="0"/>
+              <a:t> a los  interesados clave y se </a:t>
+            </a:r>
+            <a:r>
+              <a:rPr lang="en-US" dirty="0" err="1"/>
+              <a:t>va</a:t>
+            </a:r>
+            <a:r>
+              <a:rPr lang="en-US" dirty="0"/>
+              <a:t> a </a:t>
+            </a:r>
+            <a:r>
+              <a:rPr lang="en-US" dirty="0" err="1"/>
+              <a:t>discutir</a:t>
+            </a:r>
+            <a:r>
+              <a:rPr lang="en-US" dirty="0"/>
+              <a:t> el </a:t>
+            </a:r>
+            <a:r>
+              <a:rPr lang="en-US" dirty="0" err="1"/>
+              <a:t>progreso</a:t>
+            </a:r>
+            <a:r>
+              <a:rPr lang="en-US" dirty="0"/>
+              <a:t> </a:t>
+            </a:r>
+            <a:r>
+              <a:rPr lang="en-US" dirty="0" err="1"/>
+              <a:t>hacia</a:t>
+            </a:r>
+            <a:r>
+              <a:rPr lang="en-US" dirty="0"/>
+              <a:t> el </a:t>
+            </a:r>
+            <a:r>
+              <a:rPr lang="en-US" dirty="0" err="1"/>
+              <a:t>objetivo</a:t>
+            </a:r>
+            <a:r>
+              <a:rPr lang="en-US" dirty="0"/>
+              <a:t> del </a:t>
+            </a:r>
+            <a:r>
+              <a:rPr lang="en-US" dirty="0" err="1"/>
+              <a:t>producto</a:t>
+            </a:r>
+            <a:r>
+              <a:rPr lang="en-US" dirty="0"/>
+              <a:t> para </a:t>
+            </a:r>
+            <a:r>
+              <a:rPr lang="en-US" dirty="0" err="1"/>
+              <a:t>determinar</a:t>
+            </a:r>
+            <a:r>
+              <a:rPr lang="en-US" dirty="0"/>
+              <a:t> </a:t>
+            </a:r>
+            <a:r>
+              <a:rPr lang="en-US" dirty="0" err="1"/>
+              <a:t>adaptaciones</a:t>
+            </a:r>
+            <a:r>
+              <a:rPr lang="en-US" dirty="0"/>
+              <a:t> </a:t>
+            </a:r>
+            <a:r>
+              <a:rPr lang="en-US" dirty="0" err="1"/>
+              <a:t>futuras</a:t>
+            </a:r>
+            <a:r>
+              <a:rPr lang="en-US" dirty="0"/>
+              <a:t> </a:t>
+            </a:r>
+            <a:r>
+              <a:rPr lang="en-US" dirty="0" err="1"/>
+              <a:t>dependiendo</a:t>
+            </a:r>
+            <a:r>
+              <a:rPr lang="en-US" dirty="0"/>
+              <a:t> de la </a:t>
+            </a:r>
+            <a:r>
+              <a:rPr lang="en-US" dirty="0" err="1"/>
+              <a:t>retroalimentación</a:t>
+            </a:r>
+            <a:r>
+              <a:rPr lang="en-US" dirty="0"/>
+              <a:t> </a:t>
+            </a:r>
+            <a:r>
+              <a:rPr lang="en-US" dirty="0" err="1"/>
+              <a:t>obtenida</a:t>
+            </a:r>
+            <a:r>
+              <a:rPr lang="en-US" dirty="0"/>
+              <a:t> por </a:t>
+            </a:r>
+            <a:r>
+              <a:rPr lang="en-US" dirty="0" err="1"/>
+              <a:t>parte</a:t>
+            </a:r>
+            <a:r>
+              <a:rPr lang="en-US" dirty="0"/>
+              <a:t> de los interesados </a:t>
+            </a:r>
+            <a:r>
+              <a:rPr lang="en-US" dirty="0" err="1"/>
+              <a:t>aunque</a:t>
+            </a:r>
+            <a:r>
+              <a:rPr lang="en-US" dirty="0"/>
+              <a:t> es </a:t>
+            </a:r>
+            <a:r>
+              <a:rPr lang="en-US" dirty="0" err="1"/>
+              <a:t>posible</a:t>
+            </a:r>
+            <a:r>
+              <a:rPr lang="en-US" dirty="0"/>
+              <a:t> que no se </a:t>
+            </a:r>
+            <a:r>
+              <a:rPr lang="en-US" dirty="0" err="1"/>
+              <a:t>pueda</a:t>
+            </a:r>
+            <a:r>
+              <a:rPr lang="en-US" dirty="0"/>
+              <a:t> </a:t>
+            </a:r>
+            <a:r>
+              <a:rPr lang="en-US" dirty="0" err="1"/>
+              <a:t>mostrar</a:t>
+            </a:r>
+            <a:r>
+              <a:rPr lang="en-US" dirty="0"/>
+              <a:t> </a:t>
+            </a:r>
+            <a:r>
+              <a:rPr lang="en-US" dirty="0" err="1"/>
+              <a:t>todo</a:t>
+            </a:r>
+            <a:r>
+              <a:rPr lang="en-US" dirty="0"/>
+              <a:t> el </a:t>
+            </a:r>
+            <a:r>
+              <a:rPr lang="en-US" dirty="0" err="1"/>
+              <a:t>resultado</a:t>
+            </a:r>
+            <a:r>
+              <a:rPr lang="en-US" dirty="0"/>
+              <a:t>.</a:t>
+            </a:r>
+            <a:endParaRPr dirty="0"/>
           </a:p>
         </p:txBody>
       </p:sp>
@@ -1825,10 +2829,170 @@
               <a:buNone/>
             </a:pPr>
             <a:r>
-              <a:rPr lang="en-US"/>
-              <a:t>La  Nexus Sprint Retrospective es la ceremonia que concluye el sprint de manera tal que su propósito es inspeccionar como fue el sprint en relación a individuos, equipos, interacciones y DoD con el fin de planificar formas de mejorar la calidad y la eficacia en Nexus que son complementadas por las retrospectivas de los equipos.</a:t>
-            </a:r>
-            <a:endParaRPr/>
+              <a:rPr lang="en-US" dirty="0"/>
+              <a:t>La  Nexus Sprint Retrospective es la </a:t>
+            </a:r>
+            <a:r>
+              <a:rPr lang="en-US" dirty="0" err="1"/>
+              <a:t>ceremonia</a:t>
+            </a:r>
+            <a:r>
+              <a:rPr lang="en-US" dirty="0"/>
+              <a:t> que </a:t>
+            </a:r>
+            <a:r>
+              <a:rPr lang="en-US" dirty="0" err="1"/>
+              <a:t>concluye</a:t>
+            </a:r>
+            <a:r>
+              <a:rPr lang="en-US" dirty="0"/>
+              <a:t> el sprint de </a:t>
+            </a:r>
+            <a:r>
+              <a:rPr lang="en-US" dirty="0" err="1"/>
+              <a:t>manera</a:t>
+            </a:r>
+            <a:r>
+              <a:rPr lang="en-US" dirty="0"/>
+              <a:t> </a:t>
+            </a:r>
+            <a:r>
+              <a:rPr lang="en-US" dirty="0" err="1"/>
+              <a:t>tal</a:t>
+            </a:r>
+            <a:r>
+              <a:rPr lang="en-US" dirty="0"/>
+              <a:t> que </a:t>
+            </a:r>
+            <a:r>
+              <a:rPr lang="en-US" dirty="0" err="1"/>
+              <a:t>su</a:t>
+            </a:r>
+            <a:r>
+              <a:rPr lang="en-US" dirty="0"/>
+              <a:t> </a:t>
+            </a:r>
+            <a:r>
+              <a:rPr lang="en-US" dirty="0" err="1"/>
+              <a:t>propósito</a:t>
+            </a:r>
+            <a:r>
+              <a:rPr lang="en-US" dirty="0"/>
+              <a:t> es </a:t>
+            </a:r>
+            <a:r>
+              <a:rPr lang="en-US" dirty="0" err="1"/>
+              <a:t>inspeccionar</a:t>
+            </a:r>
+            <a:r>
+              <a:rPr lang="en-US" dirty="0"/>
+              <a:t> </a:t>
+            </a:r>
+            <a:r>
+              <a:rPr lang="en-US" dirty="0" err="1"/>
+              <a:t>como</a:t>
+            </a:r>
+            <a:r>
+              <a:rPr lang="en-US" dirty="0"/>
+              <a:t> </a:t>
+            </a:r>
+            <a:r>
+              <a:rPr lang="en-US" dirty="0" err="1"/>
+              <a:t>fue</a:t>
+            </a:r>
+            <a:r>
+              <a:rPr lang="en-US" dirty="0"/>
+              <a:t> el sprint en </a:t>
+            </a:r>
+            <a:r>
+              <a:rPr lang="en-US" dirty="0" err="1"/>
+              <a:t>relación</a:t>
+            </a:r>
+            <a:r>
+              <a:rPr lang="en-US" dirty="0"/>
+              <a:t> a </a:t>
+            </a:r>
+            <a:r>
+              <a:rPr lang="en-US" dirty="0" err="1"/>
+              <a:t>individuos</a:t>
+            </a:r>
+            <a:r>
+              <a:rPr lang="en-US" dirty="0"/>
+              <a:t>, </a:t>
+            </a:r>
+            <a:r>
+              <a:rPr lang="en-US" dirty="0" err="1"/>
+              <a:t>equipos</a:t>
+            </a:r>
+            <a:r>
+              <a:rPr lang="en-US" dirty="0"/>
+              <a:t>, </a:t>
+            </a:r>
+            <a:r>
+              <a:rPr lang="en-US" dirty="0" err="1"/>
+              <a:t>interacciones</a:t>
+            </a:r>
+            <a:r>
+              <a:rPr lang="en-US" dirty="0"/>
+              <a:t> y DoD con el fin de </a:t>
+            </a:r>
+            <a:r>
+              <a:rPr lang="en-US" dirty="0" err="1"/>
+              <a:t>planificar</a:t>
+            </a:r>
+            <a:r>
+              <a:rPr lang="en-US" dirty="0"/>
+              <a:t> </a:t>
+            </a:r>
+            <a:r>
+              <a:rPr lang="en-US" dirty="0" err="1"/>
+              <a:t>formas</a:t>
+            </a:r>
+            <a:r>
+              <a:rPr lang="en-US" dirty="0"/>
+              <a:t> de mejorar la </a:t>
+            </a:r>
+            <a:r>
+              <a:rPr lang="en-US" dirty="0" err="1"/>
+              <a:t>calidad</a:t>
+            </a:r>
+            <a:r>
+              <a:rPr lang="en-US" dirty="0"/>
+              <a:t> y la </a:t>
+            </a:r>
+            <a:r>
+              <a:rPr lang="en-US" dirty="0" err="1"/>
+              <a:t>eficacia</a:t>
+            </a:r>
+            <a:r>
+              <a:rPr lang="en-US" dirty="0"/>
+              <a:t> en Nexus que son </a:t>
+            </a:r>
+            <a:r>
+              <a:rPr lang="en-US" dirty="0" err="1"/>
+              <a:t>complementadas</a:t>
+            </a:r>
+            <a:r>
+              <a:rPr lang="en-US" dirty="0"/>
+              <a:t> por las </a:t>
+            </a:r>
+            <a:r>
+              <a:rPr lang="en-US" dirty="0" err="1"/>
+              <a:t>retrospectivas</a:t>
+            </a:r>
+            <a:r>
+              <a:rPr lang="en-US" dirty="0"/>
+              <a:t> de los </a:t>
+            </a:r>
+            <a:r>
+              <a:rPr lang="en-US" dirty="0" err="1"/>
+              <a:t>equipos</a:t>
+            </a:r>
+            <a:r>
+              <a:rPr lang="en-US" dirty="0"/>
+              <a:t>.</a:t>
+            </a:r>
+            <a:endParaRPr dirty="0"/>
           </a:p>
         </p:txBody>
       </p:sp>
@@ -1951,7 +3115,7 @@
               <a:buNone/>
             </a:pPr>
             <a:r>
-              <a:rPr lang="es-ES" dirty="0" smtClean="0"/>
+              <a:rPr lang="es-ES" dirty="0"/>
               <a:t>Los artefactos representan trabajo o valor y están diseñados para maximizar la transparencia ().</a:t>
             </a:r>
           </a:p>
@@ -1970,7 +3134,7 @@
               <a:buNone/>
             </a:pPr>
             <a:r>
-              <a:rPr lang="es-ES" dirty="0" smtClean="0"/>
+              <a:rPr lang="es-ES" dirty="0"/>
               <a:t>Cada artefacto contiene un compromiso.</a:t>
             </a:r>
           </a:p>
@@ -1989,23 +3153,23 @@
               <a:buNone/>
             </a:pPr>
             <a:r>
-              <a:rPr lang="es-ES" dirty="0" smtClean="0"/>
+              <a:rPr lang="es-ES" dirty="0"/>
               <a:t>Estos compromisos existen para reforzar el empirismo y el valor de </a:t>
             </a:r>
             <a:r>
-              <a:rPr lang="es-ES" dirty="0" err="1" smtClean="0"/>
+              <a:rPr lang="es-ES" dirty="0" err="1"/>
               <a:t>Scrum</a:t>
             </a:r>
             <a:r>
-              <a:rPr lang="es-ES" dirty="0" smtClean="0"/>
+              <a:rPr lang="es-ES" dirty="0"/>
               <a:t> para el </a:t>
             </a:r>
             <a:r>
-              <a:rPr lang="es-ES" dirty="0" err="1" smtClean="0"/>
+              <a:rPr lang="es-ES" dirty="0" err="1"/>
               <a:t>Nexus</a:t>
             </a:r>
             <a:r>
-              <a:rPr lang="es-ES" dirty="0" smtClean="0"/>
+              <a:rPr lang="es-ES" dirty="0"/>
               <a:t> y sus interesados.</a:t>
             </a:r>
           </a:p>
@@ -2024,47 +3188,47 @@
               <a:buNone/>
             </a:pPr>
             <a:r>
-              <a:rPr lang="es-ES" dirty="0" smtClean="0"/>
+              <a:rPr lang="es-ES" dirty="0"/>
               <a:t>Hay un solo </a:t>
             </a:r>
             <a:r>
-              <a:rPr lang="es-ES" dirty="0" err="1" smtClean="0"/>
+              <a:rPr lang="es-ES" dirty="0" err="1"/>
               <a:t>Product</a:t>
             </a:r>
             <a:r>
-              <a:rPr lang="es-ES" dirty="0" smtClean="0"/>
+              <a:rPr lang="es-ES" dirty="0"/>
               <a:t> </a:t>
             </a:r>
             <a:r>
-              <a:rPr lang="es-ES" dirty="0" err="1" smtClean="0"/>
+              <a:rPr lang="es-ES" dirty="0" err="1"/>
               <a:t>Backlog</a:t>
             </a:r>
             <a:r>
-              <a:rPr lang="es-ES" dirty="0" smtClean="0"/>
+              <a:rPr lang="es-ES" dirty="0"/>
               <a:t> que contiene una lista de lo que el </a:t>
             </a:r>
             <a:r>
-              <a:rPr lang="es-ES" dirty="0" err="1" smtClean="0"/>
+              <a:rPr lang="es-ES" dirty="0" err="1"/>
               <a:t>Nexus</a:t>
             </a:r>
             <a:r>
-              <a:rPr lang="es-ES" dirty="0" smtClean="0"/>
+              <a:rPr lang="es-ES" dirty="0"/>
               <a:t> y todos sus </a:t>
             </a:r>
             <a:r>
-              <a:rPr lang="es-ES" dirty="0" err="1" smtClean="0"/>
+              <a:rPr lang="es-ES" dirty="0" err="1"/>
               <a:t>Scrum</a:t>
             </a:r>
             <a:r>
-              <a:rPr lang="es-ES" dirty="0" smtClean="0"/>
+              <a:rPr lang="es-ES" dirty="0"/>
               <a:t> </a:t>
             </a:r>
             <a:r>
-              <a:rPr lang="es-ES" dirty="0" err="1" smtClean="0"/>
+              <a:rPr lang="es-ES" dirty="0" err="1"/>
               <a:t>Teams</a:t>
             </a:r>
             <a:r>
-              <a:rPr lang="es-ES" dirty="0" smtClean="0"/>
+              <a:rPr lang="es-ES" dirty="0"/>
               <a:t> necesitan para mejorar el producto.</a:t>
             </a:r>
           </a:p>
@@ -2083,39 +3247,39 @@
               <a:buNone/>
             </a:pPr>
             <a:r>
-              <a:rPr lang="es-ES" dirty="0" smtClean="0"/>
+              <a:rPr lang="es-ES" dirty="0"/>
               <a:t>El </a:t>
             </a:r>
             <a:r>
-              <a:rPr lang="es-ES" dirty="0" err="1" smtClean="0"/>
+              <a:rPr lang="es-ES" dirty="0" err="1"/>
               <a:t>Product</a:t>
             </a:r>
             <a:r>
-              <a:rPr lang="es-ES" dirty="0" smtClean="0"/>
+              <a:rPr lang="es-ES" dirty="0"/>
               <a:t> </a:t>
             </a:r>
             <a:r>
-              <a:rPr lang="es-ES" dirty="0" err="1" smtClean="0"/>
+              <a:rPr lang="es-ES" dirty="0" err="1"/>
               <a:t>Owner</a:t>
             </a:r>
             <a:r>
-              <a:rPr lang="es-ES" dirty="0" smtClean="0"/>
+              <a:rPr lang="es-ES" dirty="0"/>
               <a:t> es responsable del </a:t>
             </a:r>
             <a:r>
-              <a:rPr lang="es-ES" dirty="0" err="1" smtClean="0"/>
+              <a:rPr lang="es-ES" dirty="0" err="1"/>
               <a:t>Product</a:t>
             </a:r>
             <a:r>
-              <a:rPr lang="es-ES" dirty="0" smtClean="0"/>
+              <a:rPr lang="es-ES" dirty="0"/>
               <a:t> </a:t>
             </a:r>
             <a:r>
-              <a:rPr lang="es-ES" dirty="0" err="1" smtClean="0"/>
+              <a:rPr lang="es-ES" dirty="0" err="1"/>
               <a:t>Backlog</a:t>
             </a:r>
             <a:r>
-              <a:rPr lang="es-ES" dirty="0" smtClean="0"/>
+              <a:rPr lang="es-ES" dirty="0"/>
               <a:t>.</a:t>
             </a:r>
           </a:p>
@@ -2134,7 +3298,7 @@
               <a:buNone/>
             </a:pPr>
             <a:r>
-              <a:rPr lang="es-ES" dirty="0" smtClean="0"/>
+              <a:rPr lang="es-ES" dirty="0"/>
               <a:t>Compromiso: Objetivo del Producto</a:t>
             </a:r>
           </a:p>
@@ -2152,7 +3316,7 @@
               <a:buSzPts val="1100"/>
               <a:buNone/>
             </a:pPr>
-            <a:endParaRPr lang="es-ES" dirty="0" smtClean="0"/>
+            <a:endParaRPr lang="es-ES" dirty="0"/>
           </a:p>
           <a:p>
             <a:pPr marL="0" lvl="0" indent="0" algn="l" rtl="0">
@@ -2168,7 +3332,7 @@
               <a:buSzPts val="1100"/>
               <a:buNone/>
             </a:pPr>
-            <a:endParaRPr lang="es-ES" dirty="0" smtClean="0"/>
+            <a:endParaRPr lang="es-ES" dirty="0"/>
           </a:p>
           <a:p>
             <a:pPr marL="0" lvl="0" indent="0" algn="l" rtl="0">
@@ -2307,79 +3471,79 @@
               <a:buNone/>
             </a:pPr>
             <a:r>
-              <a:rPr lang="es-ES" dirty="0" smtClean="0"/>
+              <a:rPr lang="es-ES" dirty="0"/>
               <a:t>Un </a:t>
             </a:r>
             <a:r>
-              <a:rPr lang="es-ES" dirty="0" err="1" smtClean="0"/>
+              <a:rPr lang="es-ES" dirty="0" err="1"/>
               <a:t>Nexus</a:t>
             </a:r>
             <a:r>
-              <a:rPr lang="es-ES" dirty="0" smtClean="0"/>
+              <a:rPr lang="es-ES" dirty="0"/>
               <a:t> Sprint </a:t>
             </a:r>
             <a:r>
-              <a:rPr lang="es-ES" dirty="0" err="1" smtClean="0"/>
+              <a:rPr lang="es-ES" dirty="0" err="1"/>
               <a:t>Backlog</a:t>
             </a:r>
             <a:r>
-              <a:rPr lang="es-ES" dirty="0" smtClean="0"/>
+              <a:rPr lang="es-ES" dirty="0"/>
               <a:t> está compuesto del Objetivo de Sprint del </a:t>
             </a:r>
             <a:r>
-              <a:rPr lang="es-ES" dirty="0" err="1" smtClean="0"/>
+              <a:rPr lang="es-ES" dirty="0" err="1"/>
               <a:t>Nexus</a:t>
             </a:r>
             <a:r>
-              <a:rPr lang="es-ES" dirty="0" smtClean="0"/>
+              <a:rPr lang="es-ES" dirty="0"/>
               <a:t> y elementos del </a:t>
             </a:r>
             <a:r>
-              <a:rPr lang="es-ES" dirty="0" err="1" smtClean="0"/>
+              <a:rPr lang="es-ES" dirty="0" err="1"/>
               <a:t>Product</a:t>
             </a:r>
             <a:r>
-              <a:rPr lang="es-ES" dirty="0" smtClean="0"/>
+              <a:rPr lang="es-ES" dirty="0"/>
               <a:t> </a:t>
             </a:r>
             <a:r>
-              <a:rPr lang="es-ES" dirty="0" err="1" smtClean="0"/>
+              <a:rPr lang="es-ES" dirty="0" err="1"/>
               <a:t>Backlog</a:t>
             </a:r>
             <a:r>
-              <a:rPr lang="es-ES" dirty="0" smtClean="0"/>
+              <a:rPr lang="es-ES" dirty="0"/>
               <a:t> de los Sprint </a:t>
             </a:r>
             <a:r>
-              <a:rPr lang="es-ES" dirty="0" err="1" smtClean="0"/>
+              <a:rPr lang="es-ES" dirty="0" err="1"/>
               <a:t>Backlogs</a:t>
             </a:r>
             <a:r>
-              <a:rPr lang="es-ES" dirty="0" smtClean="0"/>
+              <a:rPr lang="es-ES" dirty="0"/>
               <a:t> de cada </a:t>
             </a:r>
             <a:r>
-              <a:rPr lang="es-ES" dirty="0" err="1" smtClean="0"/>
+              <a:rPr lang="es-ES" dirty="0" err="1"/>
               <a:t>Scrum</a:t>
             </a:r>
             <a:r>
-              <a:rPr lang="es-ES" dirty="0" smtClean="0"/>
+              <a:rPr lang="es-ES" dirty="0"/>
               <a:t> </a:t>
             </a:r>
             <a:r>
-              <a:rPr lang="es-ES" dirty="0" err="1" smtClean="0"/>
+              <a:rPr lang="es-ES" dirty="0" err="1"/>
               <a:t>Team</a:t>
             </a:r>
             <a:r>
-              <a:rPr lang="es-ES" dirty="0" smtClean="0"/>
+              <a:rPr lang="es-ES" dirty="0"/>
               <a:t> del </a:t>
             </a:r>
             <a:r>
-              <a:rPr lang="es-ES" dirty="0" err="1" smtClean="0"/>
+              <a:rPr lang="es-ES" dirty="0" err="1"/>
               <a:t>Nexus</a:t>
             </a:r>
             <a:r>
-              <a:rPr lang="es-ES" dirty="0" smtClean="0"/>
+              <a:rPr lang="es-ES" dirty="0"/>
               <a:t>. Se usa para resaltar las dependencias y el flujo del trabajo durante el Sprint.</a:t>
             </a:r>
           </a:p>
@@ -2397,7 +3561,7 @@
               <a:buSzPts val="1100"/>
               <a:buNone/>
             </a:pPr>
-            <a:endParaRPr lang="es-AR" dirty="0" smtClean="0"/>
+            <a:endParaRPr lang="es-AR" dirty="0"/>
           </a:p>
           <a:p>
             <a:pPr marL="0" lvl="0" indent="0" algn="l" rtl="0">
@@ -2414,15 +3578,15 @@
               <a:buNone/>
             </a:pPr>
             <a:r>
-              <a:rPr lang="es-ES" dirty="0" smtClean="0"/>
+              <a:rPr lang="es-ES" dirty="0"/>
               <a:t>Compromiso: Objetivo de Sprint del </a:t>
             </a:r>
             <a:r>
-              <a:rPr lang="es-ES" dirty="0" err="1" smtClean="0"/>
+              <a:rPr lang="es-ES" dirty="0" err="1"/>
               <a:t>Nexus</a:t>
             </a:r>
             <a:r>
-              <a:rPr lang="es-ES" dirty="0" smtClean="0"/>
+              <a:rPr lang="es-ES" dirty="0"/>
               <a:t>:</a:t>
             </a:r>
           </a:p>
@@ -2441,31 +3605,31 @@
               <a:buNone/>
             </a:pPr>
             <a:r>
-              <a:rPr lang="es-ES" dirty="0" smtClean="0"/>
+              <a:rPr lang="es-ES" dirty="0"/>
               <a:t>Es la suma de todo el trabajo y los Objetivos de Sprint de los </a:t>
             </a:r>
             <a:r>
-              <a:rPr lang="es-ES" dirty="0" err="1" smtClean="0"/>
+              <a:rPr lang="es-ES" dirty="0" err="1"/>
               <a:t>Scrum</a:t>
             </a:r>
             <a:r>
-              <a:rPr lang="es-ES" dirty="0" smtClean="0"/>
+              <a:rPr lang="es-ES" dirty="0"/>
               <a:t> </a:t>
             </a:r>
             <a:r>
-              <a:rPr lang="es-ES" dirty="0" err="1" smtClean="0"/>
+              <a:rPr lang="es-ES" dirty="0" err="1"/>
               <a:t>Teams</a:t>
             </a:r>
             <a:r>
-              <a:rPr lang="es-ES" dirty="0" smtClean="0"/>
+              <a:rPr lang="es-ES" dirty="0"/>
               <a:t> dentro del </a:t>
             </a:r>
             <a:r>
-              <a:rPr lang="es-ES" dirty="0" err="1" smtClean="0"/>
+              <a:rPr lang="es-ES" dirty="0" err="1"/>
               <a:t>Nexus</a:t>
             </a:r>
             <a:r>
-              <a:rPr lang="es-ES" dirty="0" smtClean="0"/>
+              <a:rPr lang="es-ES" dirty="0"/>
               <a:t>.</a:t>
             </a:r>
           </a:p>
@@ -2483,7 +3647,7 @@
               <a:buSzPts val="1100"/>
               <a:buNone/>
             </a:pPr>
-            <a:endParaRPr lang="es-ES" dirty="0" smtClean="0"/>
+            <a:endParaRPr lang="es-ES" dirty="0"/>
           </a:p>
           <a:p>
             <a:pPr marL="0" lvl="0" indent="0" algn="l" rtl="0">
@@ -2499,7 +3663,7 @@
               <a:buSzPts val="1100"/>
               <a:buNone/>
             </a:pPr>
-            <a:endParaRPr lang="es-AR" dirty="0" smtClean="0"/>
+            <a:endParaRPr lang="es-AR" dirty="0"/>
           </a:p>
           <a:p>
             <a:pPr marL="0" lvl="0" indent="0" algn="l" rtl="0">
@@ -2515,7 +3679,7 @@
               <a:buSzPts val="1100"/>
               <a:buNone/>
             </a:pPr>
-            <a:endParaRPr lang="es-ES" dirty="0" smtClean="0"/>
+            <a:endParaRPr lang="es-ES" dirty="0"/>
           </a:p>
           <a:p>
             <a:pPr marL="0" lvl="0" indent="0" algn="l" rtl="0">
@@ -2654,79 +3818,79 @@
               <a:buNone/>
             </a:pPr>
             <a:r>
-              <a:rPr lang="es-ES" dirty="0" smtClean="0"/>
+              <a:rPr lang="es-ES" dirty="0"/>
               <a:t>El </a:t>
             </a:r>
             <a:r>
-              <a:rPr lang="es-ES" dirty="0" err="1" smtClean="0"/>
+              <a:rPr lang="es-ES" dirty="0" err="1"/>
               <a:t>Integrated</a:t>
             </a:r>
             <a:r>
-              <a:rPr lang="es-ES" dirty="0" smtClean="0"/>
+              <a:rPr lang="es-ES" dirty="0"/>
               <a:t> </a:t>
             </a:r>
             <a:r>
-              <a:rPr lang="es-ES" dirty="0" err="1" smtClean="0"/>
+              <a:rPr lang="es-ES" dirty="0" err="1"/>
               <a:t>Increment</a:t>
             </a:r>
             <a:r>
-              <a:rPr lang="es-ES" dirty="0" smtClean="0"/>
+              <a:rPr lang="es-ES" dirty="0"/>
               <a:t> representa la suma actual de todo el trabajo integrado completado por un </a:t>
             </a:r>
             <a:r>
-              <a:rPr lang="es-ES" dirty="0" err="1" smtClean="0"/>
+              <a:rPr lang="es-ES" dirty="0" err="1"/>
               <a:t>Nexus</a:t>
             </a:r>
             <a:r>
-              <a:rPr lang="es-ES" dirty="0" smtClean="0"/>
+              <a:rPr lang="es-ES" dirty="0"/>
               <a:t> con miras al Objetivo del Producto. El </a:t>
             </a:r>
             <a:r>
-              <a:rPr lang="es-ES" dirty="0" err="1" smtClean="0"/>
+              <a:rPr lang="es-ES" dirty="0" err="1"/>
               <a:t>Integrated</a:t>
             </a:r>
             <a:r>
-              <a:rPr lang="es-ES" dirty="0" smtClean="0"/>
+              <a:rPr lang="es-ES" dirty="0"/>
               <a:t> </a:t>
             </a:r>
             <a:r>
-              <a:rPr lang="es-ES" dirty="0" err="1" smtClean="0"/>
+              <a:rPr lang="es-ES" dirty="0" err="1"/>
               <a:t>Increment</a:t>
             </a:r>
             <a:r>
-              <a:rPr lang="es-ES" dirty="0" smtClean="0"/>
+              <a:rPr lang="es-ES" dirty="0"/>
               <a:t> se inspecciona en la </a:t>
             </a:r>
             <a:r>
-              <a:rPr lang="es-ES" dirty="0" err="1" smtClean="0"/>
+              <a:rPr lang="es-ES" dirty="0" err="1"/>
               <a:t>Nexus</a:t>
             </a:r>
             <a:r>
-              <a:rPr lang="es-ES" dirty="0" smtClean="0"/>
+              <a:rPr lang="es-ES" dirty="0"/>
               <a:t> Sprint </a:t>
             </a:r>
             <a:r>
-              <a:rPr lang="es-ES" dirty="0" err="1" smtClean="0"/>
+              <a:rPr lang="es-ES" dirty="0" err="1"/>
               <a:t>Review</a:t>
             </a:r>
             <a:r>
-              <a:rPr lang="es-ES" dirty="0" smtClean="0"/>
+              <a:rPr lang="es-ES" dirty="0"/>
               <a:t>, pero puede entregarse a los interesados antes del final del Sprint. El </a:t>
             </a:r>
             <a:r>
-              <a:rPr lang="es-ES" dirty="0" err="1" smtClean="0"/>
+              <a:rPr lang="es-ES" dirty="0" err="1"/>
               <a:t>Integrated</a:t>
             </a:r>
             <a:r>
-              <a:rPr lang="es-ES" dirty="0" smtClean="0"/>
+              <a:rPr lang="es-ES" dirty="0"/>
               <a:t> </a:t>
             </a:r>
             <a:r>
-              <a:rPr lang="es-ES" dirty="0" err="1" smtClean="0"/>
+              <a:rPr lang="es-ES" dirty="0" err="1"/>
               <a:t>Increment</a:t>
             </a:r>
             <a:r>
-              <a:rPr lang="es-ES" dirty="0" smtClean="0"/>
+              <a:rPr lang="es-ES" dirty="0"/>
               <a:t> debe cumplir con la Definición de Terminado.</a:t>
             </a:r>
           </a:p>
@@ -2744,7 +3908,7 @@
               <a:buSzPts val="1100"/>
               <a:buNone/>
             </a:pPr>
-            <a:endParaRPr lang="es-AR" dirty="0" smtClean="0"/>
+            <a:endParaRPr lang="es-AR" dirty="0"/>
           </a:p>
           <a:p>
             <a:pPr marL="0" lvl="0" indent="0" algn="l" rtl="0">
@@ -2761,7 +3925,7 @@
               <a:buNone/>
             </a:pPr>
             <a:r>
-              <a:rPr lang="es-ES" dirty="0" smtClean="0"/>
+              <a:rPr lang="es-ES" dirty="0"/>
               <a:t>Compromiso: Definición de Terminado</a:t>
             </a:r>
           </a:p>
@@ -2780,7 +3944,7 @@
               <a:buNone/>
             </a:pPr>
             <a:r>
-              <a:rPr lang="es-ES" dirty="0" smtClean="0"/>
+              <a:rPr lang="es-ES" dirty="0"/>
               <a:t>Definición de Terminado, que define el estado del trabajo integrado cuando cumple con la calidad y las medidas requeridas para el producto.</a:t>
             </a:r>
           </a:p>
@@ -2799,7 +3963,7 @@
               <a:buNone/>
             </a:pPr>
             <a:r>
-              <a:rPr lang="es-ES" dirty="0" smtClean="0"/>
+              <a:rPr lang="es-ES" dirty="0"/>
               <a:t>El Incremento se termina solo cuando está integrado, es de valor y utilizable</a:t>
             </a:r>
           </a:p>
@@ -2817,7 +3981,7 @@
               <a:buSzPts val="1100"/>
               <a:buNone/>
             </a:pPr>
-            <a:endParaRPr lang="es-AR" dirty="0" smtClean="0"/>
+            <a:endParaRPr lang="es-AR" dirty="0"/>
           </a:p>
           <a:p>
             <a:pPr marL="0" lvl="0" indent="0" algn="l" rtl="0">
@@ -2955,7 +4119,11 @@
               <a:buSzPts val="1100"/>
               <a:buNone/>
             </a:pPr>
-            <a:endParaRPr/>
+            <a:r>
+              <a:rPr lang="es-AR" dirty="0"/>
+              <a:t>Para ir cerrando el tema de Nexus podemos agregar que nos va a permitir trabajar hasta un máximo de 9 equipos por lo que si queremos escalar con mas de 9 equipos se puede utilizar Nexus+ que te permite hasta 9 Nexus que seria para realizar una transformación ágil de toda una organización recordando que escalar con Nexus es trabajar con Scrum.</a:t>
+            </a:r>
+            <a:endParaRPr dirty="0"/>
           </a:p>
         </p:txBody>
       </p:sp>
@@ -3343,7 +4511,7 @@
                   <a:schemeClr val="dk1"/>
                 </a:solidFill>
               </a:rPr>
-              <a:t>  de scrum teams </a:t>
+              <a:t>  de scrum teams que </a:t>
             </a:r>
             <a:r>
               <a:rPr lang="en-US" dirty="0" err="1">
@@ -3351,7 +4519,7 @@
                   <a:schemeClr val="dk1"/>
                 </a:solidFill>
               </a:rPr>
-              <a:t>que</a:t>
+              <a:t>trabaja</a:t>
             </a:r>
             <a:r>
               <a:rPr lang="en-US" dirty="0">
@@ -3359,7 +4527,7 @@
                   <a:schemeClr val="dk1"/>
                 </a:solidFill>
               </a:rPr>
-              <a:t> </a:t>
+              <a:t> en un </a:t>
             </a:r>
             <a:r>
               <a:rPr lang="en-US" dirty="0" err="1">
@@ -3367,7 +4535,7 @@
                   <a:schemeClr val="dk1"/>
                 </a:solidFill>
               </a:rPr>
-              <a:t>trabaja</a:t>
+              <a:t>único</a:t>
             </a:r>
             <a:r>
               <a:rPr lang="en-US" dirty="0">
@@ -3375,7 +4543,7 @@
                   <a:schemeClr val="dk1"/>
                 </a:solidFill>
               </a:rPr>
-              <a:t> en un </a:t>
+              <a:t> </a:t>
             </a:r>
             <a:r>
               <a:rPr lang="en-US" dirty="0" err="1">
@@ -3383,7 +4551,7 @@
                   <a:schemeClr val="dk1"/>
                 </a:solidFill>
               </a:rPr>
-              <a:t>único</a:t>
+              <a:t>producto</a:t>
             </a:r>
             <a:r>
               <a:rPr lang="en-US" dirty="0">
@@ -3391,7 +4559,55 @@
                   <a:schemeClr val="dk1"/>
                 </a:solidFill>
               </a:rPr>
-              <a:t> </a:t>
+              <a:t>.</a:t>
+            </a:r>
+            <a:endParaRPr dirty="0"/>
+          </a:p>
+          <a:p>
+            <a:pPr marL="457200" lvl="0" indent="-320040" algn="l" rtl="0">
+              <a:lnSpc>
+                <a:spcPct val="200000"/>
+              </a:lnSpc>
+              <a:spcBef>
+                <a:spcPts val="0"/>
+              </a:spcBef>
+              <a:spcAft>
+                <a:spcPts val="0"/>
+              </a:spcAft>
+              <a:buSzPts val="1440"/>
+              <a:buChar char="●"/>
+            </a:pPr>
+            <a:r>
+              <a:rPr lang="en-US" dirty="0">
+                <a:solidFill>
+                  <a:schemeClr val="dk1"/>
+                </a:solidFill>
+              </a:rPr>
+              <a:t>un solo product backlog</a:t>
+            </a:r>
+            <a:endParaRPr dirty="0"/>
+          </a:p>
+          <a:p>
+            <a:pPr marL="457200" lvl="0" indent="-320040" algn="l" rtl="0">
+              <a:lnSpc>
+                <a:spcPct val="200000"/>
+              </a:lnSpc>
+              <a:spcBef>
+                <a:spcPts val="0"/>
+              </a:spcBef>
+              <a:spcAft>
+                <a:spcPts val="0"/>
+              </a:spcAft>
+              <a:buSzPts val="1440"/>
+              <a:buChar char="●"/>
+            </a:pPr>
+            <a:r>
+              <a:rPr lang="en-US" dirty="0">
+                <a:solidFill>
+                  <a:schemeClr val="dk1"/>
+                </a:solidFill>
+              </a:rPr>
+              <a:t>Un solo </a:t>
             </a:r>
             <a:r>
               <a:rPr lang="en-US" dirty="0" err="1">
@@ -3407,73 +4623,9 @@
                   <a:schemeClr val="dk1"/>
                 </a:solidFill>
               </a:rPr>
-              <a:t>.</a:t>
-            </a:r>
-            <a:endParaRPr/>
-          </a:p>
-          <a:p>
-            <a:pPr marL="457200" lvl="0" indent="-320040" algn="l" rtl="0">
-              <a:lnSpc>
-                <a:spcPct val="200000"/>
-              </a:lnSpc>
-              <a:spcBef>
-                <a:spcPts val="0"/>
-              </a:spcBef>
-              <a:spcAft>
-                <a:spcPts val="0"/>
-              </a:spcAft>
-              <a:buSzPts val="1440"/>
-              <a:buChar char="●"/>
-            </a:pPr>
-            <a:r>
-              <a:rPr lang="en-US" dirty="0">
-                <a:solidFill>
-                  <a:schemeClr val="dk1"/>
-                </a:solidFill>
-              </a:rPr>
-              <a:t>un solo product backlog</a:t>
-            </a:r>
-            <a:endParaRPr/>
-          </a:p>
-          <a:p>
-            <a:pPr marL="457200" lvl="0" indent="-320040" algn="l" rtl="0">
-              <a:lnSpc>
-                <a:spcPct val="200000"/>
-              </a:lnSpc>
-              <a:spcBef>
-                <a:spcPts val="0"/>
-              </a:spcBef>
-              <a:spcAft>
-                <a:spcPts val="0"/>
-              </a:spcAft>
-              <a:buSzPts val="1440"/>
-              <a:buChar char="●"/>
-            </a:pPr>
-            <a:r>
-              <a:rPr lang="en-US" dirty="0">
-                <a:solidFill>
-                  <a:schemeClr val="dk1"/>
-                </a:solidFill>
-              </a:rPr>
-              <a:t>Un solo </a:t>
-            </a:r>
-            <a:r>
-              <a:rPr lang="en-US" dirty="0" err="1">
-                <a:solidFill>
-                  <a:schemeClr val="dk1"/>
-                </a:solidFill>
-              </a:rPr>
-              <a:t>producto</a:t>
-            </a:r>
-            <a:r>
-              <a:rPr lang="en-US" dirty="0">
-                <a:solidFill>
-                  <a:schemeClr val="dk1"/>
-                </a:solidFill>
-              </a:rPr>
               <a:t> owner</a:t>
             </a:r>
-            <a:endParaRPr>
+            <a:endParaRPr dirty="0">
               <a:solidFill>
                 <a:schemeClr val="dk1"/>
               </a:solidFill>
@@ -3541,7 +4693,7 @@
               </a:rPr>
               <a:t>artefactos</a:t>
             </a:r>
-            <a:endParaRPr/>
+            <a:endParaRPr dirty="0"/>
           </a:p>
           <a:p>
             <a:pPr marL="457200" lvl="0" indent="-320040" algn="l" rtl="0">
@@ -3557,13 +4709,21 @@
               <a:buSzPts val="1440"/>
               <a:buChar char="●"/>
             </a:pPr>
+            <a:r>
+              <a:rPr lang="en-US" dirty="0">
+                <a:solidFill>
+                  <a:schemeClr val="dk1"/>
+                </a:solidFill>
+              </a:rPr>
+              <a:t>Tienen un </a:t>
+            </a:r>
             <a:r>
               <a:rPr lang="en-US" dirty="0" err="1">
                 <a:solidFill>
                   <a:schemeClr val="dk1"/>
                 </a:solidFill>
               </a:rPr>
-              <a:t>Tienen</a:t>
+              <a:t>único</a:t>
             </a:r>
             <a:r>
               <a:rPr lang="en-US" dirty="0">
@@ -3571,7 +4731,7 @@
                   <a:schemeClr val="dk1"/>
                 </a:solidFill>
               </a:rPr>
-              <a:t> un </a:t>
+              <a:t> </a:t>
             </a:r>
             <a:r>
               <a:rPr lang="en-US" dirty="0" err="1">
@@ -3579,25 +4739,9 @@
                   <a:schemeClr val="dk1"/>
                 </a:solidFill>
               </a:rPr>
-              <a:t>único</a:t>
-            </a:r>
-            <a:r>
-              <a:rPr lang="en-US" dirty="0">
-                <a:solidFill>
-                  <a:schemeClr val="dk1"/>
-                </a:solidFill>
-              </a:rPr>
-              <a:t> </a:t>
-            </a:r>
-            <a:r>
-              <a:rPr lang="en-US" dirty="0" err="1">
-                <a:solidFill>
-                  <a:schemeClr val="dk1"/>
-                </a:solidFill>
-              </a:rPr>
               <a:t>incremento</a:t>
             </a:r>
-            <a:endParaRPr/>
+            <a:endParaRPr dirty="0"/>
           </a:p>
           <a:p>
             <a:pPr marL="0" lvl="0" indent="0" algn="l" rtl="0">
@@ -3613,7 +4757,7 @@
               <a:buSzPts val="1100"/>
               <a:buNone/>
             </a:pPr>
-            <a:endParaRPr/>
+            <a:endParaRPr dirty="0"/>
           </a:p>
         </p:txBody>
       </p:sp>
@@ -3942,15 +5086,1257 @@
               <a:buNone/>
             </a:pPr>
             <a:r>
-              <a:rPr lang="en-US">
+              <a:rPr lang="en-US" dirty="0">
                 <a:latin typeface="Calibri"/>
                 <a:ea typeface="Calibri"/>
                 <a:cs typeface="Calibri"/>
                 <a:sym typeface="Calibri"/>
               </a:rPr>
-              <a:t>Nexus se basa en Scrum mejorando los elementos fundamentales de Scrum de maneras que ayudan a resolver los desafíos de dependencia y colaboración del trabajo entre equipos. Nexus (ver Figura 1) revela un proceso empírico que refleja estrechamente Scrum.   Nexus extiende Scrum de la siguiente manera: ● Responsabilidades: el Nexus Integration Team se asegura de que el Nexus entregue un Integrated Increment útil y de valor al menos una vez en cada Sprint. El Nexus Integration Team está formado por el Product Owner, un Scrum Master y Miembros del Nexus Integration Team. ● Eventos: los eventos se agregan, colocan alrededor o reemplazan a los eventos Scrum regulares para aumentarlos. Según las modificaciones, sirven tanto para el esfuerzo general de todos los equipos Scrum en el Nexus como para cada equipo individual. Un Objetivo de Sprint Nexus es el objetivo del Sprint. ● Artefactos: todos los Scrum Teams usan el mismo y único Product Backlog. A medida que los elementos del Product Backlog se refinan y se preparan, ciertos indicadores de qué equipo probablemente hará el trabajo dentro de un Sprint se vuelven transparentes. Un Nexus Sprint Backlog existe para para ayudar con la transparencia durante el Sprint. El Integrated Increment representa la suma actual de todo el trabajo integrado completado por un Nexus. </a:t>
-            </a:r>
-            <a:endParaRPr/>
+              <a:t>Nexus se basa en Scrum </a:t>
+            </a:r>
+            <a:r>
+              <a:rPr lang="en-US" dirty="0" err="1">
+                <a:latin typeface="Calibri"/>
+                <a:ea typeface="Calibri"/>
+                <a:cs typeface="Calibri"/>
+                <a:sym typeface="Calibri"/>
+              </a:rPr>
+              <a:t>mejorando</a:t>
+            </a:r>
+            <a:r>
+              <a:rPr lang="en-US" dirty="0">
+                <a:latin typeface="Calibri"/>
+                <a:ea typeface="Calibri"/>
+                <a:cs typeface="Calibri"/>
+                <a:sym typeface="Calibri"/>
+              </a:rPr>
+              <a:t> los elementos </a:t>
+            </a:r>
+            <a:r>
+              <a:rPr lang="en-US" dirty="0" err="1">
+                <a:latin typeface="Calibri"/>
+                <a:ea typeface="Calibri"/>
+                <a:cs typeface="Calibri"/>
+                <a:sym typeface="Calibri"/>
+              </a:rPr>
+              <a:t>fundamentales</a:t>
+            </a:r>
+            <a:r>
+              <a:rPr lang="en-US" dirty="0">
+                <a:latin typeface="Calibri"/>
+                <a:ea typeface="Calibri"/>
+                <a:cs typeface="Calibri"/>
+                <a:sym typeface="Calibri"/>
+              </a:rPr>
+              <a:t> de Scrum de </a:t>
+            </a:r>
+            <a:r>
+              <a:rPr lang="en-US" dirty="0" err="1">
+                <a:latin typeface="Calibri"/>
+                <a:ea typeface="Calibri"/>
+                <a:cs typeface="Calibri"/>
+                <a:sym typeface="Calibri"/>
+              </a:rPr>
+              <a:t>maneras</a:t>
+            </a:r>
+            <a:r>
+              <a:rPr lang="en-US" dirty="0">
+                <a:latin typeface="Calibri"/>
+                <a:ea typeface="Calibri"/>
+                <a:cs typeface="Calibri"/>
+                <a:sym typeface="Calibri"/>
+              </a:rPr>
+              <a:t> que </a:t>
+            </a:r>
+            <a:r>
+              <a:rPr lang="en-US" dirty="0" err="1">
+                <a:latin typeface="Calibri"/>
+                <a:ea typeface="Calibri"/>
+                <a:cs typeface="Calibri"/>
+                <a:sym typeface="Calibri"/>
+              </a:rPr>
+              <a:t>ayudan</a:t>
+            </a:r>
+            <a:r>
+              <a:rPr lang="en-US" dirty="0">
+                <a:latin typeface="Calibri"/>
+                <a:ea typeface="Calibri"/>
+                <a:cs typeface="Calibri"/>
+                <a:sym typeface="Calibri"/>
+              </a:rPr>
+              <a:t> a resolver los </a:t>
+            </a:r>
+            <a:r>
+              <a:rPr lang="en-US" dirty="0" err="1">
+                <a:latin typeface="Calibri"/>
+                <a:ea typeface="Calibri"/>
+                <a:cs typeface="Calibri"/>
+                <a:sym typeface="Calibri"/>
+              </a:rPr>
+              <a:t>desafíos</a:t>
+            </a:r>
+            <a:r>
+              <a:rPr lang="en-US" dirty="0">
+                <a:latin typeface="Calibri"/>
+                <a:ea typeface="Calibri"/>
+                <a:cs typeface="Calibri"/>
+                <a:sym typeface="Calibri"/>
+              </a:rPr>
+              <a:t> de </a:t>
+            </a:r>
+            <a:r>
+              <a:rPr lang="en-US" dirty="0" err="1">
+                <a:latin typeface="Calibri"/>
+                <a:ea typeface="Calibri"/>
+                <a:cs typeface="Calibri"/>
+                <a:sym typeface="Calibri"/>
+              </a:rPr>
+              <a:t>dependencia</a:t>
+            </a:r>
+            <a:r>
+              <a:rPr lang="en-US" dirty="0">
+                <a:latin typeface="Calibri"/>
+                <a:ea typeface="Calibri"/>
+                <a:cs typeface="Calibri"/>
+                <a:sym typeface="Calibri"/>
+              </a:rPr>
+              <a:t> y </a:t>
+            </a:r>
+            <a:r>
+              <a:rPr lang="en-US" dirty="0" err="1">
+                <a:latin typeface="Calibri"/>
+                <a:ea typeface="Calibri"/>
+                <a:cs typeface="Calibri"/>
+                <a:sym typeface="Calibri"/>
+              </a:rPr>
+              <a:t>colaboración</a:t>
+            </a:r>
+            <a:r>
+              <a:rPr lang="en-US" dirty="0">
+                <a:latin typeface="Calibri"/>
+                <a:ea typeface="Calibri"/>
+                <a:cs typeface="Calibri"/>
+                <a:sym typeface="Calibri"/>
+              </a:rPr>
+              <a:t> del </a:t>
+            </a:r>
+            <a:r>
+              <a:rPr lang="en-US" dirty="0" err="1">
+                <a:latin typeface="Calibri"/>
+                <a:ea typeface="Calibri"/>
+                <a:cs typeface="Calibri"/>
+                <a:sym typeface="Calibri"/>
+              </a:rPr>
+              <a:t>trabajo</a:t>
+            </a:r>
+            <a:r>
+              <a:rPr lang="en-US" dirty="0">
+                <a:latin typeface="Calibri"/>
+                <a:ea typeface="Calibri"/>
+                <a:cs typeface="Calibri"/>
+                <a:sym typeface="Calibri"/>
+              </a:rPr>
+              <a:t> entre </a:t>
+            </a:r>
+            <a:r>
+              <a:rPr lang="en-US" dirty="0" err="1">
+                <a:latin typeface="Calibri"/>
+                <a:ea typeface="Calibri"/>
+                <a:cs typeface="Calibri"/>
+                <a:sym typeface="Calibri"/>
+              </a:rPr>
+              <a:t>equipos</a:t>
+            </a:r>
+            <a:r>
+              <a:rPr lang="en-US" dirty="0">
+                <a:latin typeface="Calibri"/>
+                <a:ea typeface="Calibri"/>
+                <a:cs typeface="Calibri"/>
+                <a:sym typeface="Calibri"/>
+              </a:rPr>
+              <a:t>. Nexus (</a:t>
+            </a:r>
+            <a:r>
+              <a:rPr lang="en-US" dirty="0" err="1">
+                <a:latin typeface="Calibri"/>
+                <a:ea typeface="Calibri"/>
+                <a:cs typeface="Calibri"/>
+                <a:sym typeface="Calibri"/>
+              </a:rPr>
+              <a:t>ver</a:t>
+            </a:r>
+            <a:r>
+              <a:rPr lang="en-US" dirty="0">
+                <a:latin typeface="Calibri"/>
+                <a:ea typeface="Calibri"/>
+                <a:cs typeface="Calibri"/>
+                <a:sym typeface="Calibri"/>
+              </a:rPr>
+              <a:t> </a:t>
+            </a:r>
+            <a:r>
+              <a:rPr lang="en-US" dirty="0" err="1">
+                <a:latin typeface="Calibri"/>
+                <a:ea typeface="Calibri"/>
+                <a:cs typeface="Calibri"/>
+                <a:sym typeface="Calibri"/>
+              </a:rPr>
+              <a:t>Figura</a:t>
+            </a:r>
+            <a:r>
+              <a:rPr lang="en-US" dirty="0">
+                <a:latin typeface="Calibri"/>
+                <a:ea typeface="Calibri"/>
+                <a:cs typeface="Calibri"/>
+                <a:sym typeface="Calibri"/>
+              </a:rPr>
+              <a:t> 1) </a:t>
+            </a:r>
+            <a:r>
+              <a:rPr lang="en-US" dirty="0" err="1">
+                <a:latin typeface="Calibri"/>
+                <a:ea typeface="Calibri"/>
+                <a:cs typeface="Calibri"/>
+                <a:sym typeface="Calibri"/>
+              </a:rPr>
+              <a:t>revela</a:t>
+            </a:r>
+            <a:r>
+              <a:rPr lang="en-US" dirty="0">
+                <a:latin typeface="Calibri"/>
+                <a:ea typeface="Calibri"/>
+                <a:cs typeface="Calibri"/>
+                <a:sym typeface="Calibri"/>
+              </a:rPr>
+              <a:t> un </a:t>
+            </a:r>
+            <a:r>
+              <a:rPr lang="en-US" dirty="0" err="1">
+                <a:latin typeface="Calibri"/>
+                <a:ea typeface="Calibri"/>
+                <a:cs typeface="Calibri"/>
+                <a:sym typeface="Calibri"/>
+              </a:rPr>
+              <a:t>proceso</a:t>
+            </a:r>
+            <a:r>
+              <a:rPr lang="en-US" dirty="0">
+                <a:latin typeface="Calibri"/>
+                <a:ea typeface="Calibri"/>
+                <a:cs typeface="Calibri"/>
+                <a:sym typeface="Calibri"/>
+              </a:rPr>
+              <a:t> </a:t>
+            </a:r>
+            <a:r>
+              <a:rPr lang="en-US" dirty="0" err="1">
+                <a:latin typeface="Calibri"/>
+                <a:ea typeface="Calibri"/>
+                <a:cs typeface="Calibri"/>
+                <a:sym typeface="Calibri"/>
+              </a:rPr>
+              <a:t>empírico</a:t>
+            </a:r>
+            <a:r>
+              <a:rPr lang="en-US" dirty="0">
+                <a:latin typeface="Calibri"/>
+                <a:ea typeface="Calibri"/>
+                <a:cs typeface="Calibri"/>
+                <a:sym typeface="Calibri"/>
+              </a:rPr>
+              <a:t> que </a:t>
+            </a:r>
+            <a:r>
+              <a:rPr lang="en-US" dirty="0" err="1">
+                <a:latin typeface="Calibri"/>
+                <a:ea typeface="Calibri"/>
+                <a:cs typeface="Calibri"/>
+                <a:sym typeface="Calibri"/>
+              </a:rPr>
+              <a:t>refleja</a:t>
+            </a:r>
+            <a:r>
+              <a:rPr lang="en-US" dirty="0">
+                <a:latin typeface="Calibri"/>
+                <a:ea typeface="Calibri"/>
+                <a:cs typeface="Calibri"/>
+                <a:sym typeface="Calibri"/>
+              </a:rPr>
+              <a:t> </a:t>
+            </a:r>
+            <a:r>
+              <a:rPr lang="en-US" dirty="0" err="1">
+                <a:latin typeface="Calibri"/>
+                <a:ea typeface="Calibri"/>
+                <a:cs typeface="Calibri"/>
+                <a:sym typeface="Calibri"/>
+              </a:rPr>
+              <a:t>estrechamente</a:t>
+            </a:r>
+            <a:r>
+              <a:rPr lang="en-US" dirty="0">
+                <a:latin typeface="Calibri"/>
+                <a:ea typeface="Calibri"/>
+                <a:cs typeface="Calibri"/>
+                <a:sym typeface="Calibri"/>
+              </a:rPr>
+              <a:t> Scrum.   Nexus </a:t>
+            </a:r>
+            <a:r>
+              <a:rPr lang="en-US" dirty="0" err="1">
+                <a:latin typeface="Calibri"/>
+                <a:ea typeface="Calibri"/>
+                <a:cs typeface="Calibri"/>
+                <a:sym typeface="Calibri"/>
+              </a:rPr>
+              <a:t>extiende</a:t>
+            </a:r>
+            <a:r>
+              <a:rPr lang="en-US" dirty="0">
+                <a:latin typeface="Calibri"/>
+                <a:ea typeface="Calibri"/>
+                <a:cs typeface="Calibri"/>
+                <a:sym typeface="Calibri"/>
+              </a:rPr>
+              <a:t> Scrum de la </a:t>
+            </a:r>
+            <a:r>
+              <a:rPr lang="en-US" dirty="0" err="1">
+                <a:latin typeface="Calibri"/>
+                <a:ea typeface="Calibri"/>
+                <a:cs typeface="Calibri"/>
+                <a:sym typeface="Calibri"/>
+              </a:rPr>
+              <a:t>siguiente</a:t>
+            </a:r>
+            <a:r>
+              <a:rPr lang="en-US" dirty="0">
+                <a:latin typeface="Calibri"/>
+                <a:ea typeface="Calibri"/>
+                <a:cs typeface="Calibri"/>
+                <a:sym typeface="Calibri"/>
+              </a:rPr>
+              <a:t> </a:t>
+            </a:r>
+            <a:r>
+              <a:rPr lang="en-US" dirty="0" err="1">
+                <a:latin typeface="Calibri"/>
+                <a:ea typeface="Calibri"/>
+                <a:cs typeface="Calibri"/>
+                <a:sym typeface="Calibri"/>
+              </a:rPr>
+              <a:t>manera</a:t>
+            </a:r>
+            <a:r>
+              <a:rPr lang="en-US" dirty="0">
+                <a:latin typeface="Calibri"/>
+                <a:ea typeface="Calibri"/>
+                <a:cs typeface="Calibri"/>
+                <a:sym typeface="Calibri"/>
+              </a:rPr>
+              <a:t>: ● Responsabilidades: el Nexus Integration Team se </a:t>
+            </a:r>
+            <a:r>
+              <a:rPr lang="en-US" dirty="0" err="1">
+                <a:latin typeface="Calibri"/>
+                <a:ea typeface="Calibri"/>
+                <a:cs typeface="Calibri"/>
+                <a:sym typeface="Calibri"/>
+              </a:rPr>
+              <a:t>asegura</a:t>
+            </a:r>
+            <a:r>
+              <a:rPr lang="en-US" dirty="0">
+                <a:latin typeface="Calibri"/>
+                <a:ea typeface="Calibri"/>
+                <a:cs typeface="Calibri"/>
+                <a:sym typeface="Calibri"/>
+              </a:rPr>
+              <a:t> de que el Nexus </a:t>
+            </a:r>
+            <a:r>
+              <a:rPr lang="en-US" dirty="0" err="1">
+                <a:latin typeface="Calibri"/>
+                <a:ea typeface="Calibri"/>
+                <a:cs typeface="Calibri"/>
+                <a:sym typeface="Calibri"/>
+              </a:rPr>
+              <a:t>entregue</a:t>
+            </a:r>
+            <a:r>
+              <a:rPr lang="en-US" dirty="0">
+                <a:latin typeface="Calibri"/>
+                <a:ea typeface="Calibri"/>
+                <a:cs typeface="Calibri"/>
+                <a:sym typeface="Calibri"/>
+              </a:rPr>
+              <a:t> un Integrated Increment </a:t>
+            </a:r>
+            <a:r>
+              <a:rPr lang="en-US" dirty="0" err="1">
+                <a:latin typeface="Calibri"/>
+                <a:ea typeface="Calibri"/>
+                <a:cs typeface="Calibri"/>
+                <a:sym typeface="Calibri"/>
+              </a:rPr>
+              <a:t>útil</a:t>
+            </a:r>
+            <a:r>
+              <a:rPr lang="en-US" dirty="0">
+                <a:latin typeface="Calibri"/>
+                <a:ea typeface="Calibri"/>
+                <a:cs typeface="Calibri"/>
+                <a:sym typeface="Calibri"/>
+              </a:rPr>
+              <a:t> y de valor al </a:t>
+            </a:r>
+            <a:r>
+              <a:rPr lang="en-US" dirty="0" err="1">
+                <a:latin typeface="Calibri"/>
+                <a:ea typeface="Calibri"/>
+                <a:cs typeface="Calibri"/>
+                <a:sym typeface="Calibri"/>
+              </a:rPr>
+              <a:t>menos</a:t>
+            </a:r>
+            <a:r>
+              <a:rPr lang="en-US" dirty="0">
+                <a:latin typeface="Calibri"/>
+                <a:ea typeface="Calibri"/>
+                <a:cs typeface="Calibri"/>
+                <a:sym typeface="Calibri"/>
+              </a:rPr>
+              <a:t> una </a:t>
+            </a:r>
+            <a:r>
+              <a:rPr lang="en-US" dirty="0" err="1">
+                <a:latin typeface="Calibri"/>
+                <a:ea typeface="Calibri"/>
+                <a:cs typeface="Calibri"/>
+                <a:sym typeface="Calibri"/>
+              </a:rPr>
+              <a:t>vez</a:t>
+            </a:r>
+            <a:r>
+              <a:rPr lang="en-US" dirty="0">
+                <a:latin typeface="Calibri"/>
+                <a:ea typeface="Calibri"/>
+                <a:cs typeface="Calibri"/>
+                <a:sym typeface="Calibri"/>
+              </a:rPr>
+              <a:t> en cada Sprint. El Nexus Integration Team </a:t>
+            </a:r>
+            <a:r>
+              <a:rPr lang="en-US" dirty="0" err="1">
+                <a:latin typeface="Calibri"/>
+                <a:ea typeface="Calibri"/>
+                <a:cs typeface="Calibri"/>
+                <a:sym typeface="Calibri"/>
+              </a:rPr>
+              <a:t>está</a:t>
+            </a:r>
+            <a:r>
+              <a:rPr lang="en-US" dirty="0">
+                <a:latin typeface="Calibri"/>
+                <a:ea typeface="Calibri"/>
+                <a:cs typeface="Calibri"/>
+                <a:sym typeface="Calibri"/>
+              </a:rPr>
+              <a:t> </a:t>
+            </a:r>
+            <a:r>
+              <a:rPr lang="en-US" dirty="0" err="1">
+                <a:latin typeface="Calibri"/>
+                <a:ea typeface="Calibri"/>
+                <a:cs typeface="Calibri"/>
+                <a:sym typeface="Calibri"/>
+              </a:rPr>
+              <a:t>formado</a:t>
+            </a:r>
+            <a:r>
+              <a:rPr lang="en-US" dirty="0">
+                <a:latin typeface="Calibri"/>
+                <a:ea typeface="Calibri"/>
+                <a:cs typeface="Calibri"/>
+                <a:sym typeface="Calibri"/>
+              </a:rPr>
+              <a:t> por el Product Owner, un Scrum Master y Miembros del Nexus Integration Team. ● </a:t>
+            </a:r>
+            <a:r>
+              <a:rPr lang="en-US" dirty="0" err="1">
+                <a:latin typeface="Calibri"/>
+                <a:ea typeface="Calibri"/>
+                <a:cs typeface="Calibri"/>
+                <a:sym typeface="Calibri"/>
+              </a:rPr>
+              <a:t>Eventos</a:t>
+            </a:r>
+            <a:r>
+              <a:rPr lang="en-US" dirty="0">
+                <a:latin typeface="Calibri"/>
+                <a:ea typeface="Calibri"/>
+                <a:cs typeface="Calibri"/>
+                <a:sym typeface="Calibri"/>
+              </a:rPr>
+              <a:t>: los </a:t>
+            </a:r>
+            <a:r>
+              <a:rPr lang="en-US" dirty="0" err="1">
+                <a:latin typeface="Calibri"/>
+                <a:ea typeface="Calibri"/>
+                <a:cs typeface="Calibri"/>
+                <a:sym typeface="Calibri"/>
+              </a:rPr>
+              <a:t>eventos</a:t>
+            </a:r>
+            <a:r>
+              <a:rPr lang="en-US" dirty="0">
+                <a:latin typeface="Calibri"/>
+                <a:ea typeface="Calibri"/>
+                <a:cs typeface="Calibri"/>
+                <a:sym typeface="Calibri"/>
+              </a:rPr>
+              <a:t> se </a:t>
+            </a:r>
+            <a:r>
+              <a:rPr lang="en-US" dirty="0" err="1">
+                <a:latin typeface="Calibri"/>
+                <a:ea typeface="Calibri"/>
+                <a:cs typeface="Calibri"/>
+                <a:sym typeface="Calibri"/>
+              </a:rPr>
+              <a:t>agregan</a:t>
+            </a:r>
+            <a:r>
+              <a:rPr lang="en-US" dirty="0">
+                <a:latin typeface="Calibri"/>
+                <a:ea typeface="Calibri"/>
+                <a:cs typeface="Calibri"/>
+                <a:sym typeface="Calibri"/>
+              </a:rPr>
+              <a:t>, </a:t>
+            </a:r>
+            <a:r>
+              <a:rPr lang="en-US" dirty="0" err="1">
+                <a:latin typeface="Calibri"/>
+                <a:ea typeface="Calibri"/>
+                <a:cs typeface="Calibri"/>
+                <a:sym typeface="Calibri"/>
+              </a:rPr>
+              <a:t>colocan</a:t>
+            </a:r>
+            <a:r>
+              <a:rPr lang="en-US" dirty="0">
+                <a:latin typeface="Calibri"/>
+                <a:ea typeface="Calibri"/>
+                <a:cs typeface="Calibri"/>
+                <a:sym typeface="Calibri"/>
+              </a:rPr>
+              <a:t> </a:t>
+            </a:r>
+            <a:r>
+              <a:rPr lang="en-US" dirty="0" err="1">
+                <a:latin typeface="Calibri"/>
+                <a:ea typeface="Calibri"/>
+                <a:cs typeface="Calibri"/>
+                <a:sym typeface="Calibri"/>
+              </a:rPr>
+              <a:t>alrededor</a:t>
+            </a:r>
+            <a:r>
+              <a:rPr lang="en-US" dirty="0">
+                <a:latin typeface="Calibri"/>
+                <a:ea typeface="Calibri"/>
+                <a:cs typeface="Calibri"/>
+                <a:sym typeface="Calibri"/>
+              </a:rPr>
+              <a:t> o </a:t>
+            </a:r>
+            <a:r>
+              <a:rPr lang="en-US" dirty="0" err="1">
+                <a:latin typeface="Calibri"/>
+                <a:ea typeface="Calibri"/>
+                <a:cs typeface="Calibri"/>
+                <a:sym typeface="Calibri"/>
+              </a:rPr>
+              <a:t>reemplazan</a:t>
+            </a:r>
+            <a:r>
+              <a:rPr lang="en-US" dirty="0">
+                <a:latin typeface="Calibri"/>
+                <a:ea typeface="Calibri"/>
+                <a:cs typeface="Calibri"/>
+                <a:sym typeface="Calibri"/>
+              </a:rPr>
+              <a:t> a los </a:t>
+            </a:r>
+            <a:r>
+              <a:rPr lang="en-US" dirty="0" err="1">
+                <a:latin typeface="Calibri"/>
+                <a:ea typeface="Calibri"/>
+                <a:cs typeface="Calibri"/>
+                <a:sym typeface="Calibri"/>
+              </a:rPr>
+              <a:t>eventos</a:t>
+            </a:r>
+            <a:r>
+              <a:rPr lang="en-US" dirty="0">
+                <a:latin typeface="Calibri"/>
+                <a:ea typeface="Calibri"/>
+                <a:cs typeface="Calibri"/>
+                <a:sym typeface="Calibri"/>
+              </a:rPr>
+              <a:t> Scrum </a:t>
+            </a:r>
+            <a:r>
+              <a:rPr lang="en-US" dirty="0" err="1">
+                <a:latin typeface="Calibri"/>
+                <a:ea typeface="Calibri"/>
+                <a:cs typeface="Calibri"/>
+                <a:sym typeface="Calibri"/>
+              </a:rPr>
+              <a:t>regulares</a:t>
+            </a:r>
+            <a:r>
+              <a:rPr lang="en-US" dirty="0">
+                <a:latin typeface="Calibri"/>
+                <a:ea typeface="Calibri"/>
+                <a:cs typeface="Calibri"/>
+                <a:sym typeface="Calibri"/>
+              </a:rPr>
+              <a:t> para </a:t>
+            </a:r>
+            <a:r>
+              <a:rPr lang="en-US" dirty="0" err="1">
+                <a:latin typeface="Calibri"/>
+                <a:ea typeface="Calibri"/>
+                <a:cs typeface="Calibri"/>
+                <a:sym typeface="Calibri"/>
+              </a:rPr>
+              <a:t>aumentarlos</a:t>
+            </a:r>
+            <a:r>
+              <a:rPr lang="en-US" dirty="0">
+                <a:latin typeface="Calibri"/>
+                <a:ea typeface="Calibri"/>
+                <a:cs typeface="Calibri"/>
+                <a:sym typeface="Calibri"/>
+              </a:rPr>
+              <a:t>. </a:t>
+            </a:r>
+            <a:r>
+              <a:rPr lang="en-US" dirty="0" err="1">
+                <a:latin typeface="Calibri"/>
+                <a:ea typeface="Calibri"/>
+                <a:cs typeface="Calibri"/>
+                <a:sym typeface="Calibri"/>
+              </a:rPr>
+              <a:t>Según</a:t>
+            </a:r>
+            <a:r>
+              <a:rPr lang="en-US" dirty="0">
+                <a:latin typeface="Calibri"/>
+                <a:ea typeface="Calibri"/>
+                <a:cs typeface="Calibri"/>
+                <a:sym typeface="Calibri"/>
+              </a:rPr>
+              <a:t> las </a:t>
+            </a:r>
+            <a:r>
+              <a:rPr lang="en-US" dirty="0" err="1">
+                <a:latin typeface="Calibri"/>
+                <a:ea typeface="Calibri"/>
+                <a:cs typeface="Calibri"/>
+                <a:sym typeface="Calibri"/>
+              </a:rPr>
+              <a:t>modificaciones</a:t>
+            </a:r>
+            <a:r>
+              <a:rPr lang="en-US" dirty="0">
+                <a:latin typeface="Calibri"/>
+                <a:ea typeface="Calibri"/>
+                <a:cs typeface="Calibri"/>
+                <a:sym typeface="Calibri"/>
+              </a:rPr>
+              <a:t>, </a:t>
+            </a:r>
+            <a:r>
+              <a:rPr lang="en-US" dirty="0" err="1">
+                <a:latin typeface="Calibri"/>
+                <a:ea typeface="Calibri"/>
+                <a:cs typeface="Calibri"/>
+                <a:sym typeface="Calibri"/>
+              </a:rPr>
+              <a:t>sirven</a:t>
+            </a:r>
+            <a:r>
+              <a:rPr lang="en-US" dirty="0">
+                <a:latin typeface="Calibri"/>
+                <a:ea typeface="Calibri"/>
+                <a:cs typeface="Calibri"/>
+                <a:sym typeface="Calibri"/>
+              </a:rPr>
+              <a:t> tanto para el </a:t>
+            </a:r>
+            <a:r>
+              <a:rPr lang="en-US" dirty="0" err="1">
+                <a:latin typeface="Calibri"/>
+                <a:ea typeface="Calibri"/>
+                <a:cs typeface="Calibri"/>
+                <a:sym typeface="Calibri"/>
+              </a:rPr>
+              <a:t>esfuerzo</a:t>
+            </a:r>
+            <a:r>
+              <a:rPr lang="en-US" dirty="0">
+                <a:latin typeface="Calibri"/>
+                <a:ea typeface="Calibri"/>
+                <a:cs typeface="Calibri"/>
+                <a:sym typeface="Calibri"/>
+              </a:rPr>
+              <a:t> general de todos los </a:t>
+            </a:r>
+            <a:r>
+              <a:rPr lang="en-US" dirty="0" err="1">
+                <a:latin typeface="Calibri"/>
+                <a:ea typeface="Calibri"/>
+                <a:cs typeface="Calibri"/>
+                <a:sym typeface="Calibri"/>
+              </a:rPr>
+              <a:t>equipos</a:t>
+            </a:r>
+            <a:r>
+              <a:rPr lang="en-US" dirty="0">
+                <a:latin typeface="Calibri"/>
+                <a:ea typeface="Calibri"/>
+                <a:cs typeface="Calibri"/>
+                <a:sym typeface="Calibri"/>
+              </a:rPr>
+              <a:t> Scrum en el Nexus </a:t>
+            </a:r>
+            <a:r>
+              <a:rPr lang="en-US" dirty="0" err="1">
+                <a:latin typeface="Calibri"/>
+                <a:ea typeface="Calibri"/>
+                <a:cs typeface="Calibri"/>
+                <a:sym typeface="Calibri"/>
+              </a:rPr>
+              <a:t>como</a:t>
+            </a:r>
+            <a:r>
+              <a:rPr lang="en-US" dirty="0">
+                <a:latin typeface="Calibri"/>
+                <a:ea typeface="Calibri"/>
+                <a:cs typeface="Calibri"/>
+                <a:sym typeface="Calibri"/>
+              </a:rPr>
+              <a:t> para cada </a:t>
+            </a:r>
+            <a:r>
+              <a:rPr lang="en-US" dirty="0" err="1">
+                <a:latin typeface="Calibri"/>
+                <a:ea typeface="Calibri"/>
+                <a:cs typeface="Calibri"/>
+                <a:sym typeface="Calibri"/>
+              </a:rPr>
+              <a:t>equipo</a:t>
+            </a:r>
+            <a:r>
+              <a:rPr lang="en-US" dirty="0">
+                <a:latin typeface="Calibri"/>
+                <a:ea typeface="Calibri"/>
+                <a:cs typeface="Calibri"/>
+                <a:sym typeface="Calibri"/>
+              </a:rPr>
+              <a:t> individual. Un </a:t>
+            </a:r>
+            <a:r>
+              <a:rPr lang="en-US" dirty="0" err="1">
+                <a:latin typeface="Calibri"/>
+                <a:ea typeface="Calibri"/>
+                <a:cs typeface="Calibri"/>
+                <a:sym typeface="Calibri"/>
+              </a:rPr>
+              <a:t>Objetivo</a:t>
+            </a:r>
+            <a:r>
+              <a:rPr lang="en-US" dirty="0">
+                <a:latin typeface="Calibri"/>
+                <a:ea typeface="Calibri"/>
+                <a:cs typeface="Calibri"/>
+                <a:sym typeface="Calibri"/>
+              </a:rPr>
+              <a:t> de Sprint Nexus es el </a:t>
+            </a:r>
+            <a:r>
+              <a:rPr lang="en-US" dirty="0" err="1">
+                <a:latin typeface="Calibri"/>
+                <a:ea typeface="Calibri"/>
+                <a:cs typeface="Calibri"/>
+                <a:sym typeface="Calibri"/>
+              </a:rPr>
+              <a:t>objetivo</a:t>
+            </a:r>
+            <a:r>
+              <a:rPr lang="en-US" dirty="0">
+                <a:latin typeface="Calibri"/>
+                <a:ea typeface="Calibri"/>
+                <a:cs typeface="Calibri"/>
+                <a:sym typeface="Calibri"/>
+              </a:rPr>
+              <a:t> del Sprint. ● </a:t>
+            </a:r>
+            <a:r>
+              <a:rPr lang="en-US" dirty="0" err="1">
+                <a:latin typeface="Calibri"/>
+                <a:ea typeface="Calibri"/>
+                <a:cs typeface="Calibri"/>
+                <a:sym typeface="Calibri"/>
+              </a:rPr>
+              <a:t>Artefactos</a:t>
+            </a:r>
+            <a:r>
+              <a:rPr lang="en-US" dirty="0">
+                <a:latin typeface="Calibri"/>
+                <a:ea typeface="Calibri"/>
+                <a:cs typeface="Calibri"/>
+                <a:sym typeface="Calibri"/>
+              </a:rPr>
+              <a:t>: todos los Scrum Teams usan el mismo y </a:t>
+            </a:r>
+            <a:r>
+              <a:rPr lang="en-US" dirty="0" err="1">
+                <a:latin typeface="Calibri"/>
+                <a:ea typeface="Calibri"/>
+                <a:cs typeface="Calibri"/>
+                <a:sym typeface="Calibri"/>
+              </a:rPr>
+              <a:t>único</a:t>
+            </a:r>
+            <a:r>
+              <a:rPr lang="en-US" dirty="0">
+                <a:latin typeface="Calibri"/>
+                <a:ea typeface="Calibri"/>
+                <a:cs typeface="Calibri"/>
+                <a:sym typeface="Calibri"/>
+              </a:rPr>
+              <a:t> Product Backlog. A </a:t>
+            </a:r>
+            <a:r>
+              <a:rPr lang="en-US" dirty="0" err="1">
+                <a:latin typeface="Calibri"/>
+                <a:ea typeface="Calibri"/>
+                <a:cs typeface="Calibri"/>
+                <a:sym typeface="Calibri"/>
+              </a:rPr>
+              <a:t>medida</a:t>
+            </a:r>
+            <a:r>
+              <a:rPr lang="en-US" dirty="0">
+                <a:latin typeface="Calibri"/>
+                <a:ea typeface="Calibri"/>
+                <a:cs typeface="Calibri"/>
+                <a:sym typeface="Calibri"/>
+              </a:rPr>
+              <a:t> que los elementos del Product Backlog se </a:t>
+            </a:r>
+            <a:r>
+              <a:rPr lang="en-US" dirty="0" err="1">
+                <a:latin typeface="Calibri"/>
+                <a:ea typeface="Calibri"/>
+                <a:cs typeface="Calibri"/>
+                <a:sym typeface="Calibri"/>
+              </a:rPr>
+              <a:t>refinan</a:t>
+            </a:r>
+            <a:r>
+              <a:rPr lang="en-US" dirty="0">
+                <a:latin typeface="Calibri"/>
+                <a:ea typeface="Calibri"/>
+                <a:cs typeface="Calibri"/>
+                <a:sym typeface="Calibri"/>
+              </a:rPr>
+              <a:t> y se </a:t>
+            </a:r>
+            <a:r>
+              <a:rPr lang="en-US" dirty="0" err="1">
+                <a:latin typeface="Calibri"/>
+                <a:ea typeface="Calibri"/>
+                <a:cs typeface="Calibri"/>
+                <a:sym typeface="Calibri"/>
+              </a:rPr>
+              <a:t>preparan</a:t>
+            </a:r>
+            <a:r>
+              <a:rPr lang="en-US" dirty="0">
+                <a:latin typeface="Calibri"/>
+                <a:ea typeface="Calibri"/>
+                <a:cs typeface="Calibri"/>
+                <a:sym typeface="Calibri"/>
+              </a:rPr>
+              <a:t>, </a:t>
+            </a:r>
+            <a:r>
+              <a:rPr lang="en-US" dirty="0" err="1">
+                <a:latin typeface="Calibri"/>
+                <a:ea typeface="Calibri"/>
+                <a:cs typeface="Calibri"/>
+                <a:sym typeface="Calibri"/>
+              </a:rPr>
+              <a:t>ciertos</a:t>
+            </a:r>
+            <a:r>
+              <a:rPr lang="en-US" dirty="0">
+                <a:latin typeface="Calibri"/>
+                <a:ea typeface="Calibri"/>
+                <a:cs typeface="Calibri"/>
+                <a:sym typeface="Calibri"/>
+              </a:rPr>
+              <a:t> </a:t>
+            </a:r>
+            <a:r>
+              <a:rPr lang="en-US" dirty="0" err="1">
+                <a:latin typeface="Calibri"/>
+                <a:ea typeface="Calibri"/>
+                <a:cs typeface="Calibri"/>
+                <a:sym typeface="Calibri"/>
+              </a:rPr>
+              <a:t>indicadores</a:t>
+            </a:r>
+            <a:r>
+              <a:rPr lang="en-US" dirty="0">
+                <a:latin typeface="Calibri"/>
+                <a:ea typeface="Calibri"/>
+                <a:cs typeface="Calibri"/>
+                <a:sym typeface="Calibri"/>
+              </a:rPr>
+              <a:t> de </a:t>
+            </a:r>
+            <a:r>
+              <a:rPr lang="en-US" dirty="0" err="1">
+                <a:latin typeface="Calibri"/>
+                <a:ea typeface="Calibri"/>
+                <a:cs typeface="Calibri"/>
+                <a:sym typeface="Calibri"/>
+              </a:rPr>
+              <a:t>qué</a:t>
+            </a:r>
+            <a:r>
+              <a:rPr lang="en-US" dirty="0">
+                <a:latin typeface="Calibri"/>
+                <a:ea typeface="Calibri"/>
+                <a:cs typeface="Calibri"/>
+                <a:sym typeface="Calibri"/>
+              </a:rPr>
+              <a:t> </a:t>
+            </a:r>
+            <a:r>
+              <a:rPr lang="en-US" dirty="0" err="1">
+                <a:latin typeface="Calibri"/>
+                <a:ea typeface="Calibri"/>
+                <a:cs typeface="Calibri"/>
+                <a:sym typeface="Calibri"/>
+              </a:rPr>
+              <a:t>equipo</a:t>
+            </a:r>
+            <a:r>
+              <a:rPr lang="en-US" dirty="0">
+                <a:latin typeface="Calibri"/>
+                <a:ea typeface="Calibri"/>
+                <a:cs typeface="Calibri"/>
+                <a:sym typeface="Calibri"/>
+              </a:rPr>
+              <a:t> </a:t>
+            </a:r>
+            <a:r>
+              <a:rPr lang="en-US" dirty="0" err="1">
+                <a:latin typeface="Calibri"/>
+                <a:ea typeface="Calibri"/>
+                <a:cs typeface="Calibri"/>
+                <a:sym typeface="Calibri"/>
+              </a:rPr>
+              <a:t>probablemente</a:t>
+            </a:r>
+            <a:r>
+              <a:rPr lang="en-US" dirty="0">
+                <a:latin typeface="Calibri"/>
+                <a:ea typeface="Calibri"/>
+                <a:cs typeface="Calibri"/>
+                <a:sym typeface="Calibri"/>
+              </a:rPr>
+              <a:t> </a:t>
+            </a:r>
+            <a:r>
+              <a:rPr lang="en-US" dirty="0" err="1">
+                <a:latin typeface="Calibri"/>
+                <a:ea typeface="Calibri"/>
+                <a:cs typeface="Calibri"/>
+                <a:sym typeface="Calibri"/>
+              </a:rPr>
+              <a:t>hará</a:t>
+            </a:r>
+            <a:r>
+              <a:rPr lang="en-US" dirty="0">
+                <a:latin typeface="Calibri"/>
+                <a:ea typeface="Calibri"/>
+                <a:cs typeface="Calibri"/>
+                <a:sym typeface="Calibri"/>
+              </a:rPr>
+              <a:t> el </a:t>
+            </a:r>
+            <a:r>
+              <a:rPr lang="en-US" dirty="0" err="1">
+                <a:latin typeface="Calibri"/>
+                <a:ea typeface="Calibri"/>
+                <a:cs typeface="Calibri"/>
+                <a:sym typeface="Calibri"/>
+              </a:rPr>
+              <a:t>trabajo</a:t>
+            </a:r>
+            <a:r>
+              <a:rPr lang="en-US" dirty="0">
+                <a:latin typeface="Calibri"/>
+                <a:ea typeface="Calibri"/>
+                <a:cs typeface="Calibri"/>
+                <a:sym typeface="Calibri"/>
+              </a:rPr>
+              <a:t> dentro de un Sprint se </a:t>
+            </a:r>
+            <a:r>
+              <a:rPr lang="en-US" dirty="0" err="1">
+                <a:latin typeface="Calibri"/>
+                <a:ea typeface="Calibri"/>
+                <a:cs typeface="Calibri"/>
+                <a:sym typeface="Calibri"/>
+              </a:rPr>
+              <a:t>vuelven</a:t>
+            </a:r>
+            <a:r>
+              <a:rPr lang="en-US" dirty="0">
+                <a:latin typeface="Calibri"/>
+                <a:ea typeface="Calibri"/>
+                <a:cs typeface="Calibri"/>
+                <a:sym typeface="Calibri"/>
+              </a:rPr>
+              <a:t> </a:t>
+            </a:r>
+            <a:r>
+              <a:rPr lang="en-US" dirty="0" err="1">
+                <a:latin typeface="Calibri"/>
+                <a:ea typeface="Calibri"/>
+                <a:cs typeface="Calibri"/>
+                <a:sym typeface="Calibri"/>
+              </a:rPr>
+              <a:t>transparentes</a:t>
+            </a:r>
+            <a:r>
+              <a:rPr lang="en-US" dirty="0">
+                <a:latin typeface="Calibri"/>
+                <a:ea typeface="Calibri"/>
+                <a:cs typeface="Calibri"/>
+                <a:sym typeface="Calibri"/>
+              </a:rPr>
+              <a:t>. Un Nexus Sprint Backlog </a:t>
+            </a:r>
+            <a:r>
+              <a:rPr lang="en-US" dirty="0" err="1">
+                <a:latin typeface="Calibri"/>
+                <a:ea typeface="Calibri"/>
+                <a:cs typeface="Calibri"/>
+                <a:sym typeface="Calibri"/>
+              </a:rPr>
+              <a:t>existe</a:t>
+            </a:r>
+            <a:r>
+              <a:rPr lang="en-US" dirty="0">
+                <a:latin typeface="Calibri"/>
+                <a:ea typeface="Calibri"/>
+                <a:cs typeface="Calibri"/>
+                <a:sym typeface="Calibri"/>
+              </a:rPr>
+              <a:t> para </a:t>
+            </a:r>
+            <a:r>
+              <a:rPr lang="en-US" dirty="0" err="1">
+                <a:latin typeface="Calibri"/>
+                <a:ea typeface="Calibri"/>
+                <a:cs typeface="Calibri"/>
+                <a:sym typeface="Calibri"/>
+              </a:rPr>
+              <a:t>para</a:t>
+            </a:r>
+            <a:r>
+              <a:rPr lang="en-US" dirty="0">
+                <a:latin typeface="Calibri"/>
+                <a:ea typeface="Calibri"/>
+                <a:cs typeface="Calibri"/>
+                <a:sym typeface="Calibri"/>
+              </a:rPr>
+              <a:t> </a:t>
+            </a:r>
+            <a:r>
+              <a:rPr lang="en-US" dirty="0" err="1">
+                <a:latin typeface="Calibri"/>
+                <a:ea typeface="Calibri"/>
+                <a:cs typeface="Calibri"/>
+                <a:sym typeface="Calibri"/>
+              </a:rPr>
+              <a:t>ayudar</a:t>
+            </a:r>
+            <a:r>
+              <a:rPr lang="en-US" dirty="0">
+                <a:latin typeface="Calibri"/>
+                <a:ea typeface="Calibri"/>
+                <a:cs typeface="Calibri"/>
+                <a:sym typeface="Calibri"/>
+              </a:rPr>
+              <a:t> con la </a:t>
+            </a:r>
+            <a:r>
+              <a:rPr lang="en-US" dirty="0" err="1">
+                <a:latin typeface="Calibri"/>
+                <a:ea typeface="Calibri"/>
+                <a:cs typeface="Calibri"/>
+                <a:sym typeface="Calibri"/>
+              </a:rPr>
+              <a:t>transparencia</a:t>
+            </a:r>
+            <a:r>
+              <a:rPr lang="en-US" dirty="0">
+                <a:latin typeface="Calibri"/>
+                <a:ea typeface="Calibri"/>
+                <a:cs typeface="Calibri"/>
+                <a:sym typeface="Calibri"/>
+              </a:rPr>
+              <a:t> </a:t>
+            </a:r>
+            <a:r>
+              <a:rPr lang="en-US" dirty="0" err="1">
+                <a:latin typeface="Calibri"/>
+                <a:ea typeface="Calibri"/>
+                <a:cs typeface="Calibri"/>
+                <a:sym typeface="Calibri"/>
+              </a:rPr>
+              <a:t>durante</a:t>
+            </a:r>
+            <a:r>
+              <a:rPr lang="en-US" dirty="0">
+                <a:latin typeface="Calibri"/>
+                <a:ea typeface="Calibri"/>
+                <a:cs typeface="Calibri"/>
+                <a:sym typeface="Calibri"/>
+              </a:rPr>
+              <a:t> el Sprint. El Integrated Increment </a:t>
+            </a:r>
+            <a:r>
+              <a:rPr lang="en-US" dirty="0" err="1">
+                <a:latin typeface="Calibri"/>
+                <a:ea typeface="Calibri"/>
+                <a:cs typeface="Calibri"/>
+                <a:sym typeface="Calibri"/>
+              </a:rPr>
+              <a:t>representa</a:t>
+            </a:r>
+            <a:r>
+              <a:rPr lang="en-US" dirty="0">
+                <a:latin typeface="Calibri"/>
+                <a:ea typeface="Calibri"/>
+                <a:cs typeface="Calibri"/>
+                <a:sym typeface="Calibri"/>
+              </a:rPr>
+              <a:t> la </a:t>
+            </a:r>
+            <a:r>
+              <a:rPr lang="en-US" dirty="0" err="1">
+                <a:latin typeface="Calibri"/>
+                <a:ea typeface="Calibri"/>
+                <a:cs typeface="Calibri"/>
+                <a:sym typeface="Calibri"/>
+              </a:rPr>
+              <a:t>suma</a:t>
+            </a:r>
+            <a:r>
+              <a:rPr lang="en-US" dirty="0">
+                <a:latin typeface="Calibri"/>
+                <a:ea typeface="Calibri"/>
+                <a:cs typeface="Calibri"/>
+                <a:sym typeface="Calibri"/>
+              </a:rPr>
+              <a:t> actual de </a:t>
+            </a:r>
+            <a:r>
+              <a:rPr lang="en-US" dirty="0" err="1">
+                <a:latin typeface="Calibri"/>
+                <a:ea typeface="Calibri"/>
+                <a:cs typeface="Calibri"/>
+                <a:sym typeface="Calibri"/>
+              </a:rPr>
+              <a:t>todo</a:t>
+            </a:r>
+            <a:r>
+              <a:rPr lang="en-US" dirty="0">
+                <a:latin typeface="Calibri"/>
+                <a:ea typeface="Calibri"/>
+                <a:cs typeface="Calibri"/>
+                <a:sym typeface="Calibri"/>
+              </a:rPr>
+              <a:t> el </a:t>
+            </a:r>
+            <a:r>
+              <a:rPr lang="en-US" dirty="0" err="1">
+                <a:latin typeface="Calibri"/>
+                <a:ea typeface="Calibri"/>
+                <a:cs typeface="Calibri"/>
+                <a:sym typeface="Calibri"/>
+              </a:rPr>
+              <a:t>trabajo</a:t>
+            </a:r>
+            <a:r>
+              <a:rPr lang="en-US" dirty="0">
+                <a:latin typeface="Calibri"/>
+                <a:ea typeface="Calibri"/>
+                <a:cs typeface="Calibri"/>
+                <a:sym typeface="Calibri"/>
+              </a:rPr>
+              <a:t> </a:t>
+            </a:r>
+            <a:r>
+              <a:rPr lang="en-US" dirty="0" err="1">
+                <a:latin typeface="Calibri"/>
+                <a:ea typeface="Calibri"/>
+                <a:cs typeface="Calibri"/>
+                <a:sym typeface="Calibri"/>
+              </a:rPr>
+              <a:t>integrado</a:t>
+            </a:r>
+            <a:r>
+              <a:rPr lang="en-US" dirty="0">
+                <a:latin typeface="Calibri"/>
+                <a:ea typeface="Calibri"/>
+                <a:cs typeface="Calibri"/>
+                <a:sym typeface="Calibri"/>
+              </a:rPr>
+              <a:t> </a:t>
+            </a:r>
+            <a:r>
+              <a:rPr lang="en-US" dirty="0" err="1">
+                <a:latin typeface="Calibri"/>
+                <a:ea typeface="Calibri"/>
+                <a:cs typeface="Calibri"/>
+                <a:sym typeface="Calibri"/>
+              </a:rPr>
+              <a:t>completado</a:t>
+            </a:r>
+            <a:r>
+              <a:rPr lang="en-US" dirty="0">
+                <a:latin typeface="Calibri"/>
+                <a:ea typeface="Calibri"/>
+                <a:cs typeface="Calibri"/>
+                <a:sym typeface="Calibri"/>
+              </a:rPr>
+              <a:t> por un Nexus. </a:t>
+            </a:r>
+            <a:endParaRPr dirty="0"/>
           </a:p>
           <a:p>
             <a:pPr marL="0" lvl="0" indent="0" algn="l" rtl="0">
@@ -3966,7 +6352,7 @@
               <a:buSzPts val="1100"/>
               <a:buNone/>
             </a:pPr>
-            <a:endParaRPr/>
+            <a:endParaRPr dirty="0"/>
           </a:p>
         </p:txBody>
       </p:sp>
@@ -4140,65 +6526,321 @@
               <a:buNone/>
             </a:pPr>
             <a:r>
-              <a:rPr lang="en-US">
+              <a:rPr lang="en-US" dirty="0">
                 <a:latin typeface="Calibri"/>
                 <a:ea typeface="Calibri"/>
                 <a:cs typeface="Calibri"/>
                 <a:sym typeface="Calibri"/>
               </a:rPr>
-              <a:t>Un Nexus está formado por Scrum Teams que trabajan juntos hacia un Objetivo de Producto. El marco de trabajo de Scrum define tres conjuntos específicos de responsabilidades dentro de un Scrum Team: los Developers, el Product Owner y el Scrum Master. Estas responsabilidades se prescriben en la Guía de Scrum. En Nexus, se introduce una responsabilidad adicional, el Nexus Integration Team.</a:t>
-            </a:r>
-            <a:endParaRPr/>
-          </a:p>
-          <a:p>
-            <a:pPr marL="0" lvl="0" indent="0" algn="l" rtl="0">
-              <a:lnSpc>
-                <a:spcPct val="100000"/>
-              </a:lnSpc>
-              <a:spcBef>
-                <a:spcPts val="0"/>
-              </a:spcBef>
-              <a:spcAft>
-                <a:spcPts val="0"/>
-              </a:spcAft>
-              <a:buSzPts val="1100"/>
-              <a:buNone/>
-            </a:pPr>
-            <a:r>
-              <a:rPr lang="en-US">
+              <a:t>Un Nexus </a:t>
+            </a:r>
+            <a:r>
+              <a:rPr lang="en-US" dirty="0" err="1">
                 <a:latin typeface="Calibri"/>
                 <a:ea typeface="Calibri"/>
                 <a:cs typeface="Calibri"/>
                 <a:sym typeface="Calibri"/>
               </a:rPr>
-              <a:t>El Nexus Integration Team es responsable de asegurar que se produzca un Integrated Increment (el trabajo combinado completado por un Nexus) al menos una vez en cada Sprint. Proporciona el enfoque que hace posible la responsabilidad de múltiples Scrum Teams de unirse para crear Incrementos valiosos y útiles, como se prescribe en Scrum. Mientras que los Scrum Teams abordan los problemas de integración dentro del Nexus, el Nexus Integration Team proporciona un punto focal de la integración para el Nexus. La integración incluye abordar las restricciones técnicas y no técnicas del equipo multifuncional que pueden impedir la capacidad de un Nexus para entregar constantemente un Integrated Increment. Debe utilizar la inteligencia de abajo hacia arriba desde dentro del Nexus para lograr la resolución. El Product Owner, un Scrum Master y miembros apropiados de los Scrum Teams pertenecen al Nexus Integration Team. Los miembros apropiados son las personas con las habilidades y conocimientos necesarios para ayudar a resolver los problemas que enfrenta el Nexus en cualquier momento. La composición del Nexus Integration Team puede cambiar con el tiempo para reflejar las necesidades actuales de un Nexus. Las actividades comunes que el Nexus Integration Team podría realizar incluyen acompañamiento, consultoría y advertencia manifiesta de dependencias y problemas entre equipos.</a:t>
-            </a:r>
-            <a:endParaRPr/>
-          </a:p>
-          <a:p>
-            <a:pPr marL="0" lvl="0" indent="0" algn="l" rtl="0">
-              <a:lnSpc>
-                <a:spcPct val="100000"/>
-              </a:lnSpc>
-              <a:spcBef>
-                <a:spcPts val="0"/>
-              </a:spcBef>
-              <a:spcAft>
-                <a:spcPts val="0"/>
-              </a:spcAft>
-              <a:buSzPts val="1100"/>
-              <a:buNone/>
-            </a:pPr>
-            <a:r>
-              <a:rPr lang="en-US">
+              <a:t>está</a:t>
+            </a:r>
+            <a:r>
+              <a:rPr lang="en-US" dirty="0">
                 <a:latin typeface="Calibri"/>
                 <a:ea typeface="Calibri"/>
                 <a:cs typeface="Calibri"/>
                 <a:sym typeface="Calibri"/>
               </a:rPr>
-              <a:t>El Nexus Integration Team es responsable de acompañar y guiar a los Scrum Teams para que estos adquieran, implementen y aprendan prácticas y herramientas que mejoren su capacidad de producir un Increment útil y de valor. La membresía en el Nexus Integration Team tiene precedencia sobre la membresía a un Scrum Team individual. Siempre y cuando se satisfaga su responsabilidad como Nexus Integration Team, pueden trabajar como miembros de equipo en sus respectivos Scrum Teams. Esta preferencia ayuda a garantizar que el trabajo para resolver los problemas que afectan a varios equipos tenga prioridad.</a:t>
-            </a:r>
-            <a:endParaRPr/>
+              <a:t> </a:t>
+            </a:r>
+            <a:r>
+              <a:rPr lang="en-US" dirty="0" err="1">
+                <a:latin typeface="Calibri"/>
+                <a:ea typeface="Calibri"/>
+                <a:cs typeface="Calibri"/>
+                <a:sym typeface="Calibri"/>
+              </a:rPr>
+              <a:t>formado</a:t>
+            </a:r>
+            <a:r>
+              <a:rPr lang="en-US" dirty="0">
+                <a:latin typeface="Calibri"/>
+                <a:ea typeface="Calibri"/>
+                <a:cs typeface="Calibri"/>
+                <a:sym typeface="Calibri"/>
+              </a:rPr>
+              <a:t> por Scrum Teams que </a:t>
+            </a:r>
+            <a:r>
+              <a:rPr lang="en-US" dirty="0" err="1">
+                <a:latin typeface="Calibri"/>
+                <a:ea typeface="Calibri"/>
+                <a:cs typeface="Calibri"/>
+                <a:sym typeface="Calibri"/>
+              </a:rPr>
+              <a:t>trabajan</a:t>
+            </a:r>
+            <a:r>
+              <a:rPr lang="en-US" dirty="0">
+                <a:latin typeface="Calibri"/>
+                <a:ea typeface="Calibri"/>
+                <a:cs typeface="Calibri"/>
+                <a:sym typeface="Calibri"/>
+              </a:rPr>
+              <a:t> </a:t>
+            </a:r>
+            <a:r>
+              <a:rPr lang="en-US" dirty="0" err="1">
+                <a:latin typeface="Calibri"/>
+                <a:ea typeface="Calibri"/>
+                <a:cs typeface="Calibri"/>
+                <a:sym typeface="Calibri"/>
+              </a:rPr>
+              <a:t>juntos</a:t>
+            </a:r>
+            <a:r>
+              <a:rPr lang="en-US" dirty="0">
+                <a:latin typeface="Calibri"/>
+                <a:ea typeface="Calibri"/>
+                <a:cs typeface="Calibri"/>
+                <a:sym typeface="Calibri"/>
+              </a:rPr>
+              <a:t> </a:t>
+            </a:r>
+            <a:r>
+              <a:rPr lang="en-US" dirty="0" err="1">
+                <a:latin typeface="Calibri"/>
+                <a:ea typeface="Calibri"/>
+                <a:cs typeface="Calibri"/>
+                <a:sym typeface="Calibri"/>
+              </a:rPr>
+              <a:t>hacia</a:t>
+            </a:r>
+            <a:r>
+              <a:rPr lang="en-US" dirty="0">
+                <a:latin typeface="Calibri"/>
+                <a:ea typeface="Calibri"/>
+                <a:cs typeface="Calibri"/>
+                <a:sym typeface="Calibri"/>
+              </a:rPr>
+              <a:t> un </a:t>
+            </a:r>
+            <a:r>
+              <a:rPr lang="en-US" dirty="0" err="1">
+                <a:latin typeface="Calibri"/>
+                <a:ea typeface="Calibri"/>
+                <a:cs typeface="Calibri"/>
+                <a:sym typeface="Calibri"/>
+              </a:rPr>
+              <a:t>Objetivo</a:t>
+            </a:r>
+            <a:r>
+              <a:rPr lang="en-US" dirty="0">
+                <a:latin typeface="Calibri"/>
+                <a:ea typeface="Calibri"/>
+                <a:cs typeface="Calibri"/>
+                <a:sym typeface="Calibri"/>
+              </a:rPr>
+              <a:t> de </a:t>
+            </a:r>
+            <a:r>
+              <a:rPr lang="en-US" dirty="0" err="1">
+                <a:latin typeface="Calibri"/>
+                <a:ea typeface="Calibri"/>
+                <a:cs typeface="Calibri"/>
+                <a:sym typeface="Calibri"/>
+              </a:rPr>
+              <a:t>Producto</a:t>
+            </a:r>
+            <a:r>
+              <a:rPr lang="en-US" dirty="0">
+                <a:latin typeface="Calibri"/>
+                <a:ea typeface="Calibri"/>
+                <a:cs typeface="Calibri"/>
+                <a:sym typeface="Calibri"/>
+              </a:rPr>
+              <a:t>. El </a:t>
+            </a:r>
+            <a:r>
+              <a:rPr lang="en-US" dirty="0" err="1">
+                <a:latin typeface="Calibri"/>
+                <a:ea typeface="Calibri"/>
+                <a:cs typeface="Calibri"/>
+                <a:sym typeface="Calibri"/>
+              </a:rPr>
+              <a:t>marco</a:t>
+            </a:r>
+            <a:r>
+              <a:rPr lang="en-US" dirty="0">
+                <a:latin typeface="Calibri"/>
+                <a:ea typeface="Calibri"/>
+                <a:cs typeface="Calibri"/>
+                <a:sym typeface="Calibri"/>
+              </a:rPr>
+              <a:t> de </a:t>
+            </a:r>
+            <a:r>
+              <a:rPr lang="en-US" dirty="0" err="1">
+                <a:latin typeface="Calibri"/>
+                <a:ea typeface="Calibri"/>
+                <a:cs typeface="Calibri"/>
+                <a:sym typeface="Calibri"/>
+              </a:rPr>
+              <a:t>trabajo</a:t>
+            </a:r>
+            <a:r>
+              <a:rPr lang="en-US" dirty="0">
+                <a:latin typeface="Calibri"/>
+                <a:ea typeface="Calibri"/>
+                <a:cs typeface="Calibri"/>
+                <a:sym typeface="Calibri"/>
+              </a:rPr>
+              <a:t> de Scrum define </a:t>
+            </a:r>
+            <a:r>
+              <a:rPr lang="en-US" dirty="0" err="1">
+                <a:latin typeface="Calibri"/>
+                <a:ea typeface="Calibri"/>
+                <a:cs typeface="Calibri"/>
+                <a:sym typeface="Calibri"/>
+              </a:rPr>
+              <a:t>tres</a:t>
+            </a:r>
+            <a:r>
+              <a:rPr lang="en-US" dirty="0">
+                <a:latin typeface="Calibri"/>
+                <a:ea typeface="Calibri"/>
+                <a:cs typeface="Calibri"/>
+                <a:sym typeface="Calibri"/>
+              </a:rPr>
+              <a:t> conjuntos </a:t>
+            </a:r>
+            <a:r>
+              <a:rPr lang="en-US" dirty="0" err="1">
+                <a:latin typeface="Calibri"/>
+                <a:ea typeface="Calibri"/>
+                <a:cs typeface="Calibri"/>
+                <a:sym typeface="Calibri"/>
+              </a:rPr>
+              <a:t>específicos</a:t>
+            </a:r>
+            <a:r>
+              <a:rPr lang="en-US" dirty="0">
+                <a:latin typeface="Calibri"/>
+                <a:ea typeface="Calibri"/>
+                <a:cs typeface="Calibri"/>
+                <a:sym typeface="Calibri"/>
+              </a:rPr>
+              <a:t> de </a:t>
+            </a:r>
+            <a:r>
+              <a:rPr lang="en-US" dirty="0" err="1">
+                <a:latin typeface="Calibri"/>
+                <a:ea typeface="Calibri"/>
+                <a:cs typeface="Calibri"/>
+                <a:sym typeface="Calibri"/>
+              </a:rPr>
+              <a:t>responsabilidades</a:t>
+            </a:r>
+            <a:r>
+              <a:rPr lang="en-US" dirty="0">
+                <a:latin typeface="Calibri"/>
+                <a:ea typeface="Calibri"/>
+                <a:cs typeface="Calibri"/>
+                <a:sym typeface="Calibri"/>
+              </a:rPr>
+              <a:t> dentro de un Scrum Team: los Developers, el Product Owner y el Scrum Master. </a:t>
+            </a:r>
+            <a:r>
+              <a:rPr lang="en-US" dirty="0" err="1">
+                <a:latin typeface="Calibri"/>
+                <a:ea typeface="Calibri"/>
+                <a:cs typeface="Calibri"/>
+                <a:sym typeface="Calibri"/>
+              </a:rPr>
+              <a:t>Estas</a:t>
+            </a:r>
+            <a:r>
+              <a:rPr lang="en-US" dirty="0">
+                <a:latin typeface="Calibri"/>
+                <a:ea typeface="Calibri"/>
+                <a:cs typeface="Calibri"/>
+                <a:sym typeface="Calibri"/>
+              </a:rPr>
+              <a:t> </a:t>
+            </a:r>
+            <a:r>
+              <a:rPr lang="en-US" dirty="0" err="1">
+                <a:latin typeface="Calibri"/>
+                <a:ea typeface="Calibri"/>
+                <a:cs typeface="Calibri"/>
+                <a:sym typeface="Calibri"/>
+              </a:rPr>
+              <a:t>responsabilidades</a:t>
+            </a:r>
+            <a:r>
+              <a:rPr lang="en-US" dirty="0">
+                <a:latin typeface="Calibri"/>
+                <a:ea typeface="Calibri"/>
+                <a:cs typeface="Calibri"/>
+                <a:sym typeface="Calibri"/>
+              </a:rPr>
+              <a:t> se </a:t>
+            </a:r>
+            <a:r>
+              <a:rPr lang="en-US" dirty="0" err="1">
+                <a:latin typeface="Calibri"/>
+                <a:ea typeface="Calibri"/>
+                <a:cs typeface="Calibri"/>
+                <a:sym typeface="Calibri"/>
+              </a:rPr>
+              <a:t>prescriben</a:t>
+            </a:r>
+            <a:r>
+              <a:rPr lang="en-US" dirty="0">
+                <a:latin typeface="Calibri"/>
+                <a:ea typeface="Calibri"/>
+                <a:cs typeface="Calibri"/>
+                <a:sym typeface="Calibri"/>
+              </a:rPr>
+              <a:t> en la </a:t>
+            </a:r>
+            <a:r>
+              <a:rPr lang="en-US" dirty="0" err="1">
+                <a:latin typeface="Calibri"/>
+                <a:ea typeface="Calibri"/>
+                <a:cs typeface="Calibri"/>
+                <a:sym typeface="Calibri"/>
+              </a:rPr>
+              <a:t>Guía</a:t>
+            </a:r>
+            <a:r>
+              <a:rPr lang="en-US" dirty="0">
+                <a:latin typeface="Calibri"/>
+                <a:ea typeface="Calibri"/>
+                <a:cs typeface="Calibri"/>
+                <a:sym typeface="Calibri"/>
+              </a:rPr>
+              <a:t> de Scrum. En Nexus, se introduce una responsabilidad </a:t>
+            </a:r>
+            <a:r>
+              <a:rPr lang="en-US" dirty="0" err="1">
+                <a:latin typeface="Calibri"/>
+                <a:ea typeface="Calibri"/>
+                <a:cs typeface="Calibri"/>
+                <a:sym typeface="Calibri"/>
+              </a:rPr>
+              <a:t>adicional</a:t>
+            </a:r>
+            <a:r>
+              <a:rPr lang="en-US" dirty="0">
+                <a:latin typeface="Calibri"/>
+                <a:ea typeface="Calibri"/>
+                <a:cs typeface="Calibri"/>
+                <a:sym typeface="Calibri"/>
+              </a:rPr>
+              <a:t>, el Nexus Integration Team.</a:t>
+            </a:r>
+            <a:endParaRPr dirty="0"/>
           </a:p>
           <a:p>
             <a:pPr marL="0" lvl="0" indent="0" algn="l" rtl="0">
@@ -4214,7 +6856,1929 @@
               <a:buSzPts val="1100"/>
               <a:buNone/>
             </a:pPr>
-            <a:endParaRPr/>
+            <a:r>
+              <a:rPr lang="en-US" dirty="0">
+                <a:latin typeface="Calibri"/>
+                <a:ea typeface="Calibri"/>
+                <a:cs typeface="Calibri"/>
+                <a:sym typeface="Calibri"/>
+              </a:rPr>
+              <a:t>El Nexus Integration Team es responsable de </a:t>
+            </a:r>
+            <a:r>
+              <a:rPr lang="en-US" dirty="0" err="1">
+                <a:latin typeface="Calibri"/>
+                <a:ea typeface="Calibri"/>
+                <a:cs typeface="Calibri"/>
+                <a:sym typeface="Calibri"/>
+              </a:rPr>
+              <a:t>asegurar</a:t>
+            </a:r>
+            <a:r>
+              <a:rPr lang="en-US" dirty="0">
+                <a:latin typeface="Calibri"/>
+                <a:ea typeface="Calibri"/>
+                <a:cs typeface="Calibri"/>
+                <a:sym typeface="Calibri"/>
+              </a:rPr>
+              <a:t> que se </a:t>
+            </a:r>
+            <a:r>
+              <a:rPr lang="en-US" dirty="0" err="1">
+                <a:latin typeface="Calibri"/>
+                <a:ea typeface="Calibri"/>
+                <a:cs typeface="Calibri"/>
+                <a:sym typeface="Calibri"/>
+              </a:rPr>
+              <a:t>produzca</a:t>
+            </a:r>
+            <a:r>
+              <a:rPr lang="en-US" dirty="0">
+                <a:latin typeface="Calibri"/>
+                <a:ea typeface="Calibri"/>
+                <a:cs typeface="Calibri"/>
+                <a:sym typeface="Calibri"/>
+              </a:rPr>
+              <a:t> un Integrated Increment (el </a:t>
+            </a:r>
+            <a:r>
+              <a:rPr lang="en-US" dirty="0" err="1">
+                <a:latin typeface="Calibri"/>
+                <a:ea typeface="Calibri"/>
+                <a:cs typeface="Calibri"/>
+                <a:sym typeface="Calibri"/>
+              </a:rPr>
+              <a:t>trabajo</a:t>
+            </a:r>
+            <a:r>
+              <a:rPr lang="en-US" dirty="0">
+                <a:latin typeface="Calibri"/>
+                <a:ea typeface="Calibri"/>
+                <a:cs typeface="Calibri"/>
+                <a:sym typeface="Calibri"/>
+              </a:rPr>
+              <a:t> </a:t>
+            </a:r>
+            <a:r>
+              <a:rPr lang="en-US" dirty="0" err="1">
+                <a:latin typeface="Calibri"/>
+                <a:ea typeface="Calibri"/>
+                <a:cs typeface="Calibri"/>
+                <a:sym typeface="Calibri"/>
+              </a:rPr>
+              <a:t>combinado</a:t>
+            </a:r>
+            <a:r>
+              <a:rPr lang="en-US" dirty="0">
+                <a:latin typeface="Calibri"/>
+                <a:ea typeface="Calibri"/>
+                <a:cs typeface="Calibri"/>
+                <a:sym typeface="Calibri"/>
+              </a:rPr>
+              <a:t> </a:t>
+            </a:r>
+            <a:r>
+              <a:rPr lang="en-US" dirty="0" err="1">
+                <a:latin typeface="Calibri"/>
+                <a:ea typeface="Calibri"/>
+                <a:cs typeface="Calibri"/>
+                <a:sym typeface="Calibri"/>
+              </a:rPr>
+              <a:t>completado</a:t>
+            </a:r>
+            <a:r>
+              <a:rPr lang="en-US" dirty="0">
+                <a:latin typeface="Calibri"/>
+                <a:ea typeface="Calibri"/>
+                <a:cs typeface="Calibri"/>
+                <a:sym typeface="Calibri"/>
+              </a:rPr>
+              <a:t> por un Nexus) al </a:t>
+            </a:r>
+            <a:r>
+              <a:rPr lang="en-US" dirty="0" err="1">
+                <a:latin typeface="Calibri"/>
+                <a:ea typeface="Calibri"/>
+                <a:cs typeface="Calibri"/>
+                <a:sym typeface="Calibri"/>
+              </a:rPr>
+              <a:t>menos</a:t>
+            </a:r>
+            <a:r>
+              <a:rPr lang="en-US" dirty="0">
+                <a:latin typeface="Calibri"/>
+                <a:ea typeface="Calibri"/>
+                <a:cs typeface="Calibri"/>
+                <a:sym typeface="Calibri"/>
+              </a:rPr>
+              <a:t> una </a:t>
+            </a:r>
+            <a:r>
+              <a:rPr lang="en-US" dirty="0" err="1">
+                <a:latin typeface="Calibri"/>
+                <a:ea typeface="Calibri"/>
+                <a:cs typeface="Calibri"/>
+                <a:sym typeface="Calibri"/>
+              </a:rPr>
+              <a:t>vez</a:t>
+            </a:r>
+            <a:r>
+              <a:rPr lang="en-US" dirty="0">
+                <a:latin typeface="Calibri"/>
+                <a:ea typeface="Calibri"/>
+                <a:cs typeface="Calibri"/>
+                <a:sym typeface="Calibri"/>
+              </a:rPr>
+              <a:t> en cada Sprint. </a:t>
+            </a:r>
+            <a:r>
+              <a:rPr lang="en-US" dirty="0" err="1">
+                <a:latin typeface="Calibri"/>
+                <a:ea typeface="Calibri"/>
+                <a:cs typeface="Calibri"/>
+                <a:sym typeface="Calibri"/>
+              </a:rPr>
+              <a:t>Proporciona</a:t>
+            </a:r>
+            <a:r>
+              <a:rPr lang="en-US" dirty="0">
+                <a:latin typeface="Calibri"/>
+                <a:ea typeface="Calibri"/>
+                <a:cs typeface="Calibri"/>
+                <a:sym typeface="Calibri"/>
+              </a:rPr>
+              <a:t> el </a:t>
+            </a:r>
+            <a:r>
+              <a:rPr lang="en-US" dirty="0" err="1">
+                <a:latin typeface="Calibri"/>
+                <a:ea typeface="Calibri"/>
+                <a:cs typeface="Calibri"/>
+                <a:sym typeface="Calibri"/>
+              </a:rPr>
+              <a:t>enfoque</a:t>
+            </a:r>
+            <a:r>
+              <a:rPr lang="en-US" dirty="0">
+                <a:latin typeface="Calibri"/>
+                <a:ea typeface="Calibri"/>
+                <a:cs typeface="Calibri"/>
+                <a:sym typeface="Calibri"/>
+              </a:rPr>
+              <a:t> que </a:t>
+            </a:r>
+            <a:r>
+              <a:rPr lang="en-US" dirty="0" err="1">
+                <a:latin typeface="Calibri"/>
+                <a:ea typeface="Calibri"/>
+                <a:cs typeface="Calibri"/>
+                <a:sym typeface="Calibri"/>
+              </a:rPr>
+              <a:t>hace</a:t>
+            </a:r>
+            <a:r>
+              <a:rPr lang="en-US" dirty="0">
+                <a:latin typeface="Calibri"/>
+                <a:ea typeface="Calibri"/>
+                <a:cs typeface="Calibri"/>
+                <a:sym typeface="Calibri"/>
+              </a:rPr>
+              <a:t> </a:t>
+            </a:r>
+            <a:r>
+              <a:rPr lang="en-US" dirty="0" err="1">
+                <a:latin typeface="Calibri"/>
+                <a:ea typeface="Calibri"/>
+                <a:cs typeface="Calibri"/>
+                <a:sym typeface="Calibri"/>
+              </a:rPr>
+              <a:t>posible</a:t>
+            </a:r>
+            <a:r>
+              <a:rPr lang="en-US" dirty="0">
+                <a:latin typeface="Calibri"/>
+                <a:ea typeface="Calibri"/>
+                <a:cs typeface="Calibri"/>
+                <a:sym typeface="Calibri"/>
+              </a:rPr>
+              <a:t> la responsabilidad de </a:t>
+            </a:r>
+            <a:r>
+              <a:rPr lang="en-US" dirty="0" err="1">
+                <a:latin typeface="Calibri"/>
+                <a:ea typeface="Calibri"/>
+                <a:cs typeface="Calibri"/>
+                <a:sym typeface="Calibri"/>
+              </a:rPr>
+              <a:t>múltiples</a:t>
+            </a:r>
+            <a:r>
+              <a:rPr lang="en-US" dirty="0">
+                <a:latin typeface="Calibri"/>
+                <a:ea typeface="Calibri"/>
+                <a:cs typeface="Calibri"/>
+                <a:sym typeface="Calibri"/>
+              </a:rPr>
+              <a:t> Scrum Teams de </a:t>
+            </a:r>
+            <a:r>
+              <a:rPr lang="en-US" dirty="0" err="1">
+                <a:latin typeface="Calibri"/>
+                <a:ea typeface="Calibri"/>
+                <a:cs typeface="Calibri"/>
+                <a:sym typeface="Calibri"/>
+              </a:rPr>
+              <a:t>unirse</a:t>
+            </a:r>
+            <a:r>
+              <a:rPr lang="en-US" dirty="0">
+                <a:latin typeface="Calibri"/>
+                <a:ea typeface="Calibri"/>
+                <a:cs typeface="Calibri"/>
+                <a:sym typeface="Calibri"/>
+              </a:rPr>
+              <a:t> para </a:t>
+            </a:r>
+            <a:r>
+              <a:rPr lang="en-US" dirty="0" err="1">
+                <a:latin typeface="Calibri"/>
+                <a:ea typeface="Calibri"/>
+                <a:cs typeface="Calibri"/>
+                <a:sym typeface="Calibri"/>
+              </a:rPr>
+              <a:t>crear</a:t>
+            </a:r>
+            <a:r>
+              <a:rPr lang="en-US" dirty="0">
+                <a:latin typeface="Calibri"/>
+                <a:ea typeface="Calibri"/>
+                <a:cs typeface="Calibri"/>
+                <a:sym typeface="Calibri"/>
+              </a:rPr>
+              <a:t> </a:t>
+            </a:r>
+            <a:r>
+              <a:rPr lang="en-US" dirty="0" err="1">
+                <a:latin typeface="Calibri"/>
+                <a:ea typeface="Calibri"/>
+                <a:cs typeface="Calibri"/>
+                <a:sym typeface="Calibri"/>
+              </a:rPr>
+              <a:t>Incrementos</a:t>
+            </a:r>
+            <a:r>
+              <a:rPr lang="en-US" dirty="0">
+                <a:latin typeface="Calibri"/>
+                <a:ea typeface="Calibri"/>
+                <a:cs typeface="Calibri"/>
+                <a:sym typeface="Calibri"/>
+              </a:rPr>
+              <a:t> </a:t>
+            </a:r>
+            <a:r>
+              <a:rPr lang="en-US" dirty="0" err="1">
+                <a:latin typeface="Calibri"/>
+                <a:ea typeface="Calibri"/>
+                <a:cs typeface="Calibri"/>
+                <a:sym typeface="Calibri"/>
+              </a:rPr>
+              <a:t>valiosos</a:t>
+            </a:r>
+            <a:r>
+              <a:rPr lang="en-US" dirty="0">
+                <a:latin typeface="Calibri"/>
+                <a:ea typeface="Calibri"/>
+                <a:cs typeface="Calibri"/>
+                <a:sym typeface="Calibri"/>
+              </a:rPr>
+              <a:t> y </a:t>
+            </a:r>
+            <a:r>
+              <a:rPr lang="en-US" dirty="0" err="1">
+                <a:latin typeface="Calibri"/>
+                <a:ea typeface="Calibri"/>
+                <a:cs typeface="Calibri"/>
+                <a:sym typeface="Calibri"/>
+              </a:rPr>
+              <a:t>útiles</a:t>
+            </a:r>
+            <a:r>
+              <a:rPr lang="en-US" dirty="0">
+                <a:latin typeface="Calibri"/>
+                <a:ea typeface="Calibri"/>
+                <a:cs typeface="Calibri"/>
+                <a:sym typeface="Calibri"/>
+              </a:rPr>
+              <a:t>, </a:t>
+            </a:r>
+            <a:r>
+              <a:rPr lang="en-US" dirty="0" err="1">
+                <a:latin typeface="Calibri"/>
+                <a:ea typeface="Calibri"/>
+                <a:cs typeface="Calibri"/>
+                <a:sym typeface="Calibri"/>
+              </a:rPr>
+              <a:t>como</a:t>
+            </a:r>
+            <a:r>
+              <a:rPr lang="en-US" dirty="0">
+                <a:latin typeface="Calibri"/>
+                <a:ea typeface="Calibri"/>
+                <a:cs typeface="Calibri"/>
+                <a:sym typeface="Calibri"/>
+              </a:rPr>
+              <a:t> se prescribe en Scrum. </a:t>
+            </a:r>
+            <a:r>
+              <a:rPr lang="en-US" dirty="0" err="1">
+                <a:latin typeface="Calibri"/>
+                <a:ea typeface="Calibri"/>
+                <a:cs typeface="Calibri"/>
+                <a:sym typeface="Calibri"/>
+              </a:rPr>
+              <a:t>Mientras</a:t>
+            </a:r>
+            <a:r>
+              <a:rPr lang="en-US" dirty="0">
+                <a:latin typeface="Calibri"/>
+                <a:ea typeface="Calibri"/>
+                <a:cs typeface="Calibri"/>
+                <a:sym typeface="Calibri"/>
+              </a:rPr>
+              <a:t> que los Scrum Teams </a:t>
+            </a:r>
+            <a:r>
+              <a:rPr lang="en-US" dirty="0" err="1">
+                <a:latin typeface="Calibri"/>
+                <a:ea typeface="Calibri"/>
+                <a:cs typeface="Calibri"/>
+                <a:sym typeface="Calibri"/>
+              </a:rPr>
+              <a:t>abordan</a:t>
+            </a:r>
+            <a:r>
+              <a:rPr lang="en-US" dirty="0">
+                <a:latin typeface="Calibri"/>
+                <a:ea typeface="Calibri"/>
+                <a:cs typeface="Calibri"/>
+                <a:sym typeface="Calibri"/>
+              </a:rPr>
+              <a:t> los </a:t>
+            </a:r>
+            <a:r>
+              <a:rPr lang="en-US" dirty="0" err="1">
+                <a:latin typeface="Calibri"/>
+                <a:ea typeface="Calibri"/>
+                <a:cs typeface="Calibri"/>
+                <a:sym typeface="Calibri"/>
+              </a:rPr>
+              <a:t>problemas</a:t>
+            </a:r>
+            <a:r>
+              <a:rPr lang="en-US" dirty="0">
+                <a:latin typeface="Calibri"/>
+                <a:ea typeface="Calibri"/>
+                <a:cs typeface="Calibri"/>
+                <a:sym typeface="Calibri"/>
+              </a:rPr>
+              <a:t> de integración dentro del Nexus, el Nexus Integration Team </a:t>
+            </a:r>
+            <a:r>
+              <a:rPr lang="en-US" dirty="0" err="1">
+                <a:latin typeface="Calibri"/>
+                <a:ea typeface="Calibri"/>
+                <a:cs typeface="Calibri"/>
+                <a:sym typeface="Calibri"/>
+              </a:rPr>
+              <a:t>proporciona</a:t>
+            </a:r>
+            <a:r>
+              <a:rPr lang="en-US" dirty="0">
+                <a:latin typeface="Calibri"/>
+                <a:ea typeface="Calibri"/>
+                <a:cs typeface="Calibri"/>
+                <a:sym typeface="Calibri"/>
+              </a:rPr>
+              <a:t> un punto focal de la integración para el Nexus. La integración incluye </a:t>
+            </a:r>
+            <a:r>
+              <a:rPr lang="en-US" dirty="0" err="1">
+                <a:latin typeface="Calibri"/>
+                <a:ea typeface="Calibri"/>
+                <a:cs typeface="Calibri"/>
+                <a:sym typeface="Calibri"/>
+              </a:rPr>
+              <a:t>abordar</a:t>
+            </a:r>
+            <a:r>
+              <a:rPr lang="en-US" dirty="0">
+                <a:latin typeface="Calibri"/>
+                <a:ea typeface="Calibri"/>
+                <a:cs typeface="Calibri"/>
+                <a:sym typeface="Calibri"/>
+              </a:rPr>
+              <a:t> las restricciones </a:t>
+            </a:r>
+            <a:r>
+              <a:rPr lang="en-US" dirty="0" err="1">
+                <a:latin typeface="Calibri"/>
+                <a:ea typeface="Calibri"/>
+                <a:cs typeface="Calibri"/>
+                <a:sym typeface="Calibri"/>
+              </a:rPr>
+              <a:t>técnicas</a:t>
+            </a:r>
+            <a:r>
+              <a:rPr lang="en-US" dirty="0">
+                <a:latin typeface="Calibri"/>
+                <a:ea typeface="Calibri"/>
+                <a:cs typeface="Calibri"/>
+                <a:sym typeface="Calibri"/>
+              </a:rPr>
+              <a:t> y no </a:t>
+            </a:r>
+            <a:r>
+              <a:rPr lang="en-US" dirty="0" err="1">
+                <a:latin typeface="Calibri"/>
+                <a:ea typeface="Calibri"/>
+                <a:cs typeface="Calibri"/>
+                <a:sym typeface="Calibri"/>
+              </a:rPr>
+              <a:t>técnicas</a:t>
+            </a:r>
+            <a:r>
+              <a:rPr lang="en-US" dirty="0">
+                <a:latin typeface="Calibri"/>
+                <a:ea typeface="Calibri"/>
+                <a:cs typeface="Calibri"/>
+                <a:sym typeface="Calibri"/>
+              </a:rPr>
+              <a:t> del </a:t>
+            </a:r>
+            <a:r>
+              <a:rPr lang="en-US" dirty="0" err="1">
+                <a:latin typeface="Calibri"/>
+                <a:ea typeface="Calibri"/>
+                <a:cs typeface="Calibri"/>
+                <a:sym typeface="Calibri"/>
+              </a:rPr>
+              <a:t>equipo</a:t>
+            </a:r>
+            <a:r>
+              <a:rPr lang="en-US" dirty="0">
+                <a:latin typeface="Calibri"/>
+                <a:ea typeface="Calibri"/>
+                <a:cs typeface="Calibri"/>
+                <a:sym typeface="Calibri"/>
+              </a:rPr>
+              <a:t> </a:t>
+            </a:r>
+            <a:r>
+              <a:rPr lang="en-US" dirty="0" err="1">
+                <a:latin typeface="Calibri"/>
+                <a:ea typeface="Calibri"/>
+                <a:cs typeface="Calibri"/>
+                <a:sym typeface="Calibri"/>
+              </a:rPr>
+              <a:t>multifuncional</a:t>
+            </a:r>
+            <a:r>
+              <a:rPr lang="en-US" dirty="0">
+                <a:latin typeface="Calibri"/>
+                <a:ea typeface="Calibri"/>
+                <a:cs typeface="Calibri"/>
+                <a:sym typeface="Calibri"/>
+              </a:rPr>
+              <a:t> que pueden </a:t>
+            </a:r>
+            <a:r>
+              <a:rPr lang="en-US" dirty="0" err="1">
+                <a:latin typeface="Calibri"/>
+                <a:ea typeface="Calibri"/>
+                <a:cs typeface="Calibri"/>
+                <a:sym typeface="Calibri"/>
+              </a:rPr>
+              <a:t>impedir</a:t>
+            </a:r>
+            <a:r>
+              <a:rPr lang="en-US" dirty="0">
+                <a:latin typeface="Calibri"/>
+                <a:ea typeface="Calibri"/>
+                <a:cs typeface="Calibri"/>
+                <a:sym typeface="Calibri"/>
+              </a:rPr>
+              <a:t> la </a:t>
+            </a:r>
+            <a:r>
+              <a:rPr lang="en-US" dirty="0" err="1">
+                <a:latin typeface="Calibri"/>
+                <a:ea typeface="Calibri"/>
+                <a:cs typeface="Calibri"/>
+                <a:sym typeface="Calibri"/>
+              </a:rPr>
+              <a:t>capacidad</a:t>
+            </a:r>
+            <a:r>
+              <a:rPr lang="en-US" dirty="0">
+                <a:latin typeface="Calibri"/>
+                <a:ea typeface="Calibri"/>
+                <a:cs typeface="Calibri"/>
+                <a:sym typeface="Calibri"/>
+              </a:rPr>
+              <a:t> de un Nexus para </a:t>
+            </a:r>
+            <a:r>
+              <a:rPr lang="en-US" dirty="0" err="1">
+                <a:latin typeface="Calibri"/>
+                <a:ea typeface="Calibri"/>
+                <a:cs typeface="Calibri"/>
+                <a:sym typeface="Calibri"/>
+              </a:rPr>
+              <a:t>entregar</a:t>
+            </a:r>
+            <a:r>
+              <a:rPr lang="en-US" dirty="0">
+                <a:latin typeface="Calibri"/>
+                <a:ea typeface="Calibri"/>
+                <a:cs typeface="Calibri"/>
+                <a:sym typeface="Calibri"/>
+              </a:rPr>
+              <a:t> </a:t>
+            </a:r>
+            <a:r>
+              <a:rPr lang="en-US" dirty="0" err="1">
+                <a:latin typeface="Calibri"/>
+                <a:ea typeface="Calibri"/>
+                <a:cs typeface="Calibri"/>
+                <a:sym typeface="Calibri"/>
+              </a:rPr>
+              <a:t>constantemente</a:t>
+            </a:r>
+            <a:r>
+              <a:rPr lang="en-US" dirty="0">
+                <a:latin typeface="Calibri"/>
+                <a:ea typeface="Calibri"/>
+                <a:cs typeface="Calibri"/>
+                <a:sym typeface="Calibri"/>
+              </a:rPr>
+              <a:t> un Integrated Increment. Debe </a:t>
+            </a:r>
+            <a:r>
+              <a:rPr lang="en-US" dirty="0" err="1">
+                <a:latin typeface="Calibri"/>
+                <a:ea typeface="Calibri"/>
+                <a:cs typeface="Calibri"/>
+                <a:sym typeface="Calibri"/>
+              </a:rPr>
+              <a:t>utilizar</a:t>
+            </a:r>
+            <a:r>
+              <a:rPr lang="en-US" dirty="0">
+                <a:latin typeface="Calibri"/>
+                <a:ea typeface="Calibri"/>
+                <a:cs typeface="Calibri"/>
+                <a:sym typeface="Calibri"/>
+              </a:rPr>
+              <a:t> la </a:t>
+            </a:r>
+            <a:r>
+              <a:rPr lang="en-US" dirty="0" err="1">
+                <a:latin typeface="Calibri"/>
+                <a:ea typeface="Calibri"/>
+                <a:cs typeface="Calibri"/>
+                <a:sym typeface="Calibri"/>
+              </a:rPr>
+              <a:t>inteligencia</a:t>
+            </a:r>
+            <a:r>
+              <a:rPr lang="en-US" dirty="0">
+                <a:latin typeface="Calibri"/>
+                <a:ea typeface="Calibri"/>
+                <a:cs typeface="Calibri"/>
+                <a:sym typeface="Calibri"/>
+              </a:rPr>
+              <a:t> de </a:t>
+            </a:r>
+            <a:r>
+              <a:rPr lang="en-US" dirty="0" err="1">
+                <a:latin typeface="Calibri"/>
+                <a:ea typeface="Calibri"/>
+                <a:cs typeface="Calibri"/>
+                <a:sym typeface="Calibri"/>
+              </a:rPr>
+              <a:t>abajo</a:t>
+            </a:r>
+            <a:r>
+              <a:rPr lang="en-US" dirty="0">
+                <a:latin typeface="Calibri"/>
+                <a:ea typeface="Calibri"/>
+                <a:cs typeface="Calibri"/>
+                <a:sym typeface="Calibri"/>
+              </a:rPr>
+              <a:t> </a:t>
+            </a:r>
+            <a:r>
+              <a:rPr lang="en-US" dirty="0" err="1">
+                <a:latin typeface="Calibri"/>
+                <a:ea typeface="Calibri"/>
+                <a:cs typeface="Calibri"/>
+                <a:sym typeface="Calibri"/>
+              </a:rPr>
+              <a:t>hacia</a:t>
+            </a:r>
+            <a:r>
+              <a:rPr lang="en-US" dirty="0">
+                <a:latin typeface="Calibri"/>
+                <a:ea typeface="Calibri"/>
+                <a:cs typeface="Calibri"/>
+                <a:sym typeface="Calibri"/>
+              </a:rPr>
+              <a:t> </a:t>
+            </a:r>
+            <a:r>
+              <a:rPr lang="en-US" dirty="0" err="1">
+                <a:latin typeface="Calibri"/>
+                <a:ea typeface="Calibri"/>
+                <a:cs typeface="Calibri"/>
+                <a:sym typeface="Calibri"/>
+              </a:rPr>
+              <a:t>arriba</a:t>
+            </a:r>
+            <a:r>
+              <a:rPr lang="en-US" dirty="0">
+                <a:latin typeface="Calibri"/>
+                <a:ea typeface="Calibri"/>
+                <a:cs typeface="Calibri"/>
+                <a:sym typeface="Calibri"/>
+              </a:rPr>
+              <a:t> </a:t>
+            </a:r>
+            <a:r>
+              <a:rPr lang="en-US" dirty="0" err="1">
+                <a:latin typeface="Calibri"/>
+                <a:ea typeface="Calibri"/>
+                <a:cs typeface="Calibri"/>
+                <a:sym typeface="Calibri"/>
+              </a:rPr>
+              <a:t>desde</a:t>
+            </a:r>
+            <a:r>
+              <a:rPr lang="en-US" dirty="0">
+                <a:latin typeface="Calibri"/>
+                <a:ea typeface="Calibri"/>
+                <a:cs typeface="Calibri"/>
+                <a:sym typeface="Calibri"/>
+              </a:rPr>
+              <a:t> dentro del Nexus para </a:t>
+            </a:r>
+            <a:r>
+              <a:rPr lang="en-US" dirty="0" err="1">
+                <a:latin typeface="Calibri"/>
+                <a:ea typeface="Calibri"/>
+                <a:cs typeface="Calibri"/>
+                <a:sym typeface="Calibri"/>
+              </a:rPr>
+              <a:t>lograr</a:t>
+            </a:r>
+            <a:r>
+              <a:rPr lang="en-US" dirty="0">
+                <a:latin typeface="Calibri"/>
+                <a:ea typeface="Calibri"/>
+                <a:cs typeface="Calibri"/>
+                <a:sym typeface="Calibri"/>
+              </a:rPr>
+              <a:t> la </a:t>
+            </a:r>
+            <a:r>
+              <a:rPr lang="en-US" dirty="0" err="1">
+                <a:latin typeface="Calibri"/>
+                <a:ea typeface="Calibri"/>
+                <a:cs typeface="Calibri"/>
+                <a:sym typeface="Calibri"/>
+              </a:rPr>
+              <a:t>resolución</a:t>
+            </a:r>
+            <a:r>
+              <a:rPr lang="en-US" dirty="0">
+                <a:latin typeface="Calibri"/>
+                <a:ea typeface="Calibri"/>
+                <a:cs typeface="Calibri"/>
+                <a:sym typeface="Calibri"/>
+              </a:rPr>
+              <a:t>. El Product Owner, un Scrum Master y </a:t>
+            </a:r>
+            <a:r>
+              <a:rPr lang="en-US" dirty="0" err="1">
+                <a:latin typeface="Calibri"/>
+                <a:ea typeface="Calibri"/>
+                <a:cs typeface="Calibri"/>
+                <a:sym typeface="Calibri"/>
+              </a:rPr>
+              <a:t>miembros</a:t>
+            </a:r>
+            <a:r>
+              <a:rPr lang="en-US" dirty="0">
+                <a:latin typeface="Calibri"/>
+                <a:ea typeface="Calibri"/>
+                <a:cs typeface="Calibri"/>
+                <a:sym typeface="Calibri"/>
+              </a:rPr>
+              <a:t> </a:t>
+            </a:r>
+            <a:r>
+              <a:rPr lang="en-US" dirty="0" err="1">
+                <a:latin typeface="Calibri"/>
+                <a:ea typeface="Calibri"/>
+                <a:cs typeface="Calibri"/>
+                <a:sym typeface="Calibri"/>
+              </a:rPr>
+              <a:t>apropiados</a:t>
+            </a:r>
+            <a:r>
+              <a:rPr lang="en-US" dirty="0">
+                <a:latin typeface="Calibri"/>
+                <a:ea typeface="Calibri"/>
+                <a:cs typeface="Calibri"/>
+                <a:sym typeface="Calibri"/>
+              </a:rPr>
+              <a:t> de los Scrum Teams </a:t>
+            </a:r>
+            <a:r>
+              <a:rPr lang="en-US" dirty="0" err="1">
+                <a:latin typeface="Calibri"/>
+                <a:ea typeface="Calibri"/>
+                <a:cs typeface="Calibri"/>
+                <a:sym typeface="Calibri"/>
+              </a:rPr>
+              <a:t>pertenecen</a:t>
+            </a:r>
+            <a:r>
+              <a:rPr lang="en-US" dirty="0">
+                <a:latin typeface="Calibri"/>
+                <a:ea typeface="Calibri"/>
+                <a:cs typeface="Calibri"/>
+                <a:sym typeface="Calibri"/>
+              </a:rPr>
+              <a:t> al Nexus Integration Team. Los </a:t>
+            </a:r>
+            <a:r>
+              <a:rPr lang="en-US" dirty="0" err="1">
+                <a:latin typeface="Calibri"/>
+                <a:ea typeface="Calibri"/>
+                <a:cs typeface="Calibri"/>
+                <a:sym typeface="Calibri"/>
+              </a:rPr>
+              <a:t>miembros</a:t>
+            </a:r>
+            <a:r>
+              <a:rPr lang="en-US" dirty="0">
+                <a:latin typeface="Calibri"/>
+                <a:ea typeface="Calibri"/>
+                <a:cs typeface="Calibri"/>
+                <a:sym typeface="Calibri"/>
+              </a:rPr>
+              <a:t> </a:t>
+            </a:r>
+            <a:r>
+              <a:rPr lang="en-US" dirty="0" err="1">
+                <a:latin typeface="Calibri"/>
+                <a:ea typeface="Calibri"/>
+                <a:cs typeface="Calibri"/>
+                <a:sym typeface="Calibri"/>
+              </a:rPr>
+              <a:t>apropiados</a:t>
+            </a:r>
+            <a:r>
+              <a:rPr lang="en-US" dirty="0">
+                <a:latin typeface="Calibri"/>
+                <a:ea typeface="Calibri"/>
+                <a:cs typeface="Calibri"/>
+                <a:sym typeface="Calibri"/>
+              </a:rPr>
+              <a:t> son las personas con las </a:t>
+            </a:r>
+            <a:r>
+              <a:rPr lang="en-US" dirty="0" err="1">
+                <a:latin typeface="Calibri"/>
+                <a:ea typeface="Calibri"/>
+                <a:cs typeface="Calibri"/>
+                <a:sym typeface="Calibri"/>
+              </a:rPr>
+              <a:t>habilidades</a:t>
+            </a:r>
+            <a:r>
+              <a:rPr lang="en-US" dirty="0">
+                <a:latin typeface="Calibri"/>
+                <a:ea typeface="Calibri"/>
+                <a:cs typeface="Calibri"/>
+                <a:sym typeface="Calibri"/>
+              </a:rPr>
+              <a:t> y </a:t>
+            </a:r>
+            <a:r>
+              <a:rPr lang="en-US" dirty="0" err="1">
+                <a:latin typeface="Calibri"/>
+                <a:ea typeface="Calibri"/>
+                <a:cs typeface="Calibri"/>
+                <a:sym typeface="Calibri"/>
+              </a:rPr>
+              <a:t>conocimientos</a:t>
+            </a:r>
+            <a:r>
+              <a:rPr lang="en-US" dirty="0">
+                <a:latin typeface="Calibri"/>
+                <a:ea typeface="Calibri"/>
+                <a:cs typeface="Calibri"/>
+                <a:sym typeface="Calibri"/>
+              </a:rPr>
+              <a:t> </a:t>
+            </a:r>
+            <a:r>
+              <a:rPr lang="en-US" dirty="0" err="1">
+                <a:latin typeface="Calibri"/>
+                <a:ea typeface="Calibri"/>
+                <a:cs typeface="Calibri"/>
+                <a:sym typeface="Calibri"/>
+              </a:rPr>
+              <a:t>necesarios</a:t>
+            </a:r>
+            <a:r>
+              <a:rPr lang="en-US" dirty="0">
+                <a:latin typeface="Calibri"/>
+                <a:ea typeface="Calibri"/>
+                <a:cs typeface="Calibri"/>
+                <a:sym typeface="Calibri"/>
+              </a:rPr>
+              <a:t> para </a:t>
+            </a:r>
+            <a:r>
+              <a:rPr lang="en-US" dirty="0" err="1">
+                <a:latin typeface="Calibri"/>
+                <a:ea typeface="Calibri"/>
+                <a:cs typeface="Calibri"/>
+                <a:sym typeface="Calibri"/>
+              </a:rPr>
+              <a:t>ayudar</a:t>
+            </a:r>
+            <a:r>
+              <a:rPr lang="en-US" dirty="0">
+                <a:latin typeface="Calibri"/>
+                <a:ea typeface="Calibri"/>
+                <a:cs typeface="Calibri"/>
+                <a:sym typeface="Calibri"/>
+              </a:rPr>
+              <a:t> a resolver los </a:t>
+            </a:r>
+            <a:r>
+              <a:rPr lang="en-US" dirty="0" err="1">
+                <a:latin typeface="Calibri"/>
+                <a:ea typeface="Calibri"/>
+                <a:cs typeface="Calibri"/>
+                <a:sym typeface="Calibri"/>
+              </a:rPr>
+              <a:t>problemas</a:t>
+            </a:r>
+            <a:r>
+              <a:rPr lang="en-US" dirty="0">
+                <a:latin typeface="Calibri"/>
+                <a:ea typeface="Calibri"/>
+                <a:cs typeface="Calibri"/>
+                <a:sym typeface="Calibri"/>
+              </a:rPr>
+              <a:t> que </a:t>
+            </a:r>
+            <a:r>
+              <a:rPr lang="en-US" dirty="0" err="1">
+                <a:latin typeface="Calibri"/>
+                <a:ea typeface="Calibri"/>
+                <a:cs typeface="Calibri"/>
+                <a:sym typeface="Calibri"/>
+              </a:rPr>
+              <a:t>enfrenta</a:t>
+            </a:r>
+            <a:r>
+              <a:rPr lang="en-US" dirty="0">
+                <a:latin typeface="Calibri"/>
+                <a:ea typeface="Calibri"/>
+                <a:cs typeface="Calibri"/>
+                <a:sym typeface="Calibri"/>
+              </a:rPr>
+              <a:t> el Nexus en </a:t>
+            </a:r>
+            <a:r>
+              <a:rPr lang="en-US" dirty="0" err="1">
+                <a:latin typeface="Calibri"/>
+                <a:ea typeface="Calibri"/>
+                <a:cs typeface="Calibri"/>
+                <a:sym typeface="Calibri"/>
+              </a:rPr>
+              <a:t>cualquier</a:t>
+            </a:r>
+            <a:r>
+              <a:rPr lang="en-US" dirty="0">
+                <a:latin typeface="Calibri"/>
+                <a:ea typeface="Calibri"/>
+                <a:cs typeface="Calibri"/>
+                <a:sym typeface="Calibri"/>
+              </a:rPr>
+              <a:t> momento. La </a:t>
+            </a:r>
+            <a:r>
+              <a:rPr lang="en-US" dirty="0" err="1">
+                <a:latin typeface="Calibri"/>
+                <a:ea typeface="Calibri"/>
+                <a:cs typeface="Calibri"/>
+                <a:sym typeface="Calibri"/>
+              </a:rPr>
+              <a:t>composición</a:t>
+            </a:r>
+            <a:r>
+              <a:rPr lang="en-US" dirty="0">
+                <a:latin typeface="Calibri"/>
+                <a:ea typeface="Calibri"/>
+                <a:cs typeface="Calibri"/>
+                <a:sym typeface="Calibri"/>
+              </a:rPr>
+              <a:t> del Nexus Integration Team </a:t>
+            </a:r>
+            <a:r>
+              <a:rPr lang="en-US" dirty="0" err="1">
+                <a:latin typeface="Calibri"/>
+                <a:ea typeface="Calibri"/>
+                <a:cs typeface="Calibri"/>
+                <a:sym typeface="Calibri"/>
+              </a:rPr>
+              <a:t>puede</a:t>
+            </a:r>
+            <a:r>
+              <a:rPr lang="en-US" dirty="0">
+                <a:latin typeface="Calibri"/>
+                <a:ea typeface="Calibri"/>
+                <a:cs typeface="Calibri"/>
+                <a:sym typeface="Calibri"/>
+              </a:rPr>
+              <a:t> </a:t>
+            </a:r>
+            <a:r>
+              <a:rPr lang="en-US" dirty="0" err="1">
+                <a:latin typeface="Calibri"/>
+                <a:ea typeface="Calibri"/>
+                <a:cs typeface="Calibri"/>
+                <a:sym typeface="Calibri"/>
+              </a:rPr>
+              <a:t>cambiar</a:t>
+            </a:r>
+            <a:r>
+              <a:rPr lang="en-US" dirty="0">
+                <a:latin typeface="Calibri"/>
+                <a:ea typeface="Calibri"/>
+                <a:cs typeface="Calibri"/>
+                <a:sym typeface="Calibri"/>
+              </a:rPr>
+              <a:t> con el tiempo para </a:t>
+            </a:r>
+            <a:r>
+              <a:rPr lang="en-US" dirty="0" err="1">
+                <a:latin typeface="Calibri"/>
+                <a:ea typeface="Calibri"/>
+                <a:cs typeface="Calibri"/>
+                <a:sym typeface="Calibri"/>
+              </a:rPr>
+              <a:t>reflejar</a:t>
+            </a:r>
+            <a:r>
+              <a:rPr lang="en-US" dirty="0">
+                <a:latin typeface="Calibri"/>
+                <a:ea typeface="Calibri"/>
+                <a:cs typeface="Calibri"/>
+                <a:sym typeface="Calibri"/>
+              </a:rPr>
+              <a:t> las </a:t>
+            </a:r>
+            <a:r>
+              <a:rPr lang="en-US" dirty="0" err="1">
+                <a:latin typeface="Calibri"/>
+                <a:ea typeface="Calibri"/>
+                <a:cs typeface="Calibri"/>
+                <a:sym typeface="Calibri"/>
+              </a:rPr>
+              <a:t>necesidades</a:t>
+            </a:r>
+            <a:r>
+              <a:rPr lang="en-US" dirty="0">
+                <a:latin typeface="Calibri"/>
+                <a:ea typeface="Calibri"/>
+                <a:cs typeface="Calibri"/>
+                <a:sym typeface="Calibri"/>
+              </a:rPr>
+              <a:t> </a:t>
+            </a:r>
+            <a:r>
+              <a:rPr lang="en-US" dirty="0" err="1">
+                <a:latin typeface="Calibri"/>
+                <a:ea typeface="Calibri"/>
+                <a:cs typeface="Calibri"/>
+                <a:sym typeface="Calibri"/>
+              </a:rPr>
+              <a:t>actuales</a:t>
+            </a:r>
+            <a:r>
+              <a:rPr lang="en-US" dirty="0">
+                <a:latin typeface="Calibri"/>
+                <a:ea typeface="Calibri"/>
+                <a:cs typeface="Calibri"/>
+                <a:sym typeface="Calibri"/>
+              </a:rPr>
+              <a:t> de un Nexus. Las </a:t>
+            </a:r>
+            <a:r>
+              <a:rPr lang="en-US" dirty="0" err="1">
+                <a:latin typeface="Calibri"/>
+                <a:ea typeface="Calibri"/>
+                <a:cs typeface="Calibri"/>
+                <a:sym typeface="Calibri"/>
+              </a:rPr>
+              <a:t>actividades</a:t>
+            </a:r>
+            <a:r>
+              <a:rPr lang="en-US" dirty="0">
+                <a:latin typeface="Calibri"/>
+                <a:ea typeface="Calibri"/>
+                <a:cs typeface="Calibri"/>
+                <a:sym typeface="Calibri"/>
+              </a:rPr>
+              <a:t> </a:t>
+            </a:r>
+            <a:r>
+              <a:rPr lang="en-US" dirty="0" err="1">
+                <a:latin typeface="Calibri"/>
+                <a:ea typeface="Calibri"/>
+                <a:cs typeface="Calibri"/>
+                <a:sym typeface="Calibri"/>
+              </a:rPr>
+              <a:t>comunes</a:t>
+            </a:r>
+            <a:r>
+              <a:rPr lang="en-US" dirty="0">
+                <a:latin typeface="Calibri"/>
+                <a:ea typeface="Calibri"/>
+                <a:cs typeface="Calibri"/>
+                <a:sym typeface="Calibri"/>
+              </a:rPr>
+              <a:t> que el Nexus Integration Team </a:t>
+            </a:r>
+            <a:r>
+              <a:rPr lang="en-US" dirty="0" err="1">
+                <a:latin typeface="Calibri"/>
+                <a:ea typeface="Calibri"/>
+                <a:cs typeface="Calibri"/>
+                <a:sym typeface="Calibri"/>
+              </a:rPr>
+              <a:t>podría</a:t>
+            </a:r>
+            <a:r>
+              <a:rPr lang="en-US" dirty="0">
+                <a:latin typeface="Calibri"/>
+                <a:ea typeface="Calibri"/>
+                <a:cs typeface="Calibri"/>
+                <a:sym typeface="Calibri"/>
+              </a:rPr>
+              <a:t> realizar </a:t>
+            </a:r>
+            <a:r>
+              <a:rPr lang="en-US" dirty="0" err="1">
+                <a:latin typeface="Calibri"/>
+                <a:ea typeface="Calibri"/>
+                <a:cs typeface="Calibri"/>
+                <a:sym typeface="Calibri"/>
+              </a:rPr>
+              <a:t>incluyen</a:t>
+            </a:r>
+            <a:r>
+              <a:rPr lang="en-US" dirty="0">
+                <a:latin typeface="Calibri"/>
+                <a:ea typeface="Calibri"/>
+                <a:cs typeface="Calibri"/>
+                <a:sym typeface="Calibri"/>
+              </a:rPr>
+              <a:t> </a:t>
+            </a:r>
+            <a:r>
+              <a:rPr lang="en-US" dirty="0" err="1">
+                <a:latin typeface="Calibri"/>
+                <a:ea typeface="Calibri"/>
+                <a:cs typeface="Calibri"/>
+                <a:sym typeface="Calibri"/>
+              </a:rPr>
+              <a:t>acompañamiento</a:t>
+            </a:r>
+            <a:r>
+              <a:rPr lang="en-US" dirty="0">
+                <a:latin typeface="Calibri"/>
+                <a:ea typeface="Calibri"/>
+                <a:cs typeface="Calibri"/>
+                <a:sym typeface="Calibri"/>
+              </a:rPr>
+              <a:t>, consultoría y </a:t>
+            </a:r>
+            <a:r>
+              <a:rPr lang="en-US" dirty="0" err="1">
+                <a:latin typeface="Calibri"/>
+                <a:ea typeface="Calibri"/>
+                <a:cs typeface="Calibri"/>
+                <a:sym typeface="Calibri"/>
+              </a:rPr>
+              <a:t>advertencia</a:t>
+            </a:r>
+            <a:r>
+              <a:rPr lang="en-US" dirty="0">
+                <a:latin typeface="Calibri"/>
+                <a:ea typeface="Calibri"/>
+                <a:cs typeface="Calibri"/>
+                <a:sym typeface="Calibri"/>
+              </a:rPr>
+              <a:t> </a:t>
+            </a:r>
+            <a:r>
+              <a:rPr lang="en-US" dirty="0" err="1">
+                <a:latin typeface="Calibri"/>
+                <a:ea typeface="Calibri"/>
+                <a:cs typeface="Calibri"/>
+                <a:sym typeface="Calibri"/>
+              </a:rPr>
+              <a:t>manifiesta</a:t>
+            </a:r>
+            <a:r>
+              <a:rPr lang="en-US" dirty="0">
+                <a:latin typeface="Calibri"/>
+                <a:ea typeface="Calibri"/>
+                <a:cs typeface="Calibri"/>
+                <a:sym typeface="Calibri"/>
+              </a:rPr>
+              <a:t> de </a:t>
+            </a:r>
+            <a:r>
+              <a:rPr lang="en-US" dirty="0" err="1">
+                <a:latin typeface="Calibri"/>
+                <a:ea typeface="Calibri"/>
+                <a:cs typeface="Calibri"/>
+                <a:sym typeface="Calibri"/>
+              </a:rPr>
+              <a:t>dependencias</a:t>
+            </a:r>
+            <a:r>
+              <a:rPr lang="en-US" dirty="0">
+                <a:latin typeface="Calibri"/>
+                <a:ea typeface="Calibri"/>
+                <a:cs typeface="Calibri"/>
+                <a:sym typeface="Calibri"/>
+              </a:rPr>
+              <a:t> y </a:t>
+            </a:r>
+            <a:r>
+              <a:rPr lang="en-US" dirty="0" err="1">
+                <a:latin typeface="Calibri"/>
+                <a:ea typeface="Calibri"/>
+                <a:cs typeface="Calibri"/>
+                <a:sym typeface="Calibri"/>
+              </a:rPr>
+              <a:t>problemas</a:t>
+            </a:r>
+            <a:r>
+              <a:rPr lang="en-US" dirty="0">
+                <a:latin typeface="Calibri"/>
+                <a:ea typeface="Calibri"/>
+                <a:cs typeface="Calibri"/>
+                <a:sym typeface="Calibri"/>
+              </a:rPr>
+              <a:t> entre </a:t>
+            </a:r>
+            <a:r>
+              <a:rPr lang="en-US" dirty="0" err="1">
+                <a:latin typeface="Calibri"/>
+                <a:ea typeface="Calibri"/>
+                <a:cs typeface="Calibri"/>
+                <a:sym typeface="Calibri"/>
+              </a:rPr>
+              <a:t>equipos</a:t>
+            </a:r>
+            <a:r>
+              <a:rPr lang="en-US" dirty="0">
+                <a:latin typeface="Calibri"/>
+                <a:ea typeface="Calibri"/>
+                <a:cs typeface="Calibri"/>
+                <a:sym typeface="Calibri"/>
+              </a:rPr>
+              <a:t>.</a:t>
+            </a:r>
+            <a:endParaRPr dirty="0"/>
+          </a:p>
+          <a:p>
+            <a:pPr marL="0" lvl="0" indent="0" algn="l" rtl="0">
+              <a:lnSpc>
+                <a:spcPct val="100000"/>
+              </a:lnSpc>
+              <a:spcBef>
+                <a:spcPts val="0"/>
+              </a:spcBef>
+              <a:spcAft>
+                <a:spcPts val="0"/>
+              </a:spcAft>
+              <a:buSzPts val="1100"/>
+              <a:buNone/>
+            </a:pPr>
+            <a:r>
+              <a:rPr lang="en-US" dirty="0">
+                <a:latin typeface="Calibri"/>
+                <a:ea typeface="Calibri"/>
+                <a:cs typeface="Calibri"/>
+                <a:sym typeface="Calibri"/>
+              </a:rPr>
+              <a:t>El Nexus Integration Team es responsable de </a:t>
+            </a:r>
+            <a:r>
+              <a:rPr lang="en-US" dirty="0" err="1">
+                <a:latin typeface="Calibri"/>
+                <a:ea typeface="Calibri"/>
+                <a:cs typeface="Calibri"/>
+                <a:sym typeface="Calibri"/>
+              </a:rPr>
+              <a:t>acompañar</a:t>
+            </a:r>
+            <a:r>
+              <a:rPr lang="en-US" dirty="0">
+                <a:latin typeface="Calibri"/>
+                <a:ea typeface="Calibri"/>
+                <a:cs typeface="Calibri"/>
+                <a:sym typeface="Calibri"/>
+              </a:rPr>
+              <a:t> y </a:t>
+            </a:r>
+            <a:r>
+              <a:rPr lang="en-US" dirty="0" err="1">
+                <a:latin typeface="Calibri"/>
+                <a:ea typeface="Calibri"/>
+                <a:cs typeface="Calibri"/>
+                <a:sym typeface="Calibri"/>
+              </a:rPr>
+              <a:t>guiar</a:t>
+            </a:r>
+            <a:r>
+              <a:rPr lang="en-US" dirty="0">
+                <a:latin typeface="Calibri"/>
+                <a:ea typeface="Calibri"/>
+                <a:cs typeface="Calibri"/>
+                <a:sym typeface="Calibri"/>
+              </a:rPr>
+              <a:t> a los Scrum Teams para que estos </a:t>
+            </a:r>
+            <a:r>
+              <a:rPr lang="en-US" dirty="0" err="1">
+                <a:latin typeface="Calibri"/>
+                <a:ea typeface="Calibri"/>
+                <a:cs typeface="Calibri"/>
+                <a:sym typeface="Calibri"/>
+              </a:rPr>
+              <a:t>adquieran</a:t>
+            </a:r>
+            <a:r>
+              <a:rPr lang="en-US" dirty="0">
+                <a:latin typeface="Calibri"/>
+                <a:ea typeface="Calibri"/>
+                <a:cs typeface="Calibri"/>
+                <a:sym typeface="Calibri"/>
+              </a:rPr>
+              <a:t>, </a:t>
+            </a:r>
+            <a:r>
+              <a:rPr lang="en-US" dirty="0" err="1">
+                <a:latin typeface="Calibri"/>
+                <a:ea typeface="Calibri"/>
+                <a:cs typeface="Calibri"/>
+                <a:sym typeface="Calibri"/>
+              </a:rPr>
+              <a:t>implementen</a:t>
+            </a:r>
+            <a:r>
+              <a:rPr lang="en-US" dirty="0">
+                <a:latin typeface="Calibri"/>
+                <a:ea typeface="Calibri"/>
+                <a:cs typeface="Calibri"/>
+                <a:sym typeface="Calibri"/>
+              </a:rPr>
+              <a:t> y </a:t>
+            </a:r>
+            <a:r>
+              <a:rPr lang="en-US" dirty="0" err="1">
+                <a:latin typeface="Calibri"/>
+                <a:ea typeface="Calibri"/>
+                <a:cs typeface="Calibri"/>
+                <a:sym typeface="Calibri"/>
+              </a:rPr>
+              <a:t>aprendan</a:t>
+            </a:r>
+            <a:r>
+              <a:rPr lang="en-US" dirty="0">
+                <a:latin typeface="Calibri"/>
+                <a:ea typeface="Calibri"/>
+                <a:cs typeface="Calibri"/>
+                <a:sym typeface="Calibri"/>
+              </a:rPr>
+              <a:t> </a:t>
+            </a:r>
+            <a:r>
+              <a:rPr lang="en-US" dirty="0" err="1">
+                <a:latin typeface="Calibri"/>
+                <a:ea typeface="Calibri"/>
+                <a:cs typeface="Calibri"/>
+                <a:sym typeface="Calibri"/>
+              </a:rPr>
+              <a:t>prácticas</a:t>
+            </a:r>
+            <a:r>
+              <a:rPr lang="en-US" dirty="0">
+                <a:latin typeface="Calibri"/>
+                <a:ea typeface="Calibri"/>
+                <a:cs typeface="Calibri"/>
+                <a:sym typeface="Calibri"/>
+              </a:rPr>
+              <a:t> y </a:t>
+            </a:r>
+            <a:r>
+              <a:rPr lang="en-US" dirty="0" err="1">
+                <a:latin typeface="Calibri"/>
+                <a:ea typeface="Calibri"/>
+                <a:cs typeface="Calibri"/>
+                <a:sym typeface="Calibri"/>
+              </a:rPr>
+              <a:t>herramientas</a:t>
+            </a:r>
+            <a:r>
+              <a:rPr lang="en-US" dirty="0">
+                <a:latin typeface="Calibri"/>
+                <a:ea typeface="Calibri"/>
+                <a:cs typeface="Calibri"/>
+                <a:sym typeface="Calibri"/>
+              </a:rPr>
+              <a:t> que </a:t>
+            </a:r>
+            <a:r>
+              <a:rPr lang="en-US" dirty="0" err="1">
+                <a:latin typeface="Calibri"/>
+                <a:ea typeface="Calibri"/>
+                <a:cs typeface="Calibri"/>
+                <a:sym typeface="Calibri"/>
+              </a:rPr>
+              <a:t>mejoren</a:t>
+            </a:r>
+            <a:r>
+              <a:rPr lang="en-US" dirty="0">
+                <a:latin typeface="Calibri"/>
+                <a:ea typeface="Calibri"/>
+                <a:cs typeface="Calibri"/>
+                <a:sym typeface="Calibri"/>
+              </a:rPr>
+              <a:t> </a:t>
+            </a:r>
+            <a:r>
+              <a:rPr lang="en-US" dirty="0" err="1">
+                <a:latin typeface="Calibri"/>
+                <a:ea typeface="Calibri"/>
+                <a:cs typeface="Calibri"/>
+                <a:sym typeface="Calibri"/>
+              </a:rPr>
+              <a:t>su</a:t>
+            </a:r>
+            <a:r>
+              <a:rPr lang="en-US" dirty="0">
+                <a:latin typeface="Calibri"/>
+                <a:ea typeface="Calibri"/>
+                <a:cs typeface="Calibri"/>
+                <a:sym typeface="Calibri"/>
+              </a:rPr>
+              <a:t> </a:t>
+            </a:r>
+            <a:r>
+              <a:rPr lang="en-US" dirty="0" err="1">
+                <a:latin typeface="Calibri"/>
+                <a:ea typeface="Calibri"/>
+                <a:cs typeface="Calibri"/>
+                <a:sym typeface="Calibri"/>
+              </a:rPr>
+              <a:t>capacidad</a:t>
+            </a:r>
+            <a:r>
+              <a:rPr lang="en-US" dirty="0">
+                <a:latin typeface="Calibri"/>
+                <a:ea typeface="Calibri"/>
+                <a:cs typeface="Calibri"/>
+                <a:sym typeface="Calibri"/>
+              </a:rPr>
+              <a:t> de </a:t>
+            </a:r>
+            <a:r>
+              <a:rPr lang="en-US" dirty="0" err="1">
+                <a:latin typeface="Calibri"/>
+                <a:ea typeface="Calibri"/>
+                <a:cs typeface="Calibri"/>
+                <a:sym typeface="Calibri"/>
+              </a:rPr>
+              <a:t>producir</a:t>
+            </a:r>
+            <a:r>
+              <a:rPr lang="en-US" dirty="0">
+                <a:latin typeface="Calibri"/>
+                <a:ea typeface="Calibri"/>
+                <a:cs typeface="Calibri"/>
+                <a:sym typeface="Calibri"/>
+              </a:rPr>
+              <a:t> un Increment </a:t>
+            </a:r>
+            <a:r>
+              <a:rPr lang="en-US" dirty="0" err="1">
+                <a:latin typeface="Calibri"/>
+                <a:ea typeface="Calibri"/>
+                <a:cs typeface="Calibri"/>
+                <a:sym typeface="Calibri"/>
+              </a:rPr>
+              <a:t>útil</a:t>
+            </a:r>
+            <a:r>
+              <a:rPr lang="en-US" dirty="0">
+                <a:latin typeface="Calibri"/>
+                <a:ea typeface="Calibri"/>
+                <a:cs typeface="Calibri"/>
+                <a:sym typeface="Calibri"/>
+              </a:rPr>
+              <a:t> y de valor. La </a:t>
+            </a:r>
+            <a:r>
+              <a:rPr lang="en-US" dirty="0" err="1">
+                <a:latin typeface="Calibri"/>
+                <a:ea typeface="Calibri"/>
+                <a:cs typeface="Calibri"/>
+                <a:sym typeface="Calibri"/>
+              </a:rPr>
+              <a:t>membresía</a:t>
+            </a:r>
+            <a:r>
+              <a:rPr lang="en-US" dirty="0">
+                <a:latin typeface="Calibri"/>
+                <a:ea typeface="Calibri"/>
+                <a:cs typeface="Calibri"/>
+                <a:sym typeface="Calibri"/>
+              </a:rPr>
+              <a:t> en el Nexus Integration Team tiene </a:t>
+            </a:r>
+            <a:r>
+              <a:rPr lang="en-US" dirty="0" err="1">
+                <a:latin typeface="Calibri"/>
+                <a:ea typeface="Calibri"/>
+                <a:cs typeface="Calibri"/>
+                <a:sym typeface="Calibri"/>
+              </a:rPr>
+              <a:t>precedencia</a:t>
+            </a:r>
+            <a:r>
+              <a:rPr lang="en-US" dirty="0">
+                <a:latin typeface="Calibri"/>
+                <a:ea typeface="Calibri"/>
+                <a:cs typeface="Calibri"/>
+                <a:sym typeface="Calibri"/>
+              </a:rPr>
+              <a:t> </a:t>
+            </a:r>
+            <a:r>
+              <a:rPr lang="en-US" dirty="0" err="1">
+                <a:latin typeface="Calibri"/>
+                <a:ea typeface="Calibri"/>
+                <a:cs typeface="Calibri"/>
+                <a:sym typeface="Calibri"/>
+              </a:rPr>
+              <a:t>sobre</a:t>
+            </a:r>
+            <a:r>
+              <a:rPr lang="en-US" dirty="0">
+                <a:latin typeface="Calibri"/>
+                <a:ea typeface="Calibri"/>
+                <a:cs typeface="Calibri"/>
+                <a:sym typeface="Calibri"/>
+              </a:rPr>
+              <a:t> la </a:t>
+            </a:r>
+            <a:r>
+              <a:rPr lang="en-US" dirty="0" err="1">
+                <a:latin typeface="Calibri"/>
+                <a:ea typeface="Calibri"/>
+                <a:cs typeface="Calibri"/>
+                <a:sym typeface="Calibri"/>
+              </a:rPr>
+              <a:t>membresía</a:t>
+            </a:r>
+            <a:r>
+              <a:rPr lang="en-US" dirty="0">
+                <a:latin typeface="Calibri"/>
+                <a:ea typeface="Calibri"/>
+                <a:cs typeface="Calibri"/>
+                <a:sym typeface="Calibri"/>
+              </a:rPr>
+              <a:t> a un Scrum Team individual. </a:t>
+            </a:r>
+            <a:r>
+              <a:rPr lang="en-US" dirty="0" err="1">
+                <a:latin typeface="Calibri"/>
+                <a:ea typeface="Calibri"/>
+                <a:cs typeface="Calibri"/>
+                <a:sym typeface="Calibri"/>
+              </a:rPr>
+              <a:t>Siempre</a:t>
+            </a:r>
+            <a:r>
+              <a:rPr lang="en-US" dirty="0">
+                <a:latin typeface="Calibri"/>
+                <a:ea typeface="Calibri"/>
+                <a:cs typeface="Calibri"/>
+                <a:sym typeface="Calibri"/>
+              </a:rPr>
+              <a:t> y </a:t>
+            </a:r>
+            <a:r>
+              <a:rPr lang="en-US" dirty="0" err="1">
+                <a:latin typeface="Calibri"/>
+                <a:ea typeface="Calibri"/>
+                <a:cs typeface="Calibri"/>
+                <a:sym typeface="Calibri"/>
+              </a:rPr>
+              <a:t>cuando</a:t>
+            </a:r>
+            <a:r>
+              <a:rPr lang="en-US" dirty="0">
+                <a:latin typeface="Calibri"/>
+                <a:ea typeface="Calibri"/>
+                <a:cs typeface="Calibri"/>
+                <a:sym typeface="Calibri"/>
+              </a:rPr>
+              <a:t> se </a:t>
+            </a:r>
+            <a:r>
+              <a:rPr lang="en-US" dirty="0" err="1">
+                <a:latin typeface="Calibri"/>
+                <a:ea typeface="Calibri"/>
+                <a:cs typeface="Calibri"/>
+                <a:sym typeface="Calibri"/>
+              </a:rPr>
+              <a:t>satisfaga</a:t>
+            </a:r>
+            <a:r>
+              <a:rPr lang="en-US" dirty="0">
+                <a:latin typeface="Calibri"/>
+                <a:ea typeface="Calibri"/>
+                <a:cs typeface="Calibri"/>
+                <a:sym typeface="Calibri"/>
+              </a:rPr>
+              <a:t> </a:t>
+            </a:r>
+            <a:r>
+              <a:rPr lang="en-US" dirty="0" err="1">
+                <a:latin typeface="Calibri"/>
+                <a:ea typeface="Calibri"/>
+                <a:cs typeface="Calibri"/>
+                <a:sym typeface="Calibri"/>
+              </a:rPr>
+              <a:t>su</a:t>
+            </a:r>
+            <a:r>
+              <a:rPr lang="en-US" dirty="0">
+                <a:latin typeface="Calibri"/>
+                <a:ea typeface="Calibri"/>
+                <a:cs typeface="Calibri"/>
+                <a:sym typeface="Calibri"/>
+              </a:rPr>
+              <a:t> responsabilidad </a:t>
+            </a:r>
+            <a:r>
+              <a:rPr lang="en-US" dirty="0" err="1">
+                <a:latin typeface="Calibri"/>
+                <a:ea typeface="Calibri"/>
+                <a:cs typeface="Calibri"/>
+                <a:sym typeface="Calibri"/>
+              </a:rPr>
+              <a:t>como</a:t>
+            </a:r>
+            <a:r>
+              <a:rPr lang="en-US" dirty="0">
+                <a:latin typeface="Calibri"/>
+                <a:ea typeface="Calibri"/>
+                <a:cs typeface="Calibri"/>
+                <a:sym typeface="Calibri"/>
+              </a:rPr>
+              <a:t> Nexus Integration Team, pueden </a:t>
+            </a:r>
+            <a:r>
+              <a:rPr lang="en-US" dirty="0" err="1">
+                <a:latin typeface="Calibri"/>
+                <a:ea typeface="Calibri"/>
+                <a:cs typeface="Calibri"/>
+                <a:sym typeface="Calibri"/>
+              </a:rPr>
+              <a:t>trabajar</a:t>
+            </a:r>
+            <a:r>
+              <a:rPr lang="en-US" dirty="0">
+                <a:latin typeface="Calibri"/>
+                <a:ea typeface="Calibri"/>
+                <a:cs typeface="Calibri"/>
+                <a:sym typeface="Calibri"/>
+              </a:rPr>
+              <a:t> </a:t>
+            </a:r>
+            <a:r>
+              <a:rPr lang="en-US" dirty="0" err="1">
+                <a:latin typeface="Calibri"/>
+                <a:ea typeface="Calibri"/>
+                <a:cs typeface="Calibri"/>
+                <a:sym typeface="Calibri"/>
+              </a:rPr>
+              <a:t>como</a:t>
+            </a:r>
+            <a:r>
+              <a:rPr lang="en-US" dirty="0">
+                <a:latin typeface="Calibri"/>
+                <a:ea typeface="Calibri"/>
+                <a:cs typeface="Calibri"/>
+                <a:sym typeface="Calibri"/>
+              </a:rPr>
+              <a:t> </a:t>
+            </a:r>
+            <a:r>
+              <a:rPr lang="en-US" dirty="0" err="1">
+                <a:latin typeface="Calibri"/>
+                <a:ea typeface="Calibri"/>
+                <a:cs typeface="Calibri"/>
+                <a:sym typeface="Calibri"/>
+              </a:rPr>
+              <a:t>miembros</a:t>
+            </a:r>
+            <a:r>
+              <a:rPr lang="en-US" dirty="0">
+                <a:latin typeface="Calibri"/>
+                <a:ea typeface="Calibri"/>
+                <a:cs typeface="Calibri"/>
+                <a:sym typeface="Calibri"/>
+              </a:rPr>
+              <a:t> de </a:t>
+            </a:r>
+            <a:r>
+              <a:rPr lang="en-US" dirty="0" err="1">
+                <a:latin typeface="Calibri"/>
+                <a:ea typeface="Calibri"/>
+                <a:cs typeface="Calibri"/>
+                <a:sym typeface="Calibri"/>
+              </a:rPr>
+              <a:t>equipo</a:t>
+            </a:r>
+            <a:r>
+              <a:rPr lang="en-US" dirty="0">
+                <a:latin typeface="Calibri"/>
+                <a:ea typeface="Calibri"/>
+                <a:cs typeface="Calibri"/>
+                <a:sym typeface="Calibri"/>
+              </a:rPr>
+              <a:t> en sus </a:t>
+            </a:r>
+            <a:r>
+              <a:rPr lang="en-US" dirty="0" err="1">
+                <a:latin typeface="Calibri"/>
+                <a:ea typeface="Calibri"/>
+                <a:cs typeface="Calibri"/>
+                <a:sym typeface="Calibri"/>
+              </a:rPr>
+              <a:t>respectivos</a:t>
+            </a:r>
+            <a:r>
+              <a:rPr lang="en-US" dirty="0">
+                <a:latin typeface="Calibri"/>
+                <a:ea typeface="Calibri"/>
+                <a:cs typeface="Calibri"/>
+                <a:sym typeface="Calibri"/>
+              </a:rPr>
+              <a:t> Scrum Teams. </a:t>
+            </a:r>
+            <a:r>
+              <a:rPr lang="en-US" dirty="0" err="1">
+                <a:latin typeface="Calibri"/>
+                <a:ea typeface="Calibri"/>
+                <a:cs typeface="Calibri"/>
+                <a:sym typeface="Calibri"/>
+              </a:rPr>
+              <a:t>Esta</a:t>
+            </a:r>
+            <a:r>
+              <a:rPr lang="en-US" dirty="0">
+                <a:latin typeface="Calibri"/>
+                <a:ea typeface="Calibri"/>
+                <a:cs typeface="Calibri"/>
+                <a:sym typeface="Calibri"/>
+              </a:rPr>
+              <a:t> </a:t>
+            </a:r>
+            <a:r>
+              <a:rPr lang="en-US" dirty="0" err="1">
+                <a:latin typeface="Calibri"/>
+                <a:ea typeface="Calibri"/>
+                <a:cs typeface="Calibri"/>
+                <a:sym typeface="Calibri"/>
+              </a:rPr>
+              <a:t>preferencia</a:t>
+            </a:r>
+            <a:r>
+              <a:rPr lang="en-US" dirty="0">
+                <a:latin typeface="Calibri"/>
+                <a:ea typeface="Calibri"/>
+                <a:cs typeface="Calibri"/>
+                <a:sym typeface="Calibri"/>
+              </a:rPr>
+              <a:t> </a:t>
+            </a:r>
+            <a:r>
+              <a:rPr lang="en-US" dirty="0" err="1">
+                <a:latin typeface="Calibri"/>
+                <a:ea typeface="Calibri"/>
+                <a:cs typeface="Calibri"/>
+                <a:sym typeface="Calibri"/>
+              </a:rPr>
+              <a:t>ayuda</a:t>
+            </a:r>
+            <a:r>
+              <a:rPr lang="en-US" dirty="0">
+                <a:latin typeface="Calibri"/>
+                <a:ea typeface="Calibri"/>
+                <a:cs typeface="Calibri"/>
+                <a:sym typeface="Calibri"/>
+              </a:rPr>
+              <a:t> a </a:t>
+            </a:r>
+            <a:r>
+              <a:rPr lang="en-US" dirty="0" err="1">
+                <a:latin typeface="Calibri"/>
+                <a:ea typeface="Calibri"/>
+                <a:cs typeface="Calibri"/>
+                <a:sym typeface="Calibri"/>
+              </a:rPr>
+              <a:t>garantizar</a:t>
+            </a:r>
+            <a:r>
+              <a:rPr lang="en-US" dirty="0">
+                <a:latin typeface="Calibri"/>
+                <a:ea typeface="Calibri"/>
+                <a:cs typeface="Calibri"/>
+                <a:sym typeface="Calibri"/>
+              </a:rPr>
+              <a:t> que el </a:t>
+            </a:r>
+            <a:r>
+              <a:rPr lang="en-US" dirty="0" err="1">
+                <a:latin typeface="Calibri"/>
+                <a:ea typeface="Calibri"/>
+                <a:cs typeface="Calibri"/>
+                <a:sym typeface="Calibri"/>
+              </a:rPr>
+              <a:t>trabajo</a:t>
+            </a:r>
+            <a:r>
+              <a:rPr lang="en-US" dirty="0">
+                <a:latin typeface="Calibri"/>
+                <a:ea typeface="Calibri"/>
+                <a:cs typeface="Calibri"/>
+                <a:sym typeface="Calibri"/>
+              </a:rPr>
+              <a:t> para resolver los </a:t>
+            </a:r>
+            <a:r>
+              <a:rPr lang="en-US" dirty="0" err="1">
+                <a:latin typeface="Calibri"/>
+                <a:ea typeface="Calibri"/>
+                <a:cs typeface="Calibri"/>
+                <a:sym typeface="Calibri"/>
+              </a:rPr>
+              <a:t>problemas</a:t>
+            </a:r>
+            <a:r>
+              <a:rPr lang="en-US" dirty="0">
+                <a:latin typeface="Calibri"/>
+                <a:ea typeface="Calibri"/>
+                <a:cs typeface="Calibri"/>
+                <a:sym typeface="Calibri"/>
+              </a:rPr>
+              <a:t> que </a:t>
+            </a:r>
+            <a:r>
+              <a:rPr lang="en-US" dirty="0" err="1">
+                <a:latin typeface="Calibri"/>
+                <a:ea typeface="Calibri"/>
+                <a:cs typeface="Calibri"/>
+                <a:sym typeface="Calibri"/>
+              </a:rPr>
+              <a:t>afectan</a:t>
+            </a:r>
+            <a:r>
+              <a:rPr lang="en-US" dirty="0">
+                <a:latin typeface="Calibri"/>
+                <a:ea typeface="Calibri"/>
+                <a:cs typeface="Calibri"/>
+                <a:sym typeface="Calibri"/>
+              </a:rPr>
+              <a:t> a </a:t>
+            </a:r>
+            <a:r>
+              <a:rPr lang="en-US" dirty="0" err="1">
+                <a:latin typeface="Calibri"/>
+                <a:ea typeface="Calibri"/>
+                <a:cs typeface="Calibri"/>
+                <a:sym typeface="Calibri"/>
+              </a:rPr>
+              <a:t>varios</a:t>
+            </a:r>
+            <a:r>
+              <a:rPr lang="en-US" dirty="0">
+                <a:latin typeface="Calibri"/>
+                <a:ea typeface="Calibri"/>
+                <a:cs typeface="Calibri"/>
+                <a:sym typeface="Calibri"/>
+              </a:rPr>
+              <a:t> </a:t>
+            </a:r>
+            <a:r>
+              <a:rPr lang="en-US" dirty="0" err="1">
+                <a:latin typeface="Calibri"/>
+                <a:ea typeface="Calibri"/>
+                <a:cs typeface="Calibri"/>
+                <a:sym typeface="Calibri"/>
+              </a:rPr>
+              <a:t>equipos</a:t>
+            </a:r>
+            <a:r>
+              <a:rPr lang="en-US" dirty="0">
+                <a:latin typeface="Calibri"/>
+                <a:ea typeface="Calibri"/>
+                <a:cs typeface="Calibri"/>
+                <a:sym typeface="Calibri"/>
+              </a:rPr>
+              <a:t> </a:t>
+            </a:r>
+            <a:r>
+              <a:rPr lang="en-US" dirty="0" err="1">
+                <a:latin typeface="Calibri"/>
+                <a:ea typeface="Calibri"/>
+                <a:cs typeface="Calibri"/>
+                <a:sym typeface="Calibri"/>
+              </a:rPr>
+              <a:t>tenga</a:t>
+            </a:r>
+            <a:r>
+              <a:rPr lang="en-US" dirty="0">
+                <a:latin typeface="Calibri"/>
+                <a:ea typeface="Calibri"/>
+                <a:cs typeface="Calibri"/>
+                <a:sym typeface="Calibri"/>
+              </a:rPr>
+              <a:t> </a:t>
+            </a:r>
+            <a:r>
+              <a:rPr lang="en-US" dirty="0" err="1">
+                <a:latin typeface="Calibri"/>
+                <a:ea typeface="Calibri"/>
+                <a:cs typeface="Calibri"/>
+                <a:sym typeface="Calibri"/>
+              </a:rPr>
+              <a:t>prioridad</a:t>
+            </a:r>
+            <a:r>
+              <a:rPr lang="en-US" dirty="0">
+                <a:latin typeface="Calibri"/>
+                <a:ea typeface="Calibri"/>
+                <a:cs typeface="Calibri"/>
+                <a:sym typeface="Calibri"/>
+              </a:rPr>
+              <a:t>.</a:t>
+            </a:r>
+            <a:endParaRPr dirty="0"/>
+          </a:p>
+          <a:p>
+            <a:pPr marL="0" lvl="0" indent="0" algn="l" rtl="0">
+              <a:lnSpc>
+                <a:spcPct val="100000"/>
+              </a:lnSpc>
+              <a:spcBef>
+                <a:spcPts val="0"/>
+              </a:spcBef>
+              <a:spcAft>
+                <a:spcPts val="0"/>
+              </a:spcAft>
+              <a:buSzPts val="1100"/>
+              <a:buNone/>
+            </a:pPr>
+            <a:endParaRPr dirty="0"/>
           </a:p>
         </p:txBody>
       </p:sp>
@@ -4582,10 +9146,114 @@
               <a:buNone/>
             </a:pPr>
             <a:r>
-              <a:rPr lang="en-US"/>
-              <a:t> el Nexus Integration Team a menudo está formado por miembros de los Scrum Teams que ayudan a los Scrum Teams a adoptar herramientas y prácticas que contribuyen a mejorar la capacidad de los Scrum Teams para entregar un Integrated Increment útil y de valor que cumple con la Definición de Terminado.</a:t>
-            </a:r>
-            <a:endParaRPr/>
+              <a:rPr lang="en-US" dirty="0"/>
+              <a:t> el Nexus Integration Team a menudo </a:t>
+            </a:r>
+            <a:r>
+              <a:rPr lang="en-US" dirty="0" err="1"/>
+              <a:t>está</a:t>
+            </a:r>
+            <a:r>
+              <a:rPr lang="en-US" dirty="0"/>
+              <a:t> </a:t>
+            </a:r>
+            <a:r>
+              <a:rPr lang="en-US" dirty="0" err="1"/>
+              <a:t>formado</a:t>
+            </a:r>
+            <a:r>
+              <a:rPr lang="en-US" dirty="0"/>
+              <a:t> por </a:t>
+            </a:r>
+            <a:r>
+              <a:rPr lang="en-US" dirty="0" err="1"/>
+              <a:t>miembros</a:t>
+            </a:r>
+            <a:r>
+              <a:rPr lang="en-US" dirty="0"/>
+              <a:t> de los Scrum Teams que </a:t>
+            </a:r>
+            <a:r>
+              <a:rPr lang="en-US" dirty="0" err="1"/>
+              <a:t>ayudan</a:t>
+            </a:r>
+            <a:r>
+              <a:rPr lang="en-US" dirty="0"/>
+              <a:t> a los Scrum Teams a </a:t>
+            </a:r>
+            <a:r>
+              <a:rPr lang="en-US" dirty="0" err="1"/>
+              <a:t>adoptar</a:t>
+            </a:r>
+            <a:r>
+              <a:rPr lang="en-US" dirty="0"/>
+              <a:t> </a:t>
+            </a:r>
+            <a:r>
+              <a:rPr lang="en-US" dirty="0" err="1"/>
+              <a:t>herramientas</a:t>
+            </a:r>
+            <a:r>
+              <a:rPr lang="en-US" dirty="0"/>
+              <a:t> y </a:t>
+            </a:r>
+            <a:r>
+              <a:rPr lang="en-US" dirty="0" err="1"/>
+              <a:t>prácticas</a:t>
+            </a:r>
+            <a:r>
+              <a:rPr lang="en-US" dirty="0"/>
+              <a:t> que </a:t>
+            </a:r>
+            <a:r>
+              <a:rPr lang="en-US" dirty="0" err="1"/>
+              <a:t>contribuyen</a:t>
+            </a:r>
+            <a:r>
+              <a:rPr lang="en-US" dirty="0"/>
+              <a:t> a mejorar la </a:t>
+            </a:r>
+            <a:r>
+              <a:rPr lang="en-US" dirty="0" err="1"/>
+              <a:t>capacidad</a:t>
+            </a:r>
+            <a:r>
+              <a:rPr lang="en-US" dirty="0"/>
+              <a:t> de los Scrum Teams para </a:t>
+            </a:r>
+            <a:r>
+              <a:rPr lang="en-US" dirty="0" err="1"/>
+              <a:t>entregar</a:t>
+            </a:r>
+            <a:r>
+              <a:rPr lang="en-US" dirty="0"/>
+              <a:t> un Integrated Increment </a:t>
+            </a:r>
+            <a:r>
+              <a:rPr lang="en-US" dirty="0" err="1"/>
+              <a:t>útil</a:t>
+            </a:r>
+            <a:r>
+              <a:rPr lang="en-US" dirty="0"/>
+              <a:t> y de valor que </a:t>
+            </a:r>
+            <a:r>
+              <a:rPr lang="en-US" dirty="0" err="1"/>
+              <a:t>cumple</a:t>
+            </a:r>
+            <a:r>
+              <a:rPr lang="en-US" dirty="0"/>
+              <a:t> con la Definición de </a:t>
+            </a:r>
+            <a:r>
+              <a:rPr lang="en-US" dirty="0" err="1"/>
+              <a:t>Terminado</a:t>
+            </a:r>
+            <a:r>
+              <a:rPr lang="en-US" dirty="0"/>
+              <a:t>.</a:t>
+            </a:r>
+            <a:endParaRPr dirty="0"/>
           </a:p>
           <a:p>
             <a:pPr marL="0" lvl="0" indent="0" algn="l" rtl="0">
@@ -4601,7 +9269,7 @@
               <a:buSzPts val="1100"/>
               <a:buNone/>
             </a:pPr>
-            <a:endParaRPr/>
+            <a:endParaRPr dirty="0"/>
           </a:p>
         </p:txBody>
       </p:sp>
@@ -5656,6 +10324,14 @@
   <p:clrMapOvr>
     <a:masterClrMapping/>
   </p:clrMapOvr>
+  <mc:AlternateContent xmlns:mc="http://schemas.openxmlformats.org/markup-compatibility/2006">
+    <mc:Choice xmlns:p14="http://schemas.microsoft.com/office/powerpoint/2010/main" Requires="p14">
+      <p:transition spd="slow" p14:dur="2000" advClick="0" advTm="20000"/>
+    </mc:Choice>
+    <mc:Fallback>
+      <p:transition spd="slow" advClick="0" advTm="20000"/>
+    </mc:Fallback>
+  </mc:AlternateContent>
 </p:sldLayout>
 </file>
 
@@ -6648,6 +11324,14 @@
   <p:clrMapOvr>
     <a:masterClrMapping/>
   </p:clrMapOvr>
+  <mc:AlternateContent xmlns:mc="http://schemas.openxmlformats.org/markup-compatibility/2006">
+    <mc:Choice xmlns:p14="http://schemas.microsoft.com/office/powerpoint/2010/main" Requires="p14">
+      <p:transition spd="slow" p14:dur="2000" advClick="0" advTm="20000"/>
+    </mc:Choice>
+    <mc:Fallback>
+      <p:transition spd="slow" advClick="0" advTm="20000"/>
+    </mc:Fallback>
+  </mc:AlternateContent>
 </p:sldLayout>
 </file>
 
@@ -7607,6 +12291,14 @@
   <p:clrMapOvr>
     <a:masterClrMapping/>
   </p:clrMapOvr>
+  <mc:AlternateContent xmlns:mc="http://schemas.openxmlformats.org/markup-compatibility/2006">
+    <mc:Choice xmlns:p14="http://schemas.microsoft.com/office/powerpoint/2010/main" Requires="p14">
+      <p:transition spd="slow" p14:dur="2000" advClick="0" advTm="20000"/>
+    </mc:Choice>
+    <mc:Fallback>
+      <p:transition spd="slow" advClick="0" advTm="20000"/>
+    </mc:Fallback>
+  </mc:AlternateContent>
 </p:sldLayout>
 </file>
 
@@ -8866,6 +13558,14 @@
   <p:clrMapOvr>
     <a:masterClrMapping/>
   </p:clrMapOvr>
+  <mc:AlternateContent xmlns:mc="http://schemas.openxmlformats.org/markup-compatibility/2006">
+    <mc:Choice xmlns:p14="http://schemas.microsoft.com/office/powerpoint/2010/main" Requires="p14">
+      <p:transition spd="slow" p14:dur="2000" advClick="0" advTm="20000"/>
+    </mc:Choice>
+    <mc:Fallback>
+      <p:transition spd="slow" advClick="0" advTm="20000"/>
+    </mc:Fallback>
+  </mc:AlternateContent>
 </p:sldLayout>
 </file>
 
@@ -9861,6 +14561,14 @@
   <p:clrMapOvr>
     <a:masterClrMapping/>
   </p:clrMapOvr>
+  <mc:AlternateContent xmlns:mc="http://schemas.openxmlformats.org/markup-compatibility/2006">
+    <mc:Choice xmlns:p14="http://schemas.microsoft.com/office/powerpoint/2010/main" Requires="p14">
+      <p:transition spd="slow" p14:dur="2000" advClick="0" advTm="20000"/>
+    </mc:Choice>
+    <mc:Fallback>
+      <p:transition spd="slow" advClick="0" advTm="20000"/>
+    </mc:Fallback>
+  </mc:AlternateContent>
 </p:sldLayout>
 </file>
 
@@ -11688,6 +16396,14 @@
   <p:clrMapOvr>
     <a:masterClrMapping/>
   </p:clrMapOvr>
+  <mc:AlternateContent xmlns:mc="http://schemas.openxmlformats.org/markup-compatibility/2006">
+    <mc:Choice xmlns:p14="http://schemas.microsoft.com/office/powerpoint/2010/main" Requires="p14">
+      <p:transition spd="slow" p14:dur="2000" advClick="0" advTm="20000"/>
+    </mc:Choice>
+    <mc:Fallback>
+      <p:transition spd="slow" advClick="0" advTm="20000"/>
+    </mc:Fallback>
+  </mc:AlternateContent>
 </p:sldLayout>
 </file>
 
@@ -13614,6 +18330,14 @@
   <p:clrMapOvr>
     <a:masterClrMapping/>
   </p:clrMapOvr>
+  <mc:AlternateContent xmlns:mc="http://schemas.openxmlformats.org/markup-compatibility/2006">
+    <mc:Choice xmlns:p14="http://schemas.microsoft.com/office/powerpoint/2010/main" Requires="p14">
+      <p:transition spd="slow" p14:dur="2000" advClick="0" advTm="20000"/>
+    </mc:Choice>
+    <mc:Fallback>
+      <p:transition spd="slow" advClick="0" advTm="20000"/>
+    </mc:Fallback>
+  </mc:AlternateContent>
 </p:sldLayout>
 </file>
 
@@ -14572,6 +19296,14 @@
   <p:clrMapOvr>
     <a:masterClrMapping/>
   </p:clrMapOvr>
+  <mc:AlternateContent xmlns:mc="http://schemas.openxmlformats.org/markup-compatibility/2006">
+    <mc:Choice xmlns:p14="http://schemas.microsoft.com/office/powerpoint/2010/main" Requires="p14">
+      <p:transition spd="slow" p14:dur="2000" advClick="0" advTm="20000"/>
+    </mc:Choice>
+    <mc:Fallback>
+      <p:transition spd="slow" advClick="0" advTm="20000"/>
+    </mc:Fallback>
+  </mc:AlternateContent>
 </p:sldLayout>
 </file>
 
@@ -15530,6 +20262,14 @@
   <p:clrMapOvr>
     <a:masterClrMapping/>
   </p:clrMapOvr>
+  <mc:AlternateContent xmlns:mc="http://schemas.openxmlformats.org/markup-compatibility/2006">
+    <mc:Choice xmlns:p14="http://schemas.microsoft.com/office/powerpoint/2010/main" Requires="p14">
+      <p:transition spd="slow" p14:dur="2000" advClick="0" advTm="20000"/>
+    </mc:Choice>
+    <mc:Fallback>
+      <p:transition spd="slow" advClick="0" advTm="20000"/>
+    </mc:Fallback>
+  </mc:AlternateContent>
 </p:sldLayout>
 </file>
 
@@ -16488,6 +21228,14 @@
   <p:clrMapOvr>
     <a:masterClrMapping/>
   </p:clrMapOvr>
+  <mc:AlternateContent xmlns:mc="http://schemas.openxmlformats.org/markup-compatibility/2006">
+    <mc:Choice xmlns:p14="http://schemas.microsoft.com/office/powerpoint/2010/main" Requires="p14">
+      <p:transition spd="slow" p14:dur="2000" advClick="0" advTm="20000"/>
+    </mc:Choice>
+    <mc:Fallback>
+      <p:transition spd="slow" advClick="0" advTm="20000"/>
+    </mc:Fallback>
+  </mc:AlternateContent>
 </p:sldLayout>
 </file>
 
@@ -17483,6 +22231,14 @@
   <p:clrMapOvr>
     <a:masterClrMapping/>
   </p:clrMapOvr>
+  <mc:AlternateContent xmlns:mc="http://schemas.openxmlformats.org/markup-compatibility/2006">
+    <mc:Choice xmlns:p14="http://schemas.microsoft.com/office/powerpoint/2010/main" Requires="p14">
+      <p:transition spd="slow" p14:dur="2000" advClick="0" advTm="20000"/>
+    </mc:Choice>
+    <mc:Fallback>
+      <p:transition spd="slow" advClick="0" advTm="20000"/>
+    </mc:Fallback>
+  </mc:AlternateContent>
 </p:sldLayout>
 </file>
 
@@ -18601,6 +23357,14 @@
   <p:clrMapOvr>
     <a:masterClrMapping/>
   </p:clrMapOvr>
+  <mc:AlternateContent xmlns:mc="http://schemas.openxmlformats.org/markup-compatibility/2006">
+    <mc:Choice xmlns:p14="http://schemas.microsoft.com/office/powerpoint/2010/main" Requires="p14">
+      <p:transition spd="slow" p14:dur="2000" advClick="0" advTm="20000"/>
+    </mc:Choice>
+    <mc:Fallback>
+      <p:transition spd="slow" advClick="0" advTm="20000"/>
+    </mc:Fallback>
+  </mc:AlternateContent>
 </p:sldLayout>
 </file>
 
@@ -20048,6 +24812,14 @@
   <p:clrMapOvr>
     <a:masterClrMapping/>
   </p:clrMapOvr>
+  <mc:AlternateContent xmlns:mc="http://schemas.openxmlformats.org/markup-compatibility/2006">
+    <mc:Choice xmlns:p14="http://schemas.microsoft.com/office/powerpoint/2010/main" Requires="p14">
+      <p:transition spd="slow" p14:dur="2000" advClick="0" advTm="20000"/>
+    </mc:Choice>
+    <mc:Fallback>
+      <p:transition spd="slow" advClick="0" advTm="20000"/>
+    </mc:Fallback>
+  </mc:AlternateContent>
 </p:sldLayout>
 </file>
 
@@ -20846,6 +25618,14 @@
   <p:clrMapOvr>
     <a:masterClrMapping/>
   </p:clrMapOvr>
+  <mc:AlternateContent xmlns:mc="http://schemas.openxmlformats.org/markup-compatibility/2006">
+    <mc:Choice xmlns:p14="http://schemas.microsoft.com/office/powerpoint/2010/main" Requires="p14">
+      <p:transition spd="slow" p14:dur="2000" advClick="0" advTm="20000"/>
+    </mc:Choice>
+    <mc:Fallback>
+      <p:transition spd="slow" advClick="0" advTm="20000"/>
+    </mc:Fallback>
+  </mc:AlternateContent>
 </p:sldLayout>
 </file>
 
@@ -21481,6 +26261,14 @@
   <p:clrMapOvr>
     <a:masterClrMapping/>
   </p:clrMapOvr>
+  <mc:AlternateContent xmlns:mc="http://schemas.openxmlformats.org/markup-compatibility/2006">
+    <mc:Choice xmlns:p14="http://schemas.microsoft.com/office/powerpoint/2010/main" Requires="p14">
+      <p:transition spd="slow" p14:dur="2000" advClick="0" advTm="20000"/>
+    </mc:Choice>
+    <mc:Fallback>
+      <p:transition spd="slow" advClick="0" advTm="20000"/>
+    </mc:Fallback>
+  </mc:AlternateContent>
 </p:sldLayout>
 </file>
 
@@ -22600,6 +27388,14 @@
   <p:clrMapOvr>
     <a:masterClrMapping/>
   </p:clrMapOvr>
+  <mc:AlternateContent xmlns:mc="http://schemas.openxmlformats.org/markup-compatibility/2006">
+    <mc:Choice xmlns:p14="http://schemas.microsoft.com/office/powerpoint/2010/main" Requires="p14">
+      <p:transition spd="slow" p14:dur="2000" advClick="0" advTm="20000"/>
+    </mc:Choice>
+    <mc:Fallback>
+      <p:transition spd="slow" advClick="0" advTm="20000"/>
+    </mc:Fallback>
+  </mc:AlternateContent>
 </p:sldLayout>
 </file>
 
@@ -23592,6 +28388,14 @@
   <p:clrMapOvr>
     <a:masterClrMapping/>
   </p:clrMapOvr>
+  <mc:AlternateContent xmlns:mc="http://schemas.openxmlformats.org/markup-compatibility/2006">
+    <mc:Choice xmlns:p14="http://schemas.microsoft.com/office/powerpoint/2010/main" Requires="p14">
+      <p:transition spd="slow" p14:dur="2000" advClick="0" advTm="20000"/>
+    </mc:Choice>
+    <mc:Fallback>
+      <p:transition spd="slow" advClick="0" advTm="20000"/>
+    </mc:Fallback>
+  </mc:AlternateContent>
 </p:sldLayout>
 </file>
 
@@ -25261,6 +30065,14 @@
     <p:sldLayoutId id="2147483664" r:id="rId16"/>
     <p:sldLayoutId id="2147483665" r:id="rId17"/>
   </p:sldLayoutIdLst>
+  <mc:AlternateContent xmlns:mc="http://schemas.openxmlformats.org/markup-compatibility/2006">
+    <mc:Choice xmlns:p14="http://schemas.microsoft.com/office/powerpoint/2010/main" Requires="p14">
+      <p:transition spd="slow" p14:dur="2000" advClick="0" advTm="20000"/>
+    </mc:Choice>
+    <mc:Fallback>
+      <p:transition spd="slow" advClick="0" advTm="20000"/>
+    </mc:Fallback>
+  </mc:AlternateContent>
   <p:hf sldNum="0" hdr="0" ftr="0" dt="0"/>
   <p:txStyles>
     <p:titleStyle>
@@ -26344,28 +31156,12 @@
               <a:buNone/>
             </a:pPr>
             <a:r>
-              <a:rPr lang="en-US" sz="3900" b="1" u="sng" dirty="0" err="1">
-                <a:solidFill>
-                  <a:schemeClr val="dk1"/>
-                </a:solidFill>
-              </a:rPr>
-              <a:t>Catedra</a:t>
-            </a:r>
-            <a:r>
               <a:rPr lang="en-US" sz="3900" b="1" u="sng" dirty="0">
                 <a:solidFill>
                   <a:schemeClr val="dk1"/>
                 </a:solidFill>
               </a:rPr>
-              <a:t>:</a:t>
-            </a:r>
-            <a:r>
-              <a:rPr lang="en-US" sz="3900" u="sng" dirty="0">
-                <a:solidFill>
-                  <a:schemeClr val="dk1"/>
-                </a:solidFill>
-              </a:rPr>
-              <a:t/>
+              <a:t>Catedra:</a:t>
             </a:r>
             <a:br>
               <a:rPr lang="en-US" sz="3900" u="sng" dirty="0">
@@ -26375,20 +31171,12 @@
               </a:rPr>
             </a:br>
             <a:r>
-              <a:rPr lang="en-US" sz="3900" dirty="0" err="1">
-                <a:solidFill>
-                  <a:schemeClr val="dk1"/>
-                </a:solidFill>
-              </a:rPr>
-              <a:t>Ingeniería</a:t>
-            </a:r>
-            <a:r>
               <a:rPr lang="en-US" sz="3900" dirty="0">
                 <a:solidFill>
                   <a:schemeClr val="dk1"/>
                 </a:solidFill>
               </a:rPr>
-              <a:t> de Software</a:t>
+              <a:t>Ingeniería de Software</a:t>
             </a:r>
             <a:br>
               <a:rPr lang="en-US" sz="3900" dirty="0">
@@ -26398,7 +31186,7 @@
               </a:rPr>
             </a:br>
             <a:r>
-              <a:rPr lang="en-US" sz="2800" b="1" u="sng" dirty="0" err="1">
+              <a:rPr lang="en-US" sz="2800" b="1" u="sng" dirty="0">
                 <a:solidFill>
                   <a:schemeClr val="dk1"/>
                 </a:solidFill>
@@ -26412,14 +31200,6 @@
                 </a:solidFill>
               </a:rPr>
               <a:t>: Nexus</a:t>
-            </a:r>
-            <a:r>
-              <a:rPr lang="en-US" sz="3900" dirty="0">
-                <a:solidFill>
-                  <a:schemeClr val="dk1"/>
-                </a:solidFill>
-              </a:rPr>
-              <a:t/>
             </a:r>
             <a:br>
               <a:rPr lang="en-US" sz="3900" dirty="0">
@@ -26429,28 +31209,12 @@
               </a:rPr>
             </a:br>
             <a:r>
-              <a:rPr lang="en-US" sz="2400" b="1" u="sng" dirty="0" err="1">
-                <a:solidFill>
-                  <a:schemeClr val="dk1"/>
-                </a:solidFill>
-              </a:rPr>
-              <a:t>Grupo</a:t>
-            </a:r>
-            <a:r>
               <a:rPr lang="en-US" sz="2400" b="1" u="sng" dirty="0">
                 <a:solidFill>
                   <a:schemeClr val="dk1"/>
                 </a:solidFill>
               </a:rPr>
-              <a:t> 7</a:t>
-            </a:r>
-            <a:r>
-              <a:rPr lang="en-US" sz="4000" b="1" u="sng" dirty="0">
-                <a:solidFill>
-                  <a:schemeClr val="dk1"/>
-                </a:solidFill>
-              </a:rPr>
-              <a:t/>
+              <a:t>Grupo 7</a:t>
             </a:r>
             <a:br>
               <a:rPr lang="en-US" sz="4000" b="1" u="sng" dirty="0">
@@ -26459,14 +31223,6 @@
                 </a:solidFill>
               </a:rPr>
             </a:br>
-            <a:r>
-              <a:rPr lang="en-US" sz="3900" dirty="0">
-                <a:solidFill>
-                  <a:schemeClr val="dk1"/>
-                </a:solidFill>
-              </a:rPr>
-              <a:t/>
-            </a:r>
             <a:br>
               <a:rPr lang="en-US" sz="3900" dirty="0">
                 <a:solidFill>
@@ -26474,7 +31230,7 @@
                 </a:solidFill>
               </a:rPr>
             </a:br>
-            <a:endParaRPr sz="3900">
+            <a:endParaRPr sz="3900" dirty="0">
               <a:solidFill>
                 <a:schemeClr val="dk1"/>
               </a:solidFill>
@@ -26516,7 +31272,7 @@
           </a:bodyPr>
           <a:lstStyle/>
           <a:p>
-            <a:pPr marL="0" marR="0" lvl="0" indent="0" algn="l" rtl="0">
+            <a:pPr marL="0" marR="0" lvl="0" indent="0" algn="ctr" rtl="0">
               <a:lnSpc>
                 <a:spcPct val="100000"/>
               </a:lnSpc>
@@ -26533,15 +31289,18 @@
               <a:buFont typeface="Arial"/>
               <a:buNone/>
             </a:pPr>
-            <a:endParaRPr sz="1400" b="0" i="0" u="none" strike="noStrike" cap="none">
-              <a:solidFill>
-                <a:srgbClr val="000000"/>
-              </a:solidFill>
-              <a:latin typeface="Arial"/>
-              <a:ea typeface="Arial"/>
-              <a:cs typeface="Arial"/>
-              <a:sym typeface="Arial"/>
-            </a:endParaRPr>
+            <a:r>
+              <a:rPr lang="es-AR" sz="2000" b="0" i="0" u="none" strike="noStrike" cap="none" dirty="0">
+                <a:solidFill>
+                  <a:srgbClr val="000000"/>
+                </a:solidFill>
+                <a:latin typeface="Arial"/>
+                <a:ea typeface="Arial"/>
+                <a:cs typeface="Arial"/>
+                <a:sym typeface="Arial"/>
+              </a:rPr>
+              <a:t>1</a:t>
+            </a:r>
           </a:p>
         </p:txBody>
       </p:sp>
@@ -27071,6 +31830,14 @@
   <p:clrMapOvr>
     <a:masterClrMapping/>
   </p:clrMapOvr>
+  <mc:AlternateContent xmlns:mc="http://schemas.openxmlformats.org/markup-compatibility/2006">
+    <mc:Choice xmlns:p14="http://schemas.microsoft.com/office/powerpoint/2010/main" Requires="p14">
+      <p:transition spd="slow" p14:dur="2000" advClick="0" advTm="20000"/>
+    </mc:Choice>
+    <mc:Fallback>
+      <p:transition spd="slow" advClick="0" advTm="20000"/>
+    </mc:Fallback>
+  </mc:AlternateContent>
   <p:timing>
     <p:tnLst>
       <p:par>
@@ -27095,14 +31862,14 @@
                             </p:stCondLst>
                             <p:childTnLst>
                               <p:par>
-                                <p:cTn id="5" presetID="2" presetClass="exit" presetSubtype="8" fill="hold" nodeType="withEffect">
+                                <p:cTn id="5" presetID="2" presetClass="exit" presetSubtype="8" fill="hold" nodeType="afterEffect">
                                   <p:stCondLst>
                                     <p:cond delay="0"/>
                                   </p:stCondLst>
                                   <p:childTnLst>
                                     <p:anim calcmode="lin" valueType="num">
                                       <p:cBhvr additive="base">
-                                        <p:cTn id="6" dur="5000"/>
+                                        <p:cTn id="6" dur="19996"/>
                                         <p:tgtEl>
                                           <p:spTgt spid="159"/>
                                         </p:tgtEl>
@@ -27127,7 +31894,7 @@
                                       <p:cBhvr>
                                         <p:cTn id="7" dur="1" fill="hold">
                                           <p:stCondLst>
-                                            <p:cond delay="5000"/>
+                                            <p:cond delay="19999"/>
                                           </p:stCondLst>
                                         </p:cTn>
                                         <p:tgtEl>
@@ -27420,8 +32187,8 @@
         </p:blipFill>
         <p:spPr>
           <a:xfrm>
-            <a:off x="2277453" y="3422697"/>
-            <a:ext cx="7162800" cy="1314450"/>
+            <a:off x="35530" y="3422697"/>
+            <a:ext cx="12156470" cy="1314450"/>
           </a:xfrm>
           <a:prstGeom prst="rect">
             <a:avLst/>
@@ -27432,11 +32199,53 @@
           </a:ln>
         </p:spPr>
       </p:pic>
+      <p:sp>
+        <p:nvSpPr>
+          <p:cNvPr id="2" name="Rectángulo 1">
+            <a:extLst>
+              <a:ext uri="{FF2B5EF4-FFF2-40B4-BE49-F238E27FC236}">
+                <a16:creationId xmlns:a16="http://schemas.microsoft.com/office/drawing/2014/main" id="{D176ED93-6C63-4C6B-94EC-87776C998AE8}"/>
+              </a:ext>
+            </a:extLst>
+          </p:cNvPr>
+          <p:cNvSpPr/>
+          <p:nvPr/>
+        </p:nvSpPr>
+        <p:spPr>
+          <a:xfrm>
+            <a:off x="10581958" y="452718"/>
+            <a:ext cx="383438" cy="307777"/>
+          </a:xfrm>
+          <a:prstGeom prst="rect">
+            <a:avLst/>
+          </a:prstGeom>
+        </p:spPr>
+        <p:txBody>
+          <a:bodyPr wrap="none">
+            <a:spAutoFit/>
+          </a:bodyPr>
+          <a:lstStyle/>
+          <a:p>
+            <a:r>
+              <a:rPr lang="es-AR" dirty="0"/>
+              <a:t>10</a:t>
+            </a:r>
+          </a:p>
+        </p:txBody>
+      </p:sp>
     </p:spTree>
   </p:cSld>
   <p:clrMapOvr>
     <a:masterClrMapping/>
   </p:clrMapOvr>
+  <mc:AlternateContent xmlns:mc="http://schemas.openxmlformats.org/markup-compatibility/2006">
+    <mc:Choice xmlns:p14="http://schemas.microsoft.com/office/powerpoint/2010/main" Requires="p14">
+      <p:transition spd="slow" p14:dur="2000" advClick="0" advTm="20000"/>
+    </mc:Choice>
+    <mc:Fallback>
+      <p:transition spd="slow" advClick="0" advTm="20000"/>
+    </mc:Fallback>
+  </mc:AlternateContent>
   <p:timing>
     <p:tnLst>
       <p:par>
@@ -27461,14 +32270,14 @@
                             </p:stCondLst>
                             <p:childTnLst>
                               <p:par>
-                                <p:cTn id="5" presetID="2" presetClass="exit" presetSubtype="8" fill="hold" nodeType="withEffect">
+                                <p:cTn id="5" presetID="2" presetClass="exit" presetSubtype="8" fill="hold" nodeType="afterEffect">
                                   <p:stCondLst>
                                     <p:cond delay="0"/>
                                   </p:stCondLst>
                                   <p:childTnLst>
                                     <p:anim calcmode="lin" valueType="num">
                                       <p:cBhvr additive="base">
-                                        <p:cTn id="6" dur="5000"/>
+                                        <p:cTn id="6" dur="19996"/>
                                         <p:tgtEl>
                                           <p:spTgt spid="229"/>
                                         </p:tgtEl>
@@ -27493,7 +32302,7 @@
                                       <p:cBhvr>
                                         <p:cTn id="7" dur="1" fill="hold">
                                           <p:stCondLst>
-                                            <p:cond delay="5000"/>
+                                            <p:cond delay="19999"/>
                                           </p:stCondLst>
                                         </p:cTn>
                                         <p:tgtEl>
@@ -27793,11 +32602,53 @@
           </a:ln>
         </p:spPr>
       </p:pic>
+      <p:sp>
+        <p:nvSpPr>
+          <p:cNvPr id="2" name="Rectángulo 1">
+            <a:extLst>
+              <a:ext uri="{FF2B5EF4-FFF2-40B4-BE49-F238E27FC236}">
+                <a16:creationId xmlns:a16="http://schemas.microsoft.com/office/drawing/2014/main" id="{D61E8BF7-AC3D-4A26-8195-9258C35AC8BB}"/>
+              </a:ext>
+            </a:extLst>
+          </p:cNvPr>
+          <p:cNvSpPr/>
+          <p:nvPr/>
+        </p:nvSpPr>
+        <p:spPr>
+          <a:xfrm>
+            <a:off x="10581958" y="425008"/>
+            <a:ext cx="383438" cy="307777"/>
+          </a:xfrm>
+          <a:prstGeom prst="rect">
+            <a:avLst/>
+          </a:prstGeom>
+        </p:spPr>
+        <p:txBody>
+          <a:bodyPr wrap="none">
+            <a:spAutoFit/>
+          </a:bodyPr>
+          <a:lstStyle/>
+          <a:p>
+            <a:r>
+              <a:rPr lang="es-AR" dirty="0"/>
+              <a:t>11</a:t>
+            </a:r>
+          </a:p>
+        </p:txBody>
+      </p:sp>
     </p:spTree>
   </p:cSld>
   <p:clrMapOvr>
     <a:masterClrMapping/>
   </p:clrMapOvr>
+  <mc:AlternateContent xmlns:mc="http://schemas.openxmlformats.org/markup-compatibility/2006">
+    <mc:Choice xmlns:p14="http://schemas.microsoft.com/office/powerpoint/2010/main" Requires="p14">
+      <p:transition spd="slow" p14:dur="2000" advClick="0" advTm="20000"/>
+    </mc:Choice>
+    <mc:Fallback>
+      <p:transition spd="slow" advClick="0" advTm="20000"/>
+    </mc:Fallback>
+  </mc:AlternateContent>
   <p:timing>
     <p:tnLst>
       <p:par>
@@ -27822,14 +32673,14 @@
                             </p:stCondLst>
                             <p:childTnLst>
                               <p:par>
-                                <p:cTn id="5" presetID="2" presetClass="exit" presetSubtype="8" fill="hold" nodeType="withEffect">
+                                <p:cTn id="5" presetID="2" presetClass="exit" presetSubtype="8" fill="hold" nodeType="afterEffect">
                                   <p:stCondLst>
                                     <p:cond delay="0"/>
                                   </p:stCondLst>
                                   <p:childTnLst>
                                     <p:anim calcmode="lin" valueType="num">
                                       <p:cBhvr additive="base">
-                                        <p:cTn id="6" dur="5000"/>
+                                        <p:cTn id="6" dur="19996"/>
                                         <p:tgtEl>
                                           <p:spTgt spid="237"/>
                                         </p:tgtEl>
@@ -27854,7 +32705,7 @@
                                       <p:cBhvr>
                                         <p:cTn id="7" dur="1" fill="hold">
                                           <p:stCondLst>
-                                            <p:cond delay="5000"/>
+                                            <p:cond delay="19999"/>
                                           </p:stCondLst>
                                         </p:cTn>
                                         <p:tgtEl>
@@ -28034,7 +32885,7 @@
               <a:buSzPts val="1600"/>
               <a:buNone/>
             </a:pPr>
-            <a:endParaRPr/>
+            <a:endParaRPr dirty="0"/>
           </a:p>
         </p:txBody>
       </p:sp>
@@ -28100,11 +32951,83 @@
           </a:p>
         </p:txBody>
       </p:sp>
+      <p:pic>
+        <p:nvPicPr>
+          <p:cNvPr id="3" name="Imagen 2">
+            <a:extLst>
+              <a:ext uri="{FF2B5EF4-FFF2-40B4-BE49-F238E27FC236}">
+                <a16:creationId xmlns:a16="http://schemas.microsoft.com/office/drawing/2014/main" id="{78DBF49F-D885-4D31-9DD5-F95B88134DB3}"/>
+              </a:ext>
+            </a:extLst>
+          </p:cNvPr>
+          <p:cNvPicPr>
+            <a:picLocks noChangeAspect="1"/>
+          </p:cNvPicPr>
+          <p:nvPr/>
+        </p:nvPicPr>
+        <p:blipFill>
+          <a:blip r:embed="rId3"/>
+          <a:stretch>
+            <a:fillRect/>
+          </a:stretch>
+        </p:blipFill>
+        <p:spPr>
+          <a:xfrm>
+            <a:off x="0" y="2052919"/>
+            <a:ext cx="12192000" cy="4694922"/>
+          </a:xfrm>
+          <a:prstGeom prst="rect">
+            <a:avLst/>
+          </a:prstGeom>
+        </p:spPr>
+      </p:pic>
+      <p:sp>
+        <p:nvSpPr>
+          <p:cNvPr id="4" name="Rectángulo 3">
+            <a:extLst>
+              <a:ext uri="{FF2B5EF4-FFF2-40B4-BE49-F238E27FC236}">
+                <a16:creationId xmlns:a16="http://schemas.microsoft.com/office/drawing/2014/main" id="{EEC01C6A-D193-4830-B07E-3DEAB7A1B71A}"/>
+              </a:ext>
+            </a:extLst>
+          </p:cNvPr>
+          <p:cNvSpPr/>
+          <p:nvPr/>
+        </p:nvSpPr>
+        <p:spPr>
+          <a:xfrm>
+            <a:off x="10544635" y="298829"/>
+            <a:ext cx="383438" cy="307777"/>
+          </a:xfrm>
+          <a:prstGeom prst="rect">
+            <a:avLst/>
+          </a:prstGeom>
+        </p:spPr>
+        <p:txBody>
+          <a:bodyPr wrap="none">
+            <a:spAutoFit/>
+          </a:bodyPr>
+          <a:lstStyle/>
+          <a:p>
+            <a:r>
+              <a:rPr lang="es-AR" dirty="0"/>
+              <a:t>12</a:t>
+            </a:r>
+          </a:p>
+        </p:txBody>
+      </p:sp>
     </p:spTree>
   </p:cSld>
   <p:clrMapOvr>
     <a:masterClrMapping/>
   </p:clrMapOvr>
+  <mc:AlternateContent xmlns:mc="http://schemas.openxmlformats.org/markup-compatibility/2006">
+    <mc:Choice xmlns:p14="http://schemas.microsoft.com/office/powerpoint/2010/main" Requires="p14">
+      <p:transition spd="slow" p14:dur="2000" advClick="0" advTm="20000"/>
+    </mc:Choice>
+    <mc:Fallback>
+      <p:transition spd="slow" advClick="0" advTm="20000"/>
+    </mc:Fallback>
+  </mc:AlternateContent>
   <p:timing>
     <p:tnLst>
       <p:par>
@@ -28129,14 +33052,14 @@
                             </p:stCondLst>
                             <p:childTnLst>
                               <p:par>
-                                <p:cTn id="5" presetID="2" presetClass="exit" presetSubtype="8" fill="hold" nodeType="withEffect">
+                                <p:cTn id="5" presetID="2" presetClass="exit" presetSubtype="8" fill="hold" nodeType="afterEffect">
                                   <p:stCondLst>
                                     <p:cond delay="0"/>
                                   </p:stCondLst>
                                   <p:childTnLst>
                                     <p:anim calcmode="lin" valueType="num">
                                       <p:cBhvr additive="base">
-                                        <p:cTn id="6" dur="5000"/>
+                                        <p:cTn id="6" dur="19996"/>
                                         <p:tgtEl>
                                           <p:spTgt spid="246"/>
                                         </p:tgtEl>
@@ -28161,7 +33084,7 @@
                                       <p:cBhvr>
                                         <p:cTn id="7" dur="1" fill="hold">
                                           <p:stCondLst>
-                                            <p:cond delay="5000"/>
+                                            <p:cond delay="19999"/>
                                           </p:stCondLst>
                                         </p:cTn>
                                         <p:tgtEl>
@@ -28527,11 +33450,53 @@
           </a:effectLst>
         </p:spPr>
       </p:cxnSp>
+      <p:sp>
+        <p:nvSpPr>
+          <p:cNvPr id="2" name="Rectángulo 1">
+            <a:extLst>
+              <a:ext uri="{FF2B5EF4-FFF2-40B4-BE49-F238E27FC236}">
+                <a16:creationId xmlns:a16="http://schemas.microsoft.com/office/drawing/2014/main" id="{A01C0E3C-F1AF-4266-A15D-EC8F27645FD4}"/>
+              </a:ext>
+            </a:extLst>
+          </p:cNvPr>
+          <p:cNvSpPr/>
+          <p:nvPr/>
+        </p:nvSpPr>
+        <p:spPr>
+          <a:xfrm>
+            <a:off x="10544635" y="452718"/>
+            <a:ext cx="383438" cy="307777"/>
+          </a:xfrm>
+          <a:prstGeom prst="rect">
+            <a:avLst/>
+          </a:prstGeom>
+        </p:spPr>
+        <p:txBody>
+          <a:bodyPr wrap="none">
+            <a:spAutoFit/>
+          </a:bodyPr>
+          <a:lstStyle/>
+          <a:p>
+            <a:r>
+              <a:rPr lang="es-AR" dirty="0"/>
+              <a:t>13</a:t>
+            </a:r>
+          </a:p>
+        </p:txBody>
+      </p:sp>
     </p:spTree>
   </p:cSld>
   <p:clrMapOvr>
     <a:masterClrMapping/>
   </p:clrMapOvr>
+  <mc:AlternateContent xmlns:mc="http://schemas.openxmlformats.org/markup-compatibility/2006">
+    <mc:Choice xmlns:p14="http://schemas.microsoft.com/office/powerpoint/2010/main" Requires="p14">
+      <p:transition spd="slow" p14:dur="2000" advClick="0" advTm="20000"/>
+    </mc:Choice>
+    <mc:Fallback>
+      <p:transition spd="slow" advClick="0" advTm="20000"/>
+    </mc:Fallback>
+  </mc:AlternateContent>
   <p:timing>
     <p:tnLst>
       <p:par>
@@ -28556,14 +33521,14 @@
                             </p:stCondLst>
                             <p:childTnLst>
                               <p:par>
-                                <p:cTn id="5" presetID="2" presetClass="exit" presetSubtype="8" fill="hold" nodeType="withEffect">
+                                <p:cTn id="5" presetID="2" presetClass="exit" presetSubtype="8" fill="hold" nodeType="afterEffect">
                                   <p:stCondLst>
                                     <p:cond delay="0"/>
                                   </p:stCondLst>
                                   <p:childTnLst>
                                     <p:anim calcmode="lin" valueType="num">
                                       <p:cBhvr additive="base">
-                                        <p:cTn id="6" dur="5000"/>
+                                        <p:cTn id="6" dur="19996"/>
                                         <p:tgtEl>
                                           <p:spTgt spid="255"/>
                                         </p:tgtEl>
@@ -28588,7 +33553,7 @@
                                       <p:cBhvr>
                                         <p:cTn id="7" dur="1" fill="hold">
                                           <p:stCondLst>
-                                            <p:cond delay="5000"/>
+                                            <p:cond delay="19999"/>
                                           </p:stCondLst>
                                         </p:cTn>
                                         <p:tgtEl>
@@ -28665,7 +33630,7 @@
         </p:nvSpPr>
         <p:spPr>
           <a:xfrm>
-            <a:off x="646111" y="452718"/>
+            <a:off x="1103312" y="536809"/>
             <a:ext cx="9404723" cy="1400530"/>
           </a:xfrm>
           <a:prstGeom prst="rect">
@@ -28696,29 +33661,45 @@
               <a:buNone/>
             </a:pPr>
             <a:r>
-              <a:rPr lang="en-US" b="1" u="sng">
+              <a:rPr lang="en-US" b="1" u="sng" dirty="0" err="1">
                 <a:solidFill>
                   <a:schemeClr val="dk1"/>
                 </a:solidFill>
               </a:rPr>
-              <a:t>Eventos de Nexus</a:t>
-            </a:r>
-            <a:br>
-              <a:rPr lang="en-US" b="1" u="sng">
+              <a:t>Eventos</a:t>
+            </a:r>
+            <a:r>
+              <a:rPr lang="en-US" b="1" u="sng" dirty="0">
                 <a:solidFill>
                   <a:schemeClr val="dk1"/>
                 </a:solidFill>
               </a:rPr>
-            </a:br>
-            <a:r>
-              <a:rPr lang="en-US" b="1" u="sng">
+              <a:t> de Nexus</a:t>
+            </a:r>
+            <a:br>
+              <a:rPr lang="en-US" b="1" u="sng" dirty="0">
                 <a:solidFill>
                   <a:schemeClr val="dk1"/>
                 </a:solidFill>
               </a:rPr>
-              <a:t>Nexus Sprint Review</a:t>
-            </a:r>
-            <a:endParaRPr b="1" u="sng">
+            </a:br>
+            <a:r>
+              <a:rPr lang="en-US" b="1" u="sng" dirty="0" err="1">
+                <a:solidFill>
+                  <a:schemeClr val="dk1"/>
+                </a:solidFill>
+              </a:rPr>
+              <a:t>Nexus</a:t>
+            </a:r>
+            <a:r>
+              <a:rPr lang="en-US" b="1" u="sng" dirty="0">
+                <a:solidFill>
+                  <a:schemeClr val="dk1"/>
+                </a:solidFill>
+              </a:rPr>
+              <a:t> Sprint Review</a:t>
+            </a:r>
+            <a:endParaRPr b="1" u="sng" dirty="0">
               <a:solidFill>
                 <a:schemeClr val="dk1"/>
               </a:solidFill>
@@ -28768,7 +33749,7 @@
               <a:buSzPts val="1600"/>
               <a:buNone/>
             </a:pPr>
-            <a:endParaRPr/>
+            <a:endParaRPr dirty="0"/>
           </a:p>
         </p:txBody>
       </p:sp>
@@ -28849,8 +33830,8 @@
         </p:blipFill>
         <p:spPr>
           <a:xfrm>
-            <a:off x="1103312" y="2052918"/>
-            <a:ext cx="4992688" cy="4195481"/>
+            <a:off x="6096000" y="2052918"/>
+            <a:ext cx="6096000" cy="4656988"/>
           </a:xfrm>
           <a:prstGeom prst="rect">
             <a:avLst/>
@@ -28861,11 +33842,83 @@
           </a:ln>
         </p:spPr>
       </p:pic>
+      <p:pic>
+        <p:nvPicPr>
+          <p:cNvPr id="3" name="Imagen 2">
+            <a:extLst>
+              <a:ext uri="{FF2B5EF4-FFF2-40B4-BE49-F238E27FC236}">
+                <a16:creationId xmlns:a16="http://schemas.microsoft.com/office/drawing/2014/main" id="{69A8E887-99C5-47C3-8878-6E3B98A5ED91}"/>
+              </a:ext>
+            </a:extLst>
+          </p:cNvPr>
+          <p:cNvPicPr>
+            <a:picLocks noChangeAspect="1"/>
+          </p:cNvPicPr>
+          <p:nvPr/>
+        </p:nvPicPr>
+        <p:blipFill>
+          <a:blip r:embed="rId4"/>
+          <a:stretch>
+            <a:fillRect/>
+          </a:stretch>
+        </p:blipFill>
+        <p:spPr>
+          <a:xfrm>
+            <a:off x="0" y="2052918"/>
+            <a:ext cx="6096000" cy="4656988"/>
+          </a:xfrm>
+          <a:prstGeom prst="rect">
+            <a:avLst/>
+          </a:prstGeom>
+        </p:spPr>
+      </p:pic>
+      <p:sp>
+        <p:nvSpPr>
+          <p:cNvPr id="4" name="Rectángulo 3">
+            <a:extLst>
+              <a:ext uri="{FF2B5EF4-FFF2-40B4-BE49-F238E27FC236}">
+                <a16:creationId xmlns:a16="http://schemas.microsoft.com/office/drawing/2014/main" id="{7DFEA47F-DA6B-4436-936E-B4269ADBE936}"/>
+              </a:ext>
+            </a:extLst>
+          </p:cNvPr>
+          <p:cNvSpPr/>
+          <p:nvPr/>
+        </p:nvSpPr>
+        <p:spPr>
+          <a:xfrm>
+            <a:off x="10507313" y="298829"/>
+            <a:ext cx="446826" cy="307777"/>
+          </a:xfrm>
+          <a:prstGeom prst="rect">
+            <a:avLst/>
+          </a:prstGeom>
+        </p:spPr>
+        <p:txBody>
+          <a:bodyPr wrap="square">
+            <a:spAutoFit/>
+          </a:bodyPr>
+          <a:lstStyle/>
+          <a:p>
+            <a:r>
+              <a:rPr lang="es-AR" dirty="0"/>
+              <a:t>14</a:t>
+            </a:r>
+          </a:p>
+        </p:txBody>
+      </p:sp>
     </p:spTree>
   </p:cSld>
   <p:clrMapOvr>
     <a:masterClrMapping/>
   </p:clrMapOvr>
+  <mc:AlternateContent xmlns:mc="http://schemas.openxmlformats.org/markup-compatibility/2006">
+    <mc:Choice xmlns:p14="http://schemas.microsoft.com/office/powerpoint/2010/main" Requires="p14">
+      <p:transition spd="slow" p14:dur="2000" advClick="0" advTm="20000"/>
+    </mc:Choice>
+    <mc:Fallback>
+      <p:transition spd="slow" advClick="0" advTm="20000"/>
+    </mc:Fallback>
+  </mc:AlternateContent>
   <p:timing>
     <p:tnLst>
       <p:par>
@@ -28890,14 +33943,14 @@
                             </p:stCondLst>
                             <p:childTnLst>
                               <p:par>
-                                <p:cTn id="5" presetID="2" presetClass="exit" presetSubtype="8" fill="hold" nodeType="withEffect">
+                                <p:cTn id="5" presetID="2" presetClass="exit" presetSubtype="8" fill="hold" nodeType="afterEffect">
                                   <p:stCondLst>
                                     <p:cond delay="0"/>
                                   </p:stCondLst>
                                   <p:childTnLst>
                                     <p:anim calcmode="lin" valueType="num">
                                       <p:cBhvr additive="base">
-                                        <p:cTn id="6" dur="5000"/>
+                                        <p:cTn id="6" dur="19996"/>
                                         <p:tgtEl>
                                           <p:spTgt spid="264"/>
                                         </p:tgtEl>
@@ -28922,7 +33975,7 @@
                                       <p:cBhvr>
                                         <p:cTn id="7" dur="1" fill="hold">
                                           <p:stCondLst>
-                                            <p:cond delay="5000"/>
+                                            <p:cond delay="19999"/>
                                           </p:stCondLst>
                                         </p:cTn>
                                         <p:tgtEl>
@@ -29030,29 +34083,45 @@
               <a:buNone/>
             </a:pPr>
             <a:r>
-              <a:rPr lang="en-US" b="1" u="sng">
+              <a:rPr lang="en-US" b="1" u="sng" dirty="0" err="1">
                 <a:solidFill>
                   <a:schemeClr val="dk1"/>
                 </a:solidFill>
               </a:rPr>
-              <a:t>Eventos de Nexus</a:t>
-            </a:r>
-            <a:br>
-              <a:rPr lang="en-US" b="1" u="sng">
+              <a:t>Eventos</a:t>
+            </a:r>
+            <a:r>
+              <a:rPr lang="en-US" b="1" u="sng" dirty="0">
                 <a:solidFill>
                   <a:schemeClr val="dk1"/>
                 </a:solidFill>
               </a:rPr>
-            </a:br>
-            <a:r>
-              <a:rPr lang="en-US" b="1" u="sng">
+              <a:t> de Nexus</a:t>
+            </a:r>
+            <a:br>
+              <a:rPr lang="en-US" b="1" u="sng" dirty="0">
                 <a:solidFill>
                   <a:schemeClr val="dk1"/>
                 </a:solidFill>
               </a:rPr>
-              <a:t>Nexus Sprint Retrospective</a:t>
-            </a:r>
-            <a:endParaRPr b="1" u="sng">
+            </a:br>
+            <a:r>
+              <a:rPr lang="en-US" b="1" u="sng" dirty="0" err="1">
+                <a:solidFill>
+                  <a:schemeClr val="dk1"/>
+                </a:solidFill>
+              </a:rPr>
+              <a:t>Nexus</a:t>
+            </a:r>
+            <a:r>
+              <a:rPr lang="en-US" b="1" u="sng" dirty="0">
+                <a:solidFill>
+                  <a:schemeClr val="dk1"/>
+                </a:solidFill>
+              </a:rPr>
+              <a:t> Sprint Retrospective</a:t>
+            </a:r>
+            <a:endParaRPr b="1" u="sng" dirty="0">
               <a:solidFill>
                 <a:schemeClr val="dk1"/>
               </a:solidFill>
@@ -29222,11 +34291,53 @@
           </a:ln>
         </p:spPr>
       </p:pic>
+      <p:sp>
+        <p:nvSpPr>
+          <p:cNvPr id="2" name="Rectángulo 1">
+            <a:extLst>
+              <a:ext uri="{FF2B5EF4-FFF2-40B4-BE49-F238E27FC236}">
+                <a16:creationId xmlns:a16="http://schemas.microsoft.com/office/drawing/2014/main" id="{C563604F-DFF4-4B95-B105-2EBD05AD36B9}"/>
+              </a:ext>
+            </a:extLst>
+          </p:cNvPr>
+          <p:cNvSpPr/>
+          <p:nvPr/>
+        </p:nvSpPr>
+        <p:spPr>
+          <a:xfrm>
+            <a:off x="10507313" y="452718"/>
+            <a:ext cx="383438" cy="307777"/>
+          </a:xfrm>
+          <a:prstGeom prst="rect">
+            <a:avLst/>
+          </a:prstGeom>
+        </p:spPr>
+        <p:txBody>
+          <a:bodyPr wrap="none">
+            <a:spAutoFit/>
+          </a:bodyPr>
+          <a:lstStyle/>
+          <a:p>
+            <a:r>
+              <a:rPr lang="es-AR" dirty="0"/>
+              <a:t>15</a:t>
+            </a:r>
+          </a:p>
+        </p:txBody>
+      </p:sp>
     </p:spTree>
   </p:cSld>
   <p:clrMapOvr>
     <a:masterClrMapping/>
   </p:clrMapOvr>
+  <mc:AlternateContent xmlns:mc="http://schemas.openxmlformats.org/markup-compatibility/2006">
+    <mc:Choice xmlns:p14="http://schemas.microsoft.com/office/powerpoint/2010/main" Requires="p14">
+      <p:transition spd="slow" p14:dur="2000" advClick="0" advTm="20000"/>
+    </mc:Choice>
+    <mc:Fallback>
+      <p:transition spd="slow" advClick="0" advTm="20000"/>
+    </mc:Fallback>
+  </mc:AlternateContent>
   <p:timing>
     <p:tnLst>
       <p:par>
@@ -29251,14 +34362,14 @@
                             </p:stCondLst>
                             <p:childTnLst>
                               <p:par>
-                                <p:cTn id="5" presetID="2" presetClass="exit" presetSubtype="8" fill="hold" nodeType="withEffect">
+                                <p:cTn id="5" presetID="2" presetClass="exit" presetSubtype="8" fill="hold" nodeType="afterEffect">
                                   <p:stCondLst>
                                     <p:cond delay="0"/>
                                   </p:stCondLst>
                                   <p:childTnLst>
                                     <p:anim calcmode="lin" valueType="num">
                                       <p:cBhvr additive="base">
-                                        <p:cTn id="6" dur="5000"/>
+                                        <p:cTn id="6" dur="19996"/>
                                         <p:tgtEl>
                                           <p:spTgt spid="272"/>
                                         </p:tgtEl>
@@ -29283,7 +34394,7 @@
                                       <p:cBhvr>
                                         <p:cTn id="7" dur="1" fill="hold">
                                           <p:stCondLst>
-                                            <p:cond delay="5000"/>
+                                            <p:cond delay="19999"/>
                                           </p:stCondLst>
                                         </p:cTn>
                                         <p:tgtEl>
@@ -29413,10 +34524,6 @@
               </a:rPr>
               <a:t>Product Backlog</a:t>
             </a:r>
-            <a:r>
-              <a:rPr lang="en-US"/>
-              <a:t/>
-            </a:r>
             <a:br>
               <a:rPr lang="en-US"/>
             </a:br>
@@ -29572,11 +34679,53 @@
           <a:effectLst/>
         </p:spPr>
       </p:pic>
+      <p:sp>
+        <p:nvSpPr>
+          <p:cNvPr id="2" name="Rectángulo 1">
+            <a:extLst>
+              <a:ext uri="{FF2B5EF4-FFF2-40B4-BE49-F238E27FC236}">
+                <a16:creationId xmlns:a16="http://schemas.microsoft.com/office/drawing/2014/main" id="{0EC2B62B-2598-4C3D-A538-0491490E0A7F}"/>
+              </a:ext>
+            </a:extLst>
+          </p:cNvPr>
+          <p:cNvSpPr/>
+          <p:nvPr/>
+        </p:nvSpPr>
+        <p:spPr>
+          <a:xfrm>
+            <a:off x="10507313" y="499841"/>
+            <a:ext cx="383438" cy="307777"/>
+          </a:xfrm>
+          <a:prstGeom prst="rect">
+            <a:avLst/>
+          </a:prstGeom>
+        </p:spPr>
+        <p:txBody>
+          <a:bodyPr wrap="none">
+            <a:spAutoFit/>
+          </a:bodyPr>
+          <a:lstStyle/>
+          <a:p>
+            <a:r>
+              <a:rPr lang="es-AR" dirty="0"/>
+              <a:t>16</a:t>
+            </a:r>
+          </a:p>
+        </p:txBody>
+      </p:sp>
     </p:spTree>
   </p:cSld>
   <p:clrMapOvr>
     <a:masterClrMapping/>
   </p:clrMapOvr>
+  <mc:AlternateContent xmlns:mc="http://schemas.openxmlformats.org/markup-compatibility/2006">
+    <mc:Choice xmlns:p14="http://schemas.microsoft.com/office/powerpoint/2010/main" Requires="p14">
+      <p:transition spd="slow" p14:dur="2000" advClick="0" advTm="20000"/>
+    </mc:Choice>
+    <mc:Fallback>
+      <p:transition spd="slow" advClick="0" advTm="20000"/>
+    </mc:Fallback>
+  </mc:AlternateContent>
   <p:timing>
     <p:tnLst>
       <p:par>
@@ -29601,14 +34750,14 @@
                             </p:stCondLst>
                             <p:childTnLst>
                               <p:par>
-                                <p:cTn id="5" presetID="2" presetClass="exit" presetSubtype="8" fill="hold" nodeType="withEffect">
+                                <p:cTn id="5" presetID="2" presetClass="exit" presetSubtype="8" fill="hold" nodeType="afterEffect">
                                   <p:stCondLst>
                                     <p:cond delay="0"/>
                                   </p:stCondLst>
                                   <p:childTnLst>
                                     <p:anim calcmode="lin" valueType="num">
                                       <p:cBhvr additive="base">
-                                        <p:cTn id="6" dur="5000"/>
+                                        <p:cTn id="6" dur="19996"/>
                                         <p:tgtEl>
                                           <p:spTgt spid="281"/>
                                         </p:tgtEl>
@@ -29633,7 +34782,7 @@
                                       <p:cBhvr>
                                         <p:cTn id="7" dur="1" fill="hold">
                                           <p:stCondLst>
-                                            <p:cond delay="5000"/>
+                                            <p:cond delay="19999"/>
                                           </p:stCondLst>
                                         </p:cTn>
                                         <p:tgtEl>
@@ -29866,11 +35015,53 @@
           <a:effectLst/>
         </p:spPr>
       </p:pic>
+      <p:sp>
+        <p:nvSpPr>
+          <p:cNvPr id="2" name="Rectángulo 1">
+            <a:extLst>
+              <a:ext uri="{FF2B5EF4-FFF2-40B4-BE49-F238E27FC236}">
+                <a16:creationId xmlns:a16="http://schemas.microsoft.com/office/drawing/2014/main" id="{35A1D36E-F768-46EC-AB10-78E1123ED27C}"/>
+              </a:ext>
+            </a:extLst>
+          </p:cNvPr>
+          <p:cNvSpPr/>
+          <p:nvPr/>
+        </p:nvSpPr>
+        <p:spPr>
+          <a:xfrm>
+            <a:off x="10507313" y="455661"/>
+            <a:ext cx="383438" cy="307777"/>
+          </a:xfrm>
+          <a:prstGeom prst="rect">
+            <a:avLst/>
+          </a:prstGeom>
+        </p:spPr>
+        <p:txBody>
+          <a:bodyPr wrap="none">
+            <a:spAutoFit/>
+          </a:bodyPr>
+          <a:lstStyle/>
+          <a:p>
+            <a:r>
+              <a:rPr lang="es-AR" dirty="0"/>
+              <a:t>17</a:t>
+            </a:r>
+          </a:p>
+        </p:txBody>
+      </p:sp>
     </p:spTree>
   </p:cSld>
   <p:clrMapOvr>
     <a:masterClrMapping/>
   </p:clrMapOvr>
+  <mc:AlternateContent xmlns:mc="http://schemas.openxmlformats.org/markup-compatibility/2006">
+    <mc:Choice xmlns:p14="http://schemas.microsoft.com/office/powerpoint/2010/main" Requires="p14">
+      <p:transition spd="slow" p14:dur="2000" advClick="0" advTm="20000"/>
+    </mc:Choice>
+    <mc:Fallback>
+      <p:transition spd="slow" advClick="0" advTm="20000"/>
+    </mc:Fallback>
+  </mc:AlternateContent>
   <p:timing>
     <p:tnLst>
       <p:par>
@@ -29895,14 +35086,14 @@
                             </p:stCondLst>
                             <p:childTnLst>
                               <p:par>
-                                <p:cTn id="5" presetID="2" presetClass="exit" presetSubtype="8" fill="hold" nodeType="withEffect">
+                                <p:cTn id="5" presetID="2" presetClass="exit" presetSubtype="8" fill="hold" nodeType="afterEffect">
                                   <p:stCondLst>
                                     <p:cond delay="0"/>
                                   </p:stCondLst>
                                   <p:childTnLst>
                                     <p:anim calcmode="lin" valueType="num">
                                       <p:cBhvr additive="base">
-                                        <p:cTn id="6" dur="5000"/>
+                                        <p:cTn id="6" dur="19996"/>
                                         <p:tgtEl>
                                           <p:spTgt spid="288"/>
                                         </p:tgtEl>
@@ -29927,7 +35118,7 @@
                                       <p:cBhvr>
                                         <p:cTn id="7" dur="1" fill="hold">
                                           <p:stCondLst>
-                                            <p:cond delay="5000"/>
+                                            <p:cond delay="19999"/>
                                           </p:stCondLst>
                                         </p:cTn>
                                         <p:tgtEl>
@@ -30064,14 +35255,6 @@
                 </a:solidFill>
               </a:rPr>
               <a:t>compromisos</a:t>
-            </a:r>
-            <a:r>
-              <a:rPr lang="en-US" b="1" u="sng" dirty="0">
-                <a:solidFill>
-                  <a:schemeClr val="dk1"/>
-                </a:solidFill>
-              </a:rPr>
-              <a:t/>
             </a:r>
             <a:br>
               <a:rPr lang="en-US" b="1" u="sng" dirty="0">
@@ -30580,11 +35763,53 @@
           <a:effectLst/>
         </p:spPr>
       </p:pic>
+      <p:sp>
+        <p:nvSpPr>
+          <p:cNvPr id="2" name="Rectángulo 1">
+            <a:extLst>
+              <a:ext uri="{FF2B5EF4-FFF2-40B4-BE49-F238E27FC236}">
+                <a16:creationId xmlns:a16="http://schemas.microsoft.com/office/drawing/2014/main" id="{12853D34-423A-465D-B118-55574E360324}"/>
+              </a:ext>
+            </a:extLst>
+          </p:cNvPr>
+          <p:cNvSpPr/>
+          <p:nvPr/>
+        </p:nvSpPr>
+        <p:spPr>
+          <a:xfrm>
+            <a:off x="10400502" y="402246"/>
+            <a:ext cx="383438" cy="307777"/>
+          </a:xfrm>
+          <a:prstGeom prst="rect">
+            <a:avLst/>
+          </a:prstGeom>
+        </p:spPr>
+        <p:txBody>
+          <a:bodyPr wrap="none">
+            <a:spAutoFit/>
+          </a:bodyPr>
+          <a:lstStyle/>
+          <a:p>
+            <a:r>
+              <a:rPr lang="es-AR" dirty="0"/>
+              <a:t>18</a:t>
+            </a:r>
+          </a:p>
+        </p:txBody>
+      </p:sp>
     </p:spTree>
   </p:cSld>
   <p:clrMapOvr>
     <a:masterClrMapping/>
   </p:clrMapOvr>
+  <mc:AlternateContent xmlns:mc="http://schemas.openxmlformats.org/markup-compatibility/2006">
+    <mc:Choice xmlns:p14="http://schemas.microsoft.com/office/powerpoint/2010/main" Requires="p14">
+      <p:transition spd="slow" p14:dur="2000" advClick="0" advTm="20000"/>
+    </mc:Choice>
+    <mc:Fallback>
+      <p:transition spd="slow" advClick="0" advTm="20000"/>
+    </mc:Fallback>
+  </mc:AlternateContent>
   <p:timing>
     <p:tnLst>
       <p:par>
@@ -30609,14 +35834,14 @@
                             </p:stCondLst>
                             <p:childTnLst>
                               <p:par>
-                                <p:cTn id="5" presetID="2" presetClass="exit" presetSubtype="8" fill="hold" nodeType="withEffect">
+                                <p:cTn id="5" presetID="2" presetClass="exit" presetSubtype="8" fill="hold" nodeType="afterEffect">
                                   <p:stCondLst>
                                     <p:cond delay="0"/>
                                   </p:stCondLst>
                                   <p:childTnLst>
                                     <p:anim calcmode="lin" valueType="num">
                                       <p:cBhvr additive="base">
-                                        <p:cTn id="6" dur="5000"/>
+                                        <p:cTn id="6" dur="19996"/>
                                         <p:tgtEl>
                                           <p:spTgt spid="295"/>
                                         </p:tgtEl>
@@ -30641,7 +35866,7 @@
                                       <p:cBhvr>
                                         <p:cTn id="7" dur="1" fill="hold">
                                           <p:stCondLst>
-                                            <p:cond delay="5000"/>
+                                            <p:cond delay="19999"/>
                                           </p:stCondLst>
                                         </p:cTn>
                                         <p:tgtEl>
@@ -30735,7 +35960,7 @@
           </a:bodyPr>
           <a:lstStyle/>
           <a:p>
-            <a:pPr marL="0" lvl="0" indent="0" algn="l" rtl="0">
+            <a:pPr marL="0" lvl="0" indent="0" algn="ctr" rtl="0">
               <a:lnSpc>
                 <a:spcPct val="100000"/>
               </a:lnSpc>
@@ -30752,7 +35977,19 @@
               <a:buFont typeface="Century Gothic"/>
               <a:buNone/>
             </a:pPr>
-            <a:endParaRPr/>
+            <a:r>
+              <a:rPr lang="es-AR" b="1" u="sng" dirty="0">
+                <a:solidFill>
+                  <a:schemeClr val="tx1"/>
+                </a:solidFill>
+              </a:rPr>
+              <a:t>Nexus vs Nexus+</a:t>
+            </a:r>
+            <a:endParaRPr b="1" u="sng" dirty="0">
+              <a:solidFill>
+                <a:schemeClr val="tx1"/>
+              </a:solidFill>
+            </a:endParaRPr>
           </a:p>
         </p:txBody>
       </p:sp>
@@ -30798,7 +36035,7 @@
               <a:buSzPts val="1600"/>
               <a:buNone/>
             </a:pPr>
-            <a:endParaRPr/>
+            <a:endParaRPr dirty="0"/>
           </a:p>
         </p:txBody>
       </p:sp>
@@ -30864,11 +36101,83 @@
           </a:p>
         </p:txBody>
       </p:sp>
+      <p:pic>
+        <p:nvPicPr>
+          <p:cNvPr id="3" name="Imagen 2">
+            <a:extLst>
+              <a:ext uri="{FF2B5EF4-FFF2-40B4-BE49-F238E27FC236}">
+                <a16:creationId xmlns:a16="http://schemas.microsoft.com/office/drawing/2014/main" id="{1334FA91-39CC-410B-AA8A-26C0778A0B76}"/>
+              </a:ext>
+            </a:extLst>
+          </p:cNvPr>
+          <p:cNvPicPr>
+            <a:picLocks noChangeAspect="1"/>
+          </p:cNvPicPr>
+          <p:nvPr/>
+        </p:nvPicPr>
+        <p:blipFill>
+          <a:blip r:embed="rId3"/>
+          <a:stretch>
+            <a:fillRect/>
+          </a:stretch>
+        </p:blipFill>
+        <p:spPr>
+          <a:xfrm>
+            <a:off x="0" y="1660849"/>
+            <a:ext cx="12192000" cy="5049058"/>
+          </a:xfrm>
+          <a:prstGeom prst="rect">
+            <a:avLst/>
+          </a:prstGeom>
+        </p:spPr>
+      </p:pic>
+      <p:sp>
+        <p:nvSpPr>
+          <p:cNvPr id="4" name="Rectángulo 3">
+            <a:extLst>
+              <a:ext uri="{FF2B5EF4-FFF2-40B4-BE49-F238E27FC236}">
+                <a16:creationId xmlns:a16="http://schemas.microsoft.com/office/drawing/2014/main" id="{5599D95E-28D0-4BAF-99F6-F005ED9EF5C2}"/>
+              </a:ext>
+            </a:extLst>
+          </p:cNvPr>
+          <p:cNvSpPr/>
+          <p:nvPr/>
+        </p:nvSpPr>
+        <p:spPr>
+          <a:xfrm>
+            <a:off x="10554919" y="452718"/>
+            <a:ext cx="383438" cy="307777"/>
+          </a:xfrm>
+          <a:prstGeom prst="rect">
+            <a:avLst/>
+          </a:prstGeom>
+        </p:spPr>
+        <p:txBody>
+          <a:bodyPr wrap="none">
+            <a:spAutoFit/>
+          </a:bodyPr>
+          <a:lstStyle/>
+          <a:p>
+            <a:r>
+              <a:rPr lang="es-AR" dirty="0"/>
+              <a:t>19</a:t>
+            </a:r>
+          </a:p>
+        </p:txBody>
+      </p:sp>
     </p:spTree>
   </p:cSld>
   <p:clrMapOvr>
     <a:masterClrMapping/>
   </p:clrMapOvr>
+  <mc:AlternateContent xmlns:mc="http://schemas.openxmlformats.org/markup-compatibility/2006">
+    <mc:Choice xmlns:p14="http://schemas.microsoft.com/office/powerpoint/2010/main" Requires="p14">
+      <p:transition spd="slow" p14:dur="2000" advClick="0" advTm="20000"/>
+    </mc:Choice>
+    <mc:Fallback>
+      <p:transition spd="slow" advClick="0" advTm="20000"/>
+    </mc:Fallback>
+  </mc:AlternateContent>
   <p:timing>
     <p:tnLst>
       <p:par>
@@ -30893,14 +36202,14 @@
                             </p:stCondLst>
                             <p:childTnLst>
                               <p:par>
-                                <p:cTn id="5" presetID="2" presetClass="exit" presetSubtype="8" fill="hold" nodeType="withEffect">
+                                <p:cTn id="5" presetID="2" presetClass="exit" presetSubtype="8" fill="hold" nodeType="afterEffect">
                                   <p:stCondLst>
                                     <p:cond delay="0"/>
                                   </p:stCondLst>
                                   <p:childTnLst>
                                     <p:anim calcmode="lin" valueType="num">
                                       <p:cBhvr additive="base">
-                                        <p:cTn id="6" dur="5000"/>
+                                        <p:cTn id="6" dur="19996"/>
                                         <p:tgtEl>
                                           <p:spTgt spid="302"/>
                                         </p:tgtEl>
@@ -30925,7 +36234,7 @@
                                       <p:cBhvr>
                                         <p:cTn id="7" dur="1" fill="hold">
                                           <p:stCondLst>
-                                            <p:cond delay="5000"/>
+                                            <p:cond delay="19999"/>
                                           </p:stCondLst>
                                         </p:cTn>
                                         <p:tgtEl>
@@ -31071,10 +36380,6 @@
               </a:rPr>
               <a:t>Agenda</a:t>
             </a:r>
-            <a:r>
-              <a:rPr lang="en-US"/>
-              <a:t/>
-            </a:r>
             <a:br>
               <a:rPr lang="en-US"/>
             </a:br>
@@ -31182,7 +36487,7 @@
               <a:buNone/>
             </a:pPr>
             <a:r>
-              <a:rPr lang="en-US" sz="2000" b="1" i="0" u="sng" strike="noStrike" cap="none">
+              <a:rPr lang="en-US" sz="2000" b="1" i="0" u="sng" strike="noStrike" cap="none" dirty="0">
                 <a:solidFill>
                   <a:srgbClr val="000000"/>
                 </a:solidFill>
@@ -31193,7 +36498,7 @@
               </a:rPr>
               <a:t>Nexus</a:t>
             </a:r>
-            <a:endParaRPr/>
+            <a:endParaRPr dirty="0"/>
           </a:p>
           <a:p>
             <a:pPr marL="285750" marR="0" lvl="1" indent="-285750" algn="l" rtl="0">
@@ -31214,7 +36519,7 @@
               <a:buChar char="•"/>
             </a:pPr>
             <a:r>
-              <a:rPr lang="en-US" sz="1600" b="0" i="0" u="none" strike="noStrike" cap="none">
+              <a:rPr lang="en-US" sz="1600" b="0" i="0" u="none" strike="noStrike" cap="none" dirty="0">
                 <a:solidFill>
                   <a:srgbClr val="000000"/>
                 </a:solidFill>
@@ -31225,7 +36530,7 @@
               </a:rPr>
               <a:t>Definición </a:t>
             </a:r>
-            <a:endParaRPr/>
+            <a:endParaRPr dirty="0"/>
           </a:p>
           <a:p>
             <a:pPr marL="285750" marR="0" lvl="1" indent="-285750" algn="l" rtl="0">
@@ -31246,7 +36551,7 @@
               <a:buChar char="•"/>
             </a:pPr>
             <a:r>
-              <a:rPr lang="en-US" sz="1600" b="0" i="0" u="none" strike="noStrike" cap="none">
+              <a:rPr lang="en-US" sz="1600" b="0" i="0" u="none" strike="noStrike" cap="none" dirty="0" err="1">
                 <a:solidFill>
                   <a:srgbClr val="000000"/>
                 </a:solidFill>
@@ -31255,9 +36560,21 @@
                 <a:cs typeface="Arial"/>
                 <a:sym typeface="Arial"/>
               </a:rPr>
-              <a:t>Teoría </a:t>
-            </a:r>
-            <a:endParaRPr/>
+              <a:t>Teoría</a:t>
+            </a:r>
+            <a:r>
+              <a:rPr lang="en-US" sz="1600" b="0" i="0" u="none" strike="noStrike" cap="none" dirty="0">
+                <a:solidFill>
+                  <a:srgbClr val="000000"/>
+                </a:solidFill>
+                <a:latin typeface="Arial"/>
+                <a:ea typeface="Arial"/>
+                <a:cs typeface="Arial"/>
+                <a:sym typeface="Arial"/>
+              </a:rPr>
+              <a:t> </a:t>
+            </a:r>
+            <a:endParaRPr dirty="0"/>
           </a:p>
           <a:p>
             <a:pPr marL="285750" marR="0" lvl="1" indent="-285750" algn="l" rtl="0">
@@ -31278,7 +36595,7 @@
               <a:buChar char="•"/>
             </a:pPr>
             <a:r>
-              <a:rPr lang="en-US" sz="1600" b="0" i="0" u="none" strike="noStrike" cap="none">
+              <a:rPr lang="en-US" sz="1600" b="0" i="0" u="none" strike="noStrike" cap="none" dirty="0">
                 <a:solidFill>
                   <a:srgbClr val="000000"/>
                 </a:solidFill>
@@ -31287,9 +36604,33 @@
                 <a:cs typeface="Arial"/>
                 <a:sym typeface="Arial"/>
               </a:rPr>
-              <a:t>Marco de Trabajo </a:t>
-            </a:r>
-            <a:endParaRPr/>
+              <a:t>Marco de </a:t>
+            </a:r>
+            <a:r>
+              <a:rPr lang="en-US" sz="1600" b="0" i="0" u="none" strike="noStrike" cap="none" dirty="0" err="1">
+                <a:solidFill>
+                  <a:srgbClr val="000000"/>
+                </a:solidFill>
+                <a:latin typeface="Arial"/>
+                <a:ea typeface="Arial"/>
+                <a:cs typeface="Arial"/>
+                <a:sym typeface="Arial"/>
+              </a:rPr>
+              <a:t>Trabajo</a:t>
+            </a:r>
+            <a:r>
+              <a:rPr lang="en-US" sz="1600" b="0" i="0" u="none" strike="noStrike" cap="none" dirty="0">
+                <a:solidFill>
+                  <a:srgbClr val="000000"/>
+                </a:solidFill>
+                <a:latin typeface="Arial"/>
+                <a:ea typeface="Arial"/>
+                <a:cs typeface="Arial"/>
+                <a:sym typeface="Arial"/>
+              </a:rPr>
+              <a:t> </a:t>
+            </a:r>
+            <a:endParaRPr dirty="0"/>
           </a:p>
           <a:p>
             <a:pPr marL="285750" marR="0" lvl="1" indent="-285750" algn="l" rtl="0">
@@ -31310,7 +36651,7 @@
               <a:buChar char="•"/>
             </a:pPr>
             <a:r>
-              <a:rPr lang="en-US" sz="1600" b="0" i="0" u="none" strike="noStrike" cap="none">
+              <a:rPr lang="en-US" sz="1600" b="0" i="0" u="none" strike="noStrike" cap="none" dirty="0">
                 <a:solidFill>
                   <a:srgbClr val="000000"/>
                 </a:solidFill>
@@ -31321,7 +36662,7 @@
               </a:rPr>
               <a:t>Responsabilidades</a:t>
             </a:r>
-            <a:endParaRPr/>
+            <a:endParaRPr dirty="0"/>
           </a:p>
           <a:p>
             <a:pPr marL="285750" marR="0" lvl="2" indent="-285750" algn="l" rtl="0">
@@ -31342,7 +36683,7 @@
               <a:buChar char="•"/>
             </a:pPr>
             <a:r>
-              <a:rPr lang="en-US" sz="1600" b="0" i="0" u="none" strike="noStrike" cap="none">
+              <a:rPr lang="en-US" sz="1600" b="0" i="0" u="none" strike="noStrike" cap="none" dirty="0">
                 <a:solidFill>
                   <a:srgbClr val="000000"/>
                 </a:solidFill>
@@ -31351,9 +36692,9 @@
                 <a:cs typeface="Arial"/>
                 <a:sym typeface="Arial"/>
               </a:rPr>
-              <a:t>    Product Owner</a:t>
-            </a:r>
-            <a:endParaRPr/>
+              <a:t>    Un Product Owner</a:t>
+            </a:r>
+            <a:endParaRPr dirty="0"/>
           </a:p>
           <a:p>
             <a:pPr marL="285750" marR="0" lvl="4" indent="-285750" algn="l" rtl="0">
@@ -31374,7 +36715,7 @@
               <a:buChar char="•"/>
             </a:pPr>
             <a:r>
-              <a:rPr lang="en-US" sz="1600" b="0" i="0" u="none" strike="noStrike" cap="none">
+              <a:rPr lang="en-US" sz="1600" b="0" i="0" u="none" strike="noStrike" cap="none" dirty="0">
                 <a:solidFill>
                   <a:srgbClr val="000000"/>
                 </a:solidFill>
@@ -31383,9 +36724,9 @@
                 <a:cs typeface="Arial"/>
                 <a:sym typeface="Arial"/>
               </a:rPr>
-              <a:t>    Scrum Master    	</a:t>
-            </a:r>
-            <a:endParaRPr/>
+              <a:t>    Un Scrum Master    	</a:t>
+            </a:r>
+            <a:endParaRPr dirty="0"/>
           </a:p>
           <a:p>
             <a:pPr marL="285750" marR="0" lvl="2" indent="-285750" algn="l" rtl="0">
@@ -31406,7 +36747,7 @@
               <a:buChar char="•"/>
             </a:pPr>
             <a:r>
-              <a:rPr lang="en-US" sz="1600" b="0" i="0" u="none" strike="noStrike" cap="none">
+              <a:rPr lang="en-US" sz="1600" b="0" i="0" u="none" strike="noStrike" cap="none" dirty="0">
                 <a:solidFill>
                   <a:srgbClr val="000000"/>
                 </a:solidFill>
@@ -31417,7 +36758,7 @@
               </a:rPr>
               <a:t>    Uno o más Miembros del Nexus Integration Team:</a:t>
             </a:r>
-            <a:endParaRPr/>
+            <a:endParaRPr dirty="0"/>
           </a:p>
           <a:p>
             <a:pPr marL="285750" marR="0" lvl="2" indent="-285750" algn="l" rtl="0">
@@ -31438,7 +36779,7 @@
               <a:buChar char="•"/>
             </a:pPr>
             <a:r>
-              <a:rPr lang="en-US" sz="1600" b="0" i="0" u="none" strike="noStrike" cap="none">
+              <a:rPr lang="en-US" sz="1600" b="0" i="0" u="none" strike="noStrike" cap="none" dirty="0" err="1">
                 <a:solidFill>
                   <a:srgbClr val="000000"/>
                 </a:solidFill>
@@ -31449,7 +36790,7 @@
               </a:rPr>
               <a:t>Eventos</a:t>
             </a:r>
-            <a:endParaRPr/>
+            <a:endParaRPr dirty="0"/>
           </a:p>
           <a:p>
             <a:pPr marL="285750" marR="0" lvl="3" indent="-285750" algn="l" rtl="0">
@@ -31470,7 +36811,7 @@
               <a:buChar char="•"/>
             </a:pPr>
             <a:r>
-              <a:rPr lang="en-US" sz="1600" b="0" i="0" u="none" strike="noStrike" cap="none">
+              <a:rPr lang="en-US" sz="1600" b="0" i="0" u="none" strike="noStrike" cap="none" dirty="0">
                 <a:solidFill>
                   <a:srgbClr val="000000"/>
                 </a:solidFill>
@@ -31481,7 +36822,7 @@
               </a:rPr>
               <a:t>     Sprint</a:t>
             </a:r>
-            <a:endParaRPr/>
+            <a:endParaRPr dirty="0"/>
           </a:p>
           <a:p>
             <a:pPr marL="285750" marR="0" lvl="3" indent="-285750" algn="l" rtl="0">
@@ -31502,7 +36843,7 @@
               <a:buChar char="•"/>
             </a:pPr>
             <a:r>
-              <a:rPr lang="en-US" sz="1600" b="0" i="0" u="none" strike="noStrike" cap="none">
+              <a:rPr lang="en-US" sz="1600" b="0" i="0" u="none" strike="noStrike" cap="none" dirty="0">
                 <a:solidFill>
                   <a:srgbClr val="000000"/>
                 </a:solidFill>
@@ -31511,9 +36852,45 @@
                 <a:cs typeface="Arial"/>
                 <a:sym typeface="Arial"/>
               </a:rPr>
-              <a:t>     Refinamiento Entre Equipos</a:t>
-            </a:r>
-            <a:endParaRPr/>
+              <a:t>     </a:t>
+            </a:r>
+            <a:r>
+              <a:rPr lang="en-US" sz="1600" b="0" i="0" u="none" strike="noStrike" cap="none" dirty="0" err="1">
+                <a:solidFill>
+                  <a:srgbClr val="000000"/>
+                </a:solidFill>
+                <a:latin typeface="Arial"/>
+                <a:ea typeface="Arial"/>
+                <a:cs typeface="Arial"/>
+                <a:sym typeface="Arial"/>
+              </a:rPr>
+              <a:t>Refinamiento</a:t>
+            </a:r>
+            <a:r>
+              <a:rPr lang="en-US" sz="1600" b="0" i="0" u="none" strike="noStrike" cap="none" dirty="0">
+                <a:solidFill>
+                  <a:srgbClr val="000000"/>
+                </a:solidFill>
+                <a:latin typeface="Arial"/>
+                <a:ea typeface="Arial"/>
+                <a:cs typeface="Arial"/>
+                <a:sym typeface="Arial"/>
+              </a:rPr>
+              <a:t> Entre </a:t>
+            </a:r>
+            <a:r>
+              <a:rPr lang="en-US" sz="1600" b="0" i="0" u="none" strike="noStrike" cap="none" dirty="0" err="1">
+                <a:solidFill>
+                  <a:srgbClr val="000000"/>
+                </a:solidFill>
+                <a:latin typeface="Arial"/>
+                <a:ea typeface="Arial"/>
+                <a:cs typeface="Arial"/>
+                <a:sym typeface="Arial"/>
+              </a:rPr>
+              <a:t>Equipos</a:t>
+            </a:r>
+            <a:endParaRPr dirty="0"/>
           </a:p>
           <a:p>
             <a:pPr marL="285750" marR="0" lvl="3" indent="-285750" algn="l" rtl="0">
@@ -31534,7 +36911,7 @@
               <a:buChar char="•"/>
             </a:pPr>
             <a:r>
-              <a:rPr lang="en-US" sz="1600" b="0" i="0" u="none" strike="noStrike" cap="none">
+              <a:rPr lang="en-US" sz="1600" b="0" i="0" u="none" strike="noStrike" cap="none" dirty="0">
                 <a:solidFill>
                   <a:srgbClr val="000000"/>
                 </a:solidFill>
@@ -31545,7 +36922,7 @@
               </a:rPr>
               <a:t>     Nexus Sprint Planning</a:t>
             </a:r>
-            <a:endParaRPr/>
+            <a:endParaRPr dirty="0"/>
           </a:p>
           <a:p>
             <a:pPr marL="285750" marR="0" lvl="4" indent="-285750" algn="l" rtl="0">
@@ -31566,7 +36943,7 @@
               <a:buChar char="•"/>
             </a:pPr>
             <a:r>
-              <a:rPr lang="en-US" sz="1600" b="0" i="0" u="none" strike="noStrike" cap="none">
+              <a:rPr lang="en-US" sz="1600" b="0" i="0" u="none" strike="noStrike" cap="none" dirty="0">
                 <a:solidFill>
                   <a:srgbClr val="000000"/>
                 </a:solidFill>
@@ -31577,7 +36954,7 @@
               </a:rPr>
               <a:t>     Nexus Daily Scrum</a:t>
             </a:r>
-            <a:endParaRPr/>
+            <a:endParaRPr dirty="0"/>
           </a:p>
           <a:p>
             <a:pPr marL="285750" marR="0" lvl="4" indent="-285750" algn="l" rtl="0">
@@ -31598,7 +36975,7 @@
               <a:buChar char="•"/>
             </a:pPr>
             <a:r>
-              <a:rPr lang="en-US" sz="1600" b="0" i="0" u="none" strike="noStrike" cap="none">
+              <a:rPr lang="en-US" sz="1600" b="0" i="0" u="none" strike="noStrike" cap="none" dirty="0">
                 <a:solidFill>
                   <a:srgbClr val="000000"/>
                 </a:solidFill>
@@ -31609,7 +36986,7 @@
               </a:rPr>
               <a:t>     Nexus Sprint Review </a:t>
             </a:r>
-            <a:endParaRPr/>
+            <a:endParaRPr dirty="0"/>
           </a:p>
           <a:p>
             <a:pPr marL="285750" marR="0" lvl="4" indent="-285750" algn="l" rtl="0">
@@ -31630,7 +37007,7 @@
               <a:buChar char="•"/>
             </a:pPr>
             <a:r>
-              <a:rPr lang="en-US" sz="1600" b="0" i="0" u="none" strike="noStrike" cap="none">
+              <a:rPr lang="en-US" sz="1600" b="0" i="0" u="none" strike="noStrike" cap="none" dirty="0">
                 <a:solidFill>
                   <a:srgbClr val="000000"/>
                 </a:solidFill>
@@ -31641,7 +37018,7 @@
               </a:rPr>
               <a:t>     Nexus Sprint Retrospective</a:t>
             </a:r>
-            <a:endParaRPr/>
+            <a:endParaRPr dirty="0"/>
           </a:p>
           <a:p>
             <a:pPr marL="285750" marR="0" lvl="4" indent="-285750" algn="l" rtl="0">
@@ -31662,7 +37039,7 @@
               <a:buChar char="•"/>
             </a:pPr>
             <a:r>
-              <a:rPr lang="en-US" sz="1600" b="0" i="0" u="none" strike="noStrike" cap="none">
+              <a:rPr lang="en-US" sz="1600" b="0" i="0" u="none" strike="noStrike" cap="none" dirty="0" err="1">
                 <a:solidFill>
                   <a:srgbClr val="000000"/>
                 </a:solidFill>
@@ -31671,9 +37048,45 @@
                 <a:cs typeface="Arial"/>
                 <a:sym typeface="Arial"/>
               </a:rPr>
-              <a:t>Artefactos y Compromisos Nexus </a:t>
-            </a:r>
-            <a:endParaRPr/>
+              <a:t>Artefactos</a:t>
+            </a:r>
+            <a:r>
+              <a:rPr lang="en-US" sz="1600" b="0" i="0" u="none" strike="noStrike" cap="none" dirty="0">
+                <a:solidFill>
+                  <a:srgbClr val="000000"/>
+                </a:solidFill>
+                <a:latin typeface="Arial"/>
+                <a:ea typeface="Arial"/>
+                <a:cs typeface="Arial"/>
+                <a:sym typeface="Arial"/>
+              </a:rPr>
+              <a:t> y </a:t>
+            </a:r>
+            <a:r>
+              <a:rPr lang="en-US" sz="1600" b="0" i="0" u="none" strike="noStrike" cap="none" dirty="0" err="1">
+                <a:solidFill>
+                  <a:srgbClr val="000000"/>
+                </a:solidFill>
+                <a:latin typeface="Arial"/>
+                <a:ea typeface="Arial"/>
+                <a:cs typeface="Arial"/>
+                <a:sym typeface="Arial"/>
+              </a:rPr>
+              <a:t>Compromisos</a:t>
+            </a:r>
+            <a:r>
+              <a:rPr lang="en-US" sz="1600" b="0" i="0" u="none" strike="noStrike" cap="none" dirty="0">
+                <a:solidFill>
+                  <a:srgbClr val="000000"/>
+                </a:solidFill>
+                <a:latin typeface="Arial"/>
+                <a:ea typeface="Arial"/>
+                <a:cs typeface="Arial"/>
+                <a:sym typeface="Arial"/>
+              </a:rPr>
+              <a:t> Nexus </a:t>
+            </a:r>
+            <a:endParaRPr dirty="0"/>
           </a:p>
           <a:p>
             <a:pPr marL="285750" marR="0" lvl="5" indent="-285750" algn="l" rtl="0">
@@ -31694,7 +37107,7 @@
               <a:buChar char="•"/>
             </a:pPr>
             <a:r>
-              <a:rPr lang="en-US" sz="1600" b="0" i="0" u="none" strike="noStrike" cap="none">
+              <a:rPr lang="en-US" sz="1600" b="0" i="0" u="none" strike="noStrike" cap="none" dirty="0">
                 <a:solidFill>
                   <a:srgbClr val="000000"/>
                 </a:solidFill>
@@ -31705,7 +37118,7 @@
               </a:rPr>
               <a:t>     Product Backlog</a:t>
             </a:r>
-            <a:endParaRPr/>
+            <a:endParaRPr dirty="0"/>
           </a:p>
           <a:p>
             <a:pPr marL="285750" marR="0" lvl="4" indent="-285750" algn="l" rtl="0">
@@ -31726,7 +37139,7 @@
               <a:buChar char="•"/>
             </a:pPr>
             <a:r>
-              <a:rPr lang="en-US" sz="1600" b="0" i="0" u="none" strike="noStrike" cap="none">
+              <a:rPr lang="en-US" sz="1600" b="0" i="0" u="none" strike="noStrike" cap="none" dirty="0">
                 <a:solidFill>
                   <a:srgbClr val="000000"/>
                 </a:solidFill>
@@ -31737,7 +37150,7 @@
               </a:rPr>
               <a:t>     Nexus Sprint Backlog </a:t>
             </a:r>
-            <a:endParaRPr/>
+            <a:endParaRPr dirty="0"/>
           </a:p>
           <a:p>
             <a:pPr marL="285750" marR="0" lvl="4" indent="-285750" algn="l" rtl="0">
@@ -31758,7 +37171,7 @@
               <a:buChar char="•"/>
             </a:pPr>
             <a:r>
-              <a:rPr lang="en-US" sz="1600" b="0" i="0" u="none" strike="noStrike" cap="none">
+              <a:rPr lang="en-US" sz="1600" b="0" i="0" u="none" strike="noStrike" cap="none" dirty="0">
                 <a:solidFill>
                   <a:srgbClr val="000000"/>
                 </a:solidFill>
@@ -31769,7 +37182,7 @@
               </a:rPr>
               <a:t>     Integrated Increment </a:t>
             </a:r>
-            <a:endParaRPr/>
+            <a:endParaRPr dirty="0"/>
           </a:p>
           <a:p>
             <a:pPr marL="285750" marR="0" lvl="0" indent="-196850" algn="l" rtl="0">
@@ -31789,7 +37202,7 @@
               <a:buFont typeface="Arial"/>
               <a:buNone/>
             </a:pPr>
-            <a:endParaRPr sz="1400" b="0" i="0" u="none" strike="noStrike" cap="none">
+            <a:endParaRPr sz="1400" b="0" i="0" u="none" strike="noStrike" cap="none" dirty="0">
               <a:solidFill>
                 <a:srgbClr val="000000"/>
               </a:solidFill>
@@ -31817,7 +37230,7 @@
               <a:buFont typeface="Arial"/>
               <a:buNone/>
             </a:pPr>
-            <a:endParaRPr sz="1400" b="0" i="0" u="none" strike="noStrike" cap="none">
+            <a:endParaRPr sz="1400" b="0" i="0" u="none" strike="noStrike" cap="none" dirty="0">
               <a:solidFill>
                 <a:srgbClr val="000000"/>
               </a:solidFill>
@@ -31845,7 +37258,7 @@
               <a:buFont typeface="Arial"/>
               <a:buNone/>
             </a:pPr>
-            <a:endParaRPr sz="1400" b="0" i="0" u="none" strike="noStrike" cap="none">
+            <a:endParaRPr sz="1400" b="0" i="0" u="none" strike="noStrike" cap="none" dirty="0">
               <a:solidFill>
                 <a:srgbClr val="000000"/>
               </a:solidFill>
@@ -31857,11 +37270,53 @@
           </a:p>
         </p:txBody>
       </p:sp>
+      <p:sp>
+        <p:nvSpPr>
+          <p:cNvPr id="2" name="Rectángulo 1">
+            <a:extLst>
+              <a:ext uri="{FF2B5EF4-FFF2-40B4-BE49-F238E27FC236}">
+                <a16:creationId xmlns:a16="http://schemas.microsoft.com/office/drawing/2014/main" id="{E4215AE2-31AA-4429-8B4D-866BE77ED571}"/>
+              </a:ext>
+            </a:extLst>
+          </p:cNvPr>
+          <p:cNvSpPr/>
+          <p:nvPr/>
+        </p:nvSpPr>
+        <p:spPr>
+          <a:xfrm>
+            <a:off x="10589041" y="298829"/>
+            <a:ext cx="284052" cy="307777"/>
+          </a:xfrm>
+          <a:prstGeom prst="rect">
+            <a:avLst/>
+          </a:prstGeom>
+        </p:spPr>
+        <p:txBody>
+          <a:bodyPr wrap="none">
+            <a:spAutoFit/>
+          </a:bodyPr>
+          <a:lstStyle/>
+          <a:p>
+            <a:r>
+              <a:rPr lang="es-AR" dirty="0"/>
+              <a:t>2</a:t>
+            </a:r>
+          </a:p>
+        </p:txBody>
+      </p:sp>
     </p:spTree>
   </p:cSld>
   <p:clrMapOvr>
     <a:masterClrMapping/>
   </p:clrMapOvr>
+  <mc:AlternateContent xmlns:mc="http://schemas.openxmlformats.org/markup-compatibility/2006">
+    <mc:Choice xmlns:p14="http://schemas.microsoft.com/office/powerpoint/2010/main" Requires="p14">
+      <p:transition spd="slow" p14:dur="2000" advClick="0" advTm="20000"/>
+    </mc:Choice>
+    <mc:Fallback>
+      <p:transition spd="slow" advClick="0" advTm="20000"/>
+    </mc:Fallback>
+  </mc:AlternateContent>
   <p:timing>
     <p:tnLst>
       <p:par>
@@ -31886,14 +37341,14 @@
                             </p:stCondLst>
                             <p:childTnLst>
                               <p:par>
-                                <p:cTn id="5" presetID="2" presetClass="exit" presetSubtype="8" fill="hold" nodeType="withEffect">
+                                <p:cTn id="5" presetID="2" presetClass="exit" presetSubtype="8" fill="hold" nodeType="afterEffect">
                                   <p:stCondLst>
                                     <p:cond delay="0"/>
                                   </p:stCondLst>
                                   <p:childTnLst>
                                     <p:anim calcmode="lin" valueType="num">
                                       <p:cBhvr additive="base">
-                                        <p:cTn id="6" dur="5000"/>
+                                        <p:cTn id="6" dur="19996"/>
                                         <p:tgtEl>
                                           <p:spTgt spid="166"/>
                                         </p:tgtEl>
@@ -31918,7 +37373,7 @@
                                       <p:cBhvr>
                                         <p:cTn id="7" dur="1" fill="hold">
                                           <p:stCondLst>
-                                            <p:cond delay="5000"/>
+                                            <p:cond delay="19999"/>
                                           </p:stCondLst>
                                         </p:cTn>
                                         <p:tgtEl>
@@ -31983,6 +37438,36 @@
           <a:chExt cx="0" cy="0"/>
         </a:xfrm>
       </p:grpSpPr>
+      <p:pic>
+        <p:nvPicPr>
+          <p:cNvPr id="3" name="Imagen 2">
+            <a:extLst>
+              <a:ext uri="{FF2B5EF4-FFF2-40B4-BE49-F238E27FC236}">
+                <a16:creationId xmlns:a16="http://schemas.microsoft.com/office/drawing/2014/main" id="{88291801-0D71-49C7-A2DA-56AF8F7E187A}"/>
+              </a:ext>
+            </a:extLst>
+          </p:cNvPr>
+          <p:cNvPicPr>
+            <a:picLocks noChangeAspect="1"/>
+          </p:cNvPicPr>
+          <p:nvPr/>
+        </p:nvPicPr>
+        <p:blipFill>
+          <a:blip r:embed="rId3"/>
+          <a:stretch>
+            <a:fillRect/>
+          </a:stretch>
+        </p:blipFill>
+        <p:spPr>
+          <a:xfrm>
+            <a:off x="0" y="1219200"/>
+            <a:ext cx="12191999" cy="5395451"/>
+          </a:xfrm>
+          <a:prstGeom prst="rect">
+            <a:avLst/>
+          </a:prstGeom>
+        </p:spPr>
+      </p:pic>
       <p:sp>
         <p:nvSpPr>
           <p:cNvPr id="307" name="Google Shape;307;p20"/>
@@ -32030,14 +37515,14 @@
               <a:buNone/>
             </a:pPr>
             <a:r>
-              <a:rPr lang="en-US" b="1" u="sng">
+              <a:rPr lang="en-US" b="1" u="sng" dirty="0">
                 <a:solidFill>
                   <a:schemeClr val="dk1"/>
                 </a:solidFill>
               </a:rPr>
-              <a:t>Conclusion</a:t>
-            </a:r>
-            <a:endParaRPr b="1" u="sng">
+              <a:t>Conclusión</a:t>
+            </a:r>
+            <a:endParaRPr b="1" u="sng" dirty="0">
               <a:solidFill>
                 <a:schemeClr val="dk1"/>
               </a:solidFill>
@@ -32088,210 +37573,46 @@
               <a:buChar char="►"/>
             </a:pPr>
             <a:r>
-              <a:rPr lang="en-US" b="1" u="sng">
+              <a:rPr lang="en-US" b="1" u="sng" dirty="0">
                 <a:solidFill>
                   <a:schemeClr val="dk1"/>
                 </a:solidFill>
               </a:rPr>
-              <a:t>Bibliografia</a:t>
-            </a:r>
-            <a:endParaRPr b="1" u="sng">
-              <a:solidFill>
-                <a:schemeClr val="dk1"/>
-              </a:solidFill>
-            </a:endParaRPr>
+              <a:t>Bibliografia consultada</a:t>
+            </a:r>
           </a:p>
           <a:p>
-            <a:pPr marL="342900" lvl="0" indent="-342900" algn="l" rtl="0">
-              <a:lnSpc>
-                <a:spcPct val="100000"/>
-              </a:lnSpc>
-              <a:spcBef>
-                <a:spcPts val="1000"/>
-              </a:spcBef>
-              <a:spcAft>
-                <a:spcPts val="0"/>
-              </a:spcAft>
+            <a:pPr marL="342900" lvl="0" indent="-342900">
+              <a:spcBef>
+                <a:spcPts val="0"/>
+              </a:spcBef>
               <a:buSzPts val="1600"/>
-              <a:buChar char="►"/>
             </a:pPr>
             <a:r>
-              <a:rPr lang="en-US" b="1" u="sng">
+              <a:rPr lang="en-US" b="1" u="sng" dirty="0">
                 <a:solidFill>
                   <a:schemeClr val="dk1"/>
                 </a:solidFill>
               </a:rPr>
-              <a:t>PECHA CUCHA</a:t>
-            </a:r>
-            <a:endParaRPr>
-              <a:solidFill>
-                <a:schemeClr val="dk1"/>
-              </a:solidFill>
-            </a:endParaRPr>
+              <a:t>https://www.scrum.org</a:t>
+            </a:r>
           </a:p>
           <a:p>
-            <a:pPr marL="342900" lvl="0" indent="-342900" algn="l" rtl="0">
-              <a:lnSpc>
-                <a:spcPct val="100000"/>
-              </a:lnSpc>
-              <a:spcBef>
-                <a:spcPts val="1000"/>
-              </a:spcBef>
-              <a:spcAft>
-                <a:spcPts val="0"/>
-              </a:spcAft>
+            <a:pPr marL="342900" lvl="0" indent="-342900">
+              <a:spcBef>
+                <a:spcPts val="0"/>
+              </a:spcBef>
               <a:buSzPts val="1600"/>
-              <a:buChar char="►"/>
             </a:pPr>
             <a:r>
-              <a:rPr lang="en-US">
+              <a:rPr lang="es-AR" b="1" u="sng" dirty="0">
                 <a:solidFill>
                   <a:schemeClr val="dk1"/>
                 </a:solidFill>
               </a:rPr>
-              <a:t>20 DIAPOSITIVAS</a:t>
-            </a:r>
-            <a:endParaRPr>
-              <a:solidFill>
-                <a:schemeClr val="dk1"/>
-              </a:solidFill>
-            </a:endParaRPr>
-          </a:p>
-          <a:p>
-            <a:pPr marL="342900" lvl="0" indent="-342900" algn="l" rtl="0">
-              <a:lnSpc>
-                <a:spcPct val="100000"/>
-              </a:lnSpc>
-              <a:spcBef>
-                <a:spcPts val="1000"/>
-              </a:spcBef>
-              <a:spcAft>
-                <a:spcPts val="0"/>
-              </a:spcAft>
-              <a:buSzPts val="1600"/>
-              <a:buChar char="►"/>
-            </a:pPr>
-            <a:r>
-              <a:rPr lang="en-US">
-                <a:solidFill>
-                  <a:schemeClr val="dk1"/>
-                </a:solidFill>
-              </a:rPr>
-              <a:t>6.40 MINUTOS</a:t>
-            </a:r>
-            <a:endParaRPr>
-              <a:solidFill>
-                <a:schemeClr val="dk1"/>
-              </a:solidFill>
-            </a:endParaRPr>
-          </a:p>
-          <a:p>
-            <a:pPr marL="342900" lvl="0" indent="-342900" algn="l" rtl="0">
-              <a:lnSpc>
-                <a:spcPct val="100000"/>
-              </a:lnSpc>
-              <a:spcBef>
-                <a:spcPts val="1000"/>
-              </a:spcBef>
-              <a:spcAft>
-                <a:spcPts val="0"/>
-              </a:spcAft>
-              <a:buSzPts val="1600"/>
-              <a:buChar char="►"/>
-            </a:pPr>
-            <a:r>
-              <a:rPr lang="en-US">
-                <a:solidFill>
-                  <a:schemeClr val="dk1"/>
-                </a:solidFill>
-              </a:rPr>
-              <a:t>AUTOMATICO EL PASE DE DIAPOSITIVA</a:t>
-            </a:r>
-            <a:endParaRPr>
-              <a:solidFill>
-                <a:schemeClr val="dk1"/>
-              </a:solidFill>
-            </a:endParaRPr>
-          </a:p>
-          <a:p>
-            <a:pPr marL="342900" lvl="0" indent="-342900" algn="l" rtl="0">
-              <a:lnSpc>
-                <a:spcPct val="100000"/>
-              </a:lnSpc>
-              <a:spcBef>
-                <a:spcPts val="1000"/>
-              </a:spcBef>
-              <a:spcAft>
-                <a:spcPts val="0"/>
-              </a:spcAft>
-              <a:buSzPts val="1600"/>
-              <a:buChar char="►"/>
-            </a:pPr>
-            <a:r>
-              <a:rPr lang="en-US">
-                <a:solidFill>
-                  <a:schemeClr val="dk1"/>
-                </a:solidFill>
-              </a:rPr>
-              <a:t>IMAGEN SENSILLA DE GRAN TAMAÑO</a:t>
-            </a:r>
-            <a:endParaRPr>
-              <a:solidFill>
-                <a:schemeClr val="dk1"/>
-              </a:solidFill>
-            </a:endParaRPr>
-          </a:p>
-          <a:p>
-            <a:pPr marL="342900" lvl="0" indent="-342900" algn="l" rtl="0">
-              <a:lnSpc>
-                <a:spcPct val="100000"/>
-              </a:lnSpc>
-              <a:spcBef>
-                <a:spcPts val="1000"/>
-              </a:spcBef>
-              <a:spcAft>
-                <a:spcPts val="0"/>
-              </a:spcAft>
-              <a:buSzPts val="1600"/>
-              <a:buChar char="►"/>
-            </a:pPr>
-            <a:r>
-              <a:rPr lang="en-US">
-                <a:solidFill>
-                  <a:schemeClr val="dk1"/>
-                </a:solidFill>
-              </a:rPr>
-              <a:t>SE PUEDE REPETIR IMAGEN</a:t>
-            </a:r>
-            <a:endParaRPr>
-              <a:solidFill>
-                <a:schemeClr val="dk1"/>
-              </a:solidFill>
-            </a:endParaRPr>
-          </a:p>
-          <a:p>
-            <a:pPr marL="342900" lvl="0" indent="-342900" algn="l" rtl="0">
-              <a:lnSpc>
-                <a:spcPct val="100000"/>
-              </a:lnSpc>
-              <a:spcBef>
-                <a:spcPts val="1000"/>
-              </a:spcBef>
-              <a:spcAft>
-                <a:spcPts val="0"/>
-              </a:spcAft>
-              <a:buSzPts val="1600"/>
-              <a:buChar char="►"/>
-            </a:pPr>
-            <a:r>
-              <a:rPr lang="en-US">
-                <a:solidFill>
-                  <a:schemeClr val="dk1"/>
-                </a:solidFill>
-              </a:rPr>
-              <a:t>TEXTO LIMITADO</a:t>
-            </a:r>
-            <a:endParaRPr>
+              <a:t>https://www.scrum.org/resources/nexus-guide</a:t>
+            </a:r>
+            <a:endParaRPr b="1" u="sng" dirty="0">
               <a:solidFill>
                 <a:schemeClr val="dk1"/>
               </a:solidFill>
@@ -32311,7 +37632,7 @@
               <a:buSzPts val="1600"/>
               <a:buNone/>
             </a:pPr>
-            <a:endParaRPr/>
+            <a:endParaRPr dirty="0"/>
           </a:p>
         </p:txBody>
       </p:sp>
@@ -32377,11 +37698,53 @@
           </a:p>
         </p:txBody>
       </p:sp>
+      <p:sp>
+        <p:nvSpPr>
+          <p:cNvPr id="4" name="Rectángulo 3">
+            <a:extLst>
+              <a:ext uri="{FF2B5EF4-FFF2-40B4-BE49-F238E27FC236}">
+                <a16:creationId xmlns:a16="http://schemas.microsoft.com/office/drawing/2014/main" id="{CF804147-8997-4DDA-955C-B4DD1C8182E5}"/>
+              </a:ext>
+            </a:extLst>
+          </p:cNvPr>
+          <p:cNvSpPr/>
+          <p:nvPr/>
+        </p:nvSpPr>
+        <p:spPr>
+          <a:xfrm>
+            <a:off x="10505226" y="298829"/>
+            <a:ext cx="383438" cy="307777"/>
+          </a:xfrm>
+          <a:prstGeom prst="rect">
+            <a:avLst/>
+          </a:prstGeom>
+        </p:spPr>
+        <p:txBody>
+          <a:bodyPr wrap="none">
+            <a:spAutoFit/>
+          </a:bodyPr>
+          <a:lstStyle/>
+          <a:p>
+            <a:r>
+              <a:rPr lang="es-AR" dirty="0"/>
+              <a:t>20</a:t>
+            </a:r>
+          </a:p>
+        </p:txBody>
+      </p:sp>
     </p:spTree>
   </p:cSld>
   <p:clrMapOvr>
     <a:masterClrMapping/>
   </p:clrMapOvr>
+  <mc:AlternateContent xmlns:mc="http://schemas.openxmlformats.org/markup-compatibility/2006">
+    <mc:Choice xmlns:p14="http://schemas.microsoft.com/office/powerpoint/2010/main" Requires="p14">
+      <p:transition spd="slow" p14:dur="2000" advClick="0" advTm="20000"/>
+    </mc:Choice>
+    <mc:Fallback>
+      <p:transition spd="slow" advClick="0" advTm="20000"/>
+    </mc:Fallback>
+  </mc:AlternateContent>
   <p:timing>
     <p:tnLst>
       <p:par>
@@ -32406,14 +37769,14 @@
                             </p:stCondLst>
                             <p:childTnLst>
                               <p:par>
-                                <p:cTn id="5" presetID="2" presetClass="exit" presetSubtype="8" fill="hold" nodeType="withEffect">
+                                <p:cTn id="5" presetID="2" presetClass="exit" presetSubtype="8" fill="hold" nodeType="afterEffect">
                                   <p:stCondLst>
                                     <p:cond delay="0"/>
                                   </p:stCondLst>
                                   <p:childTnLst>
                                     <p:anim calcmode="lin" valueType="num">
                                       <p:cBhvr additive="base">
-                                        <p:cTn id="6" dur="5000"/>
+                                        <p:cTn id="6" dur="19996"/>
                                         <p:tgtEl>
                                           <p:spTgt spid="309"/>
                                         </p:tgtEl>
@@ -32438,7 +37801,7 @@
                                       <p:cBhvr>
                                         <p:cTn id="7" dur="1" fill="hold">
                                           <p:stCondLst>
-                                            <p:cond delay="5000"/>
+                                            <p:cond delay="19999"/>
                                           </p:stCondLst>
                                         </p:cTn>
                                         <p:tgtEl>
@@ -32550,14 +37913,14 @@
               <a:buNone/>
             </a:pPr>
             <a:r>
-              <a:rPr lang="en-US" b="1" u="sng">
+              <a:rPr lang="en-US" b="1" u="sng" dirty="0">
                 <a:solidFill>
                   <a:schemeClr val="dk1"/>
                 </a:solidFill>
               </a:rPr>
-              <a:t>Definicion</a:t>
-            </a:r>
-            <a:endParaRPr b="1" u="sng">
+              <a:t>Definición</a:t>
+            </a:r>
+            <a:endParaRPr b="1" u="sng" dirty="0">
               <a:solidFill>
                 <a:schemeClr val="dk1"/>
               </a:solidFill>
@@ -32700,11 +38063,53 @@
           </a:ln>
         </p:spPr>
       </p:pic>
+      <p:sp>
+        <p:nvSpPr>
+          <p:cNvPr id="2" name="Rectángulo 1">
+            <a:extLst>
+              <a:ext uri="{FF2B5EF4-FFF2-40B4-BE49-F238E27FC236}">
+                <a16:creationId xmlns:a16="http://schemas.microsoft.com/office/drawing/2014/main" id="{DEAE9314-DA20-4C1F-A297-1CE9524FBF9D}"/>
+              </a:ext>
+            </a:extLst>
+          </p:cNvPr>
+          <p:cNvSpPr/>
+          <p:nvPr/>
+        </p:nvSpPr>
+        <p:spPr>
+          <a:xfrm>
+            <a:off x="10691669" y="457567"/>
+            <a:ext cx="284052" cy="307777"/>
+          </a:xfrm>
+          <a:prstGeom prst="rect">
+            <a:avLst/>
+          </a:prstGeom>
+        </p:spPr>
+        <p:txBody>
+          <a:bodyPr wrap="none">
+            <a:spAutoFit/>
+          </a:bodyPr>
+          <a:lstStyle/>
+          <a:p>
+            <a:r>
+              <a:rPr lang="es-AR" dirty="0"/>
+              <a:t>3</a:t>
+            </a:r>
+          </a:p>
+        </p:txBody>
+      </p:sp>
     </p:spTree>
   </p:cSld>
   <p:clrMapOvr>
     <a:masterClrMapping/>
   </p:clrMapOvr>
+  <mc:AlternateContent xmlns:mc="http://schemas.openxmlformats.org/markup-compatibility/2006">
+    <mc:Choice xmlns:p14="http://schemas.microsoft.com/office/powerpoint/2010/main" Requires="p14">
+      <p:transition spd="slow" p14:dur="2000" advClick="0" advTm="20000"/>
+    </mc:Choice>
+    <mc:Fallback>
+      <p:transition spd="slow" advClick="0" advTm="20000"/>
+    </mc:Fallback>
+  </mc:AlternateContent>
   <p:timing>
     <p:tnLst>
       <p:par>
@@ -32729,14 +38134,14 @@
                             </p:stCondLst>
                             <p:childTnLst>
                               <p:par>
-                                <p:cTn id="5" presetID="2" presetClass="exit" presetSubtype="8" fill="hold" nodeType="withEffect">
+                                <p:cTn id="5" presetID="2" presetClass="exit" presetSubtype="8" fill="hold" nodeType="afterEffect">
                                   <p:stCondLst>
                                     <p:cond delay="0"/>
                                   </p:stCondLst>
                                   <p:childTnLst>
                                     <p:anim calcmode="lin" valueType="num">
                                       <p:cBhvr additive="base">
-                                        <p:cTn id="6" dur="5000"/>
+                                        <p:cTn id="6" dur="19996"/>
                                         <p:tgtEl>
                                           <p:spTgt spid="174"/>
                                         </p:tgtEl>
@@ -32761,7 +38166,7 @@
                                       <p:cBhvr>
                                         <p:cTn id="7" dur="1" fill="hold">
                                           <p:stCondLst>
-                                            <p:cond delay="5000"/>
+                                            <p:cond delay="19999"/>
                                           </p:stCondLst>
                                         </p:cTn>
                                         <p:tgtEl>
@@ -32996,11 +38401,83 @@
           </a:p>
         </p:txBody>
       </p:sp>
+      <p:pic>
+        <p:nvPicPr>
+          <p:cNvPr id="5" name="Imagen 4">
+            <a:extLst>
+              <a:ext uri="{FF2B5EF4-FFF2-40B4-BE49-F238E27FC236}">
+                <a16:creationId xmlns:a16="http://schemas.microsoft.com/office/drawing/2014/main" id="{0F76AA7A-9375-4730-A095-8FF392054468}"/>
+              </a:ext>
+            </a:extLst>
+          </p:cNvPr>
+          <p:cNvPicPr>
+            <a:picLocks noChangeAspect="1"/>
+          </p:cNvPicPr>
+          <p:nvPr/>
+        </p:nvPicPr>
+        <p:blipFill>
+          <a:blip r:embed="rId3"/>
+          <a:stretch>
+            <a:fillRect/>
+          </a:stretch>
+        </p:blipFill>
+        <p:spPr>
+          <a:xfrm>
+            <a:off x="0" y="1853248"/>
+            <a:ext cx="12192000" cy="4856658"/>
+          </a:xfrm>
+          <a:prstGeom prst="rect">
+            <a:avLst/>
+          </a:prstGeom>
+        </p:spPr>
+      </p:pic>
+      <p:sp>
+        <p:nvSpPr>
+          <p:cNvPr id="6" name="Rectángulo 5">
+            <a:extLst>
+              <a:ext uri="{FF2B5EF4-FFF2-40B4-BE49-F238E27FC236}">
+                <a16:creationId xmlns:a16="http://schemas.microsoft.com/office/drawing/2014/main" id="{58254D2A-6DB2-43AC-9A34-889CAB83DA93}"/>
+              </a:ext>
+            </a:extLst>
+          </p:cNvPr>
+          <p:cNvSpPr/>
+          <p:nvPr/>
+        </p:nvSpPr>
+        <p:spPr>
+          <a:xfrm>
+            <a:off x="10554919" y="298829"/>
+            <a:ext cx="284052" cy="307777"/>
+          </a:xfrm>
+          <a:prstGeom prst="rect">
+            <a:avLst/>
+          </a:prstGeom>
+        </p:spPr>
+        <p:txBody>
+          <a:bodyPr wrap="none">
+            <a:spAutoFit/>
+          </a:bodyPr>
+          <a:lstStyle/>
+          <a:p>
+            <a:r>
+              <a:rPr lang="es-AR" dirty="0"/>
+              <a:t>4</a:t>
+            </a:r>
+          </a:p>
+        </p:txBody>
+      </p:sp>
     </p:spTree>
   </p:cSld>
   <p:clrMapOvr>
     <a:masterClrMapping/>
   </p:clrMapOvr>
+  <mc:AlternateContent xmlns:mc="http://schemas.openxmlformats.org/markup-compatibility/2006">
+    <mc:Choice xmlns:p14="http://schemas.microsoft.com/office/powerpoint/2010/main" Requires="p14">
+      <p:transition spd="slow" p14:dur="2000" advClick="0" advTm="20000"/>
+    </mc:Choice>
+    <mc:Fallback>
+      <p:transition spd="slow" advClick="0" advTm="20000"/>
+    </mc:Fallback>
+  </mc:AlternateContent>
   <p:timing>
     <p:tnLst>
       <p:par>
@@ -33025,14 +38502,14 @@
                             </p:stCondLst>
                             <p:childTnLst>
                               <p:par>
-                                <p:cTn id="5" presetID="2" presetClass="exit" presetSubtype="8" fill="hold" nodeType="withEffect">
+                                <p:cTn id="5" presetID="2" presetClass="exit" presetSubtype="8" fill="hold" nodeType="afterEffect">
                                   <p:stCondLst>
                                     <p:cond delay="0"/>
                                   </p:stCondLst>
                                   <p:childTnLst>
                                     <p:anim calcmode="lin" valueType="num">
                                       <p:cBhvr additive="base">
-                                        <p:cTn id="6" dur="5000"/>
+                                        <p:cTn id="6" dur="19996"/>
                                         <p:tgtEl>
                                           <p:spTgt spid="182"/>
                                         </p:tgtEl>
@@ -33057,7 +38534,7 @@
                                       <p:cBhvr>
                                         <p:cTn id="7" dur="1" fill="hold">
                                           <p:stCondLst>
-                                            <p:cond delay="5000"/>
+                                            <p:cond delay="19999"/>
                                           </p:stCondLst>
                                         </p:cTn>
                                         <p:tgtEl>
@@ -33419,11 +38896,53 @@
           </a:ln>
         </p:spPr>
       </p:pic>
+      <p:sp>
+        <p:nvSpPr>
+          <p:cNvPr id="2" name="Rectángulo 1">
+            <a:extLst>
+              <a:ext uri="{FF2B5EF4-FFF2-40B4-BE49-F238E27FC236}">
+                <a16:creationId xmlns:a16="http://schemas.microsoft.com/office/drawing/2014/main" id="{02368C38-D709-4EC0-8CC2-BB323CD5DAEB}"/>
+              </a:ext>
+            </a:extLst>
+          </p:cNvPr>
+          <p:cNvSpPr/>
+          <p:nvPr/>
+        </p:nvSpPr>
+        <p:spPr>
+          <a:xfrm>
+            <a:off x="10554919" y="298829"/>
+            <a:ext cx="284052" cy="307777"/>
+          </a:xfrm>
+          <a:prstGeom prst="rect">
+            <a:avLst/>
+          </a:prstGeom>
+        </p:spPr>
+        <p:txBody>
+          <a:bodyPr wrap="square">
+            <a:spAutoFit/>
+          </a:bodyPr>
+          <a:lstStyle/>
+          <a:p>
+            <a:r>
+              <a:rPr lang="es-AR" dirty="0"/>
+              <a:t>5</a:t>
+            </a:r>
+          </a:p>
+        </p:txBody>
+      </p:sp>
     </p:spTree>
   </p:cSld>
   <p:clrMapOvr>
     <a:masterClrMapping/>
   </p:clrMapOvr>
+  <mc:AlternateContent xmlns:mc="http://schemas.openxmlformats.org/markup-compatibility/2006">
+    <mc:Choice xmlns:p14="http://schemas.microsoft.com/office/powerpoint/2010/main" Requires="p14">
+      <p:transition spd="slow" p14:dur="2000" advClick="0" advTm="20000"/>
+    </mc:Choice>
+    <mc:Fallback>
+      <p:transition spd="slow" advClick="0" advTm="20000"/>
+    </mc:Fallback>
+  </mc:AlternateContent>
   <p:timing>
     <p:tnLst>
       <p:par>
@@ -33448,14 +38967,14 @@
                             </p:stCondLst>
                             <p:childTnLst>
                               <p:par>
-                                <p:cTn id="5" presetID="2" presetClass="exit" presetSubtype="8" fill="hold" nodeType="withEffect">
+                                <p:cTn id="5" presetID="2" presetClass="exit" presetSubtype="8" fill="hold" nodeType="afterEffect">
                                   <p:stCondLst>
                                     <p:cond delay="0"/>
                                   </p:stCondLst>
                                   <p:childTnLst>
                                     <p:anim calcmode="lin" valueType="num">
                                       <p:cBhvr additive="base">
-                                        <p:cTn id="6" dur="5000"/>
+                                        <p:cTn id="6" dur="19996"/>
                                         <p:tgtEl>
                                           <p:spTgt spid="189"/>
                                         </p:tgtEl>
@@ -33480,7 +38999,7 @@
                                       <p:cBhvr>
                                         <p:cTn id="7" dur="1" fill="hold">
                                           <p:stCondLst>
-                                            <p:cond delay="5000"/>
+                                            <p:cond delay="19999"/>
                                           </p:stCondLst>
                                         </p:cTn>
                                         <p:tgtEl>
@@ -33588,7 +39107,7 @@
               <a:buNone/>
             </a:pPr>
             <a:r>
-              <a:rPr lang="en-US" b="1" u="sng">
+              <a:rPr lang="en-US" b="1" u="sng" dirty="0">
                 <a:solidFill>
                   <a:schemeClr val="dk1"/>
                 </a:solidFill>
@@ -33596,21 +39115,29 @@
               <a:t>Responsabilidades en Nexus</a:t>
             </a:r>
             <a:br>
-              <a:rPr lang="en-US" b="1" u="sng">
+              <a:rPr lang="en-US" b="1" u="sng" dirty="0">
                 <a:solidFill>
                   <a:schemeClr val="dk1"/>
                 </a:solidFill>
               </a:rPr>
             </a:br>
             <a:r>
-              <a:rPr lang="en-US" b="1" u="sng">
+              <a:rPr lang="en-US" b="1" u="sng" dirty="0" err="1">
                 <a:solidFill>
                   <a:schemeClr val="dk1"/>
                 </a:solidFill>
               </a:rPr>
-              <a:t>Nexus Integration Team</a:t>
-            </a:r>
-            <a:endParaRPr b="1" u="sng">
+              <a:t>Nexus</a:t>
+            </a:r>
+            <a:r>
+              <a:rPr lang="en-US" b="1" u="sng" dirty="0">
+                <a:solidFill>
+                  <a:schemeClr val="dk1"/>
+                </a:solidFill>
+              </a:rPr>
+              <a:t> Integration Team</a:t>
+            </a:r>
+            <a:endParaRPr b="1" u="sng" dirty="0">
               <a:solidFill>
                 <a:schemeClr val="dk1"/>
               </a:solidFill>
@@ -33747,8 +39274,8 @@
         </p:blipFill>
         <p:spPr>
           <a:xfrm>
-            <a:off x="2839975" y="2443175"/>
-            <a:ext cx="5637850" cy="3068475"/>
+            <a:off x="0" y="2052919"/>
+            <a:ext cx="12192000" cy="4670842"/>
           </a:xfrm>
           <a:prstGeom prst="rect">
             <a:avLst/>
@@ -33759,11 +39286,53 @@
           </a:ln>
         </p:spPr>
       </p:pic>
+      <p:sp>
+        <p:nvSpPr>
+          <p:cNvPr id="2" name="Rectángulo 1">
+            <a:extLst>
+              <a:ext uri="{FF2B5EF4-FFF2-40B4-BE49-F238E27FC236}">
+                <a16:creationId xmlns:a16="http://schemas.microsoft.com/office/drawing/2014/main" id="{DDD10811-4B9E-499B-B230-A861E8BECE62}"/>
+              </a:ext>
+            </a:extLst>
+          </p:cNvPr>
+          <p:cNvSpPr/>
+          <p:nvPr/>
+        </p:nvSpPr>
+        <p:spPr>
+          <a:xfrm>
+            <a:off x="10619280" y="452718"/>
+            <a:ext cx="284052" cy="307777"/>
+          </a:xfrm>
+          <a:prstGeom prst="rect">
+            <a:avLst/>
+          </a:prstGeom>
+        </p:spPr>
+        <p:txBody>
+          <a:bodyPr wrap="none">
+            <a:spAutoFit/>
+          </a:bodyPr>
+          <a:lstStyle/>
+          <a:p>
+            <a:r>
+              <a:rPr lang="es-AR" dirty="0"/>
+              <a:t>6</a:t>
+            </a:r>
+          </a:p>
+        </p:txBody>
+      </p:sp>
     </p:spTree>
   </p:cSld>
   <p:clrMapOvr>
     <a:masterClrMapping/>
   </p:clrMapOvr>
+  <mc:AlternateContent xmlns:mc="http://schemas.openxmlformats.org/markup-compatibility/2006">
+    <mc:Choice xmlns:p14="http://schemas.microsoft.com/office/powerpoint/2010/main" Requires="p14">
+      <p:transition spd="slow" p14:dur="2000" advClick="0" advTm="20000"/>
+    </mc:Choice>
+    <mc:Fallback>
+      <p:transition spd="slow" advClick="0" advTm="20000"/>
+    </mc:Fallback>
+  </mc:AlternateContent>
   <p:timing>
     <p:tnLst>
       <p:par>
@@ -33788,14 +39357,14 @@
                             </p:stCondLst>
                             <p:childTnLst>
                               <p:par>
-                                <p:cTn id="5" presetID="2" presetClass="exit" presetSubtype="8" fill="hold" nodeType="withEffect">
+                                <p:cTn id="5" presetID="2" presetClass="exit" presetSubtype="8" fill="hold" nodeType="afterEffect">
                                   <p:stCondLst>
                                     <p:cond delay="0"/>
                                   </p:stCondLst>
                                   <p:childTnLst>
                                     <p:anim calcmode="lin" valueType="num">
                                       <p:cBhvr additive="base">
-                                        <p:cTn id="6" dur="5000"/>
+                                        <p:cTn id="6" dur="19996"/>
                                         <p:tgtEl>
                                           <p:spTgt spid="197"/>
                                         </p:tgtEl>
@@ -33820,7 +39389,7 @@
                                       <p:cBhvr>
                                         <p:cTn id="7" dur="1" fill="hold">
                                           <p:stCondLst>
-                                            <p:cond delay="5000"/>
+                                            <p:cond delay="19999"/>
                                           </p:stCondLst>
                                         </p:cTn>
                                         <p:tgtEl>
@@ -33928,7 +39497,7 @@
               <a:buNone/>
             </a:pPr>
             <a:r>
-              <a:rPr lang="en-US" b="1" u="sng">
+              <a:rPr lang="en-US" b="1" u="sng" dirty="0">
                 <a:solidFill>
                   <a:schemeClr val="dk1"/>
                 </a:solidFill>
@@ -33936,21 +39505,21 @@
               <a:t>Responsabilidades en Nexus</a:t>
             </a:r>
             <a:br>
-              <a:rPr lang="en-US" b="1" u="sng">
+              <a:rPr lang="en-US" b="1" u="sng" dirty="0">
                 <a:solidFill>
                   <a:schemeClr val="dk1"/>
                 </a:solidFill>
               </a:rPr>
             </a:br>
             <a:r>
-              <a:rPr lang="en-US" b="1" u="sng">
+              <a:rPr lang="en-US" b="1" u="sng" dirty="0">
                 <a:solidFill>
                   <a:schemeClr val="dk1"/>
                 </a:solidFill>
               </a:rPr>
               <a:t>El Product Owner</a:t>
             </a:r>
-            <a:endParaRPr b="1" u="sng">
+            <a:endParaRPr b="1" u="sng" dirty="0">
               <a:solidFill>
                 <a:schemeClr val="dk1"/>
               </a:solidFill>
@@ -34082,8 +39651,8 @@
         </p:blipFill>
         <p:spPr>
           <a:xfrm>
-            <a:off x="2650650" y="2557475"/>
-            <a:ext cx="5974450" cy="3017275"/>
+            <a:off x="0" y="2052919"/>
+            <a:ext cx="12192000" cy="4656988"/>
           </a:xfrm>
           <a:prstGeom prst="rect">
             <a:avLst/>
@@ -34094,11 +39663,53 @@
           </a:ln>
         </p:spPr>
       </p:pic>
+      <p:sp>
+        <p:nvSpPr>
+          <p:cNvPr id="2" name="Rectángulo 1">
+            <a:extLst>
+              <a:ext uri="{FF2B5EF4-FFF2-40B4-BE49-F238E27FC236}">
+                <a16:creationId xmlns:a16="http://schemas.microsoft.com/office/drawing/2014/main" id="{6BC9577B-DEC8-44C2-BDC8-70A11DBF1161}"/>
+              </a:ext>
+            </a:extLst>
+          </p:cNvPr>
+          <p:cNvSpPr/>
+          <p:nvPr/>
+        </p:nvSpPr>
+        <p:spPr>
+          <a:xfrm>
+            <a:off x="10600619" y="298829"/>
+            <a:ext cx="284052" cy="307777"/>
+          </a:xfrm>
+          <a:prstGeom prst="rect">
+            <a:avLst/>
+          </a:prstGeom>
+        </p:spPr>
+        <p:txBody>
+          <a:bodyPr wrap="none">
+            <a:spAutoFit/>
+          </a:bodyPr>
+          <a:lstStyle/>
+          <a:p>
+            <a:r>
+              <a:rPr lang="es-AR" dirty="0"/>
+              <a:t>7</a:t>
+            </a:r>
+          </a:p>
+        </p:txBody>
+      </p:sp>
     </p:spTree>
   </p:cSld>
   <p:clrMapOvr>
     <a:masterClrMapping/>
   </p:clrMapOvr>
+  <mc:AlternateContent xmlns:mc="http://schemas.openxmlformats.org/markup-compatibility/2006">
+    <mc:Choice xmlns:p14="http://schemas.microsoft.com/office/powerpoint/2010/main" Requires="p14">
+      <p:transition spd="slow" p14:dur="2000" advClick="0" advTm="20000"/>
+    </mc:Choice>
+    <mc:Fallback>
+      <p:transition spd="slow" advClick="0" advTm="20000"/>
+    </mc:Fallback>
+  </mc:AlternateContent>
   <p:timing>
     <p:tnLst>
       <p:par>
@@ -34123,14 +39734,14 @@
                             </p:stCondLst>
                             <p:childTnLst>
                               <p:par>
-                                <p:cTn id="5" presetID="2" presetClass="exit" presetSubtype="8" fill="hold" nodeType="withEffect">
+                                <p:cTn id="5" presetID="2" presetClass="exit" presetSubtype="8" fill="hold" nodeType="afterEffect">
                                   <p:stCondLst>
                                     <p:cond delay="0"/>
                                   </p:stCondLst>
                                   <p:childTnLst>
                                     <p:anim calcmode="lin" valueType="num">
                                       <p:cBhvr additive="base">
-                                        <p:cTn id="6" dur="5000"/>
+                                        <p:cTn id="6" dur="19996"/>
                                         <p:tgtEl>
                                           <p:spTgt spid="205"/>
                                         </p:tgtEl>
@@ -34155,7 +39766,7 @@
                                       <p:cBhvr>
                                         <p:cTn id="7" dur="1" fill="hold">
                                           <p:stCondLst>
-                                            <p:cond delay="5000"/>
+                                            <p:cond delay="19999"/>
                                           </p:stCondLst>
                                         </p:cTn>
                                         <p:tgtEl>
@@ -34263,7 +39874,7 @@
               <a:buNone/>
             </a:pPr>
             <a:r>
-              <a:rPr lang="en-US" b="1" u="sng">
+              <a:rPr lang="en-US" b="1" u="sng" dirty="0">
                 <a:solidFill>
                   <a:schemeClr val="dk1"/>
                 </a:solidFill>
@@ -34271,21 +39882,21 @@
               <a:t>Responsabilidades en Nexus</a:t>
             </a:r>
             <a:br>
-              <a:rPr lang="en-US" b="1" u="sng">
+              <a:rPr lang="en-US" b="1" u="sng" dirty="0">
                 <a:solidFill>
                   <a:schemeClr val="dk1"/>
                 </a:solidFill>
               </a:rPr>
             </a:br>
             <a:r>
-              <a:rPr lang="en-US" b="1" u="sng">
+              <a:rPr lang="en-US" b="1" u="sng" dirty="0">
                 <a:solidFill>
                   <a:schemeClr val="dk1"/>
                 </a:solidFill>
               </a:rPr>
               <a:t>Un Scrum Master</a:t>
             </a:r>
-            <a:endParaRPr b="1" u="sng">
+            <a:endParaRPr b="1" u="sng" dirty="0">
               <a:solidFill>
                 <a:schemeClr val="dk1"/>
               </a:solidFill>
@@ -34428,11 +40039,53 @@
           </a:ln>
         </p:spPr>
       </p:pic>
+      <p:sp>
+        <p:nvSpPr>
+          <p:cNvPr id="2" name="Rectángulo 1">
+            <a:extLst>
+              <a:ext uri="{FF2B5EF4-FFF2-40B4-BE49-F238E27FC236}">
+                <a16:creationId xmlns:a16="http://schemas.microsoft.com/office/drawing/2014/main" id="{EA8773BD-0B92-4416-B516-8971A5E692C7}"/>
+              </a:ext>
+            </a:extLst>
+          </p:cNvPr>
+          <p:cNvSpPr/>
+          <p:nvPr/>
+        </p:nvSpPr>
+        <p:spPr>
+          <a:xfrm>
+            <a:off x="10619281" y="452718"/>
+            <a:ext cx="284052" cy="307777"/>
+          </a:xfrm>
+          <a:prstGeom prst="rect">
+            <a:avLst/>
+          </a:prstGeom>
+        </p:spPr>
+        <p:txBody>
+          <a:bodyPr wrap="none">
+            <a:spAutoFit/>
+          </a:bodyPr>
+          <a:lstStyle/>
+          <a:p>
+            <a:r>
+              <a:rPr lang="es-AR" dirty="0"/>
+              <a:t>8</a:t>
+            </a:r>
+          </a:p>
+        </p:txBody>
+      </p:sp>
     </p:spTree>
   </p:cSld>
   <p:clrMapOvr>
     <a:masterClrMapping/>
   </p:clrMapOvr>
+  <mc:AlternateContent xmlns:mc="http://schemas.openxmlformats.org/markup-compatibility/2006">
+    <mc:Choice xmlns:p14="http://schemas.microsoft.com/office/powerpoint/2010/main" Requires="p14">
+      <p:transition spd="slow" p14:dur="2000" advClick="0" advTm="20000"/>
+    </mc:Choice>
+    <mc:Fallback>
+      <p:transition spd="slow" advClick="0" advTm="20000"/>
+    </mc:Fallback>
+  </mc:AlternateContent>
   <p:timing>
     <p:tnLst>
       <p:par>
@@ -34457,14 +40110,14 @@
                             </p:stCondLst>
                             <p:childTnLst>
                               <p:par>
-                                <p:cTn id="5" presetID="2" presetClass="exit" presetSubtype="8" fill="hold" nodeType="withEffect">
+                                <p:cTn id="5" presetID="2" presetClass="exit" presetSubtype="8" fill="hold" nodeType="afterEffect">
                                   <p:stCondLst>
                                     <p:cond delay="0"/>
                                   </p:stCondLst>
                                   <p:childTnLst>
                                     <p:anim calcmode="lin" valueType="num">
                                       <p:cBhvr additive="base">
-                                        <p:cTn id="6" dur="5000"/>
+                                        <p:cTn id="6" dur="19996"/>
                                         <p:tgtEl>
                                           <p:spTgt spid="213"/>
                                         </p:tgtEl>
@@ -34489,7 +40142,7 @@
                                       <p:cBhvr>
                                         <p:cTn id="7" dur="1" fill="hold">
                                           <p:stCondLst>
-                                            <p:cond delay="5000"/>
+                                            <p:cond delay="19999"/>
                                           </p:stCondLst>
                                         </p:cTn>
                                         <p:tgtEl>
@@ -34566,7 +40219,7 @@
         </p:nvSpPr>
         <p:spPr>
           <a:xfrm>
-            <a:off x="646111" y="452718"/>
+            <a:off x="968840" y="148094"/>
             <a:ext cx="9404723" cy="1400530"/>
           </a:xfrm>
           <a:prstGeom prst="rect">
@@ -34597,7 +40250,7 @@
               <a:buNone/>
             </a:pPr>
             <a:r>
-              <a:rPr lang="en-US" b="1" u="sng">
+              <a:rPr lang="en-US" b="1" u="sng" dirty="0">
                 <a:solidFill>
                   <a:schemeClr val="dk1"/>
                 </a:solidFill>
@@ -34605,21 +40258,21 @@
               <a:t>Responsabilidades en Nexus</a:t>
             </a:r>
             <a:br>
-              <a:rPr lang="en-US" b="1" u="sng">
+              <a:rPr lang="en-US" b="1" u="sng" dirty="0">
                 <a:solidFill>
                   <a:schemeClr val="dk1"/>
                 </a:solidFill>
               </a:rPr>
             </a:br>
             <a:r>
-              <a:rPr lang="en-US" b="1" u="sng">
+              <a:rPr lang="en-US" b="1" u="sng" dirty="0">
                 <a:solidFill>
                   <a:schemeClr val="dk1"/>
                 </a:solidFill>
               </a:rPr>
               <a:t>Uno o más Miembros del Nexus Integration Team</a:t>
             </a:r>
-            <a:endParaRPr b="1" u="sng">
+            <a:endParaRPr b="1" u="sng" dirty="0">
               <a:solidFill>
                 <a:schemeClr val="dk1"/>
               </a:solidFill>
@@ -34751,8 +40404,8 @@
         </p:blipFill>
         <p:spPr>
           <a:xfrm>
-            <a:off x="3429000" y="2890425"/>
-            <a:ext cx="4081150" cy="2782288"/>
+            <a:off x="0" y="2187388"/>
+            <a:ext cx="12192000" cy="4522518"/>
           </a:xfrm>
           <a:prstGeom prst="rect">
             <a:avLst/>
@@ -34763,11 +40416,53 @@
           </a:ln>
         </p:spPr>
       </p:pic>
+      <p:sp>
+        <p:nvSpPr>
+          <p:cNvPr id="2" name="Rectángulo 1">
+            <a:extLst>
+              <a:ext uri="{FF2B5EF4-FFF2-40B4-BE49-F238E27FC236}">
+                <a16:creationId xmlns:a16="http://schemas.microsoft.com/office/drawing/2014/main" id="{D834916A-2759-4517-8B10-175EECE619ED}"/>
+              </a:ext>
+            </a:extLst>
+          </p:cNvPr>
+          <p:cNvSpPr/>
+          <p:nvPr/>
+        </p:nvSpPr>
+        <p:spPr>
+          <a:xfrm>
+            <a:off x="10581958" y="401283"/>
+            <a:ext cx="284052" cy="307777"/>
+          </a:xfrm>
+          <a:prstGeom prst="rect">
+            <a:avLst/>
+          </a:prstGeom>
+        </p:spPr>
+        <p:txBody>
+          <a:bodyPr wrap="none">
+            <a:spAutoFit/>
+          </a:bodyPr>
+          <a:lstStyle/>
+          <a:p>
+            <a:r>
+              <a:rPr lang="es-AR" dirty="0"/>
+              <a:t>9</a:t>
+            </a:r>
+          </a:p>
+        </p:txBody>
+      </p:sp>
     </p:spTree>
   </p:cSld>
   <p:clrMapOvr>
     <a:masterClrMapping/>
   </p:clrMapOvr>
+  <mc:AlternateContent xmlns:mc="http://schemas.openxmlformats.org/markup-compatibility/2006">
+    <mc:Choice xmlns:p14="http://schemas.microsoft.com/office/powerpoint/2010/main" Requires="p14">
+      <p:transition spd="slow" p14:dur="2000" advClick="0" advTm="20000"/>
+    </mc:Choice>
+    <mc:Fallback>
+      <p:transition spd="slow" advClick="0" advTm="20000"/>
+    </mc:Fallback>
+  </mc:AlternateContent>
   <p:timing>
     <p:tnLst>
       <p:par>
@@ -34792,14 +40487,14 @@
                             </p:stCondLst>
                             <p:childTnLst>
                               <p:par>
-                                <p:cTn id="5" presetID="2" presetClass="exit" presetSubtype="8" fill="hold" nodeType="withEffect">
+                                <p:cTn id="5" presetID="2" presetClass="exit" presetSubtype="8" fill="hold" nodeType="afterEffect">
                                   <p:stCondLst>
                                     <p:cond delay="0"/>
                                   </p:stCondLst>
                                   <p:childTnLst>
                                     <p:anim calcmode="lin" valueType="num">
                                       <p:cBhvr additive="base">
-                                        <p:cTn id="6" dur="5000"/>
+                                        <p:cTn id="6" dur="19996"/>
                                         <p:tgtEl>
                                           <p:spTgt spid="221"/>
                                         </p:tgtEl>
@@ -34824,7 +40519,7 @@
                                       <p:cBhvr>
                                         <p:cTn id="7" dur="1" fill="hold">
                                           <p:stCondLst>
-                                            <p:cond delay="5000"/>
+                                            <p:cond delay="19999"/>
                                           </p:stCondLst>
                                         </p:cTn>
                                         <p:tgtEl>
